--- a/Documents/기획서/기획서.pptx
+++ b/Documents/기획서/기획서.pptx
@@ -15,6 +15,7 @@
     <p:sldId id="258" r:id="rId9"/>
     <p:sldId id="261" r:id="rId10"/>
     <p:sldId id="262" r:id="rId11"/>
+    <p:sldId id="268" r:id="rId12"/>
   </p:sldIdLst>
   <p:sldSz cx="12192000" cy="6858000"/>
   <p:notesSz cx="6858000" cy="9144000"/>
@@ -268,7 +269,7 @@
           <a:p>
             <a:fld id="{640FAAA2-EE4C-49FC-AC07-F5ED09710A73}" type="datetimeFigureOut">
               <a:rPr lang="ko-KR" altLang="en-US" smtClean="0"/>
-              <a:t>2024-03-10-Sun</a:t>
+              <a:t>2024-03-11-Mon</a:t>
             </a:fld>
             <a:endParaRPr lang="ko-KR" altLang="en-US"/>
           </a:p>
@@ -466,7 +467,7 @@
           <a:p>
             <a:fld id="{640FAAA2-EE4C-49FC-AC07-F5ED09710A73}" type="datetimeFigureOut">
               <a:rPr lang="ko-KR" altLang="en-US" smtClean="0"/>
-              <a:t>2024-03-10-Sun</a:t>
+              <a:t>2024-03-11-Mon</a:t>
             </a:fld>
             <a:endParaRPr lang="ko-KR" altLang="en-US"/>
           </a:p>
@@ -674,7 +675,7 @@
           <a:p>
             <a:fld id="{640FAAA2-EE4C-49FC-AC07-F5ED09710A73}" type="datetimeFigureOut">
               <a:rPr lang="ko-KR" altLang="en-US" smtClean="0"/>
-              <a:t>2024-03-10-Sun</a:t>
+              <a:t>2024-03-11-Mon</a:t>
             </a:fld>
             <a:endParaRPr lang="ko-KR" altLang="en-US"/>
           </a:p>
@@ -872,7 +873,7 @@
           <a:p>
             <a:fld id="{640FAAA2-EE4C-49FC-AC07-F5ED09710A73}" type="datetimeFigureOut">
               <a:rPr lang="ko-KR" altLang="en-US" smtClean="0"/>
-              <a:t>2024-03-10-Sun</a:t>
+              <a:t>2024-03-11-Mon</a:t>
             </a:fld>
             <a:endParaRPr lang="ko-KR" altLang="en-US"/>
           </a:p>
@@ -1147,7 +1148,7 @@
           <a:p>
             <a:fld id="{640FAAA2-EE4C-49FC-AC07-F5ED09710A73}" type="datetimeFigureOut">
               <a:rPr lang="ko-KR" altLang="en-US" smtClean="0"/>
-              <a:t>2024-03-10-Sun</a:t>
+              <a:t>2024-03-11-Mon</a:t>
             </a:fld>
             <a:endParaRPr lang="ko-KR" altLang="en-US"/>
           </a:p>
@@ -1412,7 +1413,7 @@
           <a:p>
             <a:fld id="{640FAAA2-EE4C-49FC-AC07-F5ED09710A73}" type="datetimeFigureOut">
               <a:rPr lang="ko-KR" altLang="en-US" smtClean="0"/>
-              <a:t>2024-03-10-Sun</a:t>
+              <a:t>2024-03-11-Mon</a:t>
             </a:fld>
             <a:endParaRPr lang="ko-KR" altLang="en-US"/>
           </a:p>
@@ -1824,7 +1825,7 @@
           <a:p>
             <a:fld id="{640FAAA2-EE4C-49FC-AC07-F5ED09710A73}" type="datetimeFigureOut">
               <a:rPr lang="ko-KR" altLang="en-US" smtClean="0"/>
-              <a:t>2024-03-10-Sun</a:t>
+              <a:t>2024-03-11-Mon</a:t>
             </a:fld>
             <a:endParaRPr lang="ko-KR" altLang="en-US"/>
           </a:p>
@@ -1965,7 +1966,7 @@
           <a:p>
             <a:fld id="{640FAAA2-EE4C-49FC-AC07-F5ED09710A73}" type="datetimeFigureOut">
               <a:rPr lang="ko-KR" altLang="en-US" smtClean="0"/>
-              <a:t>2024-03-10-Sun</a:t>
+              <a:t>2024-03-11-Mon</a:t>
             </a:fld>
             <a:endParaRPr lang="ko-KR" altLang="en-US"/>
           </a:p>
@@ -2078,7 +2079,7 @@
           <a:p>
             <a:fld id="{640FAAA2-EE4C-49FC-AC07-F5ED09710A73}" type="datetimeFigureOut">
               <a:rPr lang="ko-KR" altLang="en-US" smtClean="0"/>
-              <a:t>2024-03-10-Sun</a:t>
+              <a:t>2024-03-11-Mon</a:t>
             </a:fld>
             <a:endParaRPr lang="ko-KR" altLang="en-US"/>
           </a:p>
@@ -2389,7 +2390,7 @@
           <a:p>
             <a:fld id="{640FAAA2-EE4C-49FC-AC07-F5ED09710A73}" type="datetimeFigureOut">
               <a:rPr lang="ko-KR" altLang="en-US" smtClean="0"/>
-              <a:t>2024-03-10-Sun</a:t>
+              <a:t>2024-03-11-Mon</a:t>
             </a:fld>
             <a:endParaRPr lang="ko-KR" altLang="en-US"/>
           </a:p>
@@ -2677,7 +2678,7 @@
           <a:p>
             <a:fld id="{640FAAA2-EE4C-49FC-AC07-F5ED09710A73}" type="datetimeFigureOut">
               <a:rPr lang="ko-KR" altLang="en-US" smtClean="0"/>
-              <a:t>2024-03-10-Sun</a:t>
+              <a:t>2024-03-11-Mon</a:t>
             </a:fld>
             <a:endParaRPr lang="ko-KR" altLang="en-US"/>
           </a:p>
@@ -2918,7 +2919,7 @@
           <a:p>
             <a:fld id="{640FAAA2-EE4C-49FC-AC07-F5ED09710A73}" type="datetimeFigureOut">
               <a:rPr lang="ko-KR" altLang="en-US" smtClean="0"/>
-              <a:t>2024-03-10-Sun</a:t>
+              <a:t>2024-03-11-Mon</a:t>
             </a:fld>
             <a:endParaRPr lang="ko-KR" altLang="en-US"/>
           </a:p>
@@ -3648,6 +3649,133 @@
 </p:sld>
 </file>
 
+<file path=ppt/slides/slide11.xml><?xml version="1.0" encoding="utf-8"?>
+<p:sld xmlns:a="http://schemas.openxmlformats.org/drawingml/2006/main" xmlns:r="http://schemas.openxmlformats.org/officeDocument/2006/relationships" xmlns:p="http://schemas.openxmlformats.org/presentationml/2006/main">
+  <p:cSld>
+    <p:spTree>
+      <p:nvGrpSpPr>
+        <p:cNvPr id="1" name=""/>
+        <p:cNvGrpSpPr/>
+        <p:nvPr/>
+      </p:nvGrpSpPr>
+      <p:grpSpPr>
+        <a:xfrm>
+          <a:off x="0" y="0"/>
+          <a:ext cx="0" cy="0"/>
+          <a:chOff x="0" y="0"/>
+          <a:chExt cx="0" cy="0"/>
+        </a:xfrm>
+      </p:grpSpPr>
+      <p:sp>
+        <p:nvSpPr>
+          <p:cNvPr id="2" name="제목 1">
+            <a:extLst>
+              <a:ext uri="{FF2B5EF4-FFF2-40B4-BE49-F238E27FC236}">
+                <a16:creationId xmlns:a16="http://schemas.microsoft.com/office/drawing/2014/main" id="{D65BE590-3F6C-2FBB-CE4E-425860F8D581}"/>
+              </a:ext>
+            </a:extLst>
+          </p:cNvPr>
+          <p:cNvSpPr>
+            <a:spLocks noGrp="1"/>
+          </p:cNvSpPr>
+          <p:nvPr>
+            <p:ph type="title"/>
+          </p:nvPr>
+        </p:nvSpPr>
+        <p:spPr/>
+        <p:txBody>
+          <a:bodyPr/>
+          <a:lstStyle/>
+          <a:p>
+            <a:r>
+              <a:rPr lang="ko-KR" altLang="en-US" dirty="0"/>
+              <a:t>물</a:t>
+            </a:r>
+          </a:p>
+        </p:txBody>
+      </p:sp>
+      <p:sp>
+        <p:nvSpPr>
+          <p:cNvPr id="3" name="내용 개체 틀 2">
+            <a:extLst>
+              <a:ext uri="{FF2B5EF4-FFF2-40B4-BE49-F238E27FC236}">
+                <a16:creationId xmlns:a16="http://schemas.microsoft.com/office/drawing/2014/main" id="{40EACB54-72B1-CFCC-CF05-D00B6FBE0FC4}"/>
+              </a:ext>
+            </a:extLst>
+          </p:cNvPr>
+          <p:cNvSpPr>
+            <a:spLocks noGrp="1"/>
+          </p:cNvSpPr>
+          <p:nvPr>
+            <p:ph idx="1"/>
+          </p:nvPr>
+        </p:nvSpPr>
+        <p:spPr/>
+        <p:txBody>
+          <a:bodyPr/>
+          <a:lstStyle/>
+          <a:p>
+            <a:r>
+              <a:rPr lang="ko-KR" altLang="en-US" dirty="0"/>
+              <a:t>타이머 돌리면서 물 천천히 계속 차오르고</a:t>
+            </a:r>
+            <a:endParaRPr lang="en-US" altLang="ko-KR" dirty="0"/>
+          </a:p>
+          <a:p>
+            <a:r>
+              <a:rPr lang="ko-KR" altLang="en-US" dirty="0"/>
+              <a:t>카메라에 물이 </a:t>
+            </a:r>
+            <a:r>
+              <a:rPr lang="ko-KR" altLang="en-US" dirty="0" err="1"/>
+              <a:t>닿이면</a:t>
+            </a:r>
+            <a:r>
+              <a:rPr lang="ko-KR" altLang="en-US" dirty="0"/>
+              <a:t> 체력이 서서히 깎이게</a:t>
+            </a:r>
+            <a:r>
+              <a:rPr lang="en-US" altLang="ko-KR" dirty="0"/>
+              <a:t>?</a:t>
+            </a:r>
+          </a:p>
+          <a:p>
+            <a:endParaRPr lang="en-US" altLang="ko-KR" dirty="0"/>
+          </a:p>
+          <a:p>
+            <a:r>
+              <a:rPr lang="ko-KR" altLang="en-US" dirty="0"/>
+              <a:t>근데 이런 경우는 </a:t>
+            </a:r>
+            <a:r>
+              <a:rPr lang="ko-KR" altLang="en-US" dirty="0" err="1"/>
+              <a:t>크리처들은</a:t>
+            </a:r>
+            <a:r>
+              <a:rPr lang="ko-KR" altLang="en-US" dirty="0"/>
+              <a:t> 어떻게</a:t>
+            </a:r>
+            <a:r>
+              <a:rPr lang="en-US" altLang="ko-KR"/>
+              <a:t>..??</a:t>
+            </a:r>
+            <a:endParaRPr lang="ko-KR" altLang="en-US"/>
+          </a:p>
+        </p:txBody>
+      </p:sp>
+    </p:spTree>
+    <p:extLst>
+      <p:ext uri="{BB962C8B-B14F-4D97-AF65-F5344CB8AC3E}">
+        <p14:creationId xmlns:p14="http://schemas.microsoft.com/office/powerpoint/2010/main" val="2171601725"/>
+      </p:ext>
+    </p:extLst>
+  </p:cSld>
+  <p:clrMapOvr>
+    <a:masterClrMapping/>
+  </p:clrMapOvr>
+</p:sld>
+</file>
+
 <file path=ppt/slides/slide2.xml><?xml version="1.0" encoding="utf-8"?>
 <p:sld xmlns:a="http://schemas.openxmlformats.org/drawingml/2006/main" xmlns:r="http://schemas.openxmlformats.org/officeDocument/2006/relationships" xmlns:p="http://schemas.openxmlformats.org/presentationml/2006/main">
   <p:cSld>

--- a/Documents/기획서/기획서.pptx
+++ b/Documents/기획서/기획서.pptx
@@ -12,10 +12,11 @@
     <p:sldId id="265" r:id="rId6"/>
     <p:sldId id="266" r:id="rId7"/>
     <p:sldId id="257" r:id="rId8"/>
-    <p:sldId id="258" r:id="rId9"/>
-    <p:sldId id="261" r:id="rId10"/>
-    <p:sldId id="262" r:id="rId11"/>
-    <p:sldId id="268" r:id="rId12"/>
+    <p:sldId id="269" r:id="rId9"/>
+    <p:sldId id="258" r:id="rId10"/>
+    <p:sldId id="261" r:id="rId11"/>
+    <p:sldId id="262" r:id="rId12"/>
+    <p:sldId id="268" r:id="rId13"/>
   </p:sldIdLst>
   <p:sldSz cx="12192000" cy="6858000"/>
   <p:notesSz cx="6858000" cy="9144000"/>
@@ -269,7 +270,7 @@
           <a:p>
             <a:fld id="{640FAAA2-EE4C-49FC-AC07-F5ED09710A73}" type="datetimeFigureOut">
               <a:rPr lang="ko-KR" altLang="en-US" smtClean="0"/>
-              <a:t>2024-03-11-Mon</a:t>
+              <a:t>2024-03-12-Tue</a:t>
             </a:fld>
             <a:endParaRPr lang="ko-KR" altLang="en-US"/>
           </a:p>
@@ -467,7 +468,7 @@
           <a:p>
             <a:fld id="{640FAAA2-EE4C-49FC-AC07-F5ED09710A73}" type="datetimeFigureOut">
               <a:rPr lang="ko-KR" altLang="en-US" smtClean="0"/>
-              <a:t>2024-03-11-Mon</a:t>
+              <a:t>2024-03-12-Tue</a:t>
             </a:fld>
             <a:endParaRPr lang="ko-KR" altLang="en-US"/>
           </a:p>
@@ -675,7 +676,7 @@
           <a:p>
             <a:fld id="{640FAAA2-EE4C-49FC-AC07-F5ED09710A73}" type="datetimeFigureOut">
               <a:rPr lang="ko-KR" altLang="en-US" smtClean="0"/>
-              <a:t>2024-03-11-Mon</a:t>
+              <a:t>2024-03-12-Tue</a:t>
             </a:fld>
             <a:endParaRPr lang="ko-KR" altLang="en-US"/>
           </a:p>
@@ -873,7 +874,7 @@
           <a:p>
             <a:fld id="{640FAAA2-EE4C-49FC-AC07-F5ED09710A73}" type="datetimeFigureOut">
               <a:rPr lang="ko-KR" altLang="en-US" smtClean="0"/>
-              <a:t>2024-03-11-Mon</a:t>
+              <a:t>2024-03-12-Tue</a:t>
             </a:fld>
             <a:endParaRPr lang="ko-KR" altLang="en-US"/>
           </a:p>
@@ -1148,7 +1149,7 @@
           <a:p>
             <a:fld id="{640FAAA2-EE4C-49FC-AC07-F5ED09710A73}" type="datetimeFigureOut">
               <a:rPr lang="ko-KR" altLang="en-US" smtClean="0"/>
-              <a:t>2024-03-11-Mon</a:t>
+              <a:t>2024-03-12-Tue</a:t>
             </a:fld>
             <a:endParaRPr lang="ko-KR" altLang="en-US"/>
           </a:p>
@@ -1413,7 +1414,7 @@
           <a:p>
             <a:fld id="{640FAAA2-EE4C-49FC-AC07-F5ED09710A73}" type="datetimeFigureOut">
               <a:rPr lang="ko-KR" altLang="en-US" smtClean="0"/>
-              <a:t>2024-03-11-Mon</a:t>
+              <a:t>2024-03-12-Tue</a:t>
             </a:fld>
             <a:endParaRPr lang="ko-KR" altLang="en-US"/>
           </a:p>
@@ -1825,7 +1826,7 @@
           <a:p>
             <a:fld id="{640FAAA2-EE4C-49FC-AC07-F5ED09710A73}" type="datetimeFigureOut">
               <a:rPr lang="ko-KR" altLang="en-US" smtClean="0"/>
-              <a:t>2024-03-11-Mon</a:t>
+              <a:t>2024-03-12-Tue</a:t>
             </a:fld>
             <a:endParaRPr lang="ko-KR" altLang="en-US"/>
           </a:p>
@@ -1966,7 +1967,7 @@
           <a:p>
             <a:fld id="{640FAAA2-EE4C-49FC-AC07-F5ED09710A73}" type="datetimeFigureOut">
               <a:rPr lang="ko-KR" altLang="en-US" smtClean="0"/>
-              <a:t>2024-03-11-Mon</a:t>
+              <a:t>2024-03-12-Tue</a:t>
             </a:fld>
             <a:endParaRPr lang="ko-KR" altLang="en-US"/>
           </a:p>
@@ -2079,7 +2080,7 @@
           <a:p>
             <a:fld id="{640FAAA2-EE4C-49FC-AC07-F5ED09710A73}" type="datetimeFigureOut">
               <a:rPr lang="ko-KR" altLang="en-US" smtClean="0"/>
-              <a:t>2024-03-11-Mon</a:t>
+              <a:t>2024-03-12-Tue</a:t>
             </a:fld>
             <a:endParaRPr lang="ko-KR" altLang="en-US"/>
           </a:p>
@@ -2390,7 +2391,7 @@
           <a:p>
             <a:fld id="{640FAAA2-EE4C-49FC-AC07-F5ED09710A73}" type="datetimeFigureOut">
               <a:rPr lang="ko-KR" altLang="en-US" smtClean="0"/>
-              <a:t>2024-03-11-Mon</a:t>
+              <a:t>2024-03-12-Tue</a:t>
             </a:fld>
             <a:endParaRPr lang="ko-KR" altLang="en-US"/>
           </a:p>
@@ -2678,7 +2679,7 @@
           <a:p>
             <a:fld id="{640FAAA2-EE4C-49FC-AC07-F5ED09710A73}" type="datetimeFigureOut">
               <a:rPr lang="ko-KR" altLang="en-US" smtClean="0"/>
-              <a:t>2024-03-11-Mon</a:t>
+              <a:t>2024-03-12-Tue</a:t>
             </a:fld>
             <a:endParaRPr lang="ko-KR" altLang="en-US"/>
           </a:p>
@@ -2919,7 +2920,7 @@
           <a:p>
             <a:fld id="{640FAAA2-EE4C-49FC-AC07-F5ED09710A73}" type="datetimeFigureOut">
               <a:rPr lang="ko-KR" altLang="en-US" smtClean="0"/>
-              <a:t>2024-03-11-Mon</a:t>
+              <a:t>2024-03-12-Tue</a:t>
             </a:fld>
             <a:endParaRPr lang="ko-KR" altLang="en-US"/>
           </a:p>
@@ -3451,6 +3452,101 @@
           <p:cNvPr id="2" name="제목 1">
             <a:extLst>
               <a:ext uri="{FF2B5EF4-FFF2-40B4-BE49-F238E27FC236}">
+                <a16:creationId xmlns:a16="http://schemas.microsoft.com/office/drawing/2014/main" id="{BB1659E5-D109-73F9-E1BE-A4E3930DD44E}"/>
+              </a:ext>
+            </a:extLst>
+          </p:cNvPr>
+          <p:cNvSpPr>
+            <a:spLocks noGrp="1"/>
+          </p:cNvSpPr>
+          <p:nvPr>
+            <p:ph type="title"/>
+          </p:nvPr>
+        </p:nvSpPr>
+        <p:spPr/>
+        <p:txBody>
+          <a:bodyPr/>
+          <a:lstStyle/>
+          <a:p>
+            <a:r>
+              <a:rPr lang="ko-KR" altLang="en-US" dirty="0"/>
+              <a:t>계획추가수정</a:t>
+            </a:r>
+            <a:br>
+              <a:rPr lang="ko-KR" altLang="en-US" dirty="0"/>
+            </a:br>
+            <a:endParaRPr lang="ko-KR" altLang="en-US" dirty="0"/>
+          </a:p>
+        </p:txBody>
+      </p:sp>
+      <p:sp>
+        <p:nvSpPr>
+          <p:cNvPr id="3" name="내용 개체 틀 2">
+            <a:extLst>
+              <a:ext uri="{FF2B5EF4-FFF2-40B4-BE49-F238E27FC236}">
+                <a16:creationId xmlns:a16="http://schemas.microsoft.com/office/drawing/2014/main" id="{52490D68-9902-A843-8682-2D057C536344}"/>
+              </a:ext>
+            </a:extLst>
+          </p:cNvPr>
+          <p:cNvSpPr>
+            <a:spLocks noGrp="1"/>
+          </p:cNvSpPr>
+          <p:nvPr>
+            <p:ph idx="1"/>
+          </p:nvPr>
+        </p:nvSpPr>
+        <p:spPr/>
+        <p:txBody>
+          <a:bodyPr/>
+          <a:lstStyle/>
+          <a:p>
+            <a:r>
+              <a:rPr lang="ko-KR" altLang="en-US" dirty="0"/>
+              <a:t>아이디어가 떠오르면 </a:t>
+            </a:r>
+            <a:r>
+              <a:rPr lang="ko-KR" altLang="en-US" dirty="0" err="1"/>
+              <a:t>추가할것</a:t>
+            </a:r>
+            <a:endParaRPr lang="ko-KR" altLang="en-US" dirty="0"/>
+          </a:p>
+        </p:txBody>
+      </p:sp>
+    </p:spTree>
+    <p:extLst>
+      <p:ext uri="{BB962C8B-B14F-4D97-AF65-F5344CB8AC3E}">
+        <p14:creationId xmlns:p14="http://schemas.microsoft.com/office/powerpoint/2010/main" val="815231455"/>
+      </p:ext>
+    </p:extLst>
+  </p:cSld>
+  <p:clrMapOvr>
+    <a:masterClrMapping/>
+  </p:clrMapOvr>
+</p:sld>
+</file>
+
+<file path=ppt/slides/slide11.xml><?xml version="1.0" encoding="utf-8"?>
+<p:sld xmlns:a="http://schemas.openxmlformats.org/drawingml/2006/main" xmlns:r="http://schemas.openxmlformats.org/officeDocument/2006/relationships" xmlns:p="http://schemas.openxmlformats.org/presentationml/2006/main">
+  <p:cSld>
+    <p:spTree>
+      <p:nvGrpSpPr>
+        <p:cNvPr id="1" name=""/>
+        <p:cNvGrpSpPr/>
+        <p:nvPr/>
+      </p:nvGrpSpPr>
+      <p:grpSpPr>
+        <a:xfrm>
+          <a:off x="0" y="0"/>
+          <a:ext cx="0" cy="0"/>
+          <a:chOff x="0" y="0"/>
+          <a:chExt cx="0" cy="0"/>
+        </a:xfrm>
+      </p:grpSpPr>
+      <p:sp>
+        <p:nvSpPr>
+          <p:cNvPr id="2" name="제목 1">
+            <a:extLst>
+              <a:ext uri="{FF2B5EF4-FFF2-40B4-BE49-F238E27FC236}">
                 <a16:creationId xmlns:a16="http://schemas.microsoft.com/office/drawing/2014/main" id="{DE59FFBC-1687-2F60-EDF0-7E39D4237921}"/>
               </a:ext>
             </a:extLst>
@@ -3649,7 +3745,7 @@
 </p:sld>
 </file>
 
-<file path=ppt/slides/slide11.xml><?xml version="1.0" encoding="utf-8"?>
+<file path=ppt/slides/slide12.xml><?xml version="1.0" encoding="utf-8"?>
 <p:sld xmlns:a="http://schemas.openxmlformats.org/drawingml/2006/main" xmlns:r="http://schemas.openxmlformats.org/officeDocument/2006/relationships" xmlns:p="http://schemas.openxmlformats.org/presentationml/2006/main">
   <p:cSld>
     <p:spTree>
@@ -4917,7 +5013,7 @@
           <p:cNvPr id="2" name="제목 1">
             <a:extLst>
               <a:ext uri="{FF2B5EF4-FFF2-40B4-BE49-F238E27FC236}">
-                <a16:creationId xmlns:a16="http://schemas.microsoft.com/office/drawing/2014/main" id="{6A06D334-5769-B9F4-44E6-5A96E677DE0E}"/>
+                <a16:creationId xmlns:a16="http://schemas.microsoft.com/office/drawing/2014/main" id="{7849E8B7-62FB-0190-0689-D188A0DC1BF7}"/>
               </a:ext>
             </a:extLst>
           </p:cNvPr>
@@ -4935,12 +5031,9 @@
           <a:p>
             <a:r>
               <a:rPr lang="ko-KR" altLang="en-US" dirty="0" err="1"/>
-              <a:t>필요한거</a:t>
-            </a:r>
-            <a:r>
-              <a:rPr lang="ko-KR" altLang="en-US"/>
-              <a:t> 여기 들어가서 참고하셈</a:t>
-            </a:r>
+              <a:t>장비창</a:t>
+            </a:r>
+            <a:endParaRPr lang="ko-KR" altLang="en-US" dirty="0"/>
           </a:p>
         </p:txBody>
       </p:sp>
@@ -4949,7 +5042,7 @@
           <p:cNvPr id="3" name="내용 개체 틀 2">
             <a:extLst>
               <a:ext uri="{FF2B5EF4-FFF2-40B4-BE49-F238E27FC236}">
-                <a16:creationId xmlns:a16="http://schemas.microsoft.com/office/drawing/2014/main" id="{374BFC39-8686-5094-06E8-2441D85F6B75}"/>
+                <a16:creationId xmlns:a16="http://schemas.microsoft.com/office/drawing/2014/main" id="{4D0C32A6-55B0-BB18-7A73-B998C7831103}"/>
               </a:ext>
             </a:extLst>
           </p:cNvPr>
@@ -4967,64 +5060,60 @@
           <a:p>
             <a:r>
               <a:rPr lang="ko-KR" altLang="en-US" dirty="0"/>
-              <a:t>드래그로 오브젝트 움직이기</a:t>
+              <a:t>마우스클릭 없이 </a:t>
+            </a:r>
+            <a:r>
+              <a:rPr lang="en-US" altLang="ko-KR" dirty="0"/>
+              <a:t>E </a:t>
+            </a:r>
+            <a:r>
+              <a:rPr lang="ko-KR" altLang="en-US" dirty="0"/>
+              <a:t>누르면 장비창에 획득목록 보여줌</a:t>
             </a:r>
             <a:endParaRPr lang="en-US" altLang="ko-KR" dirty="0"/>
           </a:p>
           <a:p>
             <a:r>
-              <a:rPr lang="en-US" altLang="ko-KR" dirty="0">
-                <a:hlinkClick r:id="rId2"/>
-              </a:rPr>
-              <a:t>https://bloodstrawberry.tistory.com/992?category=1024514</a:t>
+              <a:rPr lang="ko-KR" altLang="en-US" dirty="0"/>
+              <a:t>모두 패시브로 사용되게 하고</a:t>
             </a:r>
             <a:endParaRPr lang="en-US" altLang="ko-KR" dirty="0"/>
           </a:p>
           <a:p>
             <a:r>
+              <a:rPr lang="ko-KR" altLang="en-US" dirty="0"/>
+              <a:t>아이템은 캐릭터가 </a:t>
+            </a:r>
+            <a:r>
               <a:rPr lang="en-US" altLang="ko-KR" dirty="0"/>
-              <a:t>==</a:t>
-            </a:r>
-            <a:r>
-              <a:rPr lang="ko-KR" altLang="en-US" dirty="0"/>
-              <a:t> 근데 우리 마우스 포인터 </a:t>
-            </a:r>
-            <a:r>
-              <a:rPr lang="ko-KR" altLang="en-US" dirty="0" err="1"/>
-              <a:t>필요없잖아</a:t>
+              <a:t>space </a:t>
+            </a:r>
+            <a:r>
+              <a:rPr lang="ko-KR" altLang="en-US" dirty="0"/>
+              <a:t>누르면 먹고</a:t>
+            </a:r>
+            <a:endParaRPr lang="en-US" altLang="ko-KR" dirty="0"/>
+          </a:p>
+          <a:p>
+            <a:r>
+              <a:rPr lang="ko-KR" altLang="en-US" dirty="0"/>
+              <a:t>트리거 동작하는 부분에서 </a:t>
             </a:r>
             <a:r>
               <a:rPr lang="en-US" altLang="ko-KR" dirty="0"/>
-              <a:t>..</a:t>
-            </a:r>
-          </a:p>
-          <a:p>
-            <a:endParaRPr lang="en-US" altLang="ko-KR" dirty="0"/>
-          </a:p>
-          <a:p>
-            <a:r>
-              <a:rPr lang="ko-KR" altLang="en-US" dirty="0"/>
-              <a:t>이미지 애니메이션으로 만드는 </a:t>
-            </a:r>
-            <a:r>
-              <a:rPr lang="ko-KR" altLang="en-US" dirty="0" err="1"/>
-              <a:t>바업</a:t>
-            </a:r>
-            <a:endParaRPr lang="en-US" altLang="ko-KR" dirty="0"/>
-          </a:p>
-          <a:p>
-            <a:r>
-              <a:rPr lang="en-US" altLang="ko-KR" dirty="0"/>
-              <a:t>https://boxwitch.tistory.com/16</a:t>
-            </a:r>
-            <a:endParaRPr lang="ko-KR" altLang="en-US" dirty="0"/>
+              <a:t>space </a:t>
+            </a:r>
+            <a:r>
+              <a:rPr lang="ko-KR" altLang="en-US"/>
+              <a:t>누르면 작동하게 설정</a:t>
+            </a:r>
           </a:p>
         </p:txBody>
       </p:sp>
     </p:spTree>
     <p:extLst>
       <p:ext uri="{BB962C8B-B14F-4D97-AF65-F5344CB8AC3E}">
-        <p14:creationId xmlns:p14="http://schemas.microsoft.com/office/powerpoint/2010/main" val="735362778"/>
+        <p14:creationId xmlns:p14="http://schemas.microsoft.com/office/powerpoint/2010/main" val="1963623474"/>
       </p:ext>
     </p:extLst>
   </p:cSld>
@@ -5056,7 +5145,7 @@
           <p:cNvPr id="2" name="제목 1">
             <a:extLst>
               <a:ext uri="{FF2B5EF4-FFF2-40B4-BE49-F238E27FC236}">
-                <a16:creationId xmlns:a16="http://schemas.microsoft.com/office/drawing/2014/main" id="{BB1659E5-D109-73F9-E1BE-A4E3930DD44E}"/>
+                <a16:creationId xmlns:a16="http://schemas.microsoft.com/office/drawing/2014/main" id="{6A06D334-5769-B9F4-44E6-5A96E677DE0E}"/>
               </a:ext>
             </a:extLst>
           </p:cNvPr>
@@ -5073,13 +5162,13 @@
           <a:lstStyle/>
           <a:p>
             <a:r>
-              <a:rPr lang="ko-KR" altLang="en-US" dirty="0"/>
-              <a:t>계획추가수정</a:t>
-            </a:r>
-            <a:br>
-              <a:rPr lang="ko-KR" altLang="en-US" dirty="0"/>
-            </a:br>
-            <a:endParaRPr lang="ko-KR" altLang="en-US" dirty="0"/>
+              <a:rPr lang="ko-KR" altLang="en-US" dirty="0" err="1"/>
+              <a:t>필요한거</a:t>
+            </a:r>
+            <a:r>
+              <a:rPr lang="ko-KR" altLang="en-US"/>
+              <a:t> 여기 들어가서 참고하셈</a:t>
+            </a:r>
           </a:p>
         </p:txBody>
       </p:sp>
@@ -5088,7 +5177,7 @@
           <p:cNvPr id="3" name="내용 개체 틀 2">
             <a:extLst>
               <a:ext uri="{FF2B5EF4-FFF2-40B4-BE49-F238E27FC236}">
-                <a16:creationId xmlns:a16="http://schemas.microsoft.com/office/drawing/2014/main" id="{52490D68-9902-A843-8682-2D057C536344}"/>
+                <a16:creationId xmlns:a16="http://schemas.microsoft.com/office/drawing/2014/main" id="{374BFC39-8686-5094-06E8-2441D85F6B75}"/>
               </a:ext>
             </a:extLst>
           </p:cNvPr>
@@ -5106,11 +5195,55 @@
           <a:p>
             <a:r>
               <a:rPr lang="ko-KR" altLang="en-US" dirty="0"/>
-              <a:t>아이디어가 떠오르면 </a:t>
+              <a:t>드래그로 오브젝트 움직이기</a:t>
+            </a:r>
+            <a:endParaRPr lang="en-US" altLang="ko-KR" dirty="0"/>
+          </a:p>
+          <a:p>
+            <a:r>
+              <a:rPr lang="en-US" altLang="ko-KR" dirty="0">
+                <a:hlinkClick r:id="rId2"/>
+              </a:rPr>
+              <a:t>https://bloodstrawberry.tistory.com/992?category=1024514</a:t>
+            </a:r>
+            <a:endParaRPr lang="en-US" altLang="ko-KR" dirty="0"/>
+          </a:p>
+          <a:p>
+            <a:r>
+              <a:rPr lang="en-US" altLang="ko-KR" dirty="0"/>
+              <a:t>==</a:t>
+            </a:r>
+            <a:r>
+              <a:rPr lang="ko-KR" altLang="en-US" dirty="0"/>
+              <a:t> 근데 우리 마우스 포인터 </a:t>
             </a:r>
             <a:r>
               <a:rPr lang="ko-KR" altLang="en-US" dirty="0" err="1"/>
-              <a:t>추가할것</a:t>
+              <a:t>필요없잖아</a:t>
+            </a:r>
+            <a:r>
+              <a:rPr lang="en-US" altLang="ko-KR" dirty="0"/>
+              <a:t>..</a:t>
+            </a:r>
+          </a:p>
+          <a:p>
+            <a:endParaRPr lang="en-US" altLang="ko-KR" dirty="0"/>
+          </a:p>
+          <a:p>
+            <a:r>
+              <a:rPr lang="ko-KR" altLang="en-US" dirty="0"/>
+              <a:t>이미지 애니메이션으로 만드는 </a:t>
+            </a:r>
+            <a:r>
+              <a:rPr lang="ko-KR" altLang="en-US" dirty="0" err="1"/>
+              <a:t>바업</a:t>
+            </a:r>
+            <a:endParaRPr lang="en-US" altLang="ko-KR" dirty="0"/>
+          </a:p>
+          <a:p>
+            <a:r>
+              <a:rPr lang="en-US" altLang="ko-KR" dirty="0"/>
+              <a:t>https://boxwitch.tistory.com/16</a:t>
             </a:r>
             <a:endParaRPr lang="ko-KR" altLang="en-US" dirty="0"/>
           </a:p>
@@ -5119,7 +5252,7 @@
     </p:spTree>
     <p:extLst>
       <p:ext uri="{BB962C8B-B14F-4D97-AF65-F5344CB8AC3E}">
-        <p14:creationId xmlns:p14="http://schemas.microsoft.com/office/powerpoint/2010/main" val="815231455"/>
+        <p14:creationId xmlns:p14="http://schemas.microsoft.com/office/powerpoint/2010/main" val="735362778"/>
       </p:ext>
     </p:extLst>
   </p:cSld>

--- a/Documents/기획서/기획서.pptx
+++ b/Documents/기획서/기획서.pptx
@@ -6,17 +6,18 @@
   </p:sldMasterIdLst>
   <p:sldIdLst>
     <p:sldId id="256" r:id="rId2"/>
-    <p:sldId id="267" r:id="rId3"/>
-    <p:sldId id="263" r:id="rId4"/>
-    <p:sldId id="264" r:id="rId5"/>
-    <p:sldId id="265" r:id="rId6"/>
-    <p:sldId id="266" r:id="rId7"/>
-    <p:sldId id="257" r:id="rId8"/>
-    <p:sldId id="269" r:id="rId9"/>
-    <p:sldId id="258" r:id="rId10"/>
-    <p:sldId id="261" r:id="rId11"/>
-    <p:sldId id="262" r:id="rId12"/>
-    <p:sldId id="268" r:id="rId13"/>
+    <p:sldId id="270" r:id="rId3"/>
+    <p:sldId id="267" r:id="rId4"/>
+    <p:sldId id="263" r:id="rId5"/>
+    <p:sldId id="264" r:id="rId6"/>
+    <p:sldId id="265" r:id="rId7"/>
+    <p:sldId id="266" r:id="rId8"/>
+    <p:sldId id="257" r:id="rId9"/>
+    <p:sldId id="269" r:id="rId10"/>
+    <p:sldId id="258" r:id="rId11"/>
+    <p:sldId id="261" r:id="rId12"/>
+    <p:sldId id="262" r:id="rId13"/>
+    <p:sldId id="268" r:id="rId14"/>
   </p:sldIdLst>
   <p:sldSz cx="12192000" cy="6858000"/>
   <p:notesSz cx="6858000" cy="9144000"/>
@@ -270,7 +271,7 @@
           <a:p>
             <a:fld id="{640FAAA2-EE4C-49FC-AC07-F5ED09710A73}" type="datetimeFigureOut">
               <a:rPr lang="ko-KR" altLang="en-US" smtClean="0"/>
-              <a:t>2024-03-12-Tue</a:t>
+              <a:t>2024-03-13-Wed</a:t>
             </a:fld>
             <a:endParaRPr lang="ko-KR" altLang="en-US"/>
           </a:p>
@@ -468,7 +469,7 @@
           <a:p>
             <a:fld id="{640FAAA2-EE4C-49FC-AC07-F5ED09710A73}" type="datetimeFigureOut">
               <a:rPr lang="ko-KR" altLang="en-US" smtClean="0"/>
-              <a:t>2024-03-12-Tue</a:t>
+              <a:t>2024-03-13-Wed</a:t>
             </a:fld>
             <a:endParaRPr lang="ko-KR" altLang="en-US"/>
           </a:p>
@@ -676,7 +677,7 @@
           <a:p>
             <a:fld id="{640FAAA2-EE4C-49FC-AC07-F5ED09710A73}" type="datetimeFigureOut">
               <a:rPr lang="ko-KR" altLang="en-US" smtClean="0"/>
-              <a:t>2024-03-12-Tue</a:t>
+              <a:t>2024-03-13-Wed</a:t>
             </a:fld>
             <a:endParaRPr lang="ko-KR" altLang="en-US"/>
           </a:p>
@@ -874,7 +875,7 @@
           <a:p>
             <a:fld id="{640FAAA2-EE4C-49FC-AC07-F5ED09710A73}" type="datetimeFigureOut">
               <a:rPr lang="ko-KR" altLang="en-US" smtClean="0"/>
-              <a:t>2024-03-12-Tue</a:t>
+              <a:t>2024-03-13-Wed</a:t>
             </a:fld>
             <a:endParaRPr lang="ko-KR" altLang="en-US"/>
           </a:p>
@@ -1149,7 +1150,7 @@
           <a:p>
             <a:fld id="{640FAAA2-EE4C-49FC-AC07-F5ED09710A73}" type="datetimeFigureOut">
               <a:rPr lang="ko-KR" altLang="en-US" smtClean="0"/>
-              <a:t>2024-03-12-Tue</a:t>
+              <a:t>2024-03-13-Wed</a:t>
             </a:fld>
             <a:endParaRPr lang="ko-KR" altLang="en-US"/>
           </a:p>
@@ -1414,7 +1415,7 @@
           <a:p>
             <a:fld id="{640FAAA2-EE4C-49FC-AC07-F5ED09710A73}" type="datetimeFigureOut">
               <a:rPr lang="ko-KR" altLang="en-US" smtClean="0"/>
-              <a:t>2024-03-12-Tue</a:t>
+              <a:t>2024-03-13-Wed</a:t>
             </a:fld>
             <a:endParaRPr lang="ko-KR" altLang="en-US"/>
           </a:p>
@@ -1826,7 +1827,7 @@
           <a:p>
             <a:fld id="{640FAAA2-EE4C-49FC-AC07-F5ED09710A73}" type="datetimeFigureOut">
               <a:rPr lang="ko-KR" altLang="en-US" smtClean="0"/>
-              <a:t>2024-03-12-Tue</a:t>
+              <a:t>2024-03-13-Wed</a:t>
             </a:fld>
             <a:endParaRPr lang="ko-KR" altLang="en-US"/>
           </a:p>
@@ -1967,7 +1968,7 @@
           <a:p>
             <a:fld id="{640FAAA2-EE4C-49FC-AC07-F5ED09710A73}" type="datetimeFigureOut">
               <a:rPr lang="ko-KR" altLang="en-US" smtClean="0"/>
-              <a:t>2024-03-12-Tue</a:t>
+              <a:t>2024-03-13-Wed</a:t>
             </a:fld>
             <a:endParaRPr lang="ko-KR" altLang="en-US"/>
           </a:p>
@@ -2080,7 +2081,7 @@
           <a:p>
             <a:fld id="{640FAAA2-EE4C-49FC-AC07-F5ED09710A73}" type="datetimeFigureOut">
               <a:rPr lang="ko-KR" altLang="en-US" smtClean="0"/>
-              <a:t>2024-03-12-Tue</a:t>
+              <a:t>2024-03-13-Wed</a:t>
             </a:fld>
             <a:endParaRPr lang="ko-KR" altLang="en-US"/>
           </a:p>
@@ -2391,7 +2392,7 @@
           <a:p>
             <a:fld id="{640FAAA2-EE4C-49FC-AC07-F5ED09710A73}" type="datetimeFigureOut">
               <a:rPr lang="ko-KR" altLang="en-US" smtClean="0"/>
-              <a:t>2024-03-12-Tue</a:t>
+              <a:t>2024-03-13-Wed</a:t>
             </a:fld>
             <a:endParaRPr lang="ko-KR" altLang="en-US"/>
           </a:p>
@@ -2679,7 +2680,7 @@
           <a:p>
             <a:fld id="{640FAAA2-EE4C-49FC-AC07-F5ED09710A73}" type="datetimeFigureOut">
               <a:rPr lang="ko-KR" altLang="en-US" smtClean="0"/>
-              <a:t>2024-03-12-Tue</a:t>
+              <a:t>2024-03-13-Wed</a:t>
             </a:fld>
             <a:endParaRPr lang="ko-KR" altLang="en-US"/>
           </a:p>
@@ -2920,7 +2921,7 @@
           <a:p>
             <a:fld id="{640FAAA2-EE4C-49FC-AC07-F5ED09710A73}" type="datetimeFigureOut">
               <a:rPr lang="ko-KR" altLang="en-US" smtClean="0"/>
-              <a:t>2024-03-12-Tue</a:t>
+              <a:t>2024-03-13-Wed</a:t>
             </a:fld>
             <a:endParaRPr lang="ko-KR" altLang="en-US"/>
           </a:p>
@@ -3452,7 +3453,7 @@
           <p:cNvPr id="2" name="제목 1">
             <a:extLst>
               <a:ext uri="{FF2B5EF4-FFF2-40B4-BE49-F238E27FC236}">
-                <a16:creationId xmlns:a16="http://schemas.microsoft.com/office/drawing/2014/main" id="{BB1659E5-D109-73F9-E1BE-A4E3930DD44E}"/>
+                <a16:creationId xmlns:a16="http://schemas.microsoft.com/office/drawing/2014/main" id="{6A06D334-5769-B9F4-44E6-5A96E677DE0E}"/>
               </a:ext>
             </a:extLst>
           </p:cNvPr>
@@ -3469,13 +3470,13 @@
           <a:lstStyle/>
           <a:p>
             <a:r>
-              <a:rPr lang="ko-KR" altLang="en-US" dirty="0"/>
-              <a:t>계획추가수정</a:t>
-            </a:r>
-            <a:br>
-              <a:rPr lang="ko-KR" altLang="en-US" dirty="0"/>
-            </a:br>
-            <a:endParaRPr lang="ko-KR" altLang="en-US" dirty="0"/>
+              <a:rPr lang="ko-KR" altLang="en-US" dirty="0" err="1"/>
+              <a:t>필요한거</a:t>
+            </a:r>
+            <a:r>
+              <a:rPr lang="ko-KR" altLang="en-US"/>
+              <a:t> 여기 들어가서 참고하셈</a:t>
+            </a:r>
           </a:p>
         </p:txBody>
       </p:sp>
@@ -3484,7 +3485,7 @@
           <p:cNvPr id="3" name="내용 개체 틀 2">
             <a:extLst>
               <a:ext uri="{FF2B5EF4-FFF2-40B4-BE49-F238E27FC236}">
-                <a16:creationId xmlns:a16="http://schemas.microsoft.com/office/drawing/2014/main" id="{52490D68-9902-A843-8682-2D057C536344}"/>
+                <a16:creationId xmlns:a16="http://schemas.microsoft.com/office/drawing/2014/main" id="{374BFC39-8686-5094-06E8-2441D85F6B75}"/>
               </a:ext>
             </a:extLst>
           </p:cNvPr>
@@ -3502,11 +3503,55 @@
           <a:p>
             <a:r>
               <a:rPr lang="ko-KR" altLang="en-US" dirty="0"/>
-              <a:t>아이디어가 떠오르면 </a:t>
+              <a:t>드래그로 오브젝트 움직이기</a:t>
+            </a:r>
+            <a:endParaRPr lang="en-US" altLang="ko-KR" dirty="0"/>
+          </a:p>
+          <a:p>
+            <a:r>
+              <a:rPr lang="en-US" altLang="ko-KR" dirty="0">
+                <a:hlinkClick r:id="rId2"/>
+              </a:rPr>
+              <a:t>https://bloodstrawberry.tistory.com/992?category=1024514</a:t>
+            </a:r>
+            <a:endParaRPr lang="en-US" altLang="ko-KR" dirty="0"/>
+          </a:p>
+          <a:p>
+            <a:r>
+              <a:rPr lang="en-US" altLang="ko-KR" dirty="0"/>
+              <a:t>==</a:t>
+            </a:r>
+            <a:r>
+              <a:rPr lang="ko-KR" altLang="en-US" dirty="0"/>
+              <a:t> 근데 우리 마우스 포인터 </a:t>
             </a:r>
             <a:r>
               <a:rPr lang="ko-KR" altLang="en-US" dirty="0" err="1"/>
-              <a:t>추가할것</a:t>
+              <a:t>필요없잖아</a:t>
+            </a:r>
+            <a:r>
+              <a:rPr lang="en-US" altLang="ko-KR" dirty="0"/>
+              <a:t>..</a:t>
+            </a:r>
+          </a:p>
+          <a:p>
+            <a:endParaRPr lang="en-US" altLang="ko-KR" dirty="0"/>
+          </a:p>
+          <a:p>
+            <a:r>
+              <a:rPr lang="ko-KR" altLang="en-US" dirty="0"/>
+              <a:t>이미지 애니메이션으로 만드는 </a:t>
+            </a:r>
+            <a:r>
+              <a:rPr lang="ko-KR" altLang="en-US" dirty="0" err="1"/>
+              <a:t>바업</a:t>
+            </a:r>
+            <a:endParaRPr lang="en-US" altLang="ko-KR" dirty="0"/>
+          </a:p>
+          <a:p>
+            <a:r>
+              <a:rPr lang="en-US" altLang="ko-KR" dirty="0"/>
+              <a:t>https://boxwitch.tistory.com/16</a:t>
             </a:r>
             <a:endParaRPr lang="ko-KR" altLang="en-US" dirty="0"/>
           </a:p>
@@ -3515,7 +3560,7 @@
     </p:spTree>
     <p:extLst>
       <p:ext uri="{BB962C8B-B14F-4D97-AF65-F5344CB8AC3E}">
-        <p14:creationId xmlns:p14="http://schemas.microsoft.com/office/powerpoint/2010/main" val="815231455"/>
+        <p14:creationId xmlns:p14="http://schemas.microsoft.com/office/powerpoint/2010/main" val="735362778"/>
       </p:ext>
     </p:extLst>
   </p:cSld>
@@ -3547,6 +3592,109 @@
           <p:cNvPr id="2" name="제목 1">
             <a:extLst>
               <a:ext uri="{FF2B5EF4-FFF2-40B4-BE49-F238E27FC236}">
+                <a16:creationId xmlns:a16="http://schemas.microsoft.com/office/drawing/2014/main" id="{BB1659E5-D109-73F9-E1BE-A4E3930DD44E}"/>
+              </a:ext>
+            </a:extLst>
+          </p:cNvPr>
+          <p:cNvSpPr>
+            <a:spLocks noGrp="1"/>
+          </p:cNvSpPr>
+          <p:nvPr>
+            <p:ph type="title"/>
+          </p:nvPr>
+        </p:nvSpPr>
+        <p:spPr/>
+        <p:txBody>
+          <a:bodyPr/>
+          <a:lstStyle/>
+          <a:p>
+            <a:r>
+              <a:rPr lang="en-US" altLang="ko-KR" dirty="0"/>
+              <a:t>====</a:t>
+            </a:r>
+            <a:r>
+              <a:rPr lang="ko-KR" altLang="en-US" dirty="0"/>
+              <a:t>계획추가수정</a:t>
+            </a:r>
+            <a:r>
+              <a:rPr lang="en-US" altLang="ko-KR" dirty="0"/>
+              <a:t>====</a:t>
+            </a:r>
+            <a:br>
+              <a:rPr lang="ko-KR" altLang="en-US" dirty="0"/>
+            </a:br>
+            <a:endParaRPr lang="ko-KR" altLang="en-US" dirty="0"/>
+          </a:p>
+        </p:txBody>
+      </p:sp>
+      <p:sp>
+        <p:nvSpPr>
+          <p:cNvPr id="3" name="내용 개체 틀 2">
+            <a:extLst>
+              <a:ext uri="{FF2B5EF4-FFF2-40B4-BE49-F238E27FC236}">
+                <a16:creationId xmlns:a16="http://schemas.microsoft.com/office/drawing/2014/main" id="{52490D68-9902-A843-8682-2D057C536344}"/>
+              </a:ext>
+            </a:extLst>
+          </p:cNvPr>
+          <p:cNvSpPr>
+            <a:spLocks noGrp="1"/>
+          </p:cNvSpPr>
+          <p:nvPr>
+            <p:ph idx="1"/>
+          </p:nvPr>
+        </p:nvSpPr>
+        <p:spPr/>
+        <p:txBody>
+          <a:bodyPr/>
+          <a:lstStyle/>
+          <a:p>
+            <a:r>
+              <a:rPr lang="ko-KR" altLang="en-US" dirty="0"/>
+              <a:t>아이디어가 떠오르면 </a:t>
+            </a:r>
+            <a:r>
+              <a:rPr lang="ko-KR" altLang="en-US" dirty="0" err="1"/>
+              <a:t>추가할것</a:t>
+            </a:r>
+            <a:endParaRPr lang="ko-KR" altLang="en-US" dirty="0"/>
+          </a:p>
+        </p:txBody>
+      </p:sp>
+    </p:spTree>
+    <p:extLst>
+      <p:ext uri="{BB962C8B-B14F-4D97-AF65-F5344CB8AC3E}">
+        <p14:creationId xmlns:p14="http://schemas.microsoft.com/office/powerpoint/2010/main" val="815231455"/>
+      </p:ext>
+    </p:extLst>
+  </p:cSld>
+  <p:clrMapOvr>
+    <a:masterClrMapping/>
+  </p:clrMapOvr>
+</p:sld>
+</file>
+
+<file path=ppt/slides/slide12.xml><?xml version="1.0" encoding="utf-8"?>
+<p:sld xmlns:a="http://schemas.openxmlformats.org/drawingml/2006/main" xmlns:r="http://schemas.openxmlformats.org/officeDocument/2006/relationships" xmlns:p="http://schemas.openxmlformats.org/presentationml/2006/main">
+  <p:cSld>
+    <p:spTree>
+      <p:nvGrpSpPr>
+        <p:cNvPr id="1" name=""/>
+        <p:cNvGrpSpPr/>
+        <p:nvPr/>
+      </p:nvGrpSpPr>
+      <p:grpSpPr>
+        <a:xfrm>
+          <a:off x="0" y="0"/>
+          <a:ext cx="0" cy="0"/>
+          <a:chOff x="0" y="0"/>
+          <a:chExt cx="0" cy="0"/>
+        </a:xfrm>
+      </p:grpSpPr>
+      <p:sp>
+        <p:nvSpPr>
+          <p:cNvPr id="2" name="제목 1">
+            <a:extLst>
+              <a:ext uri="{FF2B5EF4-FFF2-40B4-BE49-F238E27FC236}">
                 <a16:creationId xmlns:a16="http://schemas.microsoft.com/office/drawing/2014/main" id="{DE59FFBC-1687-2F60-EDF0-7E39D4237921}"/>
               </a:ext>
             </a:extLst>
@@ -3745,7 +3893,7 @@
 </p:sld>
 </file>
 
-<file path=ppt/slides/slide12.xml><?xml version="1.0" encoding="utf-8"?>
+<file path=ppt/slides/slide13.xml><?xml version="1.0" encoding="utf-8"?>
 <p:sld xmlns:a="http://schemas.openxmlformats.org/drawingml/2006/main" xmlns:r="http://schemas.openxmlformats.org/officeDocument/2006/relationships" xmlns:p="http://schemas.openxmlformats.org/presentationml/2006/main">
   <p:cSld>
     <p:spTree>
@@ -3894,7 +4042,7 @@
           <p:cNvPr id="2" name="제목 1">
             <a:extLst>
               <a:ext uri="{FF2B5EF4-FFF2-40B4-BE49-F238E27FC236}">
-                <a16:creationId xmlns:a16="http://schemas.microsoft.com/office/drawing/2014/main" id="{84FC38AF-C1DE-B5F4-D734-47250387866A}"/>
+                <a16:creationId xmlns:a16="http://schemas.microsoft.com/office/drawing/2014/main" id="{8D8B9B78-02F9-A4C5-7C4C-2A21212E4F02}"/>
               </a:ext>
             </a:extLst>
           </p:cNvPr>
@@ -3912,8 +4060,13 @@
           <a:p>
             <a:r>
               <a:rPr lang="ko-KR" altLang="en-US" dirty="0"/>
-              <a:t>시점</a:t>
-            </a:r>
+              <a:t>멀티</a:t>
+            </a:r>
+            <a:r>
+              <a:rPr lang="en-US" altLang="ko-KR" dirty="0"/>
+              <a:t>?</a:t>
+            </a:r>
+            <a:endParaRPr lang="ko-KR" altLang="en-US" dirty="0"/>
           </a:p>
         </p:txBody>
       </p:sp>
@@ -3922,7 +4075,7 @@
           <p:cNvPr id="3" name="내용 개체 틀 2">
             <a:extLst>
               <a:ext uri="{FF2B5EF4-FFF2-40B4-BE49-F238E27FC236}">
-                <a16:creationId xmlns:a16="http://schemas.microsoft.com/office/drawing/2014/main" id="{12E53541-EE0A-90A4-892E-A1679D195AA8}"/>
+                <a16:creationId xmlns:a16="http://schemas.microsoft.com/office/drawing/2014/main" id="{141983C5-6375-9CBB-B229-BFE648BAD5C2}"/>
               </a:ext>
             </a:extLst>
           </p:cNvPr>
@@ -3939,62 +4092,15 @@
           <a:lstStyle/>
           <a:p>
             <a:r>
-              <a:rPr lang="en-US" altLang="ko-KR" dirty="0"/>
-              <a:t>1</a:t>
-            </a:r>
-            <a:r>
-              <a:rPr lang="ko-KR" altLang="en-US" dirty="0"/>
-              <a:t>인칭</a:t>
-            </a:r>
-            <a:r>
-              <a:rPr lang="en-US" altLang="ko-KR" dirty="0"/>
-              <a:t>, </a:t>
-            </a:r>
-            <a:r>
-              <a:rPr lang="ko-KR" altLang="en-US" dirty="0" err="1"/>
-              <a:t>휠로</a:t>
-            </a:r>
-            <a:r>
-              <a:rPr lang="ko-KR" altLang="en-US" dirty="0"/>
-              <a:t> 줌인</a:t>
-            </a:r>
-            <a:r>
-              <a:rPr lang="en-US" altLang="ko-KR" dirty="0"/>
-              <a:t>/</a:t>
-            </a:r>
-            <a:r>
-              <a:rPr lang="ko-KR" altLang="en-US" dirty="0"/>
-              <a:t>아웃 </a:t>
-            </a:r>
-            <a:r>
-              <a:rPr lang="en-US" altLang="ko-KR" dirty="0"/>
-              <a:t>ok</a:t>
-            </a:r>
-          </a:p>
-          <a:p>
-            <a:r>
-              <a:rPr lang="ko-KR" altLang="en-US" dirty="0"/>
-              <a:t>다만 캐릭터 자체는 </a:t>
-            </a:r>
-            <a:r>
-              <a:rPr lang="ko-KR" altLang="en-US" dirty="0" err="1"/>
-              <a:t>못봄</a:t>
-            </a:r>
-            <a:r>
-              <a:rPr lang="ko-KR" altLang="en-US" dirty="0"/>
-              <a:t> 무조건 </a:t>
-            </a:r>
-            <a:r>
-              <a:rPr lang="en-US" altLang="ko-KR" dirty="0"/>
-              <a:t>1</a:t>
-            </a:r>
-            <a:r>
-              <a:rPr lang="ko-KR" altLang="en-US" dirty="0"/>
-              <a:t>인칭</a:t>
-            </a:r>
-            <a:endParaRPr lang="en-US" altLang="ko-KR" dirty="0"/>
-          </a:p>
-          <a:p>
+              <a:rPr lang="ko-KR" altLang="en-US" b="0" i="0" dirty="0">
+                <a:solidFill>
+                  <a:srgbClr val="333333"/>
+                </a:solidFill>
+                <a:effectLst/>
+                <a:latin typeface="Pretendard"/>
+              </a:rPr>
+              <a:t>일단 싱글로 만든 후 멀티 진행할지 말지 결정</a:t>
+            </a:r>
             <a:endParaRPr lang="ko-KR" altLang="en-US" dirty="0"/>
           </a:p>
         </p:txBody>
@@ -4002,7 +4108,7 @@
     </p:spTree>
     <p:extLst>
       <p:ext uri="{BB962C8B-B14F-4D97-AF65-F5344CB8AC3E}">
-        <p14:creationId xmlns:p14="http://schemas.microsoft.com/office/powerpoint/2010/main" val="3226499601"/>
+        <p14:creationId xmlns:p14="http://schemas.microsoft.com/office/powerpoint/2010/main" val="2909321877"/>
       </p:ext>
     </p:extLst>
   </p:cSld>
@@ -4034,7 +4140,7 @@
           <p:cNvPr id="2" name="제목 1">
             <a:extLst>
               <a:ext uri="{FF2B5EF4-FFF2-40B4-BE49-F238E27FC236}">
-                <a16:creationId xmlns:a16="http://schemas.microsoft.com/office/drawing/2014/main" id="{D6D66C3E-4BCE-8AEB-6B0D-881061540761}"/>
+                <a16:creationId xmlns:a16="http://schemas.microsoft.com/office/drawing/2014/main" id="{84FC38AF-C1DE-B5F4-D734-47250387866A}"/>
               </a:ext>
             </a:extLst>
           </p:cNvPr>
@@ -4051,179 +4157,90 @@
           <a:lstStyle/>
           <a:p>
             <a:r>
+              <a:rPr lang="ko-KR" altLang="en-US" dirty="0"/>
+              <a:t>시점</a:t>
+            </a:r>
+          </a:p>
+        </p:txBody>
+      </p:sp>
+      <p:sp>
+        <p:nvSpPr>
+          <p:cNvPr id="3" name="내용 개체 틀 2">
+            <a:extLst>
+              <a:ext uri="{FF2B5EF4-FFF2-40B4-BE49-F238E27FC236}">
+                <a16:creationId xmlns:a16="http://schemas.microsoft.com/office/drawing/2014/main" id="{12E53541-EE0A-90A4-892E-A1679D195AA8}"/>
+              </a:ext>
+            </a:extLst>
+          </p:cNvPr>
+          <p:cNvSpPr>
+            <a:spLocks noGrp="1"/>
+          </p:cNvSpPr>
+          <p:nvPr>
+            <p:ph idx="1"/>
+          </p:nvPr>
+        </p:nvSpPr>
+        <p:spPr/>
+        <p:txBody>
+          <a:bodyPr/>
+          <a:lstStyle/>
+          <a:p>
+            <a:r>
               <a:rPr lang="en-US" altLang="ko-KR" dirty="0"/>
-              <a:t>1. </a:t>
-            </a:r>
-            <a:r>
-              <a:rPr lang="ko-KR" altLang="en-US" dirty="0"/>
-              <a:t>캐릭터 </a:t>
+              <a:t>1</a:t>
+            </a:r>
+            <a:r>
+              <a:rPr lang="ko-KR" altLang="en-US" dirty="0"/>
+              <a:t>인칭</a:t>
             </a:r>
             <a:r>
               <a:rPr lang="en-US" altLang="ko-KR" dirty="0"/>
-              <a:t>nickname </a:t>
-            </a:r>
-            <a:r>
-              <a:rPr lang="ko-KR" altLang="en-US" dirty="0"/>
-              <a:t>설정 </a:t>
+              <a:t>, </a:t>
+            </a:r>
+            <a:r>
+              <a:rPr lang="ko-KR" altLang="en-US" dirty="0" err="1"/>
+              <a:t>휠로</a:t>
+            </a:r>
+            <a:r>
+              <a:rPr lang="ko-KR" altLang="en-US" dirty="0"/>
+              <a:t> 줌인</a:t>
             </a:r>
             <a:r>
               <a:rPr lang="en-US" altLang="ko-KR" dirty="0"/>
-              <a:t>[</a:t>
-            </a:r>
-            <a:r>
-              <a:rPr lang="ko-KR" altLang="en-US" dirty="0"/>
-              <a:t>머리위에</a:t>
+              <a:t>/</a:t>
+            </a:r>
+            <a:r>
+              <a:rPr lang="ko-KR" altLang="en-US" dirty="0"/>
+              <a:t>아웃 </a:t>
             </a:r>
             <a:r>
               <a:rPr lang="en-US" altLang="ko-KR" dirty="0"/>
-              <a:t>]</a:t>
-            </a:r>
-            <a:endParaRPr lang="ko-KR" altLang="en-US" dirty="0"/>
-          </a:p>
-        </p:txBody>
-      </p:sp>
-      <p:sp>
-        <p:nvSpPr>
-          <p:cNvPr id="3" name="내용 개체 틀 2">
-            <a:extLst>
-              <a:ext uri="{FF2B5EF4-FFF2-40B4-BE49-F238E27FC236}">
-                <a16:creationId xmlns:a16="http://schemas.microsoft.com/office/drawing/2014/main" id="{CE3C40F1-4B2A-2918-C497-286DEDD31357}"/>
-              </a:ext>
-            </a:extLst>
-          </p:cNvPr>
-          <p:cNvSpPr>
-            <a:spLocks noGrp="1"/>
-          </p:cNvSpPr>
-          <p:nvPr>
-            <p:ph idx="1"/>
-          </p:nvPr>
-        </p:nvSpPr>
-        <p:spPr/>
-        <p:txBody>
-          <a:bodyPr/>
-          <a:lstStyle/>
-          <a:p>
-            <a:r>
-              <a:rPr lang="ko-KR" altLang="en-US" dirty="0"/>
-              <a:t>캐릭터 머리 위에 이름 </a:t>
+              <a:t>ok</a:t>
+            </a:r>
+          </a:p>
+          <a:p>
+            <a:r>
+              <a:rPr lang="ko-KR" altLang="en-US" dirty="0"/>
+              <a:t>다만 캐릭터 자체는 </a:t>
+            </a:r>
+            <a:r>
+              <a:rPr lang="ko-KR" altLang="en-US" dirty="0" err="1"/>
+              <a:t>못봄</a:t>
+            </a:r>
+            <a:r>
+              <a:rPr lang="ko-KR" altLang="en-US" dirty="0"/>
+              <a:t> 무조건 </a:t>
             </a:r>
             <a:r>
               <a:rPr lang="en-US" altLang="ko-KR" dirty="0"/>
-              <a:t>: </a:t>
-            </a:r>
-            <a:r>
-              <a:rPr lang="ko-KR" altLang="en-US" dirty="0"/>
-              <a:t>내가 </a:t>
-            </a:r>
-            <a:r>
-              <a:rPr lang="ko-KR" altLang="en-US" dirty="0" err="1"/>
-              <a:t>원하는거</a:t>
-            </a:r>
-            <a:r>
-              <a:rPr lang="ko-KR" altLang="en-US" dirty="0"/>
-              <a:t> 적을 수 잇게</a:t>
-            </a:r>
-          </a:p>
-          <a:p>
-            <a:endParaRPr lang="ko-KR" altLang="en-US" dirty="0"/>
-          </a:p>
-          <a:p>
-            <a:r>
-              <a:rPr lang="en-US" altLang="ko-KR" dirty="0"/>
-              <a:t>NPC </a:t>
-            </a:r>
-            <a:r>
-              <a:rPr lang="ko-KR" altLang="en-US" dirty="0"/>
-              <a:t>가 이제 여기 참여자들로 적으면 </a:t>
-            </a:r>
-            <a:r>
-              <a:rPr lang="ko-KR" altLang="en-US" dirty="0" err="1"/>
-              <a:t>될듯</a:t>
-            </a:r>
-            <a:r>
-              <a:rPr lang="ko-KR" altLang="en-US" dirty="0"/>
-              <a:t> </a:t>
-            </a:r>
-            <a:r>
-              <a:rPr lang="en-US" altLang="ko-KR" dirty="0"/>
-              <a:t>: </a:t>
-            </a:r>
-            <a:r>
-              <a:rPr lang="ko-KR" altLang="en-US" dirty="0"/>
-              <a:t>아라 </a:t>
-            </a:r>
-            <a:r>
-              <a:rPr lang="ko-KR" altLang="en-US" dirty="0" err="1"/>
-              <a:t>이런식으로</a:t>
-            </a:r>
-            <a:endParaRPr lang="ko-KR" altLang="en-US" dirty="0"/>
-          </a:p>
-          <a:p>
-            <a:endParaRPr lang="ko-KR" altLang="en-US" dirty="0"/>
-          </a:p>
-          <a:p>
-            <a:r>
-              <a:rPr lang="en-US" altLang="ko-KR" dirty="0"/>
-              <a:t>preload</a:t>
-            </a:r>
-            <a:r>
-              <a:rPr lang="ko-KR" altLang="en-US" dirty="0"/>
-              <a:t>에서 </a:t>
-            </a:r>
-            <a:r>
-              <a:rPr lang="en-US" altLang="ko-KR" dirty="0"/>
-              <a:t>login</a:t>
-            </a:r>
-            <a:r>
-              <a:rPr lang="ko-KR" altLang="en-US" dirty="0"/>
-              <a:t>으로 가서 룸을 잡고 </a:t>
-            </a:r>
-            <a:r>
-              <a:rPr lang="en-US" altLang="ko-KR" dirty="0" err="1"/>
-              <a:t>ingame</a:t>
-            </a:r>
-            <a:r>
-              <a:rPr lang="ko-KR" altLang="en-US" dirty="0"/>
-              <a:t>으로 들어가는 </a:t>
-            </a:r>
-            <a:r>
-              <a:rPr lang="ko-KR" altLang="en-US" dirty="0" err="1"/>
-              <a:t>구간이잖아</a:t>
-            </a:r>
-            <a:r>
-              <a:rPr lang="en-US" altLang="ko-KR" dirty="0"/>
-              <a:t>?</a:t>
-            </a:r>
-          </a:p>
-          <a:p>
-            <a:r>
-              <a:rPr lang="en-US" altLang="ko-KR" dirty="0" err="1"/>
-              <a:t>ingame</a:t>
-            </a:r>
-            <a:r>
-              <a:rPr lang="ko-KR" altLang="en-US" dirty="0"/>
-              <a:t>쪽에서 </a:t>
-            </a:r>
-            <a:r>
-              <a:rPr lang="en-US" altLang="ko-KR" dirty="0" err="1"/>
-              <a:t>gamemanager</a:t>
-            </a:r>
-            <a:r>
-              <a:rPr lang="ko-KR" altLang="en-US" dirty="0"/>
-              <a:t>을 </a:t>
-            </a:r>
-            <a:r>
-              <a:rPr lang="ko-KR" altLang="en-US" dirty="0" err="1"/>
-              <a:t>배치하는게</a:t>
-            </a:r>
-            <a:r>
-              <a:rPr lang="ko-KR" altLang="en-US" dirty="0"/>
-              <a:t> 맞다고 생각하거든</a:t>
-            </a:r>
-            <a:r>
-              <a:rPr lang="en-US" altLang="ko-KR" dirty="0"/>
-              <a:t>?</a:t>
-            </a:r>
+              <a:t>1</a:t>
+            </a:r>
+            <a:r>
+              <a:rPr lang="ko-KR" altLang="en-US" dirty="0"/>
+              <a:t>인칭</a:t>
+            </a:r>
+            <a:endParaRPr lang="en-US" altLang="ko-KR" dirty="0"/>
+          </a:p>
+          <a:p>
             <a:endParaRPr lang="ko-KR" altLang="en-US" dirty="0"/>
           </a:p>
         </p:txBody>
@@ -4231,7 +4248,7 @@
     </p:spTree>
     <p:extLst>
       <p:ext uri="{BB962C8B-B14F-4D97-AF65-F5344CB8AC3E}">
-        <p14:creationId xmlns:p14="http://schemas.microsoft.com/office/powerpoint/2010/main" val="1776640355"/>
+        <p14:creationId xmlns:p14="http://schemas.microsoft.com/office/powerpoint/2010/main" val="3226499601"/>
       </p:ext>
     </p:extLst>
   </p:cSld>
@@ -4263,7 +4280,7 @@
           <p:cNvPr id="2" name="제목 1">
             <a:extLst>
               <a:ext uri="{FF2B5EF4-FFF2-40B4-BE49-F238E27FC236}">
-                <a16:creationId xmlns:a16="http://schemas.microsoft.com/office/drawing/2014/main" id="{68A194FF-8D4B-4BBD-8F48-6C82014B28CA}"/>
+                <a16:creationId xmlns:a16="http://schemas.microsoft.com/office/drawing/2014/main" id="{D6D66C3E-4BCE-8AEB-6B0D-881061540761}"/>
               </a:ext>
             </a:extLst>
           </p:cNvPr>
@@ -4281,7 +4298,7 @@
           <a:p>
             <a:r>
               <a:rPr lang="en-US" altLang="ko-KR" dirty="0"/>
-              <a:t>2. </a:t>
+              <a:t>1. </a:t>
             </a:r>
             <a:r>
               <a:rPr lang="ko-KR" altLang="en-US" dirty="0"/>
@@ -4289,7 +4306,23 @@
             </a:r>
             <a:r>
               <a:rPr lang="en-US" altLang="ko-KR" dirty="0"/>
-              <a:t>HP</a:t>
+              <a:t>nickname </a:t>
+            </a:r>
+            <a:r>
+              <a:rPr lang="ko-KR" altLang="en-US" dirty="0"/>
+              <a:t>설정 </a:t>
+            </a:r>
+            <a:r>
+              <a:rPr lang="en-US" altLang="ko-KR" dirty="0"/>
+              <a:t>[</a:t>
+            </a:r>
+            <a:r>
+              <a:rPr lang="ko-KR" altLang="en-US" dirty="0"/>
+              <a:t>머리위에</a:t>
+            </a:r>
+            <a:r>
+              <a:rPr lang="en-US" altLang="ko-KR" dirty="0"/>
+              <a:t>]</a:t>
             </a:r>
             <a:endParaRPr lang="ko-KR" altLang="en-US" dirty="0"/>
           </a:p>
@@ -4300,7 +4333,7 @@
           <p:cNvPr id="3" name="내용 개체 틀 2">
             <a:extLst>
               <a:ext uri="{FF2B5EF4-FFF2-40B4-BE49-F238E27FC236}">
-                <a16:creationId xmlns:a16="http://schemas.microsoft.com/office/drawing/2014/main" id="{85296CDA-9026-4B8B-BE84-A4C28D134E4F}"/>
+                <a16:creationId xmlns:a16="http://schemas.microsoft.com/office/drawing/2014/main" id="{CE3C40F1-4B2A-2918-C497-286DEDD31357}"/>
               </a:ext>
             </a:extLst>
           </p:cNvPr>
@@ -4313,111 +4346,138 @@
         </p:nvSpPr>
         <p:spPr/>
         <p:txBody>
-          <a:bodyPr>
-            <a:normAutofit lnSpcReduction="10000"/>
-          </a:bodyPr>
-          <a:lstStyle/>
-          <a:p>
+          <a:bodyPr/>
+          <a:lstStyle/>
+          <a:p>
+            <a:r>
+              <a:rPr lang="ko-KR" altLang="en-US" dirty="0"/>
+              <a:t>캐릭터 머리 위에 이름 </a:t>
+            </a:r>
             <a:r>
               <a:rPr lang="en-US" altLang="ko-KR" dirty="0"/>
-              <a:t>HP </a:t>
-            </a:r>
-            <a:r>
-              <a:rPr lang="ko-KR" altLang="en-US" dirty="0"/>
-              <a:t>바를 작게 만들거나 캐릭터 상태를 알려주는 식으로 </a:t>
+              <a:t>: </a:t>
+            </a:r>
+            <a:r>
+              <a:rPr lang="ko-KR" altLang="en-US" dirty="0"/>
+              <a:t>내가 </a:t>
             </a:r>
             <a:r>
               <a:rPr lang="ko-KR" altLang="en-US" dirty="0" err="1"/>
-              <a:t>맵으로</a:t>
-            </a:r>
-            <a:r>
-              <a:rPr lang="ko-KR" altLang="en-US" dirty="0"/>
-              <a:t> 만들거나 하고</a:t>
-            </a:r>
-            <a:endParaRPr lang="en-US" altLang="ko-KR" dirty="0"/>
-          </a:p>
-          <a:p>
-            <a:r>
-              <a:rPr lang="ko-KR" altLang="en-US" dirty="0"/>
-              <a:t>한대 맞을 때마다 일정시간동안 희미하게 나왔다가 사라지는 피 나오는 식의 이미지를 이용해서 이미지 </a:t>
-            </a:r>
+              <a:t>원하는거</a:t>
+            </a:r>
+            <a:r>
+              <a:rPr lang="ko-KR" altLang="en-US" dirty="0"/>
+              <a:t> 적을 수 잇게</a:t>
+            </a:r>
+          </a:p>
+          <a:p>
+            <a:endParaRPr lang="ko-KR" altLang="en-US" dirty="0"/>
+          </a:p>
+          <a:p>
             <a:r>
               <a:rPr lang="en-US" altLang="ko-KR" dirty="0"/>
-              <a:t>3</a:t>
-            </a:r>
-            <a:r>
-              <a:rPr lang="ko-KR" altLang="en-US" dirty="0"/>
-              <a:t>개정도 랜덤하게</a:t>
-            </a:r>
-            <a:endParaRPr lang="en-US" altLang="ko-KR" dirty="0"/>
-          </a:p>
-          <a:p>
-            <a:endParaRPr lang="en-US" altLang="ko-KR" dirty="0"/>
-          </a:p>
-          <a:p>
-            <a:r>
-              <a:rPr lang="ko-KR" altLang="en-US" dirty="0"/>
-              <a:t>그리고 일정이상 피가 </a:t>
+              <a:t>NPC </a:t>
+            </a:r>
+            <a:r>
+              <a:rPr lang="ko-KR" altLang="en-US" dirty="0"/>
+              <a:t>가 이제 여기 참여자들로 적으면 </a:t>
             </a:r>
             <a:r>
               <a:rPr lang="ko-KR" altLang="en-US" dirty="0" err="1"/>
-              <a:t>까이면</a:t>
-            </a:r>
-            <a:r>
-              <a:rPr lang="ko-KR" altLang="en-US" dirty="0"/>
-              <a:t> 이미지가 붉어지고 일정시간동안 등장하는 피 이미지의 체류시간 늘리기</a:t>
-            </a:r>
-            <a:endParaRPr lang="en-US" altLang="ko-KR" dirty="0"/>
-          </a:p>
-          <a:p>
-            <a:endParaRPr lang="en-US" altLang="ko-KR" dirty="0"/>
-          </a:p>
-          <a:p>
-            <a:r>
-              <a:rPr lang="ko-KR" altLang="en-US" dirty="0"/>
-              <a:t>캐릭터 상태를 맵 마냥 </a:t>
+              <a:t>될듯</a:t>
+            </a:r>
+            <a:r>
+              <a:rPr lang="ko-KR" altLang="en-US" dirty="0"/>
+              <a:t> </a:t>
+            </a:r>
+            <a:r>
+              <a:rPr lang="en-US" altLang="ko-KR" dirty="0"/>
+              <a:t>: </a:t>
+            </a:r>
+            <a:r>
+              <a:rPr lang="ko-KR" altLang="en-US" dirty="0"/>
+              <a:t>아라 </a:t>
             </a:r>
             <a:r>
               <a:rPr lang="ko-KR" altLang="en-US" dirty="0" err="1"/>
-              <a:t>띄워놔야할지</a:t>
-            </a:r>
-            <a:r>
-              <a:rPr lang="ko-KR" altLang="en-US" dirty="0"/>
-              <a:t> 의문</a:t>
-            </a:r>
-            <a:endParaRPr lang="en-US" altLang="ko-KR" dirty="0"/>
-          </a:p>
-          <a:p>
-            <a:pPr marL="0" indent="0">
-              <a:buNone/>
-            </a:pPr>
-            <a:r>
-              <a:rPr lang="ko-KR" altLang="en-US" dirty="0"/>
-              <a:t>이렇게 </a:t>
+              <a:t>이런식으로</a:t>
+            </a:r>
+            <a:endParaRPr lang="ko-KR" altLang="en-US" dirty="0"/>
+          </a:p>
+          <a:p>
+            <a:endParaRPr lang="ko-KR" altLang="en-US" dirty="0"/>
+          </a:p>
+          <a:p>
+            <a:r>
+              <a:rPr lang="en-US" altLang="ko-KR" dirty="0"/>
+              <a:t>preload</a:t>
+            </a:r>
+            <a:r>
+              <a:rPr lang="ko-KR" altLang="en-US" dirty="0"/>
+              <a:t>에서 </a:t>
+            </a:r>
+            <a:r>
+              <a:rPr lang="en-US" altLang="ko-KR" dirty="0"/>
+              <a:t>login</a:t>
+            </a:r>
+            <a:r>
+              <a:rPr lang="ko-KR" altLang="en-US" dirty="0"/>
+              <a:t>으로 가서 룸을 잡고 </a:t>
+            </a:r>
+            <a:r>
+              <a:rPr lang="en-US" altLang="ko-KR" dirty="0" err="1"/>
+              <a:t>ingame</a:t>
+            </a:r>
+            <a:r>
+              <a:rPr lang="ko-KR" altLang="en-US" dirty="0"/>
+              <a:t>으로 들어가는 </a:t>
             </a:r>
             <a:r>
               <a:rPr lang="ko-KR" altLang="en-US" dirty="0" err="1"/>
-              <a:t>안할꺼면</a:t>
-            </a:r>
-            <a:r>
-              <a:rPr lang="ko-KR" altLang="en-US" dirty="0"/>
-              <a:t> </a:t>
+              <a:t>구간이잖아</a:t>
             </a:r>
             <a:r>
               <a:rPr lang="en-US" altLang="ko-KR" dirty="0"/>
-              <a:t>ESC </a:t>
-            </a:r>
-            <a:r>
-              <a:rPr lang="ko-KR" altLang="en-US" dirty="0"/>
-              <a:t>눌렀을 때 상태를 보여주는 창을 만들던가</a:t>
-            </a:r>
+              <a:t>?</a:t>
+            </a:r>
+          </a:p>
+          <a:p>
+            <a:r>
+              <a:rPr lang="en-US" altLang="ko-KR" dirty="0" err="1"/>
+              <a:t>ingame</a:t>
+            </a:r>
+            <a:r>
+              <a:rPr lang="ko-KR" altLang="en-US" dirty="0"/>
+              <a:t>쪽에서 </a:t>
+            </a:r>
+            <a:r>
+              <a:rPr lang="en-US" altLang="ko-KR" dirty="0" err="1"/>
+              <a:t>gamemanager</a:t>
+            </a:r>
+            <a:r>
+              <a:rPr lang="ko-KR" altLang="en-US" dirty="0"/>
+              <a:t>을 </a:t>
+            </a:r>
+            <a:r>
+              <a:rPr lang="ko-KR" altLang="en-US" dirty="0" err="1"/>
+              <a:t>배치하는게</a:t>
+            </a:r>
+            <a:r>
+              <a:rPr lang="ko-KR" altLang="en-US" dirty="0"/>
+              <a:t> 맞다고 생각하거든</a:t>
+            </a:r>
+            <a:r>
+              <a:rPr lang="en-US" altLang="ko-KR" dirty="0"/>
+              <a:t>?</a:t>
+            </a:r>
+            <a:endParaRPr lang="ko-KR" altLang="en-US" dirty="0"/>
           </a:p>
         </p:txBody>
       </p:sp>
     </p:spTree>
     <p:extLst>
       <p:ext uri="{BB962C8B-B14F-4D97-AF65-F5344CB8AC3E}">
-        <p14:creationId xmlns:p14="http://schemas.microsoft.com/office/powerpoint/2010/main" val="1492213388"/>
+        <p14:creationId xmlns:p14="http://schemas.microsoft.com/office/powerpoint/2010/main" val="1776640355"/>
       </p:ext>
     </p:extLst>
   </p:cSld>
@@ -4449,7 +4509,7 @@
           <p:cNvPr id="2" name="제목 1">
             <a:extLst>
               <a:ext uri="{FF2B5EF4-FFF2-40B4-BE49-F238E27FC236}">
-                <a16:creationId xmlns:a16="http://schemas.microsoft.com/office/drawing/2014/main" id="{8B6ADD40-5111-4B0C-9F6D-DCDCF1372CEB}"/>
+                <a16:creationId xmlns:a16="http://schemas.microsoft.com/office/drawing/2014/main" id="{68A194FF-8D4B-4BBD-8F48-6C82014B28CA}"/>
               </a:ext>
             </a:extLst>
           </p:cNvPr>
@@ -4467,56 +4527,73 @@
           <a:p>
             <a:r>
               <a:rPr lang="en-US" altLang="ko-KR" dirty="0"/>
-              <a:t>3. NPC </a:t>
-            </a:r>
-            <a:r>
-              <a:rPr lang="ko-KR" altLang="en-US" dirty="0"/>
-              <a:t>및 </a:t>
+              <a:t>2. </a:t>
+            </a:r>
+            <a:r>
+              <a:rPr lang="ko-KR" altLang="en-US" dirty="0"/>
+              <a:t>캐릭터 </a:t>
+            </a:r>
+            <a:r>
+              <a:rPr lang="en-US" altLang="ko-KR" dirty="0"/>
+              <a:t>HP</a:t>
+            </a:r>
+            <a:endParaRPr lang="ko-KR" altLang="en-US" dirty="0"/>
+          </a:p>
+        </p:txBody>
+      </p:sp>
+      <p:sp>
+        <p:nvSpPr>
+          <p:cNvPr id="3" name="내용 개체 틀 2">
+            <a:extLst>
+              <a:ext uri="{FF2B5EF4-FFF2-40B4-BE49-F238E27FC236}">
+                <a16:creationId xmlns:a16="http://schemas.microsoft.com/office/drawing/2014/main" id="{85296CDA-9026-4B8B-BE84-A4C28D134E4F}"/>
+              </a:ext>
+            </a:extLst>
+          </p:cNvPr>
+          <p:cNvSpPr>
+            <a:spLocks noGrp="1"/>
+          </p:cNvSpPr>
+          <p:nvPr>
+            <p:ph idx="1"/>
+          </p:nvPr>
+        </p:nvSpPr>
+        <p:spPr/>
+        <p:txBody>
+          <a:bodyPr>
+            <a:normAutofit lnSpcReduction="10000"/>
+          </a:bodyPr>
+          <a:lstStyle/>
+          <a:p>
+            <a:r>
+              <a:rPr lang="en-US" altLang="ko-KR" dirty="0"/>
+              <a:t>HP </a:t>
+            </a:r>
+            <a:r>
+              <a:rPr lang="ko-KR" altLang="en-US" dirty="0"/>
+              <a:t>바를 작게 만들거나 캐릭터 상태를 알려주는 식으로 </a:t>
             </a:r>
             <a:r>
               <a:rPr lang="ko-KR" altLang="en-US" dirty="0" err="1"/>
-              <a:t>대화창</a:t>
-            </a:r>
-            <a:endParaRPr lang="ko-KR" altLang="en-US" dirty="0"/>
-          </a:p>
-        </p:txBody>
-      </p:sp>
-      <p:sp>
-        <p:nvSpPr>
-          <p:cNvPr id="3" name="내용 개체 틀 2">
-            <a:extLst>
-              <a:ext uri="{FF2B5EF4-FFF2-40B4-BE49-F238E27FC236}">
-                <a16:creationId xmlns:a16="http://schemas.microsoft.com/office/drawing/2014/main" id="{0615762E-91FC-4D24-9EEA-2FED28751B23}"/>
-              </a:ext>
-            </a:extLst>
-          </p:cNvPr>
-          <p:cNvSpPr>
-            <a:spLocks noGrp="1"/>
-          </p:cNvSpPr>
-          <p:nvPr>
-            <p:ph idx="1"/>
-          </p:nvPr>
-        </p:nvSpPr>
-        <p:spPr/>
-        <p:txBody>
-          <a:bodyPr/>
-          <a:lstStyle/>
-          <a:p>
-            <a:r>
-              <a:rPr lang="en-US" altLang="ko-KR" dirty="0" err="1"/>
-              <a:t>Npc</a:t>
-            </a:r>
-            <a:r>
-              <a:rPr lang="ko-KR" altLang="en-US" dirty="0"/>
-              <a:t>에 가까이 가면 문구 나오고 </a:t>
+              <a:t>맵으로</a:t>
+            </a:r>
+            <a:r>
+              <a:rPr lang="ko-KR" altLang="en-US" dirty="0"/>
+              <a:t> 만들거나 하고</a:t>
+            </a:r>
+            <a:endParaRPr lang="en-US" altLang="ko-KR" dirty="0"/>
+          </a:p>
+          <a:p>
+            <a:r>
+              <a:rPr lang="ko-KR" altLang="en-US" dirty="0"/>
+              <a:t>한대 맞을 때마다 일정시간동안 희미하게 나왔다가 사라지는 피 나오는 식의 이미지를 이용해서 이미지 </a:t>
             </a:r>
             <a:r>
               <a:rPr lang="en-US" altLang="ko-KR" dirty="0"/>
-              <a:t>spacebar </a:t>
-            </a:r>
-            <a:r>
-              <a:rPr lang="ko-KR" altLang="en-US" dirty="0"/>
-              <a:t>눌러서 확인가능</a:t>
+              <a:t>3</a:t>
+            </a:r>
+            <a:r>
+              <a:rPr lang="ko-KR" altLang="en-US" dirty="0"/>
+              <a:t>개정도 랜덤하게</a:t>
             </a:r>
             <a:endParaRPr lang="en-US" altLang="ko-KR" dirty="0"/>
           </a:p>
@@ -4526,24 +4603,67 @@
           <a:p>
             <a:r>
               <a:rPr lang="ko-KR" altLang="en-US" dirty="0"/>
-              <a:t>그 외 물품들 가까이 가면 문구 나오고 누르면 </a:t>
+              <a:t>그리고 일정이상 피가 </a:t>
+            </a:r>
+            <a:r>
+              <a:rPr lang="ko-KR" altLang="en-US" dirty="0" err="1"/>
+              <a:t>까이면</a:t>
+            </a:r>
+            <a:r>
+              <a:rPr lang="ko-KR" altLang="en-US" dirty="0"/>
+              <a:t> 이미지가 붉어지고 일정시간동안 등장하는 피 이미지의 체류시간 늘리기</a:t>
+            </a:r>
+            <a:endParaRPr lang="en-US" altLang="ko-KR" dirty="0"/>
+          </a:p>
+          <a:p>
+            <a:endParaRPr lang="en-US" altLang="ko-KR" dirty="0"/>
+          </a:p>
+          <a:p>
+            <a:r>
+              <a:rPr lang="ko-KR" altLang="en-US" dirty="0"/>
+              <a:t>캐릭터 상태를 맵 마냥 </a:t>
+            </a:r>
+            <a:r>
+              <a:rPr lang="ko-KR" altLang="en-US" dirty="0" err="1"/>
+              <a:t>띄워놔야할지</a:t>
+            </a:r>
+            <a:r>
+              <a:rPr lang="ko-KR" altLang="en-US" dirty="0"/>
+              <a:t> 의문</a:t>
+            </a:r>
+            <a:endParaRPr lang="en-US" altLang="ko-KR" dirty="0"/>
+          </a:p>
+          <a:p>
+            <a:pPr marL="0" indent="0">
+              <a:buNone/>
+            </a:pPr>
+            <a:r>
+              <a:rPr lang="ko-KR" altLang="en-US" dirty="0"/>
+              <a:t>이렇게 </a:t>
+            </a:r>
+            <a:r>
+              <a:rPr lang="ko-KR" altLang="en-US" dirty="0" err="1"/>
+              <a:t>안할꺼면</a:t>
+            </a:r>
+            <a:r>
+              <a:rPr lang="ko-KR" altLang="en-US" dirty="0"/>
+              <a:t> </a:t>
             </a:r>
             <a:r>
               <a:rPr lang="en-US" altLang="ko-KR" dirty="0"/>
-              <a:t>spacebar </a:t>
-            </a:r>
-            <a:r>
-              <a:rPr lang="ko-KR" altLang="en-US" dirty="0" err="1"/>
-              <a:t>대화창</a:t>
-            </a:r>
-            <a:endParaRPr lang="ko-KR" altLang="en-US" dirty="0"/>
+              <a:t>ESC </a:t>
+            </a:r>
+            <a:r>
+              <a:rPr lang="ko-KR" altLang="en-US" dirty="0"/>
+              <a:t>눌렀을 때 상태를 보여주는 창을 만들던가</a:t>
+            </a:r>
           </a:p>
         </p:txBody>
       </p:sp>
     </p:spTree>
     <p:extLst>
       <p:ext uri="{BB962C8B-B14F-4D97-AF65-F5344CB8AC3E}">
-        <p14:creationId xmlns:p14="http://schemas.microsoft.com/office/powerpoint/2010/main" val="348120836"/>
+        <p14:creationId xmlns:p14="http://schemas.microsoft.com/office/powerpoint/2010/main" val="1492213388"/>
       </p:ext>
     </p:extLst>
   </p:cSld>
@@ -4575,7 +4695,7 @@
           <p:cNvPr id="2" name="제목 1">
             <a:extLst>
               <a:ext uri="{FF2B5EF4-FFF2-40B4-BE49-F238E27FC236}">
-                <a16:creationId xmlns:a16="http://schemas.microsoft.com/office/drawing/2014/main" id="{5453BCAB-5DFF-4995-B30F-8281AD6DB6BA}"/>
+                <a16:creationId xmlns:a16="http://schemas.microsoft.com/office/drawing/2014/main" id="{8B6ADD40-5111-4B0C-9F6D-DCDCF1372CEB}"/>
               </a:ext>
             </a:extLst>
           </p:cNvPr>
@@ -4592,9 +4712,18 @@
           <a:lstStyle/>
           <a:p>
             <a:r>
-              <a:rPr lang="ko-KR" altLang="en-US"/>
-              <a:t>건</a:t>
-            </a:r>
+              <a:rPr lang="en-US" altLang="ko-KR" dirty="0"/>
+              <a:t>3. NPC </a:t>
+            </a:r>
+            <a:r>
+              <a:rPr lang="ko-KR" altLang="en-US" dirty="0"/>
+              <a:t>및 </a:t>
+            </a:r>
+            <a:r>
+              <a:rPr lang="ko-KR" altLang="en-US" dirty="0" err="1"/>
+              <a:t>대화창</a:t>
+            </a:r>
+            <a:endParaRPr lang="ko-KR" altLang="en-US" dirty="0"/>
           </a:p>
         </p:txBody>
       </p:sp>
@@ -4603,7 +4732,7 @@
           <p:cNvPr id="3" name="내용 개체 틀 2">
             <a:extLst>
               <a:ext uri="{FF2B5EF4-FFF2-40B4-BE49-F238E27FC236}">
-                <a16:creationId xmlns:a16="http://schemas.microsoft.com/office/drawing/2014/main" id="{C1BFE7A1-2B9E-4F6E-BB86-085604DF03FD}"/>
+                <a16:creationId xmlns:a16="http://schemas.microsoft.com/office/drawing/2014/main" id="{0615762E-91FC-4D24-9EEA-2FED28751B23}"/>
               </a:ext>
             </a:extLst>
           </p:cNvPr>
@@ -4620,88 +4749,47 @@
           <a:lstStyle/>
           <a:p>
             <a:r>
-              <a:rPr lang="en-US" altLang="ko-KR"/>
-              <a:t>1. </a:t>
-            </a:r>
-            <a:r>
-              <a:rPr lang="ko-KR" altLang="en-US"/>
-              <a:t>총알쏘기</a:t>
-            </a:r>
-            <a:endParaRPr lang="en-US" altLang="ko-KR"/>
-          </a:p>
-          <a:p>
-            <a:r>
-              <a:rPr lang="en-US" altLang="ko-KR"/>
-              <a:t>2. </a:t>
-            </a:r>
-            <a:r>
-              <a:rPr lang="ko-KR" altLang="en-US"/>
-              <a:t>오브젝트 맞추기</a:t>
-            </a:r>
-            <a:endParaRPr lang="en-US" altLang="ko-KR"/>
-          </a:p>
-          <a:p>
-            <a:r>
-              <a:rPr lang="en-US" altLang="ko-KR"/>
-              <a:t>3. </a:t>
-            </a:r>
-            <a:r>
-              <a:rPr lang="ko-KR" altLang="en-US"/>
-              <a:t>오브젝트 사라지고 </a:t>
-            </a:r>
-            <a:r>
-              <a:rPr lang="en-US" altLang="ko-KR"/>
-              <a:t>money</a:t>
-            </a:r>
-            <a:r>
-              <a:rPr lang="ko-KR" altLang="en-US"/>
-              <a:t>오브젝트 주변으로 뿌리기</a:t>
-            </a:r>
-            <a:endParaRPr lang="en-US" altLang="ko-KR"/>
-          </a:p>
-          <a:p>
-            <a:r>
-              <a:rPr lang="en-US" altLang="ko-KR"/>
-              <a:t>4. </a:t>
-            </a:r>
-            <a:r>
-              <a:rPr lang="ko-KR" altLang="en-US"/>
-              <a:t>주변으로 뿌려진 </a:t>
-            </a:r>
-            <a:r>
-              <a:rPr lang="en-US" altLang="ko-KR"/>
-              <a:t>money, </a:t>
-            </a:r>
-            <a:r>
-              <a:rPr lang="ko-KR" altLang="en-US"/>
-              <a:t>캐릭터 일정이상 들어오면 자동으로 </a:t>
-            </a:r>
-            <a:r>
-              <a:rPr lang="en-US" altLang="ko-KR"/>
-              <a:t>get</a:t>
-            </a:r>
-          </a:p>
-          <a:p>
-            <a:r>
-              <a:rPr lang="en-US" altLang="ko-KR"/>
-              <a:t>5. </a:t>
-            </a:r>
-            <a:r>
-              <a:rPr lang="ko-KR" altLang="en-US"/>
-              <a:t>총 </a:t>
-            </a:r>
-            <a:r>
-              <a:rPr lang="en-US" altLang="ko-KR"/>
-              <a:t>reload</a:t>
-            </a:r>
-            <a:endParaRPr lang="ko-KR" altLang="en-US"/>
+              <a:rPr lang="en-US" altLang="ko-KR" dirty="0" err="1"/>
+              <a:t>Npc</a:t>
+            </a:r>
+            <a:r>
+              <a:rPr lang="ko-KR" altLang="en-US" dirty="0"/>
+              <a:t>에 가까이 가면 문구 나오고 </a:t>
+            </a:r>
+            <a:r>
+              <a:rPr lang="en-US" altLang="ko-KR" dirty="0"/>
+              <a:t>spacebar </a:t>
+            </a:r>
+            <a:r>
+              <a:rPr lang="ko-KR" altLang="en-US" dirty="0"/>
+              <a:t>눌러서 확인가능</a:t>
+            </a:r>
+            <a:endParaRPr lang="en-US" altLang="ko-KR" dirty="0"/>
+          </a:p>
+          <a:p>
+            <a:endParaRPr lang="en-US" altLang="ko-KR" dirty="0"/>
+          </a:p>
+          <a:p>
+            <a:r>
+              <a:rPr lang="ko-KR" altLang="en-US" dirty="0"/>
+              <a:t>그 외 물품들 가까이 가면 문구 나오고 누르면 </a:t>
+            </a:r>
+            <a:r>
+              <a:rPr lang="en-US" altLang="ko-KR" dirty="0"/>
+              <a:t>spacebar </a:t>
+            </a:r>
+            <a:r>
+              <a:rPr lang="ko-KR" altLang="en-US" dirty="0" err="1"/>
+              <a:t>대화창</a:t>
+            </a:r>
+            <a:endParaRPr lang="ko-KR" altLang="en-US" dirty="0"/>
           </a:p>
         </p:txBody>
       </p:sp>
     </p:spTree>
     <p:extLst>
       <p:ext uri="{BB962C8B-B14F-4D97-AF65-F5344CB8AC3E}">
-        <p14:creationId xmlns:p14="http://schemas.microsoft.com/office/powerpoint/2010/main" val="3255296743"/>
+        <p14:creationId xmlns:p14="http://schemas.microsoft.com/office/powerpoint/2010/main" val="348120836"/>
       </p:ext>
     </p:extLst>
   </p:cSld>
@@ -4733,7 +4821,7 @@
           <p:cNvPr id="2" name="제목 1">
             <a:extLst>
               <a:ext uri="{FF2B5EF4-FFF2-40B4-BE49-F238E27FC236}">
-                <a16:creationId xmlns:a16="http://schemas.microsoft.com/office/drawing/2014/main" id="{DEE0E929-3895-24FC-F737-3C7586117E7B}"/>
+                <a16:creationId xmlns:a16="http://schemas.microsoft.com/office/drawing/2014/main" id="{5453BCAB-5DFF-4995-B30F-8281AD6DB6BA}"/>
               </a:ext>
             </a:extLst>
           </p:cNvPr>
@@ -4750,8 +4838,8 @@
           <a:lstStyle/>
           <a:p>
             <a:r>
-              <a:rPr lang="ko-KR" altLang="en-US" dirty="0"/>
-              <a:t>토큰</a:t>
+              <a:rPr lang="ko-KR" altLang="en-US"/>
+              <a:t>건</a:t>
             </a:r>
           </a:p>
         </p:txBody>
@@ -4761,7 +4849,7 @@
           <p:cNvPr id="3" name="내용 개체 틀 2">
             <a:extLst>
               <a:ext uri="{FF2B5EF4-FFF2-40B4-BE49-F238E27FC236}">
-                <a16:creationId xmlns:a16="http://schemas.microsoft.com/office/drawing/2014/main" id="{9EF8D000-B48B-842E-CF4C-FED21753D3EF}"/>
+                <a16:creationId xmlns:a16="http://schemas.microsoft.com/office/drawing/2014/main" id="{C1BFE7A1-2B9E-4F6E-BB86-085604DF03FD}"/>
               </a:ext>
             </a:extLst>
           </p:cNvPr>
@@ -4774,214 +4862,92 @@
         </p:nvSpPr>
         <p:spPr/>
         <p:txBody>
-          <a:bodyPr>
-            <a:normAutofit lnSpcReduction="10000"/>
-          </a:bodyPr>
-          <a:lstStyle/>
-          <a:p>
-            <a:r>
-              <a:rPr lang="ko-KR" altLang="en-US" dirty="0"/>
-              <a:t>이걸 특정 키를 눌러서 계속 확인가능한지</a:t>
-            </a:r>
-            <a:endParaRPr lang="en-US" altLang="ko-KR" dirty="0"/>
-          </a:p>
-          <a:p>
-            <a:r>
-              <a:rPr lang="ko-KR" altLang="en-US" dirty="0"/>
-              <a:t>역시 꿈으로 </a:t>
-            </a:r>
-            <a:r>
-              <a:rPr lang="ko-KR" altLang="en-US" dirty="0" err="1"/>
-              <a:t>이어지는게</a:t>
-            </a:r>
-            <a:r>
-              <a:rPr lang="ko-KR" altLang="en-US" dirty="0"/>
-              <a:t> 맞아</a:t>
-            </a:r>
-            <a:endParaRPr lang="en-US" altLang="ko-KR" dirty="0"/>
-          </a:p>
-          <a:p>
-            <a:endParaRPr lang="en-US" altLang="ko-KR" dirty="0"/>
-          </a:p>
-          <a:p>
-            <a:endParaRPr lang="en-US" altLang="ko-KR" dirty="0"/>
-          </a:p>
-          <a:p>
-            <a:r>
-              <a:rPr lang="ko-KR" altLang="en-US" dirty="0"/>
-              <a:t>순서를 </a:t>
-            </a:r>
-            <a:r>
-              <a:rPr lang="en-US" altLang="ko-KR" dirty="0"/>
-              <a:t>“</a:t>
-            </a:r>
-            <a:r>
-              <a:rPr lang="ko-KR" altLang="en-US" dirty="0"/>
-              <a:t>현실 </a:t>
-            </a:r>
-            <a:r>
-              <a:rPr lang="en-US" altLang="ko-KR" dirty="0"/>
-              <a:t>-&gt; </a:t>
-            </a:r>
-            <a:r>
-              <a:rPr lang="ko-KR" altLang="en-US" dirty="0"/>
-              <a:t>꿈 </a:t>
-            </a:r>
-            <a:r>
-              <a:rPr lang="en-US" altLang="ko-KR" dirty="0"/>
-              <a:t> -&gt; </a:t>
-            </a:r>
-            <a:r>
-              <a:rPr lang="ko-KR" altLang="en-US" dirty="0"/>
-              <a:t>현실</a:t>
-            </a:r>
-            <a:r>
-              <a:rPr lang="en-US" altLang="ko-KR" dirty="0"/>
-              <a:t>”</a:t>
-            </a:r>
-            <a:r>
-              <a:rPr lang="ko-KR" altLang="en-US" dirty="0"/>
-              <a:t> </a:t>
-            </a:r>
-            <a:r>
-              <a:rPr lang="ko-KR" altLang="en-US" dirty="0" err="1"/>
-              <a:t>이런식으로</a:t>
-            </a:r>
-            <a:r>
-              <a:rPr lang="ko-KR" altLang="en-US" dirty="0"/>
-              <a:t> </a:t>
-            </a:r>
-            <a:r>
-              <a:rPr lang="ko-KR" altLang="en-US" dirty="0" err="1"/>
-              <a:t>짜야할거같음</a:t>
-            </a:r>
-            <a:endParaRPr lang="en-US" altLang="ko-KR" dirty="0"/>
-          </a:p>
-          <a:p>
-            <a:r>
-              <a:rPr lang="ko-KR" altLang="en-US" dirty="0"/>
-              <a:t>현실 </a:t>
-            </a:r>
-            <a:r>
-              <a:rPr lang="en-US" altLang="ko-KR" dirty="0"/>
-              <a:t>&gt; </a:t>
-            </a:r>
-            <a:r>
-              <a:rPr lang="ko-KR" altLang="en-US" dirty="0"/>
-              <a:t>꿈 </a:t>
-            </a:r>
-            <a:r>
-              <a:rPr lang="en-US" altLang="ko-KR" dirty="0"/>
-              <a:t>: </a:t>
-            </a:r>
-            <a:r>
-              <a:rPr lang="ko-KR" altLang="en-US" dirty="0"/>
-              <a:t>안개가 나오며 손목 볼 때 아무것도 안보이면 꿈</a:t>
-            </a:r>
-            <a:r>
-              <a:rPr lang="en-US" altLang="ko-KR" dirty="0"/>
-              <a:t>?</a:t>
-            </a:r>
-          </a:p>
-          <a:p>
-            <a:pPr marL="0" indent="0">
-              <a:buNone/>
-            </a:pPr>
-            <a:r>
-              <a:rPr lang="ko-KR" altLang="en-US" dirty="0"/>
-              <a:t>특정키 누르면 손목 계속보는 방식으로 토큰을 확인하기</a:t>
-            </a:r>
-            <a:endParaRPr lang="en-US" altLang="ko-KR" dirty="0"/>
-          </a:p>
-          <a:p>
-            <a:pPr marL="0" indent="0">
-              <a:buNone/>
-            </a:pPr>
-            <a:endParaRPr lang="en-US" altLang="ko-KR" dirty="0"/>
-          </a:p>
-          <a:p>
-            <a:r>
-              <a:rPr lang="ko-KR" altLang="en-US" dirty="0"/>
-              <a:t>꿈인지 후 현실로 돌아가려면 특정 트리거를 작동 </a:t>
-            </a:r>
-            <a:r>
-              <a:rPr lang="en-US" altLang="ko-KR" dirty="0"/>
-              <a:t>[</a:t>
-            </a:r>
-            <a:r>
-              <a:rPr lang="ko-KR" altLang="en-US" dirty="0"/>
-              <a:t>아드레날린</a:t>
-            </a:r>
-            <a:r>
-              <a:rPr lang="en-US" altLang="ko-KR" dirty="0"/>
-              <a:t>]</a:t>
-            </a:r>
-          </a:p>
-        </p:txBody>
-      </p:sp>
-      <p:sp>
-        <p:nvSpPr>
-          <p:cNvPr id="5" name="TextBox 4">
-            <a:extLst>
-              <a:ext uri="{FF2B5EF4-FFF2-40B4-BE49-F238E27FC236}">
-                <a16:creationId xmlns:a16="http://schemas.microsoft.com/office/drawing/2014/main" id="{8889313F-D3C4-881D-2C37-3A6DE3E2020C}"/>
-              </a:ext>
-            </a:extLst>
-          </p:cNvPr>
-          <p:cNvSpPr txBox="1"/>
-          <p:nvPr/>
-        </p:nvSpPr>
-        <p:spPr>
-          <a:xfrm>
-            <a:off x="2160537" y="2967688"/>
-            <a:ext cx="7055825" cy="646331"/>
-          </a:xfrm>
-          <a:prstGeom prst="rect">
-            <a:avLst/>
-          </a:prstGeom>
-          <a:noFill/>
-        </p:spPr>
-        <p:txBody>
-          <a:bodyPr wrap="square">
-            <a:spAutoFit/>
-          </a:bodyPr>
-          <a:lstStyle/>
-          <a:p>
-            <a:r>
-              <a:rPr lang="ko-KR" altLang="en-US" dirty="0" err="1"/>
-              <a:t>인셉션처럼</a:t>
-            </a:r>
-            <a:r>
-              <a:rPr lang="ko-KR" altLang="en-US" dirty="0"/>
-              <a:t> 내가 꿈인지 아닌지 손목의 반지를 통해 확인가능</a:t>
-            </a:r>
-            <a:endParaRPr lang="en-US" altLang="ko-KR" dirty="0"/>
-          </a:p>
-          <a:p>
-            <a:r>
-              <a:rPr lang="ko-KR" altLang="en-US" dirty="0"/>
-              <a:t>다가오는 귀신에 </a:t>
-            </a:r>
-            <a:r>
-              <a:rPr lang="ko-KR" altLang="en-US" dirty="0" err="1"/>
-              <a:t>후레쉬</a:t>
-            </a:r>
-            <a:r>
-              <a:rPr lang="ko-KR" altLang="en-US" dirty="0"/>
-              <a:t> 쏘면 </a:t>
-            </a:r>
-            <a:r>
-              <a:rPr lang="ko-KR" altLang="en-US"/>
-              <a:t>멈추는거임</a:t>
-            </a:r>
-            <a:endParaRPr lang="ko-KR" altLang="en-US" dirty="0"/>
+          <a:bodyPr/>
+          <a:lstStyle/>
+          <a:p>
+            <a:r>
+              <a:rPr lang="en-US" altLang="ko-KR"/>
+              <a:t>1. </a:t>
+            </a:r>
+            <a:r>
+              <a:rPr lang="ko-KR" altLang="en-US"/>
+              <a:t>총알쏘기</a:t>
+            </a:r>
+            <a:endParaRPr lang="en-US" altLang="ko-KR"/>
+          </a:p>
+          <a:p>
+            <a:r>
+              <a:rPr lang="en-US" altLang="ko-KR"/>
+              <a:t>2. </a:t>
+            </a:r>
+            <a:r>
+              <a:rPr lang="ko-KR" altLang="en-US"/>
+              <a:t>오브젝트 맞추기</a:t>
+            </a:r>
+            <a:endParaRPr lang="en-US" altLang="ko-KR"/>
+          </a:p>
+          <a:p>
+            <a:r>
+              <a:rPr lang="en-US" altLang="ko-KR"/>
+              <a:t>3. </a:t>
+            </a:r>
+            <a:r>
+              <a:rPr lang="ko-KR" altLang="en-US"/>
+              <a:t>오브젝트 사라지고 </a:t>
+            </a:r>
+            <a:r>
+              <a:rPr lang="en-US" altLang="ko-KR"/>
+              <a:t>money</a:t>
+            </a:r>
+            <a:r>
+              <a:rPr lang="ko-KR" altLang="en-US"/>
+              <a:t>오브젝트 주변으로 뿌리기</a:t>
+            </a:r>
+            <a:endParaRPr lang="en-US" altLang="ko-KR"/>
+          </a:p>
+          <a:p>
+            <a:r>
+              <a:rPr lang="en-US" altLang="ko-KR"/>
+              <a:t>4. </a:t>
+            </a:r>
+            <a:r>
+              <a:rPr lang="ko-KR" altLang="en-US"/>
+              <a:t>주변으로 뿌려진 </a:t>
+            </a:r>
+            <a:r>
+              <a:rPr lang="en-US" altLang="ko-KR"/>
+              <a:t>money, </a:t>
+            </a:r>
+            <a:r>
+              <a:rPr lang="ko-KR" altLang="en-US"/>
+              <a:t>캐릭터 일정이상 들어오면 자동으로 </a:t>
+            </a:r>
+            <a:r>
+              <a:rPr lang="en-US" altLang="ko-KR"/>
+              <a:t>get</a:t>
+            </a:r>
+          </a:p>
+          <a:p>
+            <a:r>
+              <a:rPr lang="en-US" altLang="ko-KR"/>
+              <a:t>5. </a:t>
+            </a:r>
+            <a:r>
+              <a:rPr lang="ko-KR" altLang="en-US"/>
+              <a:t>총 </a:t>
+            </a:r>
+            <a:r>
+              <a:rPr lang="en-US" altLang="ko-KR"/>
+              <a:t>reload</a:t>
+            </a:r>
+            <a:endParaRPr lang="ko-KR" altLang="en-US"/>
           </a:p>
         </p:txBody>
       </p:sp>
     </p:spTree>
     <p:extLst>
       <p:ext uri="{BB962C8B-B14F-4D97-AF65-F5344CB8AC3E}">
-        <p14:creationId xmlns:p14="http://schemas.microsoft.com/office/powerpoint/2010/main" val="1524873660"/>
+        <p14:creationId xmlns:p14="http://schemas.microsoft.com/office/powerpoint/2010/main" val="3255296743"/>
       </p:ext>
     </p:extLst>
   </p:cSld>
@@ -5013,7 +4979,7 @@
           <p:cNvPr id="2" name="제목 1">
             <a:extLst>
               <a:ext uri="{FF2B5EF4-FFF2-40B4-BE49-F238E27FC236}">
-                <a16:creationId xmlns:a16="http://schemas.microsoft.com/office/drawing/2014/main" id="{7849E8B7-62FB-0190-0689-D188A0DC1BF7}"/>
+                <a16:creationId xmlns:a16="http://schemas.microsoft.com/office/drawing/2014/main" id="{DEE0E929-3895-24FC-F737-3C7586117E7B}"/>
               </a:ext>
             </a:extLst>
           </p:cNvPr>
@@ -5030,90 +4996,238 @@
           <a:lstStyle/>
           <a:p>
             <a:r>
+              <a:rPr lang="ko-KR" altLang="en-US" dirty="0"/>
+              <a:t>토큰</a:t>
+            </a:r>
+          </a:p>
+        </p:txBody>
+      </p:sp>
+      <p:sp>
+        <p:nvSpPr>
+          <p:cNvPr id="3" name="내용 개체 틀 2">
+            <a:extLst>
+              <a:ext uri="{FF2B5EF4-FFF2-40B4-BE49-F238E27FC236}">
+                <a16:creationId xmlns:a16="http://schemas.microsoft.com/office/drawing/2014/main" id="{9EF8D000-B48B-842E-CF4C-FED21753D3EF}"/>
+              </a:ext>
+            </a:extLst>
+          </p:cNvPr>
+          <p:cNvSpPr>
+            <a:spLocks noGrp="1"/>
+          </p:cNvSpPr>
+          <p:nvPr>
+            <p:ph idx="1"/>
+          </p:nvPr>
+        </p:nvSpPr>
+        <p:spPr/>
+        <p:txBody>
+          <a:bodyPr>
+            <a:normAutofit lnSpcReduction="10000"/>
+          </a:bodyPr>
+          <a:lstStyle/>
+          <a:p>
+            <a:r>
+              <a:rPr lang="ko-KR" altLang="en-US" dirty="0"/>
+              <a:t>이걸 특정 키를 눌러서 계속 확인가능한지</a:t>
+            </a:r>
+            <a:endParaRPr lang="en-US" altLang="ko-KR" dirty="0"/>
+          </a:p>
+          <a:p>
+            <a:r>
+              <a:rPr lang="ko-KR" altLang="en-US" dirty="0"/>
+              <a:t>역시 꿈으로 </a:t>
+            </a:r>
+            <a:r>
               <a:rPr lang="ko-KR" altLang="en-US" dirty="0" err="1"/>
-              <a:t>장비창</a:t>
+              <a:t>이어지는게</a:t>
+            </a:r>
+            <a:r>
+              <a:rPr lang="ko-KR" altLang="en-US" dirty="0"/>
+              <a:t> 맞아</a:t>
+            </a:r>
+            <a:endParaRPr lang="en-US" altLang="ko-KR" dirty="0"/>
+          </a:p>
+          <a:p>
+            <a:endParaRPr lang="en-US" altLang="ko-KR" dirty="0"/>
+          </a:p>
+          <a:p>
+            <a:endParaRPr lang="en-US" altLang="ko-KR" dirty="0"/>
+          </a:p>
+          <a:p>
+            <a:r>
+              <a:rPr lang="ko-KR" altLang="en-US" dirty="0"/>
+              <a:t>순서를 </a:t>
+            </a:r>
+            <a:r>
+              <a:rPr lang="en-US" altLang="ko-KR" dirty="0"/>
+              <a:t>“</a:t>
+            </a:r>
+            <a:r>
+              <a:rPr lang="ko-KR" altLang="en-US" dirty="0"/>
+              <a:t>현실 </a:t>
+            </a:r>
+            <a:r>
+              <a:rPr lang="en-US" altLang="ko-KR" dirty="0"/>
+              <a:t>-&gt; </a:t>
+            </a:r>
+            <a:r>
+              <a:rPr lang="ko-KR" altLang="en-US" dirty="0"/>
+              <a:t>꿈 </a:t>
+            </a:r>
+            <a:r>
+              <a:rPr lang="en-US" altLang="ko-KR" dirty="0"/>
+              <a:t> -&gt; </a:t>
+            </a:r>
+            <a:r>
+              <a:rPr lang="ko-KR" altLang="en-US" dirty="0"/>
+              <a:t>현실</a:t>
+            </a:r>
+            <a:r>
+              <a:rPr lang="en-US" altLang="ko-KR" dirty="0"/>
+              <a:t>”</a:t>
+            </a:r>
+            <a:r>
+              <a:rPr lang="ko-KR" altLang="en-US" dirty="0"/>
+              <a:t> </a:t>
+            </a:r>
+            <a:r>
+              <a:rPr lang="ko-KR" altLang="en-US" dirty="0" err="1"/>
+              <a:t>이런식으로</a:t>
+            </a:r>
+            <a:r>
+              <a:rPr lang="ko-KR" altLang="en-US" dirty="0"/>
+              <a:t> </a:t>
+            </a:r>
+            <a:r>
+              <a:rPr lang="ko-KR" altLang="en-US" dirty="0" err="1"/>
+              <a:t>짜야할거같음</a:t>
+            </a:r>
+            <a:endParaRPr lang="en-US" altLang="ko-KR" dirty="0"/>
+          </a:p>
+          <a:p>
+            <a:r>
+              <a:rPr lang="ko-KR" altLang="en-US" dirty="0"/>
+              <a:t>현실 </a:t>
+            </a:r>
+            <a:r>
+              <a:rPr lang="en-US" altLang="ko-KR" dirty="0"/>
+              <a:t>&gt; </a:t>
+            </a:r>
+            <a:r>
+              <a:rPr lang="ko-KR" altLang="en-US" dirty="0"/>
+              <a:t>꿈 </a:t>
+            </a:r>
+            <a:r>
+              <a:rPr lang="en-US" altLang="ko-KR" dirty="0"/>
+              <a:t>: </a:t>
+            </a:r>
+            <a:r>
+              <a:rPr lang="ko-KR" altLang="en-US" dirty="0"/>
+              <a:t>안개가 나오며 손목 볼 때 아무것도 안보이면 꿈</a:t>
+            </a:r>
+            <a:r>
+              <a:rPr lang="en-US" altLang="ko-KR" dirty="0"/>
+              <a:t>?</a:t>
+            </a:r>
+          </a:p>
+          <a:p>
+            <a:pPr marL="0" indent="0">
+              <a:buNone/>
+            </a:pPr>
+            <a:r>
+              <a:rPr lang="ko-KR" altLang="en-US" dirty="0"/>
+              <a:t>특정키 누르면 손목 계속보는 방식으로 토큰을 확인하기</a:t>
+            </a:r>
+            <a:endParaRPr lang="en-US" altLang="ko-KR" dirty="0"/>
+          </a:p>
+          <a:p>
+            <a:pPr marL="0" indent="0">
+              <a:buNone/>
+            </a:pPr>
+            <a:endParaRPr lang="en-US" altLang="ko-KR" dirty="0"/>
+          </a:p>
+          <a:p>
+            <a:r>
+              <a:rPr lang="ko-KR" altLang="en-US" dirty="0"/>
+              <a:t>꿈인지 후 현실로 돌아가려면 특정 트리거를 작동 </a:t>
+            </a:r>
+            <a:r>
+              <a:rPr lang="en-US" altLang="ko-KR" dirty="0"/>
+              <a:t>[</a:t>
+            </a:r>
+            <a:r>
+              <a:rPr lang="ko-KR" altLang="en-US" dirty="0"/>
+              <a:t>아드레날린</a:t>
+            </a:r>
+            <a:r>
+              <a:rPr lang="en-US" altLang="ko-KR" dirty="0"/>
+              <a:t>]</a:t>
+            </a:r>
+          </a:p>
+        </p:txBody>
+      </p:sp>
+      <p:sp>
+        <p:nvSpPr>
+          <p:cNvPr id="5" name="TextBox 4">
+            <a:extLst>
+              <a:ext uri="{FF2B5EF4-FFF2-40B4-BE49-F238E27FC236}">
+                <a16:creationId xmlns:a16="http://schemas.microsoft.com/office/drawing/2014/main" id="{8889313F-D3C4-881D-2C37-3A6DE3E2020C}"/>
+              </a:ext>
+            </a:extLst>
+          </p:cNvPr>
+          <p:cNvSpPr txBox="1"/>
+          <p:nvPr/>
+        </p:nvSpPr>
+        <p:spPr>
+          <a:xfrm>
+            <a:off x="2160537" y="2967688"/>
+            <a:ext cx="7055825" cy="646331"/>
+          </a:xfrm>
+          <a:prstGeom prst="rect">
+            <a:avLst/>
+          </a:prstGeom>
+          <a:noFill/>
+        </p:spPr>
+        <p:txBody>
+          <a:bodyPr wrap="square">
+            <a:spAutoFit/>
+          </a:bodyPr>
+          <a:lstStyle/>
+          <a:p>
+            <a:r>
+              <a:rPr lang="ko-KR" altLang="en-US" dirty="0" err="1"/>
+              <a:t>인셉션처럼</a:t>
+            </a:r>
+            <a:r>
+              <a:rPr lang="ko-KR" altLang="en-US" dirty="0"/>
+              <a:t> 내가 꿈인지 아닌지 손목의 반지를 통해 확인가능</a:t>
+            </a:r>
+            <a:endParaRPr lang="en-US" altLang="ko-KR" dirty="0"/>
+          </a:p>
+          <a:p>
+            <a:r>
+              <a:rPr lang="ko-KR" altLang="en-US" dirty="0"/>
+              <a:t>다가오는 귀신에 </a:t>
+            </a:r>
+            <a:r>
+              <a:rPr lang="ko-KR" altLang="en-US" dirty="0" err="1"/>
+              <a:t>후레쉬</a:t>
+            </a:r>
+            <a:r>
+              <a:rPr lang="ko-KR" altLang="en-US" dirty="0"/>
+              <a:t> 쏘면 </a:t>
+            </a:r>
+            <a:r>
+              <a:rPr lang="ko-KR" altLang="en-US"/>
+              <a:t>멈추는거임</a:t>
             </a:r>
             <a:endParaRPr lang="ko-KR" altLang="en-US" dirty="0"/>
-          </a:p>
-        </p:txBody>
-      </p:sp>
-      <p:sp>
-        <p:nvSpPr>
-          <p:cNvPr id="3" name="내용 개체 틀 2">
-            <a:extLst>
-              <a:ext uri="{FF2B5EF4-FFF2-40B4-BE49-F238E27FC236}">
-                <a16:creationId xmlns:a16="http://schemas.microsoft.com/office/drawing/2014/main" id="{4D0C32A6-55B0-BB18-7A73-B998C7831103}"/>
-              </a:ext>
-            </a:extLst>
-          </p:cNvPr>
-          <p:cNvSpPr>
-            <a:spLocks noGrp="1"/>
-          </p:cNvSpPr>
-          <p:nvPr>
-            <p:ph idx="1"/>
-          </p:nvPr>
-        </p:nvSpPr>
-        <p:spPr/>
-        <p:txBody>
-          <a:bodyPr/>
-          <a:lstStyle/>
-          <a:p>
-            <a:r>
-              <a:rPr lang="ko-KR" altLang="en-US" dirty="0"/>
-              <a:t>마우스클릭 없이 </a:t>
-            </a:r>
-            <a:r>
-              <a:rPr lang="en-US" altLang="ko-KR" dirty="0"/>
-              <a:t>E </a:t>
-            </a:r>
-            <a:r>
-              <a:rPr lang="ko-KR" altLang="en-US" dirty="0"/>
-              <a:t>누르면 장비창에 획득목록 보여줌</a:t>
-            </a:r>
-            <a:endParaRPr lang="en-US" altLang="ko-KR" dirty="0"/>
-          </a:p>
-          <a:p>
-            <a:r>
-              <a:rPr lang="ko-KR" altLang="en-US" dirty="0"/>
-              <a:t>모두 패시브로 사용되게 하고</a:t>
-            </a:r>
-            <a:endParaRPr lang="en-US" altLang="ko-KR" dirty="0"/>
-          </a:p>
-          <a:p>
-            <a:r>
-              <a:rPr lang="ko-KR" altLang="en-US" dirty="0"/>
-              <a:t>아이템은 캐릭터가 </a:t>
-            </a:r>
-            <a:r>
-              <a:rPr lang="en-US" altLang="ko-KR" dirty="0"/>
-              <a:t>space </a:t>
-            </a:r>
-            <a:r>
-              <a:rPr lang="ko-KR" altLang="en-US" dirty="0"/>
-              <a:t>누르면 먹고</a:t>
-            </a:r>
-            <a:endParaRPr lang="en-US" altLang="ko-KR" dirty="0"/>
-          </a:p>
-          <a:p>
-            <a:r>
-              <a:rPr lang="ko-KR" altLang="en-US" dirty="0"/>
-              <a:t>트리거 동작하는 부분에서 </a:t>
-            </a:r>
-            <a:r>
-              <a:rPr lang="en-US" altLang="ko-KR" dirty="0"/>
-              <a:t>space </a:t>
-            </a:r>
-            <a:r>
-              <a:rPr lang="ko-KR" altLang="en-US"/>
-              <a:t>누르면 작동하게 설정</a:t>
-            </a:r>
           </a:p>
         </p:txBody>
       </p:sp>
     </p:spTree>
     <p:extLst>
       <p:ext uri="{BB962C8B-B14F-4D97-AF65-F5344CB8AC3E}">
-        <p14:creationId xmlns:p14="http://schemas.microsoft.com/office/powerpoint/2010/main" val="1963623474"/>
+        <p14:creationId xmlns:p14="http://schemas.microsoft.com/office/powerpoint/2010/main" val="1524873660"/>
       </p:ext>
     </p:extLst>
   </p:cSld>
@@ -5145,7 +5259,7 @@
           <p:cNvPr id="2" name="제목 1">
             <a:extLst>
               <a:ext uri="{FF2B5EF4-FFF2-40B4-BE49-F238E27FC236}">
-                <a16:creationId xmlns:a16="http://schemas.microsoft.com/office/drawing/2014/main" id="{6A06D334-5769-B9F4-44E6-5A96E677DE0E}"/>
+                <a16:creationId xmlns:a16="http://schemas.microsoft.com/office/drawing/2014/main" id="{7849E8B7-62FB-0190-0689-D188A0DC1BF7}"/>
               </a:ext>
             </a:extLst>
           </p:cNvPr>
@@ -5163,12 +5277,9 @@
           <a:p>
             <a:r>
               <a:rPr lang="ko-KR" altLang="en-US" dirty="0" err="1"/>
-              <a:t>필요한거</a:t>
-            </a:r>
-            <a:r>
-              <a:rPr lang="ko-KR" altLang="en-US"/>
-              <a:t> 여기 들어가서 참고하셈</a:t>
-            </a:r>
+              <a:t>장비창</a:t>
+            </a:r>
+            <a:endParaRPr lang="ko-KR" altLang="en-US" dirty="0"/>
           </a:p>
         </p:txBody>
       </p:sp>
@@ -5177,7 +5288,7 @@
           <p:cNvPr id="3" name="내용 개체 틀 2">
             <a:extLst>
               <a:ext uri="{FF2B5EF4-FFF2-40B4-BE49-F238E27FC236}">
-                <a16:creationId xmlns:a16="http://schemas.microsoft.com/office/drawing/2014/main" id="{374BFC39-8686-5094-06E8-2441D85F6B75}"/>
+                <a16:creationId xmlns:a16="http://schemas.microsoft.com/office/drawing/2014/main" id="{4D0C32A6-55B0-BB18-7A73-B998C7831103}"/>
               </a:ext>
             </a:extLst>
           </p:cNvPr>
@@ -5195,64 +5306,60 @@
           <a:p>
             <a:r>
               <a:rPr lang="ko-KR" altLang="en-US" dirty="0"/>
-              <a:t>드래그로 오브젝트 움직이기</a:t>
+              <a:t>마우스클릭 없이 </a:t>
+            </a:r>
+            <a:r>
+              <a:rPr lang="en-US" altLang="ko-KR" dirty="0"/>
+              <a:t>E </a:t>
+            </a:r>
+            <a:r>
+              <a:rPr lang="ko-KR" altLang="en-US" dirty="0"/>
+              <a:t>누르면 장비창에 획득목록 보여줌</a:t>
             </a:r>
             <a:endParaRPr lang="en-US" altLang="ko-KR" dirty="0"/>
           </a:p>
           <a:p>
             <a:r>
-              <a:rPr lang="en-US" altLang="ko-KR" dirty="0">
-                <a:hlinkClick r:id="rId2"/>
-              </a:rPr>
-              <a:t>https://bloodstrawberry.tistory.com/992?category=1024514</a:t>
+              <a:rPr lang="ko-KR" altLang="en-US" dirty="0"/>
+              <a:t>모두 패시브로 사용되게 하고</a:t>
             </a:r>
             <a:endParaRPr lang="en-US" altLang="ko-KR" dirty="0"/>
           </a:p>
           <a:p>
             <a:r>
+              <a:rPr lang="ko-KR" altLang="en-US" dirty="0"/>
+              <a:t>아이템은 캐릭터가 </a:t>
+            </a:r>
+            <a:r>
               <a:rPr lang="en-US" altLang="ko-KR" dirty="0"/>
-              <a:t>==</a:t>
-            </a:r>
-            <a:r>
-              <a:rPr lang="ko-KR" altLang="en-US" dirty="0"/>
-              <a:t> 근데 우리 마우스 포인터 </a:t>
-            </a:r>
-            <a:r>
-              <a:rPr lang="ko-KR" altLang="en-US" dirty="0" err="1"/>
-              <a:t>필요없잖아</a:t>
+              <a:t>space </a:t>
+            </a:r>
+            <a:r>
+              <a:rPr lang="ko-KR" altLang="en-US" dirty="0"/>
+              <a:t>누르면 먹고</a:t>
+            </a:r>
+            <a:endParaRPr lang="en-US" altLang="ko-KR" dirty="0"/>
+          </a:p>
+          <a:p>
+            <a:r>
+              <a:rPr lang="ko-KR" altLang="en-US" dirty="0"/>
+              <a:t>트리거 동작하는 부분에서 </a:t>
             </a:r>
             <a:r>
               <a:rPr lang="en-US" altLang="ko-KR" dirty="0"/>
-              <a:t>..</a:t>
-            </a:r>
-          </a:p>
-          <a:p>
-            <a:endParaRPr lang="en-US" altLang="ko-KR" dirty="0"/>
-          </a:p>
-          <a:p>
-            <a:r>
-              <a:rPr lang="ko-KR" altLang="en-US" dirty="0"/>
-              <a:t>이미지 애니메이션으로 만드는 </a:t>
-            </a:r>
-            <a:r>
-              <a:rPr lang="ko-KR" altLang="en-US" dirty="0" err="1"/>
-              <a:t>바업</a:t>
-            </a:r>
-            <a:endParaRPr lang="en-US" altLang="ko-KR" dirty="0"/>
-          </a:p>
-          <a:p>
-            <a:r>
-              <a:rPr lang="en-US" altLang="ko-KR" dirty="0"/>
-              <a:t>https://boxwitch.tistory.com/16</a:t>
-            </a:r>
-            <a:endParaRPr lang="ko-KR" altLang="en-US" dirty="0"/>
+              <a:t>space </a:t>
+            </a:r>
+            <a:r>
+              <a:rPr lang="ko-KR" altLang="en-US"/>
+              <a:t>누르면 작동하게 설정</a:t>
+            </a:r>
           </a:p>
         </p:txBody>
       </p:sp>
     </p:spTree>
     <p:extLst>
       <p:ext uri="{BB962C8B-B14F-4D97-AF65-F5344CB8AC3E}">
-        <p14:creationId xmlns:p14="http://schemas.microsoft.com/office/powerpoint/2010/main" val="735362778"/>
+        <p14:creationId xmlns:p14="http://schemas.microsoft.com/office/powerpoint/2010/main" val="1963623474"/>
       </p:ext>
     </p:extLst>
   </p:cSld>

--- a/Documents/기획서/기획서.pptx
+++ b/Documents/기획서/기획서.pptx
@@ -6,14 +6,14 @@
   </p:sldMasterIdLst>
   <p:sldIdLst>
     <p:sldId id="256" r:id="rId2"/>
-    <p:sldId id="270" r:id="rId3"/>
-    <p:sldId id="267" r:id="rId4"/>
-    <p:sldId id="263" r:id="rId5"/>
-    <p:sldId id="264" r:id="rId6"/>
-    <p:sldId id="265" r:id="rId7"/>
-    <p:sldId id="266" r:id="rId8"/>
-    <p:sldId id="257" r:id="rId9"/>
-    <p:sldId id="269" r:id="rId10"/>
+    <p:sldId id="269" r:id="rId3"/>
+    <p:sldId id="270" r:id="rId4"/>
+    <p:sldId id="267" r:id="rId5"/>
+    <p:sldId id="263" r:id="rId6"/>
+    <p:sldId id="264" r:id="rId7"/>
+    <p:sldId id="265" r:id="rId8"/>
+    <p:sldId id="266" r:id="rId9"/>
+    <p:sldId id="257" r:id="rId10"/>
     <p:sldId id="258" r:id="rId11"/>
     <p:sldId id="261" r:id="rId12"/>
     <p:sldId id="262" r:id="rId13"/>
@@ -271,7 +271,7 @@
           <a:p>
             <a:fld id="{640FAAA2-EE4C-49FC-AC07-F5ED09710A73}" type="datetimeFigureOut">
               <a:rPr lang="ko-KR" altLang="en-US" smtClean="0"/>
-              <a:t>2024-03-13-Wed</a:t>
+              <a:t>2024-03-14-Thu</a:t>
             </a:fld>
             <a:endParaRPr lang="ko-KR" altLang="en-US"/>
           </a:p>
@@ -469,7 +469,7 @@
           <a:p>
             <a:fld id="{640FAAA2-EE4C-49FC-AC07-F5ED09710A73}" type="datetimeFigureOut">
               <a:rPr lang="ko-KR" altLang="en-US" smtClean="0"/>
-              <a:t>2024-03-13-Wed</a:t>
+              <a:t>2024-03-14-Thu</a:t>
             </a:fld>
             <a:endParaRPr lang="ko-KR" altLang="en-US"/>
           </a:p>
@@ -677,7 +677,7 @@
           <a:p>
             <a:fld id="{640FAAA2-EE4C-49FC-AC07-F5ED09710A73}" type="datetimeFigureOut">
               <a:rPr lang="ko-KR" altLang="en-US" smtClean="0"/>
-              <a:t>2024-03-13-Wed</a:t>
+              <a:t>2024-03-14-Thu</a:t>
             </a:fld>
             <a:endParaRPr lang="ko-KR" altLang="en-US"/>
           </a:p>
@@ -875,7 +875,7 @@
           <a:p>
             <a:fld id="{640FAAA2-EE4C-49FC-AC07-F5ED09710A73}" type="datetimeFigureOut">
               <a:rPr lang="ko-KR" altLang="en-US" smtClean="0"/>
-              <a:t>2024-03-13-Wed</a:t>
+              <a:t>2024-03-14-Thu</a:t>
             </a:fld>
             <a:endParaRPr lang="ko-KR" altLang="en-US"/>
           </a:p>
@@ -1150,7 +1150,7 @@
           <a:p>
             <a:fld id="{640FAAA2-EE4C-49FC-AC07-F5ED09710A73}" type="datetimeFigureOut">
               <a:rPr lang="ko-KR" altLang="en-US" smtClean="0"/>
-              <a:t>2024-03-13-Wed</a:t>
+              <a:t>2024-03-14-Thu</a:t>
             </a:fld>
             <a:endParaRPr lang="ko-KR" altLang="en-US"/>
           </a:p>
@@ -1415,7 +1415,7 @@
           <a:p>
             <a:fld id="{640FAAA2-EE4C-49FC-AC07-F5ED09710A73}" type="datetimeFigureOut">
               <a:rPr lang="ko-KR" altLang="en-US" smtClean="0"/>
-              <a:t>2024-03-13-Wed</a:t>
+              <a:t>2024-03-14-Thu</a:t>
             </a:fld>
             <a:endParaRPr lang="ko-KR" altLang="en-US"/>
           </a:p>
@@ -1827,7 +1827,7 @@
           <a:p>
             <a:fld id="{640FAAA2-EE4C-49FC-AC07-F5ED09710A73}" type="datetimeFigureOut">
               <a:rPr lang="ko-KR" altLang="en-US" smtClean="0"/>
-              <a:t>2024-03-13-Wed</a:t>
+              <a:t>2024-03-14-Thu</a:t>
             </a:fld>
             <a:endParaRPr lang="ko-KR" altLang="en-US"/>
           </a:p>
@@ -1968,7 +1968,7 @@
           <a:p>
             <a:fld id="{640FAAA2-EE4C-49FC-AC07-F5ED09710A73}" type="datetimeFigureOut">
               <a:rPr lang="ko-KR" altLang="en-US" smtClean="0"/>
-              <a:t>2024-03-13-Wed</a:t>
+              <a:t>2024-03-14-Thu</a:t>
             </a:fld>
             <a:endParaRPr lang="ko-KR" altLang="en-US"/>
           </a:p>
@@ -2081,7 +2081,7 @@
           <a:p>
             <a:fld id="{640FAAA2-EE4C-49FC-AC07-F5ED09710A73}" type="datetimeFigureOut">
               <a:rPr lang="ko-KR" altLang="en-US" smtClean="0"/>
-              <a:t>2024-03-13-Wed</a:t>
+              <a:t>2024-03-14-Thu</a:t>
             </a:fld>
             <a:endParaRPr lang="ko-KR" altLang="en-US"/>
           </a:p>
@@ -2392,7 +2392,7 @@
           <a:p>
             <a:fld id="{640FAAA2-EE4C-49FC-AC07-F5ED09710A73}" type="datetimeFigureOut">
               <a:rPr lang="ko-KR" altLang="en-US" smtClean="0"/>
-              <a:t>2024-03-13-Wed</a:t>
+              <a:t>2024-03-14-Thu</a:t>
             </a:fld>
             <a:endParaRPr lang="ko-KR" altLang="en-US"/>
           </a:p>
@@ -2680,7 +2680,7 @@
           <a:p>
             <a:fld id="{640FAAA2-EE4C-49FC-AC07-F5ED09710A73}" type="datetimeFigureOut">
               <a:rPr lang="ko-KR" altLang="en-US" smtClean="0"/>
-              <a:t>2024-03-13-Wed</a:t>
+              <a:t>2024-03-14-Thu</a:t>
             </a:fld>
             <a:endParaRPr lang="ko-KR" altLang="en-US"/>
           </a:p>
@@ -2921,7 +2921,7 @@
           <a:p>
             <a:fld id="{640FAAA2-EE4C-49FC-AC07-F5ED09710A73}" type="datetimeFigureOut">
               <a:rPr lang="ko-KR" altLang="en-US" smtClean="0"/>
-              <a:t>2024-03-13-Wed</a:t>
+              <a:t>2024-03-14-Thu</a:t>
             </a:fld>
             <a:endParaRPr lang="ko-KR" altLang="en-US"/>
           </a:p>
@@ -4042,7 +4042,7 @@
           <p:cNvPr id="2" name="제목 1">
             <a:extLst>
               <a:ext uri="{FF2B5EF4-FFF2-40B4-BE49-F238E27FC236}">
-                <a16:creationId xmlns:a16="http://schemas.microsoft.com/office/drawing/2014/main" id="{8D8B9B78-02F9-A4C5-7C4C-2A21212E4F02}"/>
+                <a16:creationId xmlns:a16="http://schemas.microsoft.com/office/drawing/2014/main" id="{7849E8B7-62FB-0190-0689-D188A0DC1BF7}"/>
               </a:ext>
             </a:extLst>
           </p:cNvPr>
@@ -4059,12 +4059,24 @@
           <a:lstStyle/>
           <a:p>
             <a:r>
-              <a:rPr lang="ko-KR" altLang="en-US" dirty="0"/>
-              <a:t>멀티</a:t>
-            </a:r>
-            <a:r>
-              <a:rPr lang="en-US" altLang="ko-KR" dirty="0"/>
-              <a:t>?</a:t>
+              <a:rPr lang="ko-KR" altLang="en-US" dirty="0" err="1"/>
+              <a:t>장비창</a:t>
+            </a:r>
+            <a:r>
+              <a:rPr lang="ko-KR" altLang="en-US" dirty="0"/>
+              <a:t> </a:t>
+            </a:r>
+            <a:r>
+              <a:rPr lang="en-US" altLang="ko-KR" dirty="0"/>
+              <a:t>&lt;&lt;</a:t>
+            </a:r>
+            <a:r>
+              <a:rPr lang="ko-KR" altLang="en-US" dirty="0"/>
+              <a:t>최대한 주말에 만들어보자</a:t>
+            </a:r>
+            <a:r>
+              <a:rPr lang="en-US" altLang="ko-KR" dirty="0"/>
+              <a:t>&gt;&gt;</a:t>
             </a:r>
             <a:endParaRPr lang="ko-KR" altLang="en-US" dirty="0"/>
           </a:p>
@@ -4075,7 +4087,7 @@
           <p:cNvPr id="3" name="내용 개체 틀 2">
             <a:extLst>
               <a:ext uri="{FF2B5EF4-FFF2-40B4-BE49-F238E27FC236}">
-                <a16:creationId xmlns:a16="http://schemas.microsoft.com/office/drawing/2014/main" id="{141983C5-6375-9CBB-B229-BFE648BAD5C2}"/>
+                <a16:creationId xmlns:a16="http://schemas.microsoft.com/office/drawing/2014/main" id="{4D0C32A6-55B0-BB18-7A73-B998C7831103}"/>
               </a:ext>
             </a:extLst>
           </p:cNvPr>
@@ -4088,27 +4100,193 @@
         </p:nvSpPr>
         <p:spPr/>
         <p:txBody>
-          <a:bodyPr/>
-          <a:lstStyle/>
-          <a:p>
-            <a:r>
-              <a:rPr lang="ko-KR" altLang="en-US" b="0" i="0" dirty="0">
-                <a:solidFill>
-                  <a:srgbClr val="333333"/>
-                </a:solidFill>
-                <a:effectLst/>
-                <a:latin typeface="Pretendard"/>
-              </a:rPr>
-              <a:t>일단 싱글로 만든 후 멀티 진행할지 말지 결정</a:t>
-            </a:r>
-            <a:endParaRPr lang="ko-KR" altLang="en-US" dirty="0"/>
+          <a:bodyPr>
+            <a:normAutofit fontScale="77500" lnSpcReduction="20000"/>
+          </a:bodyPr>
+          <a:lstStyle/>
+          <a:p>
+            <a:r>
+              <a:rPr lang="ko-KR" altLang="en-US" dirty="0"/>
+              <a:t>마우스클릭 없이 </a:t>
+            </a:r>
+            <a:r>
+              <a:rPr lang="en-US" altLang="ko-KR" dirty="0"/>
+              <a:t>E </a:t>
+            </a:r>
+            <a:r>
+              <a:rPr lang="ko-KR" altLang="en-US" dirty="0"/>
+              <a:t>누르면 장비창에 획득목록 보여줌</a:t>
+            </a:r>
+            <a:endParaRPr lang="en-US" altLang="ko-KR" dirty="0"/>
+          </a:p>
+          <a:p>
+            <a:r>
+              <a:rPr lang="en-US" altLang="ko-KR" dirty="0"/>
+              <a:t>E</a:t>
+            </a:r>
+            <a:r>
+              <a:rPr lang="ko-KR" altLang="en-US" dirty="0"/>
+              <a:t>는 클릭 시 열리고 </a:t>
+            </a:r>
+            <a:r>
+              <a:rPr lang="ko-KR" altLang="en-US" dirty="0" err="1"/>
+              <a:t>재클릭시</a:t>
+            </a:r>
+            <a:r>
+              <a:rPr lang="ko-KR" altLang="en-US" dirty="0"/>
+              <a:t> 닫히는 방식 </a:t>
+            </a:r>
+            <a:r>
+              <a:rPr lang="en-US" altLang="ko-KR" dirty="0"/>
+              <a:t>(</a:t>
+            </a:r>
+            <a:r>
+              <a:rPr lang="ko-KR" altLang="en-US" dirty="0" err="1"/>
+              <a:t>게임지장</a:t>
+            </a:r>
+            <a:r>
+              <a:rPr lang="en-US" altLang="ko-KR" dirty="0"/>
+              <a:t>x)</a:t>
+            </a:r>
+          </a:p>
+          <a:p>
+            <a:endParaRPr lang="en-US" altLang="ko-KR" dirty="0"/>
+          </a:p>
+          <a:p>
+            <a:r>
+              <a:rPr lang="ko-KR" altLang="en-US" dirty="0"/>
+              <a:t>그렇다면 </a:t>
+            </a:r>
+            <a:r>
+              <a:rPr lang="en-US" altLang="ko-KR" dirty="0"/>
+              <a:t>“</a:t>
+            </a:r>
+            <a:r>
+              <a:rPr lang="ko-KR" altLang="en-US" dirty="0"/>
+              <a:t>아드레날린 주사기</a:t>
+            </a:r>
+            <a:r>
+              <a:rPr lang="en-US" altLang="ko-KR" dirty="0"/>
+              <a:t>”</a:t>
+            </a:r>
+            <a:r>
+              <a:rPr lang="ko-KR" altLang="en-US" dirty="0"/>
+              <a:t>는 어떻게 </a:t>
+            </a:r>
+            <a:r>
+              <a:rPr lang="ko-KR" altLang="en-US" dirty="0" err="1"/>
+              <a:t>먹일껀지</a:t>
+            </a:r>
+            <a:r>
+              <a:rPr lang="ko-KR" altLang="en-US" dirty="0"/>
+              <a:t> 관건</a:t>
+            </a:r>
+            <a:endParaRPr lang="en-US" altLang="ko-KR" dirty="0"/>
+          </a:p>
+          <a:p>
+            <a:r>
+              <a:rPr lang="en-US" altLang="ko-KR" dirty="0"/>
+              <a:t>==E</a:t>
+            </a:r>
+            <a:r>
+              <a:rPr lang="ko-KR" altLang="en-US" dirty="0"/>
+              <a:t>누르고 </a:t>
+            </a:r>
+            <a:r>
+              <a:rPr lang="en-US" altLang="ko-KR" dirty="0"/>
+              <a:t>Space </a:t>
+            </a:r>
+            <a:r>
+              <a:rPr lang="ko-KR" altLang="en-US" dirty="0"/>
+              <a:t>누르면 주사기 동작하게</a:t>
+            </a:r>
+            <a:r>
+              <a:rPr lang="en-US" altLang="ko-KR" dirty="0"/>
+              <a:t>??</a:t>
+            </a:r>
+          </a:p>
+          <a:p>
+            <a:endParaRPr lang="en-US" altLang="ko-KR" dirty="0"/>
+          </a:p>
+          <a:p>
+            <a:r>
+              <a:rPr lang="ko-KR" altLang="en-US" dirty="0"/>
+              <a:t>장비창의 목록은 열쇠</a:t>
+            </a:r>
+            <a:r>
+              <a:rPr lang="en-US" altLang="ko-KR" dirty="0"/>
+              <a:t>, </a:t>
+            </a:r>
+            <a:r>
+              <a:rPr lang="ko-KR" altLang="en-US" dirty="0"/>
+              <a:t>주사기</a:t>
+            </a:r>
+            <a:r>
+              <a:rPr lang="en-US" altLang="ko-KR" dirty="0"/>
+              <a:t>, </a:t>
+            </a:r>
+            <a:r>
+              <a:rPr lang="ko-KR" altLang="en-US" dirty="0"/>
+              <a:t>그리고 이후 추가될 몇몇정도</a:t>
+            </a:r>
+            <a:endParaRPr lang="en-US" altLang="ko-KR" dirty="0"/>
+          </a:p>
+          <a:p>
+            <a:r>
+              <a:rPr lang="ko-KR" altLang="en-US" dirty="0" err="1"/>
+              <a:t>먹는건</a:t>
+            </a:r>
+            <a:r>
+              <a:rPr lang="ko-KR" altLang="en-US"/>
+              <a:t> 순서 관계없이 먹는 순서대로 중앙에서부터 좌측으로 밀려나는 느낌</a:t>
+            </a:r>
+            <a:endParaRPr lang="en-US" altLang="ko-KR" dirty="0"/>
+          </a:p>
+          <a:p>
+            <a:endParaRPr lang="en-US" altLang="ko-KR" dirty="0"/>
+          </a:p>
+          <a:p>
+            <a:r>
+              <a:rPr lang="ko-KR" altLang="en-US" dirty="0"/>
+              <a:t>모두 패시브로 사용되게 하고</a:t>
+            </a:r>
+            <a:endParaRPr lang="en-US" altLang="ko-KR" dirty="0"/>
+          </a:p>
+          <a:p>
+            <a:r>
+              <a:rPr lang="ko-KR" altLang="en-US" dirty="0"/>
+              <a:t>아이템은 캐릭터가 </a:t>
+            </a:r>
+            <a:r>
+              <a:rPr lang="en-US" altLang="ko-KR" dirty="0"/>
+              <a:t>space </a:t>
+            </a:r>
+            <a:r>
+              <a:rPr lang="ko-KR" altLang="en-US" dirty="0"/>
+              <a:t>누르면 먹고</a:t>
+            </a:r>
+            <a:endParaRPr lang="en-US" altLang="ko-KR" dirty="0"/>
+          </a:p>
+          <a:p>
+            <a:r>
+              <a:rPr lang="ko-KR" altLang="en-US" dirty="0"/>
+              <a:t>트리거 동작하는 부분에서 </a:t>
+            </a:r>
+            <a:r>
+              <a:rPr lang="en-US" altLang="ko-KR" dirty="0"/>
+              <a:t>space </a:t>
+            </a:r>
+            <a:r>
+              <a:rPr lang="ko-KR" altLang="en-US" dirty="0"/>
+              <a:t>누르면 작동하게 설정</a:t>
+            </a:r>
           </a:p>
         </p:txBody>
       </p:sp>
     </p:spTree>
     <p:extLst>
       <p:ext uri="{BB962C8B-B14F-4D97-AF65-F5344CB8AC3E}">
-        <p14:creationId xmlns:p14="http://schemas.microsoft.com/office/powerpoint/2010/main" val="2909321877"/>
+        <p14:creationId xmlns:p14="http://schemas.microsoft.com/office/powerpoint/2010/main" val="1963623474"/>
       </p:ext>
     </p:extLst>
   </p:cSld>
@@ -4140,7 +4318,7 @@
           <p:cNvPr id="2" name="제목 1">
             <a:extLst>
               <a:ext uri="{FF2B5EF4-FFF2-40B4-BE49-F238E27FC236}">
-                <a16:creationId xmlns:a16="http://schemas.microsoft.com/office/drawing/2014/main" id="{84FC38AF-C1DE-B5F4-D734-47250387866A}"/>
+                <a16:creationId xmlns:a16="http://schemas.microsoft.com/office/drawing/2014/main" id="{8D8B9B78-02F9-A4C5-7C4C-2A21212E4F02}"/>
               </a:ext>
             </a:extLst>
           </p:cNvPr>
@@ -4158,8 +4336,13 @@
           <a:p>
             <a:r>
               <a:rPr lang="ko-KR" altLang="en-US" dirty="0"/>
-              <a:t>시점</a:t>
-            </a:r>
+              <a:t>멀티</a:t>
+            </a:r>
+            <a:r>
+              <a:rPr lang="en-US" altLang="ko-KR" dirty="0"/>
+              <a:t>?</a:t>
+            </a:r>
+            <a:endParaRPr lang="ko-KR" altLang="en-US" dirty="0"/>
           </a:p>
         </p:txBody>
       </p:sp>
@@ -4168,7 +4351,7 @@
           <p:cNvPr id="3" name="내용 개체 틀 2">
             <a:extLst>
               <a:ext uri="{FF2B5EF4-FFF2-40B4-BE49-F238E27FC236}">
-                <a16:creationId xmlns:a16="http://schemas.microsoft.com/office/drawing/2014/main" id="{12E53541-EE0A-90A4-892E-A1679D195AA8}"/>
+                <a16:creationId xmlns:a16="http://schemas.microsoft.com/office/drawing/2014/main" id="{141983C5-6375-9CBB-B229-BFE648BAD5C2}"/>
               </a:ext>
             </a:extLst>
           </p:cNvPr>
@@ -4185,70 +4368,47 @@
           <a:lstStyle/>
           <a:p>
             <a:r>
-              <a:rPr lang="en-US" altLang="ko-KR" dirty="0"/>
-              <a:t>1</a:t>
-            </a:r>
-            <a:r>
-              <a:rPr lang="ko-KR" altLang="en-US" dirty="0"/>
-              <a:t>인칭</a:t>
-            </a:r>
-            <a:r>
-              <a:rPr lang="en-US" altLang="ko-KR" dirty="0"/>
-              <a:t>, </a:t>
-            </a:r>
+              <a:rPr lang="ko-KR" altLang="en-US" b="0" i="0" dirty="0">
+                <a:solidFill>
+                  <a:srgbClr val="333333"/>
+                </a:solidFill>
+                <a:effectLst/>
+                <a:latin typeface="Pretendard"/>
+              </a:rPr>
+              <a:t>일단 싱글로 만든 후 멀티 진행할지 말지 결정</a:t>
+            </a:r>
+            <a:endParaRPr lang="en-US" altLang="ko-KR" b="0" i="0" dirty="0">
+              <a:solidFill>
+                <a:srgbClr val="333333"/>
+              </a:solidFill>
+              <a:effectLst/>
+              <a:latin typeface="Pretendard"/>
+            </a:endParaRPr>
+          </a:p>
+          <a:p>
+            <a:endParaRPr lang="en-US" altLang="ko-KR" dirty="0">
+              <a:solidFill>
+                <a:srgbClr val="333333"/>
+              </a:solidFill>
+              <a:latin typeface="Pretendard"/>
+            </a:endParaRPr>
+          </a:p>
+          <a:p>
             <a:r>
               <a:rPr lang="ko-KR" altLang="en-US" dirty="0" err="1"/>
-              <a:t>휠로</a:t>
-            </a:r>
-            <a:r>
-              <a:rPr lang="ko-KR" altLang="en-US" dirty="0"/>
-              <a:t> 줌인</a:t>
-            </a:r>
-            <a:r>
-              <a:rPr lang="en-US" altLang="ko-KR" dirty="0"/>
-              <a:t>/</a:t>
-            </a:r>
-            <a:r>
-              <a:rPr lang="ko-KR" altLang="en-US" dirty="0"/>
-              <a:t>아웃 </a:t>
-            </a:r>
-            <a:r>
-              <a:rPr lang="en-US" altLang="ko-KR" dirty="0"/>
-              <a:t>ok</a:t>
-            </a:r>
-          </a:p>
-          <a:p>
-            <a:r>
-              <a:rPr lang="ko-KR" altLang="en-US" dirty="0"/>
-              <a:t>다만 캐릭터 자체는 </a:t>
-            </a:r>
-            <a:r>
-              <a:rPr lang="ko-KR" altLang="en-US" dirty="0" err="1"/>
-              <a:t>못봄</a:t>
-            </a:r>
-            <a:r>
-              <a:rPr lang="ko-KR" altLang="en-US" dirty="0"/>
-              <a:t> 무조건 </a:t>
-            </a:r>
-            <a:r>
-              <a:rPr lang="en-US" altLang="ko-KR" dirty="0"/>
-              <a:t>1</a:t>
-            </a:r>
-            <a:r>
-              <a:rPr lang="ko-KR" altLang="en-US" dirty="0"/>
-              <a:t>인칭</a:t>
-            </a:r>
-            <a:endParaRPr lang="en-US" altLang="ko-KR" dirty="0"/>
-          </a:p>
-          <a:p>
-            <a:endParaRPr lang="ko-KR" altLang="en-US" dirty="0"/>
+              <a:t>백엔드가</a:t>
+            </a:r>
+            <a:r>
+              <a:rPr lang="ko-KR" altLang="en-US" dirty="0"/>
+              <a:t> 필요하다면 친구 통해서 협업 가능</a:t>
+            </a:r>
           </a:p>
         </p:txBody>
       </p:sp>
     </p:spTree>
     <p:extLst>
       <p:ext uri="{BB962C8B-B14F-4D97-AF65-F5344CB8AC3E}">
-        <p14:creationId xmlns:p14="http://schemas.microsoft.com/office/powerpoint/2010/main" val="3226499601"/>
+        <p14:creationId xmlns:p14="http://schemas.microsoft.com/office/powerpoint/2010/main" val="2909321877"/>
       </p:ext>
     </p:extLst>
   </p:cSld>
@@ -4280,7 +4440,7 @@
           <p:cNvPr id="2" name="제목 1">
             <a:extLst>
               <a:ext uri="{FF2B5EF4-FFF2-40B4-BE49-F238E27FC236}">
-                <a16:creationId xmlns:a16="http://schemas.microsoft.com/office/drawing/2014/main" id="{D6D66C3E-4BCE-8AEB-6B0D-881061540761}"/>
+                <a16:creationId xmlns:a16="http://schemas.microsoft.com/office/drawing/2014/main" id="{84FC38AF-C1DE-B5F4-D734-47250387866A}"/>
               </a:ext>
             </a:extLst>
           </p:cNvPr>
@@ -4297,34 +4457,9 @@
           <a:lstStyle/>
           <a:p>
             <a:r>
-              <a:rPr lang="en-US" altLang="ko-KR" dirty="0"/>
-              <a:t>1. </a:t>
-            </a:r>
-            <a:r>
-              <a:rPr lang="ko-KR" altLang="en-US" dirty="0"/>
-              <a:t>캐릭터 </a:t>
-            </a:r>
-            <a:r>
-              <a:rPr lang="en-US" altLang="ko-KR" dirty="0"/>
-              <a:t>nickname </a:t>
-            </a:r>
-            <a:r>
-              <a:rPr lang="ko-KR" altLang="en-US" dirty="0"/>
-              <a:t>설정 </a:t>
-            </a:r>
-            <a:r>
-              <a:rPr lang="en-US" altLang="ko-KR" dirty="0"/>
-              <a:t>[</a:t>
-            </a:r>
-            <a:r>
-              <a:rPr lang="ko-KR" altLang="en-US" dirty="0"/>
-              <a:t>머리위에</a:t>
-            </a:r>
-            <a:r>
-              <a:rPr lang="en-US" altLang="ko-KR" dirty="0"/>
-              <a:t>]</a:t>
-            </a:r>
-            <a:endParaRPr lang="ko-KR" altLang="en-US" dirty="0"/>
+              <a:rPr lang="ko-KR" altLang="en-US" dirty="0"/>
+              <a:t>시점</a:t>
+            </a:r>
           </a:p>
         </p:txBody>
       </p:sp>
@@ -4333,7 +4468,7 @@
           <p:cNvPr id="3" name="내용 개체 틀 2">
             <a:extLst>
               <a:ext uri="{FF2B5EF4-FFF2-40B4-BE49-F238E27FC236}">
-                <a16:creationId xmlns:a16="http://schemas.microsoft.com/office/drawing/2014/main" id="{CE3C40F1-4B2A-2918-C497-286DEDD31357}"/>
+                <a16:creationId xmlns:a16="http://schemas.microsoft.com/office/drawing/2014/main" id="{12E53541-EE0A-90A4-892E-A1679D195AA8}"/>
               </a:ext>
             </a:extLst>
           </p:cNvPr>
@@ -4350,126 +4485,62 @@
           <a:lstStyle/>
           <a:p>
             <a:r>
-              <a:rPr lang="ko-KR" altLang="en-US" dirty="0"/>
-              <a:t>캐릭터 머리 위에 이름 </a:t>
-            </a:r>
-            <a:r>
-              <a:rPr lang="en-US" altLang="ko-KR" dirty="0"/>
-              <a:t>: </a:t>
-            </a:r>
-            <a:r>
-              <a:rPr lang="ko-KR" altLang="en-US" dirty="0"/>
-              <a:t>내가 </a:t>
+              <a:rPr lang="en-US" altLang="ko-KR" dirty="0"/>
+              <a:t>1</a:t>
+            </a:r>
+            <a:r>
+              <a:rPr lang="ko-KR" altLang="en-US" dirty="0"/>
+              <a:t>인칭</a:t>
+            </a:r>
+            <a:r>
+              <a:rPr lang="en-US" altLang="ko-KR" dirty="0"/>
+              <a:t>, </a:t>
             </a:r>
             <a:r>
               <a:rPr lang="ko-KR" altLang="en-US" dirty="0" err="1"/>
-              <a:t>원하는거</a:t>
-            </a:r>
-            <a:r>
-              <a:rPr lang="ko-KR" altLang="en-US" dirty="0"/>
-              <a:t> 적을 수 잇게</a:t>
-            </a:r>
-          </a:p>
-          <a:p>
-            <a:endParaRPr lang="ko-KR" altLang="en-US" dirty="0"/>
-          </a:p>
-          <a:p>
-            <a:r>
-              <a:rPr lang="en-US" altLang="ko-KR" dirty="0"/>
-              <a:t>NPC </a:t>
-            </a:r>
-            <a:r>
-              <a:rPr lang="ko-KR" altLang="en-US" dirty="0"/>
-              <a:t>가 이제 여기 참여자들로 적으면 </a:t>
+              <a:t>휠로</a:t>
+            </a:r>
+            <a:r>
+              <a:rPr lang="ko-KR" altLang="en-US" dirty="0"/>
+              <a:t> 줌인</a:t>
+            </a:r>
+            <a:r>
+              <a:rPr lang="en-US" altLang="ko-KR" dirty="0"/>
+              <a:t>/</a:t>
+            </a:r>
+            <a:r>
+              <a:rPr lang="ko-KR" altLang="en-US" dirty="0"/>
+              <a:t>아웃 </a:t>
+            </a:r>
+            <a:r>
+              <a:rPr lang="en-US" altLang="ko-KR" dirty="0"/>
+              <a:t>ok</a:t>
+            </a:r>
+          </a:p>
+          <a:p>
+            <a:r>
+              <a:rPr lang="ko-KR" altLang="en-US" dirty="0"/>
+              <a:t>다만 캐릭터 자체는 </a:t>
             </a:r>
             <a:r>
               <a:rPr lang="ko-KR" altLang="en-US" dirty="0" err="1"/>
-              <a:t>될듯</a:t>
-            </a:r>
-            <a:r>
-              <a:rPr lang="ko-KR" altLang="en-US" dirty="0"/>
-              <a:t> </a:t>
-            </a:r>
-            <a:r>
-              <a:rPr lang="en-US" altLang="ko-KR" dirty="0"/>
-              <a:t>: </a:t>
-            </a:r>
-            <a:r>
-              <a:rPr lang="ko-KR" altLang="en-US" dirty="0"/>
-              <a:t>아라 </a:t>
-            </a:r>
-            <a:r>
-              <a:rPr lang="ko-KR" altLang="en-US" dirty="0" err="1"/>
-              <a:t>이런식으로</a:t>
-            </a:r>
-            <a:endParaRPr lang="ko-KR" altLang="en-US" dirty="0"/>
-          </a:p>
-          <a:p>
-            <a:endParaRPr lang="ko-KR" altLang="en-US" dirty="0"/>
-          </a:p>
-          <a:p>
-            <a:r>
-              <a:rPr lang="en-US" altLang="ko-KR" dirty="0"/>
-              <a:t>preload</a:t>
-            </a:r>
-            <a:r>
-              <a:rPr lang="ko-KR" altLang="en-US" dirty="0"/>
-              <a:t>에서 </a:t>
-            </a:r>
-            <a:r>
-              <a:rPr lang="en-US" altLang="ko-KR" dirty="0"/>
-              <a:t>login</a:t>
-            </a:r>
-            <a:r>
-              <a:rPr lang="ko-KR" altLang="en-US" dirty="0"/>
-              <a:t>으로 가서 룸을 잡고 </a:t>
-            </a:r>
-            <a:r>
-              <a:rPr lang="en-US" altLang="ko-KR" dirty="0" err="1"/>
-              <a:t>ingame</a:t>
-            </a:r>
-            <a:r>
-              <a:rPr lang="ko-KR" altLang="en-US" dirty="0"/>
-              <a:t>으로 들어가는 </a:t>
-            </a:r>
-            <a:r>
-              <a:rPr lang="ko-KR" altLang="en-US" dirty="0" err="1"/>
-              <a:t>구간이잖아</a:t>
-            </a:r>
-            <a:r>
-              <a:rPr lang="en-US" altLang="ko-KR" dirty="0"/>
-              <a:t>?</a:t>
-            </a:r>
-          </a:p>
-          <a:p>
-            <a:r>
-              <a:rPr lang="en-US" altLang="ko-KR" dirty="0" err="1"/>
-              <a:t>ingame</a:t>
-            </a:r>
-            <a:r>
-              <a:rPr lang="ko-KR" altLang="en-US" dirty="0"/>
-              <a:t>쪽에서 </a:t>
-            </a:r>
-            <a:r>
-              <a:rPr lang="en-US" altLang="ko-KR" dirty="0" err="1"/>
-              <a:t>gamemanager</a:t>
-            </a:r>
-            <a:r>
-              <a:rPr lang="ko-KR" altLang="en-US" dirty="0"/>
-              <a:t>을 </a:t>
-            </a:r>
-            <a:r>
-              <a:rPr lang="ko-KR" altLang="en-US" dirty="0" err="1"/>
-              <a:t>배치하는게</a:t>
-            </a:r>
-            <a:r>
-              <a:rPr lang="ko-KR" altLang="en-US" dirty="0"/>
-              <a:t> 맞다고 생각하거든</a:t>
-            </a:r>
-            <a:r>
-              <a:rPr lang="en-US" altLang="ko-KR" dirty="0"/>
-              <a:t>?</a:t>
-            </a:r>
+              <a:t>못봄</a:t>
+            </a:r>
+            <a:r>
+              <a:rPr lang="ko-KR" altLang="en-US" dirty="0"/>
+              <a:t> 무조건 </a:t>
+            </a:r>
+            <a:r>
+              <a:rPr lang="en-US" altLang="ko-KR" dirty="0"/>
+              <a:t>1</a:t>
+            </a:r>
+            <a:r>
+              <a:rPr lang="ko-KR" altLang="en-US" dirty="0"/>
+              <a:t>인칭</a:t>
+            </a:r>
+            <a:endParaRPr lang="en-US" altLang="ko-KR" dirty="0"/>
+          </a:p>
+          <a:p>
             <a:endParaRPr lang="ko-KR" altLang="en-US" dirty="0"/>
           </a:p>
         </p:txBody>
@@ -4477,7 +4548,7 @@
     </p:spTree>
     <p:extLst>
       <p:ext uri="{BB962C8B-B14F-4D97-AF65-F5344CB8AC3E}">
-        <p14:creationId xmlns:p14="http://schemas.microsoft.com/office/powerpoint/2010/main" val="1776640355"/>
+        <p14:creationId xmlns:p14="http://schemas.microsoft.com/office/powerpoint/2010/main" val="3226499601"/>
       </p:ext>
     </p:extLst>
   </p:cSld>
@@ -4509,7 +4580,7 @@
           <p:cNvPr id="2" name="제목 1">
             <a:extLst>
               <a:ext uri="{FF2B5EF4-FFF2-40B4-BE49-F238E27FC236}">
-                <a16:creationId xmlns:a16="http://schemas.microsoft.com/office/drawing/2014/main" id="{68A194FF-8D4B-4BBD-8F48-6C82014B28CA}"/>
+                <a16:creationId xmlns:a16="http://schemas.microsoft.com/office/drawing/2014/main" id="{D6D66C3E-4BCE-8AEB-6B0D-881061540761}"/>
               </a:ext>
             </a:extLst>
           </p:cNvPr>
@@ -4527,7 +4598,7 @@
           <a:p>
             <a:r>
               <a:rPr lang="en-US" altLang="ko-KR" dirty="0"/>
-              <a:t>2. </a:t>
+              <a:t>1. </a:t>
             </a:r>
             <a:r>
               <a:rPr lang="ko-KR" altLang="en-US" dirty="0"/>
@@ -4535,7 +4606,23 @@
             </a:r>
             <a:r>
               <a:rPr lang="en-US" altLang="ko-KR" dirty="0"/>
-              <a:t>HP</a:t>
+              <a:t>nickname </a:t>
+            </a:r>
+            <a:r>
+              <a:rPr lang="ko-KR" altLang="en-US" dirty="0"/>
+              <a:t>설정 </a:t>
+            </a:r>
+            <a:r>
+              <a:rPr lang="en-US" altLang="ko-KR" dirty="0"/>
+              <a:t>[</a:t>
+            </a:r>
+            <a:r>
+              <a:rPr lang="ko-KR" altLang="en-US" dirty="0"/>
+              <a:t>머리위에</a:t>
+            </a:r>
+            <a:r>
+              <a:rPr lang="en-US" altLang="ko-KR" dirty="0"/>
+              <a:t>]</a:t>
             </a:r>
             <a:endParaRPr lang="ko-KR" altLang="en-US" dirty="0"/>
           </a:p>
@@ -4546,7 +4633,7 @@
           <p:cNvPr id="3" name="내용 개체 틀 2">
             <a:extLst>
               <a:ext uri="{FF2B5EF4-FFF2-40B4-BE49-F238E27FC236}">
-                <a16:creationId xmlns:a16="http://schemas.microsoft.com/office/drawing/2014/main" id="{85296CDA-9026-4B8B-BE84-A4C28D134E4F}"/>
+                <a16:creationId xmlns:a16="http://schemas.microsoft.com/office/drawing/2014/main" id="{CE3C40F1-4B2A-2918-C497-286DEDD31357}"/>
               </a:ext>
             </a:extLst>
           </p:cNvPr>
@@ -4559,111 +4646,138 @@
         </p:nvSpPr>
         <p:spPr/>
         <p:txBody>
-          <a:bodyPr>
-            <a:normAutofit lnSpcReduction="10000"/>
-          </a:bodyPr>
-          <a:lstStyle/>
-          <a:p>
-            <a:r>
-              <a:rPr lang="en-US" altLang="ko-KR" dirty="0"/>
-              <a:t>HP </a:t>
-            </a:r>
-            <a:r>
-              <a:rPr lang="ko-KR" altLang="en-US" dirty="0"/>
-              <a:t>바를 작게 만들거나 캐릭터 상태를 알려주는 식으로 </a:t>
+          <a:bodyPr/>
+          <a:lstStyle/>
+          <a:p>
+            <a:r>
+              <a:rPr lang="ko-KR" altLang="en-US" dirty="0"/>
+              <a:t>캐릭터 머리 위에 이름 </a:t>
+            </a:r>
+            <a:r>
+              <a:rPr lang="en-US" altLang="ko-KR" dirty="0"/>
+              <a:t>: </a:t>
+            </a:r>
+            <a:r>
+              <a:rPr lang="ko-KR" altLang="en-US" dirty="0"/>
+              <a:t>내가 </a:t>
             </a:r>
             <a:r>
               <a:rPr lang="ko-KR" altLang="en-US" dirty="0" err="1"/>
-              <a:t>맵으로</a:t>
-            </a:r>
-            <a:r>
-              <a:rPr lang="ko-KR" altLang="en-US" dirty="0"/>
-              <a:t> 만들거나 하고</a:t>
-            </a:r>
-            <a:endParaRPr lang="en-US" altLang="ko-KR" dirty="0"/>
-          </a:p>
-          <a:p>
-            <a:r>
-              <a:rPr lang="ko-KR" altLang="en-US" dirty="0"/>
-              <a:t>한대 맞을 때마다 일정시간동안 희미하게 나왔다가 사라지는 피 나오는 식의 이미지를 이용해서 이미지 </a:t>
-            </a:r>
-            <a:r>
-              <a:rPr lang="en-US" altLang="ko-KR" dirty="0"/>
-              <a:t>3</a:t>
-            </a:r>
-            <a:r>
-              <a:rPr lang="ko-KR" altLang="en-US" dirty="0"/>
-              <a:t>개정도 랜덤하게</a:t>
-            </a:r>
-            <a:endParaRPr lang="en-US" altLang="ko-KR" dirty="0"/>
-          </a:p>
-          <a:p>
-            <a:endParaRPr lang="en-US" altLang="ko-KR" dirty="0"/>
-          </a:p>
-          <a:p>
-            <a:r>
-              <a:rPr lang="ko-KR" altLang="en-US" dirty="0"/>
-              <a:t>그리고 일정이상 피가 </a:t>
+              <a:t>원하는거</a:t>
+            </a:r>
+            <a:r>
+              <a:rPr lang="ko-KR" altLang="en-US" dirty="0"/>
+              <a:t> 적을 수 잇게</a:t>
+            </a:r>
+          </a:p>
+          <a:p>
+            <a:endParaRPr lang="ko-KR" altLang="en-US" dirty="0"/>
+          </a:p>
+          <a:p>
+            <a:r>
+              <a:rPr lang="en-US" altLang="ko-KR" dirty="0"/>
+              <a:t>NPC </a:t>
+            </a:r>
+            <a:r>
+              <a:rPr lang="ko-KR" altLang="en-US" dirty="0"/>
+              <a:t>가 이제 여기 참여자들로 적으면 </a:t>
             </a:r>
             <a:r>
               <a:rPr lang="ko-KR" altLang="en-US" dirty="0" err="1"/>
-              <a:t>까이면</a:t>
-            </a:r>
-            <a:r>
-              <a:rPr lang="ko-KR" altLang="en-US" dirty="0"/>
-              <a:t> 이미지가 붉어지고 일정시간동안 등장하는 피 이미지의 체류시간 늘리기</a:t>
-            </a:r>
-            <a:endParaRPr lang="en-US" altLang="ko-KR" dirty="0"/>
-          </a:p>
-          <a:p>
-            <a:endParaRPr lang="en-US" altLang="ko-KR" dirty="0"/>
-          </a:p>
-          <a:p>
-            <a:r>
-              <a:rPr lang="ko-KR" altLang="en-US" dirty="0"/>
-              <a:t>캐릭터 상태를 맵 마냥 </a:t>
+              <a:t>될듯</a:t>
+            </a:r>
+            <a:r>
+              <a:rPr lang="ko-KR" altLang="en-US" dirty="0"/>
+              <a:t> </a:t>
+            </a:r>
+            <a:r>
+              <a:rPr lang="en-US" altLang="ko-KR" dirty="0"/>
+              <a:t>: </a:t>
+            </a:r>
+            <a:r>
+              <a:rPr lang="ko-KR" altLang="en-US" dirty="0"/>
+              <a:t>아라 </a:t>
             </a:r>
             <a:r>
               <a:rPr lang="ko-KR" altLang="en-US" dirty="0" err="1"/>
-              <a:t>띄워놔야할지</a:t>
-            </a:r>
-            <a:r>
-              <a:rPr lang="ko-KR" altLang="en-US" dirty="0"/>
-              <a:t> 의문</a:t>
-            </a:r>
-            <a:endParaRPr lang="en-US" altLang="ko-KR" dirty="0"/>
-          </a:p>
-          <a:p>
-            <a:pPr marL="0" indent="0">
-              <a:buNone/>
-            </a:pPr>
-            <a:r>
-              <a:rPr lang="ko-KR" altLang="en-US" dirty="0"/>
-              <a:t>이렇게 </a:t>
+              <a:t>이런식으로</a:t>
+            </a:r>
+            <a:endParaRPr lang="ko-KR" altLang="en-US" dirty="0"/>
+          </a:p>
+          <a:p>
+            <a:endParaRPr lang="ko-KR" altLang="en-US" dirty="0"/>
+          </a:p>
+          <a:p>
+            <a:r>
+              <a:rPr lang="en-US" altLang="ko-KR" dirty="0"/>
+              <a:t>preload</a:t>
+            </a:r>
+            <a:r>
+              <a:rPr lang="ko-KR" altLang="en-US" dirty="0"/>
+              <a:t>에서 </a:t>
+            </a:r>
+            <a:r>
+              <a:rPr lang="en-US" altLang="ko-KR" dirty="0"/>
+              <a:t>login</a:t>
+            </a:r>
+            <a:r>
+              <a:rPr lang="ko-KR" altLang="en-US" dirty="0"/>
+              <a:t>으로 가서 룸을 잡고 </a:t>
+            </a:r>
+            <a:r>
+              <a:rPr lang="en-US" altLang="ko-KR" dirty="0" err="1"/>
+              <a:t>ingame</a:t>
+            </a:r>
+            <a:r>
+              <a:rPr lang="ko-KR" altLang="en-US" dirty="0"/>
+              <a:t>으로 들어가는 </a:t>
             </a:r>
             <a:r>
               <a:rPr lang="ko-KR" altLang="en-US" dirty="0" err="1"/>
-              <a:t>안할꺼면</a:t>
-            </a:r>
-            <a:r>
-              <a:rPr lang="ko-KR" altLang="en-US" dirty="0"/>
-              <a:t> </a:t>
-            </a:r>
-            <a:r>
-              <a:rPr lang="en-US" altLang="ko-KR" dirty="0"/>
-              <a:t>ESC </a:t>
-            </a:r>
-            <a:r>
-              <a:rPr lang="ko-KR" altLang="en-US" dirty="0"/>
-              <a:t>눌렀을 때 상태를 보여주는 창을 만들던가</a:t>
-            </a:r>
+              <a:t>구간이잖아</a:t>
+            </a:r>
+            <a:r>
+              <a:rPr lang="en-US" altLang="ko-KR" dirty="0"/>
+              <a:t>?</a:t>
+            </a:r>
+          </a:p>
+          <a:p>
+            <a:r>
+              <a:rPr lang="en-US" altLang="ko-KR" dirty="0" err="1"/>
+              <a:t>ingame</a:t>
+            </a:r>
+            <a:r>
+              <a:rPr lang="ko-KR" altLang="en-US" dirty="0"/>
+              <a:t>쪽에서 </a:t>
+            </a:r>
+            <a:r>
+              <a:rPr lang="en-US" altLang="ko-KR" dirty="0" err="1"/>
+              <a:t>gamemanager</a:t>
+            </a:r>
+            <a:r>
+              <a:rPr lang="ko-KR" altLang="en-US" dirty="0"/>
+              <a:t>을 </a:t>
+            </a:r>
+            <a:r>
+              <a:rPr lang="ko-KR" altLang="en-US" dirty="0" err="1"/>
+              <a:t>배치하는게</a:t>
+            </a:r>
+            <a:r>
+              <a:rPr lang="ko-KR" altLang="en-US" dirty="0"/>
+              <a:t> 맞다고 생각하거든</a:t>
+            </a:r>
+            <a:r>
+              <a:rPr lang="en-US" altLang="ko-KR" dirty="0"/>
+              <a:t>?</a:t>
+            </a:r>
+            <a:endParaRPr lang="ko-KR" altLang="en-US" dirty="0"/>
           </a:p>
         </p:txBody>
       </p:sp>
     </p:spTree>
     <p:extLst>
       <p:ext uri="{BB962C8B-B14F-4D97-AF65-F5344CB8AC3E}">
-        <p14:creationId xmlns:p14="http://schemas.microsoft.com/office/powerpoint/2010/main" val="1492213388"/>
+        <p14:creationId xmlns:p14="http://schemas.microsoft.com/office/powerpoint/2010/main" val="1776640355"/>
       </p:ext>
     </p:extLst>
   </p:cSld>
@@ -4695,7 +4809,7 @@
           <p:cNvPr id="2" name="제목 1">
             <a:extLst>
               <a:ext uri="{FF2B5EF4-FFF2-40B4-BE49-F238E27FC236}">
-                <a16:creationId xmlns:a16="http://schemas.microsoft.com/office/drawing/2014/main" id="{8B6ADD40-5111-4B0C-9F6D-DCDCF1372CEB}"/>
+                <a16:creationId xmlns:a16="http://schemas.microsoft.com/office/drawing/2014/main" id="{68A194FF-8D4B-4BBD-8F48-6C82014B28CA}"/>
               </a:ext>
             </a:extLst>
           </p:cNvPr>
@@ -4713,83 +4827,143 @@
           <a:p>
             <a:r>
               <a:rPr lang="en-US" altLang="ko-KR" dirty="0"/>
-              <a:t>3. NPC </a:t>
-            </a:r>
-            <a:r>
-              <a:rPr lang="ko-KR" altLang="en-US" dirty="0"/>
-              <a:t>및 </a:t>
+              <a:t>2. </a:t>
+            </a:r>
+            <a:r>
+              <a:rPr lang="ko-KR" altLang="en-US" dirty="0"/>
+              <a:t>캐릭터 </a:t>
+            </a:r>
+            <a:r>
+              <a:rPr lang="en-US" altLang="ko-KR" dirty="0"/>
+              <a:t>HP</a:t>
+            </a:r>
+            <a:endParaRPr lang="ko-KR" altLang="en-US" dirty="0"/>
+          </a:p>
+        </p:txBody>
+      </p:sp>
+      <p:sp>
+        <p:nvSpPr>
+          <p:cNvPr id="3" name="내용 개체 틀 2">
+            <a:extLst>
+              <a:ext uri="{FF2B5EF4-FFF2-40B4-BE49-F238E27FC236}">
+                <a16:creationId xmlns:a16="http://schemas.microsoft.com/office/drawing/2014/main" id="{85296CDA-9026-4B8B-BE84-A4C28D134E4F}"/>
+              </a:ext>
+            </a:extLst>
+          </p:cNvPr>
+          <p:cNvSpPr>
+            <a:spLocks noGrp="1"/>
+          </p:cNvSpPr>
+          <p:nvPr>
+            <p:ph idx="1"/>
+          </p:nvPr>
+        </p:nvSpPr>
+        <p:spPr/>
+        <p:txBody>
+          <a:bodyPr>
+            <a:normAutofit lnSpcReduction="10000"/>
+          </a:bodyPr>
+          <a:lstStyle/>
+          <a:p>
+            <a:r>
+              <a:rPr lang="en-US" altLang="ko-KR" dirty="0"/>
+              <a:t>HP </a:t>
+            </a:r>
+            <a:r>
+              <a:rPr lang="ko-KR" altLang="en-US" dirty="0"/>
+              <a:t>바를 작게 만들거나 캐릭터 상태를 알려주는 식으로 </a:t>
             </a:r>
             <a:r>
               <a:rPr lang="ko-KR" altLang="en-US" dirty="0" err="1"/>
-              <a:t>대화창</a:t>
-            </a:r>
-            <a:endParaRPr lang="ko-KR" altLang="en-US" dirty="0"/>
-          </a:p>
-        </p:txBody>
-      </p:sp>
-      <p:sp>
-        <p:nvSpPr>
-          <p:cNvPr id="3" name="내용 개체 틀 2">
-            <a:extLst>
-              <a:ext uri="{FF2B5EF4-FFF2-40B4-BE49-F238E27FC236}">
-                <a16:creationId xmlns:a16="http://schemas.microsoft.com/office/drawing/2014/main" id="{0615762E-91FC-4D24-9EEA-2FED28751B23}"/>
-              </a:ext>
-            </a:extLst>
-          </p:cNvPr>
-          <p:cNvSpPr>
-            <a:spLocks noGrp="1"/>
-          </p:cNvSpPr>
-          <p:nvPr>
-            <p:ph idx="1"/>
-          </p:nvPr>
-        </p:nvSpPr>
-        <p:spPr/>
-        <p:txBody>
-          <a:bodyPr/>
-          <a:lstStyle/>
-          <a:p>
-            <a:r>
-              <a:rPr lang="en-US" altLang="ko-KR" dirty="0" err="1"/>
-              <a:t>Npc</a:t>
-            </a:r>
-            <a:r>
-              <a:rPr lang="ko-KR" altLang="en-US" dirty="0"/>
-              <a:t>에 가까이 가면 문구 나오고 </a:t>
-            </a:r>
-            <a:r>
-              <a:rPr lang="en-US" altLang="ko-KR" dirty="0"/>
-              <a:t>spacebar </a:t>
-            </a:r>
-            <a:r>
-              <a:rPr lang="ko-KR" altLang="en-US" dirty="0"/>
-              <a:t>눌러서 확인가능</a:t>
+              <a:t>맵으로</a:t>
+            </a:r>
+            <a:r>
+              <a:rPr lang="ko-KR" altLang="en-US" dirty="0"/>
+              <a:t> 만들거나 하고</a:t>
             </a:r>
             <a:endParaRPr lang="en-US" altLang="ko-KR" dirty="0"/>
           </a:p>
           <a:p>
+            <a:r>
+              <a:rPr lang="ko-KR" altLang="en-US" dirty="0"/>
+              <a:t>한대 맞을 때마다 일정시간동안 희미하게 나왔다가 사라지는 피 나오는 식의 이미지를 이용해서 이미지 </a:t>
+            </a:r>
+            <a:r>
+              <a:rPr lang="en-US" altLang="ko-KR" dirty="0"/>
+              <a:t>3</a:t>
+            </a:r>
+            <a:r>
+              <a:rPr lang="ko-KR" altLang="en-US" dirty="0"/>
+              <a:t>개정도 랜덤하게</a:t>
+            </a:r>
             <a:endParaRPr lang="en-US" altLang="ko-KR" dirty="0"/>
           </a:p>
           <a:p>
-            <a:r>
-              <a:rPr lang="ko-KR" altLang="en-US" dirty="0"/>
-              <a:t>그 외 물품들 가까이 가면 문구 나오고 누르면 </a:t>
-            </a:r>
-            <a:r>
-              <a:rPr lang="en-US" altLang="ko-KR" dirty="0"/>
-              <a:t>spacebar </a:t>
+            <a:endParaRPr lang="en-US" altLang="ko-KR" dirty="0"/>
+          </a:p>
+          <a:p>
+            <a:r>
+              <a:rPr lang="ko-KR" altLang="en-US" dirty="0"/>
+              <a:t>그리고 일정이상 피가 </a:t>
             </a:r>
             <a:r>
               <a:rPr lang="ko-KR" altLang="en-US" dirty="0" err="1"/>
-              <a:t>대화창</a:t>
-            </a:r>
-            <a:endParaRPr lang="ko-KR" altLang="en-US" dirty="0"/>
+              <a:t>까이면</a:t>
+            </a:r>
+            <a:r>
+              <a:rPr lang="ko-KR" altLang="en-US" dirty="0"/>
+              <a:t> 이미지가 붉어지고 일정시간동안 등장하는 피 이미지의 체류시간 늘리기</a:t>
+            </a:r>
+            <a:endParaRPr lang="en-US" altLang="ko-KR" dirty="0"/>
+          </a:p>
+          <a:p>
+            <a:endParaRPr lang="en-US" altLang="ko-KR" dirty="0"/>
+          </a:p>
+          <a:p>
+            <a:r>
+              <a:rPr lang="ko-KR" altLang="en-US" dirty="0"/>
+              <a:t>캐릭터 상태를 맵 마냥 </a:t>
+            </a:r>
+            <a:r>
+              <a:rPr lang="ko-KR" altLang="en-US" dirty="0" err="1"/>
+              <a:t>띄워놔야할지</a:t>
+            </a:r>
+            <a:r>
+              <a:rPr lang="ko-KR" altLang="en-US" dirty="0"/>
+              <a:t> 의문</a:t>
+            </a:r>
+            <a:endParaRPr lang="en-US" altLang="ko-KR" dirty="0"/>
+          </a:p>
+          <a:p>
+            <a:pPr marL="0" indent="0">
+              <a:buNone/>
+            </a:pPr>
+            <a:r>
+              <a:rPr lang="ko-KR" altLang="en-US" dirty="0"/>
+              <a:t>이렇게 </a:t>
+            </a:r>
+            <a:r>
+              <a:rPr lang="ko-KR" altLang="en-US" dirty="0" err="1"/>
+              <a:t>안할꺼면</a:t>
+            </a:r>
+            <a:r>
+              <a:rPr lang="ko-KR" altLang="en-US" dirty="0"/>
+              <a:t> </a:t>
+            </a:r>
+            <a:r>
+              <a:rPr lang="en-US" altLang="ko-KR" dirty="0"/>
+              <a:t>ESC </a:t>
+            </a:r>
+            <a:r>
+              <a:rPr lang="ko-KR" altLang="en-US" dirty="0"/>
+              <a:t>눌렀을 때 상태를 보여주는 창을 만들던가</a:t>
+            </a:r>
           </a:p>
         </p:txBody>
       </p:sp>
     </p:spTree>
     <p:extLst>
       <p:ext uri="{BB962C8B-B14F-4D97-AF65-F5344CB8AC3E}">
-        <p14:creationId xmlns:p14="http://schemas.microsoft.com/office/powerpoint/2010/main" val="348120836"/>
+        <p14:creationId xmlns:p14="http://schemas.microsoft.com/office/powerpoint/2010/main" val="1492213388"/>
       </p:ext>
     </p:extLst>
   </p:cSld>
@@ -4821,7 +4995,7 @@
           <p:cNvPr id="2" name="제목 1">
             <a:extLst>
               <a:ext uri="{FF2B5EF4-FFF2-40B4-BE49-F238E27FC236}">
-                <a16:creationId xmlns:a16="http://schemas.microsoft.com/office/drawing/2014/main" id="{5453BCAB-5DFF-4995-B30F-8281AD6DB6BA}"/>
+                <a16:creationId xmlns:a16="http://schemas.microsoft.com/office/drawing/2014/main" id="{8B6ADD40-5111-4B0C-9F6D-DCDCF1372CEB}"/>
               </a:ext>
             </a:extLst>
           </p:cNvPr>
@@ -4838,9 +5012,18 @@
           <a:lstStyle/>
           <a:p>
             <a:r>
-              <a:rPr lang="ko-KR" altLang="en-US"/>
-              <a:t>건</a:t>
-            </a:r>
+              <a:rPr lang="en-US" altLang="ko-KR" dirty="0"/>
+              <a:t>3. NPC </a:t>
+            </a:r>
+            <a:r>
+              <a:rPr lang="ko-KR" altLang="en-US" dirty="0"/>
+              <a:t>및 </a:t>
+            </a:r>
+            <a:r>
+              <a:rPr lang="ko-KR" altLang="en-US" dirty="0" err="1"/>
+              <a:t>대화창</a:t>
+            </a:r>
+            <a:endParaRPr lang="ko-KR" altLang="en-US" dirty="0"/>
           </a:p>
         </p:txBody>
       </p:sp>
@@ -4849,7 +5032,7 @@
           <p:cNvPr id="3" name="내용 개체 틀 2">
             <a:extLst>
               <a:ext uri="{FF2B5EF4-FFF2-40B4-BE49-F238E27FC236}">
-                <a16:creationId xmlns:a16="http://schemas.microsoft.com/office/drawing/2014/main" id="{C1BFE7A1-2B9E-4F6E-BB86-085604DF03FD}"/>
+                <a16:creationId xmlns:a16="http://schemas.microsoft.com/office/drawing/2014/main" id="{0615762E-91FC-4D24-9EEA-2FED28751B23}"/>
               </a:ext>
             </a:extLst>
           </p:cNvPr>
@@ -4866,88 +5049,47 @@
           <a:lstStyle/>
           <a:p>
             <a:r>
-              <a:rPr lang="en-US" altLang="ko-KR"/>
-              <a:t>1. </a:t>
-            </a:r>
-            <a:r>
-              <a:rPr lang="ko-KR" altLang="en-US"/>
-              <a:t>총알쏘기</a:t>
-            </a:r>
-            <a:endParaRPr lang="en-US" altLang="ko-KR"/>
-          </a:p>
-          <a:p>
-            <a:r>
-              <a:rPr lang="en-US" altLang="ko-KR"/>
-              <a:t>2. </a:t>
-            </a:r>
-            <a:r>
-              <a:rPr lang="ko-KR" altLang="en-US"/>
-              <a:t>오브젝트 맞추기</a:t>
-            </a:r>
-            <a:endParaRPr lang="en-US" altLang="ko-KR"/>
-          </a:p>
-          <a:p>
-            <a:r>
-              <a:rPr lang="en-US" altLang="ko-KR"/>
-              <a:t>3. </a:t>
-            </a:r>
-            <a:r>
-              <a:rPr lang="ko-KR" altLang="en-US"/>
-              <a:t>오브젝트 사라지고 </a:t>
-            </a:r>
-            <a:r>
-              <a:rPr lang="en-US" altLang="ko-KR"/>
-              <a:t>money</a:t>
-            </a:r>
-            <a:r>
-              <a:rPr lang="ko-KR" altLang="en-US"/>
-              <a:t>오브젝트 주변으로 뿌리기</a:t>
-            </a:r>
-            <a:endParaRPr lang="en-US" altLang="ko-KR"/>
-          </a:p>
-          <a:p>
-            <a:r>
-              <a:rPr lang="en-US" altLang="ko-KR"/>
-              <a:t>4. </a:t>
-            </a:r>
-            <a:r>
-              <a:rPr lang="ko-KR" altLang="en-US"/>
-              <a:t>주변으로 뿌려진 </a:t>
-            </a:r>
-            <a:r>
-              <a:rPr lang="en-US" altLang="ko-KR"/>
-              <a:t>money, </a:t>
-            </a:r>
-            <a:r>
-              <a:rPr lang="ko-KR" altLang="en-US"/>
-              <a:t>캐릭터 일정이상 들어오면 자동으로 </a:t>
-            </a:r>
-            <a:r>
-              <a:rPr lang="en-US" altLang="ko-KR"/>
-              <a:t>get</a:t>
-            </a:r>
-          </a:p>
-          <a:p>
-            <a:r>
-              <a:rPr lang="en-US" altLang="ko-KR"/>
-              <a:t>5. </a:t>
-            </a:r>
-            <a:r>
-              <a:rPr lang="ko-KR" altLang="en-US"/>
-              <a:t>총 </a:t>
-            </a:r>
-            <a:r>
-              <a:rPr lang="en-US" altLang="ko-KR"/>
-              <a:t>reload</a:t>
-            </a:r>
-            <a:endParaRPr lang="ko-KR" altLang="en-US"/>
+              <a:rPr lang="en-US" altLang="ko-KR" dirty="0" err="1"/>
+              <a:t>Npc</a:t>
+            </a:r>
+            <a:r>
+              <a:rPr lang="ko-KR" altLang="en-US" dirty="0"/>
+              <a:t>에 가까이 가면 문구 나오고 </a:t>
+            </a:r>
+            <a:r>
+              <a:rPr lang="en-US" altLang="ko-KR" dirty="0"/>
+              <a:t>spacebar </a:t>
+            </a:r>
+            <a:r>
+              <a:rPr lang="ko-KR" altLang="en-US" dirty="0"/>
+              <a:t>눌러서 확인가능</a:t>
+            </a:r>
+            <a:endParaRPr lang="en-US" altLang="ko-KR" dirty="0"/>
+          </a:p>
+          <a:p>
+            <a:endParaRPr lang="en-US" altLang="ko-KR" dirty="0"/>
+          </a:p>
+          <a:p>
+            <a:r>
+              <a:rPr lang="ko-KR" altLang="en-US" dirty="0"/>
+              <a:t>그 외 물품들 가까이 가면 문구 나오고 누르면 </a:t>
+            </a:r>
+            <a:r>
+              <a:rPr lang="en-US" altLang="ko-KR" dirty="0"/>
+              <a:t>spacebar </a:t>
+            </a:r>
+            <a:r>
+              <a:rPr lang="ko-KR" altLang="en-US" dirty="0" err="1"/>
+              <a:t>대화창</a:t>
+            </a:r>
+            <a:endParaRPr lang="ko-KR" altLang="en-US" dirty="0"/>
           </a:p>
         </p:txBody>
       </p:sp>
     </p:spTree>
     <p:extLst>
       <p:ext uri="{BB962C8B-B14F-4D97-AF65-F5344CB8AC3E}">
-        <p14:creationId xmlns:p14="http://schemas.microsoft.com/office/powerpoint/2010/main" val="3255296743"/>
+        <p14:creationId xmlns:p14="http://schemas.microsoft.com/office/powerpoint/2010/main" val="348120836"/>
       </p:ext>
     </p:extLst>
   </p:cSld>
@@ -4979,7 +5121,7 @@
           <p:cNvPr id="2" name="제목 1">
             <a:extLst>
               <a:ext uri="{FF2B5EF4-FFF2-40B4-BE49-F238E27FC236}">
-                <a16:creationId xmlns:a16="http://schemas.microsoft.com/office/drawing/2014/main" id="{DEE0E929-3895-24FC-F737-3C7586117E7B}"/>
+                <a16:creationId xmlns:a16="http://schemas.microsoft.com/office/drawing/2014/main" id="{5453BCAB-5DFF-4995-B30F-8281AD6DB6BA}"/>
               </a:ext>
             </a:extLst>
           </p:cNvPr>
@@ -4996,8 +5138,8 @@
           <a:lstStyle/>
           <a:p>
             <a:r>
-              <a:rPr lang="ko-KR" altLang="en-US" dirty="0"/>
-              <a:t>토큰</a:t>
+              <a:rPr lang="ko-KR" altLang="en-US"/>
+              <a:t>건</a:t>
             </a:r>
           </a:p>
         </p:txBody>
@@ -5007,7 +5149,7 @@
           <p:cNvPr id="3" name="내용 개체 틀 2">
             <a:extLst>
               <a:ext uri="{FF2B5EF4-FFF2-40B4-BE49-F238E27FC236}">
-                <a16:creationId xmlns:a16="http://schemas.microsoft.com/office/drawing/2014/main" id="{9EF8D000-B48B-842E-CF4C-FED21753D3EF}"/>
+                <a16:creationId xmlns:a16="http://schemas.microsoft.com/office/drawing/2014/main" id="{C1BFE7A1-2B9E-4F6E-BB86-085604DF03FD}"/>
               </a:ext>
             </a:extLst>
           </p:cNvPr>
@@ -5020,214 +5162,92 @@
         </p:nvSpPr>
         <p:spPr/>
         <p:txBody>
-          <a:bodyPr>
-            <a:normAutofit lnSpcReduction="10000"/>
-          </a:bodyPr>
-          <a:lstStyle/>
-          <a:p>
-            <a:r>
-              <a:rPr lang="ko-KR" altLang="en-US" dirty="0"/>
-              <a:t>이걸 특정 키를 눌러서 계속 확인가능한지</a:t>
-            </a:r>
-            <a:endParaRPr lang="en-US" altLang="ko-KR" dirty="0"/>
-          </a:p>
-          <a:p>
-            <a:r>
-              <a:rPr lang="ko-KR" altLang="en-US" dirty="0"/>
-              <a:t>역시 꿈으로 </a:t>
-            </a:r>
-            <a:r>
-              <a:rPr lang="ko-KR" altLang="en-US" dirty="0" err="1"/>
-              <a:t>이어지는게</a:t>
-            </a:r>
-            <a:r>
-              <a:rPr lang="ko-KR" altLang="en-US" dirty="0"/>
-              <a:t> 맞아</a:t>
-            </a:r>
-            <a:endParaRPr lang="en-US" altLang="ko-KR" dirty="0"/>
-          </a:p>
-          <a:p>
-            <a:endParaRPr lang="en-US" altLang="ko-KR" dirty="0"/>
-          </a:p>
-          <a:p>
-            <a:endParaRPr lang="en-US" altLang="ko-KR" dirty="0"/>
-          </a:p>
-          <a:p>
-            <a:r>
-              <a:rPr lang="ko-KR" altLang="en-US" dirty="0"/>
-              <a:t>순서를 </a:t>
-            </a:r>
-            <a:r>
-              <a:rPr lang="en-US" altLang="ko-KR" dirty="0"/>
-              <a:t>“</a:t>
-            </a:r>
-            <a:r>
-              <a:rPr lang="ko-KR" altLang="en-US" dirty="0"/>
-              <a:t>현실 </a:t>
-            </a:r>
-            <a:r>
-              <a:rPr lang="en-US" altLang="ko-KR" dirty="0"/>
-              <a:t>-&gt; </a:t>
-            </a:r>
-            <a:r>
-              <a:rPr lang="ko-KR" altLang="en-US" dirty="0"/>
-              <a:t>꿈 </a:t>
-            </a:r>
-            <a:r>
-              <a:rPr lang="en-US" altLang="ko-KR" dirty="0"/>
-              <a:t> -&gt; </a:t>
-            </a:r>
-            <a:r>
-              <a:rPr lang="ko-KR" altLang="en-US" dirty="0"/>
-              <a:t>현실</a:t>
-            </a:r>
-            <a:r>
-              <a:rPr lang="en-US" altLang="ko-KR" dirty="0"/>
-              <a:t>”</a:t>
-            </a:r>
-            <a:r>
-              <a:rPr lang="ko-KR" altLang="en-US" dirty="0"/>
-              <a:t> </a:t>
-            </a:r>
-            <a:r>
-              <a:rPr lang="ko-KR" altLang="en-US" dirty="0" err="1"/>
-              <a:t>이런식으로</a:t>
-            </a:r>
-            <a:r>
-              <a:rPr lang="ko-KR" altLang="en-US" dirty="0"/>
-              <a:t> </a:t>
-            </a:r>
-            <a:r>
-              <a:rPr lang="ko-KR" altLang="en-US" dirty="0" err="1"/>
-              <a:t>짜야할거같음</a:t>
-            </a:r>
-            <a:endParaRPr lang="en-US" altLang="ko-KR" dirty="0"/>
-          </a:p>
-          <a:p>
-            <a:r>
-              <a:rPr lang="ko-KR" altLang="en-US" dirty="0"/>
-              <a:t>현실 </a:t>
-            </a:r>
-            <a:r>
-              <a:rPr lang="en-US" altLang="ko-KR" dirty="0"/>
-              <a:t>&gt; </a:t>
-            </a:r>
-            <a:r>
-              <a:rPr lang="ko-KR" altLang="en-US" dirty="0"/>
-              <a:t>꿈 </a:t>
-            </a:r>
-            <a:r>
-              <a:rPr lang="en-US" altLang="ko-KR" dirty="0"/>
-              <a:t>: </a:t>
-            </a:r>
-            <a:r>
-              <a:rPr lang="ko-KR" altLang="en-US" dirty="0"/>
-              <a:t>안개가 나오며 손목 볼 때 아무것도 안보이면 꿈</a:t>
-            </a:r>
-            <a:r>
-              <a:rPr lang="en-US" altLang="ko-KR" dirty="0"/>
-              <a:t>?</a:t>
-            </a:r>
-          </a:p>
-          <a:p>
-            <a:pPr marL="0" indent="0">
-              <a:buNone/>
-            </a:pPr>
-            <a:r>
-              <a:rPr lang="ko-KR" altLang="en-US" dirty="0"/>
-              <a:t>특정키 누르면 손목 계속보는 방식으로 토큰을 확인하기</a:t>
-            </a:r>
-            <a:endParaRPr lang="en-US" altLang="ko-KR" dirty="0"/>
-          </a:p>
-          <a:p>
-            <a:pPr marL="0" indent="0">
-              <a:buNone/>
-            </a:pPr>
-            <a:endParaRPr lang="en-US" altLang="ko-KR" dirty="0"/>
-          </a:p>
-          <a:p>
-            <a:r>
-              <a:rPr lang="ko-KR" altLang="en-US" dirty="0"/>
-              <a:t>꿈인지 후 현실로 돌아가려면 특정 트리거를 작동 </a:t>
-            </a:r>
-            <a:r>
-              <a:rPr lang="en-US" altLang="ko-KR" dirty="0"/>
-              <a:t>[</a:t>
-            </a:r>
-            <a:r>
-              <a:rPr lang="ko-KR" altLang="en-US" dirty="0"/>
-              <a:t>아드레날린</a:t>
-            </a:r>
-            <a:r>
-              <a:rPr lang="en-US" altLang="ko-KR" dirty="0"/>
-              <a:t>]</a:t>
-            </a:r>
-          </a:p>
-        </p:txBody>
-      </p:sp>
-      <p:sp>
-        <p:nvSpPr>
-          <p:cNvPr id="5" name="TextBox 4">
-            <a:extLst>
-              <a:ext uri="{FF2B5EF4-FFF2-40B4-BE49-F238E27FC236}">
-                <a16:creationId xmlns:a16="http://schemas.microsoft.com/office/drawing/2014/main" id="{8889313F-D3C4-881D-2C37-3A6DE3E2020C}"/>
-              </a:ext>
-            </a:extLst>
-          </p:cNvPr>
-          <p:cNvSpPr txBox="1"/>
-          <p:nvPr/>
-        </p:nvSpPr>
-        <p:spPr>
-          <a:xfrm>
-            <a:off x="2160537" y="2967688"/>
-            <a:ext cx="7055825" cy="646331"/>
-          </a:xfrm>
-          <a:prstGeom prst="rect">
-            <a:avLst/>
-          </a:prstGeom>
-          <a:noFill/>
-        </p:spPr>
-        <p:txBody>
-          <a:bodyPr wrap="square">
-            <a:spAutoFit/>
-          </a:bodyPr>
-          <a:lstStyle/>
-          <a:p>
-            <a:r>
-              <a:rPr lang="ko-KR" altLang="en-US" dirty="0" err="1"/>
-              <a:t>인셉션처럼</a:t>
-            </a:r>
-            <a:r>
-              <a:rPr lang="ko-KR" altLang="en-US" dirty="0"/>
-              <a:t> 내가 꿈인지 아닌지 손목의 반지를 통해 확인가능</a:t>
-            </a:r>
-            <a:endParaRPr lang="en-US" altLang="ko-KR" dirty="0"/>
-          </a:p>
-          <a:p>
-            <a:r>
-              <a:rPr lang="ko-KR" altLang="en-US" dirty="0"/>
-              <a:t>다가오는 귀신에 </a:t>
-            </a:r>
-            <a:r>
-              <a:rPr lang="ko-KR" altLang="en-US" dirty="0" err="1"/>
-              <a:t>후레쉬</a:t>
-            </a:r>
-            <a:r>
-              <a:rPr lang="ko-KR" altLang="en-US" dirty="0"/>
-              <a:t> 쏘면 </a:t>
-            </a:r>
-            <a:r>
-              <a:rPr lang="ko-KR" altLang="en-US"/>
-              <a:t>멈추는거임</a:t>
-            </a:r>
-            <a:endParaRPr lang="ko-KR" altLang="en-US" dirty="0"/>
+          <a:bodyPr/>
+          <a:lstStyle/>
+          <a:p>
+            <a:r>
+              <a:rPr lang="en-US" altLang="ko-KR"/>
+              <a:t>1. </a:t>
+            </a:r>
+            <a:r>
+              <a:rPr lang="ko-KR" altLang="en-US"/>
+              <a:t>총알쏘기</a:t>
+            </a:r>
+            <a:endParaRPr lang="en-US" altLang="ko-KR"/>
+          </a:p>
+          <a:p>
+            <a:r>
+              <a:rPr lang="en-US" altLang="ko-KR"/>
+              <a:t>2. </a:t>
+            </a:r>
+            <a:r>
+              <a:rPr lang="ko-KR" altLang="en-US"/>
+              <a:t>오브젝트 맞추기</a:t>
+            </a:r>
+            <a:endParaRPr lang="en-US" altLang="ko-KR"/>
+          </a:p>
+          <a:p>
+            <a:r>
+              <a:rPr lang="en-US" altLang="ko-KR"/>
+              <a:t>3. </a:t>
+            </a:r>
+            <a:r>
+              <a:rPr lang="ko-KR" altLang="en-US"/>
+              <a:t>오브젝트 사라지고 </a:t>
+            </a:r>
+            <a:r>
+              <a:rPr lang="en-US" altLang="ko-KR"/>
+              <a:t>money</a:t>
+            </a:r>
+            <a:r>
+              <a:rPr lang="ko-KR" altLang="en-US"/>
+              <a:t>오브젝트 주변으로 뿌리기</a:t>
+            </a:r>
+            <a:endParaRPr lang="en-US" altLang="ko-KR"/>
+          </a:p>
+          <a:p>
+            <a:r>
+              <a:rPr lang="en-US" altLang="ko-KR"/>
+              <a:t>4. </a:t>
+            </a:r>
+            <a:r>
+              <a:rPr lang="ko-KR" altLang="en-US"/>
+              <a:t>주변으로 뿌려진 </a:t>
+            </a:r>
+            <a:r>
+              <a:rPr lang="en-US" altLang="ko-KR"/>
+              <a:t>money, </a:t>
+            </a:r>
+            <a:r>
+              <a:rPr lang="ko-KR" altLang="en-US"/>
+              <a:t>캐릭터 일정이상 들어오면 자동으로 </a:t>
+            </a:r>
+            <a:r>
+              <a:rPr lang="en-US" altLang="ko-KR"/>
+              <a:t>get</a:t>
+            </a:r>
+          </a:p>
+          <a:p>
+            <a:r>
+              <a:rPr lang="en-US" altLang="ko-KR"/>
+              <a:t>5. </a:t>
+            </a:r>
+            <a:r>
+              <a:rPr lang="ko-KR" altLang="en-US"/>
+              <a:t>총 </a:t>
+            </a:r>
+            <a:r>
+              <a:rPr lang="en-US" altLang="ko-KR"/>
+              <a:t>reload</a:t>
+            </a:r>
+            <a:endParaRPr lang="ko-KR" altLang="en-US"/>
           </a:p>
         </p:txBody>
       </p:sp>
     </p:spTree>
     <p:extLst>
       <p:ext uri="{BB962C8B-B14F-4D97-AF65-F5344CB8AC3E}">
-        <p14:creationId xmlns:p14="http://schemas.microsoft.com/office/powerpoint/2010/main" val="1524873660"/>
+        <p14:creationId xmlns:p14="http://schemas.microsoft.com/office/powerpoint/2010/main" val="3255296743"/>
       </p:ext>
     </p:extLst>
   </p:cSld>
@@ -5259,7 +5279,7 @@
           <p:cNvPr id="2" name="제목 1">
             <a:extLst>
               <a:ext uri="{FF2B5EF4-FFF2-40B4-BE49-F238E27FC236}">
-                <a16:creationId xmlns:a16="http://schemas.microsoft.com/office/drawing/2014/main" id="{7849E8B7-62FB-0190-0689-D188A0DC1BF7}"/>
+                <a16:creationId xmlns:a16="http://schemas.microsoft.com/office/drawing/2014/main" id="{DEE0E929-3895-24FC-F737-3C7586117E7B}"/>
               </a:ext>
             </a:extLst>
           </p:cNvPr>
@@ -5276,90 +5296,238 @@
           <a:lstStyle/>
           <a:p>
             <a:r>
+              <a:rPr lang="ko-KR" altLang="en-US" dirty="0"/>
+              <a:t>토큰</a:t>
+            </a:r>
+          </a:p>
+        </p:txBody>
+      </p:sp>
+      <p:sp>
+        <p:nvSpPr>
+          <p:cNvPr id="3" name="내용 개체 틀 2">
+            <a:extLst>
+              <a:ext uri="{FF2B5EF4-FFF2-40B4-BE49-F238E27FC236}">
+                <a16:creationId xmlns:a16="http://schemas.microsoft.com/office/drawing/2014/main" id="{9EF8D000-B48B-842E-CF4C-FED21753D3EF}"/>
+              </a:ext>
+            </a:extLst>
+          </p:cNvPr>
+          <p:cNvSpPr>
+            <a:spLocks noGrp="1"/>
+          </p:cNvSpPr>
+          <p:nvPr>
+            <p:ph idx="1"/>
+          </p:nvPr>
+        </p:nvSpPr>
+        <p:spPr/>
+        <p:txBody>
+          <a:bodyPr>
+            <a:normAutofit lnSpcReduction="10000"/>
+          </a:bodyPr>
+          <a:lstStyle/>
+          <a:p>
+            <a:r>
+              <a:rPr lang="ko-KR" altLang="en-US" dirty="0"/>
+              <a:t>이걸 특정 키를 눌러서 계속 확인가능한지</a:t>
+            </a:r>
+            <a:endParaRPr lang="en-US" altLang="ko-KR" dirty="0"/>
+          </a:p>
+          <a:p>
+            <a:r>
+              <a:rPr lang="ko-KR" altLang="en-US" dirty="0"/>
+              <a:t>역시 꿈으로 </a:t>
+            </a:r>
+            <a:r>
               <a:rPr lang="ko-KR" altLang="en-US" dirty="0" err="1"/>
-              <a:t>장비창</a:t>
+              <a:t>이어지는게</a:t>
+            </a:r>
+            <a:r>
+              <a:rPr lang="ko-KR" altLang="en-US" dirty="0"/>
+              <a:t> 맞아</a:t>
+            </a:r>
+            <a:endParaRPr lang="en-US" altLang="ko-KR" dirty="0"/>
+          </a:p>
+          <a:p>
+            <a:endParaRPr lang="en-US" altLang="ko-KR" dirty="0"/>
+          </a:p>
+          <a:p>
+            <a:endParaRPr lang="en-US" altLang="ko-KR" dirty="0"/>
+          </a:p>
+          <a:p>
+            <a:r>
+              <a:rPr lang="ko-KR" altLang="en-US" dirty="0"/>
+              <a:t>순서를 </a:t>
+            </a:r>
+            <a:r>
+              <a:rPr lang="en-US" altLang="ko-KR" dirty="0"/>
+              <a:t>“</a:t>
+            </a:r>
+            <a:r>
+              <a:rPr lang="ko-KR" altLang="en-US" dirty="0"/>
+              <a:t>현실 </a:t>
+            </a:r>
+            <a:r>
+              <a:rPr lang="en-US" altLang="ko-KR" dirty="0"/>
+              <a:t>-&gt; </a:t>
+            </a:r>
+            <a:r>
+              <a:rPr lang="ko-KR" altLang="en-US" dirty="0"/>
+              <a:t>꿈 </a:t>
+            </a:r>
+            <a:r>
+              <a:rPr lang="en-US" altLang="ko-KR" dirty="0"/>
+              <a:t> -&gt; </a:t>
+            </a:r>
+            <a:r>
+              <a:rPr lang="ko-KR" altLang="en-US" dirty="0"/>
+              <a:t>현실</a:t>
+            </a:r>
+            <a:r>
+              <a:rPr lang="en-US" altLang="ko-KR" dirty="0"/>
+              <a:t>”</a:t>
+            </a:r>
+            <a:r>
+              <a:rPr lang="ko-KR" altLang="en-US" dirty="0"/>
+              <a:t> </a:t>
+            </a:r>
+            <a:r>
+              <a:rPr lang="ko-KR" altLang="en-US" dirty="0" err="1"/>
+              <a:t>이런식으로</a:t>
+            </a:r>
+            <a:r>
+              <a:rPr lang="ko-KR" altLang="en-US" dirty="0"/>
+              <a:t> </a:t>
+            </a:r>
+            <a:r>
+              <a:rPr lang="ko-KR" altLang="en-US" dirty="0" err="1"/>
+              <a:t>짜야할거같음</a:t>
+            </a:r>
+            <a:endParaRPr lang="en-US" altLang="ko-KR" dirty="0"/>
+          </a:p>
+          <a:p>
+            <a:r>
+              <a:rPr lang="ko-KR" altLang="en-US" dirty="0"/>
+              <a:t>현실 </a:t>
+            </a:r>
+            <a:r>
+              <a:rPr lang="en-US" altLang="ko-KR" dirty="0"/>
+              <a:t>&gt; </a:t>
+            </a:r>
+            <a:r>
+              <a:rPr lang="ko-KR" altLang="en-US" dirty="0"/>
+              <a:t>꿈 </a:t>
+            </a:r>
+            <a:r>
+              <a:rPr lang="en-US" altLang="ko-KR" dirty="0"/>
+              <a:t>: </a:t>
+            </a:r>
+            <a:r>
+              <a:rPr lang="ko-KR" altLang="en-US" dirty="0"/>
+              <a:t>안개가 나오며 손목 볼 때 아무것도 안보이면 꿈</a:t>
+            </a:r>
+            <a:r>
+              <a:rPr lang="en-US" altLang="ko-KR" dirty="0"/>
+              <a:t>?</a:t>
+            </a:r>
+          </a:p>
+          <a:p>
+            <a:pPr marL="0" indent="0">
+              <a:buNone/>
+            </a:pPr>
+            <a:r>
+              <a:rPr lang="ko-KR" altLang="en-US" dirty="0"/>
+              <a:t>특정키 누르면 손목 계속보는 방식으로 토큰을 확인하기</a:t>
+            </a:r>
+            <a:endParaRPr lang="en-US" altLang="ko-KR" dirty="0"/>
+          </a:p>
+          <a:p>
+            <a:pPr marL="0" indent="0">
+              <a:buNone/>
+            </a:pPr>
+            <a:endParaRPr lang="en-US" altLang="ko-KR" dirty="0"/>
+          </a:p>
+          <a:p>
+            <a:r>
+              <a:rPr lang="ko-KR" altLang="en-US" dirty="0"/>
+              <a:t>꿈인지 후 현실로 돌아가려면 특정 트리거를 작동 </a:t>
+            </a:r>
+            <a:r>
+              <a:rPr lang="en-US" altLang="ko-KR" dirty="0"/>
+              <a:t>[</a:t>
+            </a:r>
+            <a:r>
+              <a:rPr lang="ko-KR" altLang="en-US" dirty="0"/>
+              <a:t>아드레날린</a:t>
+            </a:r>
+            <a:r>
+              <a:rPr lang="en-US" altLang="ko-KR" dirty="0"/>
+              <a:t>]</a:t>
+            </a:r>
+          </a:p>
+        </p:txBody>
+      </p:sp>
+      <p:sp>
+        <p:nvSpPr>
+          <p:cNvPr id="5" name="TextBox 4">
+            <a:extLst>
+              <a:ext uri="{FF2B5EF4-FFF2-40B4-BE49-F238E27FC236}">
+                <a16:creationId xmlns:a16="http://schemas.microsoft.com/office/drawing/2014/main" id="{8889313F-D3C4-881D-2C37-3A6DE3E2020C}"/>
+              </a:ext>
+            </a:extLst>
+          </p:cNvPr>
+          <p:cNvSpPr txBox="1"/>
+          <p:nvPr/>
+        </p:nvSpPr>
+        <p:spPr>
+          <a:xfrm>
+            <a:off x="2160537" y="2967688"/>
+            <a:ext cx="7055825" cy="646331"/>
+          </a:xfrm>
+          <a:prstGeom prst="rect">
+            <a:avLst/>
+          </a:prstGeom>
+          <a:noFill/>
+        </p:spPr>
+        <p:txBody>
+          <a:bodyPr wrap="square">
+            <a:spAutoFit/>
+          </a:bodyPr>
+          <a:lstStyle/>
+          <a:p>
+            <a:r>
+              <a:rPr lang="ko-KR" altLang="en-US" dirty="0" err="1"/>
+              <a:t>인셉션처럼</a:t>
+            </a:r>
+            <a:r>
+              <a:rPr lang="ko-KR" altLang="en-US" dirty="0"/>
+              <a:t> 내가 꿈인지 아닌지 손목의 반지를 통해 확인가능</a:t>
+            </a:r>
+            <a:endParaRPr lang="en-US" altLang="ko-KR" dirty="0"/>
+          </a:p>
+          <a:p>
+            <a:r>
+              <a:rPr lang="ko-KR" altLang="en-US" dirty="0"/>
+              <a:t>다가오는 귀신에 </a:t>
+            </a:r>
+            <a:r>
+              <a:rPr lang="ko-KR" altLang="en-US" dirty="0" err="1"/>
+              <a:t>후레쉬</a:t>
+            </a:r>
+            <a:r>
+              <a:rPr lang="ko-KR" altLang="en-US" dirty="0"/>
+              <a:t> 쏘면 </a:t>
+            </a:r>
+            <a:r>
+              <a:rPr lang="ko-KR" altLang="en-US"/>
+              <a:t>멈추는거임</a:t>
             </a:r>
             <a:endParaRPr lang="ko-KR" altLang="en-US" dirty="0"/>
-          </a:p>
-        </p:txBody>
-      </p:sp>
-      <p:sp>
-        <p:nvSpPr>
-          <p:cNvPr id="3" name="내용 개체 틀 2">
-            <a:extLst>
-              <a:ext uri="{FF2B5EF4-FFF2-40B4-BE49-F238E27FC236}">
-                <a16:creationId xmlns:a16="http://schemas.microsoft.com/office/drawing/2014/main" id="{4D0C32A6-55B0-BB18-7A73-B998C7831103}"/>
-              </a:ext>
-            </a:extLst>
-          </p:cNvPr>
-          <p:cNvSpPr>
-            <a:spLocks noGrp="1"/>
-          </p:cNvSpPr>
-          <p:nvPr>
-            <p:ph idx="1"/>
-          </p:nvPr>
-        </p:nvSpPr>
-        <p:spPr/>
-        <p:txBody>
-          <a:bodyPr/>
-          <a:lstStyle/>
-          <a:p>
-            <a:r>
-              <a:rPr lang="ko-KR" altLang="en-US" dirty="0"/>
-              <a:t>마우스클릭 없이 </a:t>
-            </a:r>
-            <a:r>
-              <a:rPr lang="en-US" altLang="ko-KR" dirty="0"/>
-              <a:t>E </a:t>
-            </a:r>
-            <a:r>
-              <a:rPr lang="ko-KR" altLang="en-US" dirty="0"/>
-              <a:t>누르면 장비창에 획득목록 보여줌</a:t>
-            </a:r>
-            <a:endParaRPr lang="en-US" altLang="ko-KR" dirty="0"/>
-          </a:p>
-          <a:p>
-            <a:r>
-              <a:rPr lang="ko-KR" altLang="en-US" dirty="0"/>
-              <a:t>모두 패시브로 사용되게 하고</a:t>
-            </a:r>
-            <a:endParaRPr lang="en-US" altLang="ko-KR" dirty="0"/>
-          </a:p>
-          <a:p>
-            <a:r>
-              <a:rPr lang="ko-KR" altLang="en-US" dirty="0"/>
-              <a:t>아이템은 캐릭터가 </a:t>
-            </a:r>
-            <a:r>
-              <a:rPr lang="en-US" altLang="ko-KR" dirty="0"/>
-              <a:t>space </a:t>
-            </a:r>
-            <a:r>
-              <a:rPr lang="ko-KR" altLang="en-US" dirty="0"/>
-              <a:t>누르면 먹고</a:t>
-            </a:r>
-            <a:endParaRPr lang="en-US" altLang="ko-KR" dirty="0"/>
-          </a:p>
-          <a:p>
-            <a:r>
-              <a:rPr lang="ko-KR" altLang="en-US" dirty="0"/>
-              <a:t>트리거 동작하는 부분에서 </a:t>
-            </a:r>
-            <a:r>
-              <a:rPr lang="en-US" altLang="ko-KR" dirty="0"/>
-              <a:t>space </a:t>
-            </a:r>
-            <a:r>
-              <a:rPr lang="ko-KR" altLang="en-US"/>
-              <a:t>누르면 작동하게 설정</a:t>
-            </a:r>
           </a:p>
         </p:txBody>
       </p:sp>
     </p:spTree>
     <p:extLst>
       <p:ext uri="{BB962C8B-B14F-4D97-AF65-F5344CB8AC3E}">
-        <p14:creationId xmlns:p14="http://schemas.microsoft.com/office/powerpoint/2010/main" val="1963623474"/>
+        <p14:creationId xmlns:p14="http://schemas.microsoft.com/office/powerpoint/2010/main" val="1524873660"/>
       </p:ext>
     </p:extLst>
   </p:cSld>

--- a/Documents/기획서/기획서.pptx
+++ b/Documents/기획서/기획서.pptx
@@ -271,7 +271,7 @@
           <a:p>
             <a:fld id="{640FAAA2-EE4C-49FC-AC07-F5ED09710A73}" type="datetimeFigureOut">
               <a:rPr lang="ko-KR" altLang="en-US" smtClean="0"/>
-              <a:t>2024-03-14-Thu</a:t>
+              <a:t>2024-03-25-Mon</a:t>
             </a:fld>
             <a:endParaRPr lang="ko-KR" altLang="en-US"/>
           </a:p>
@@ -469,7 +469,7 @@
           <a:p>
             <a:fld id="{640FAAA2-EE4C-49FC-AC07-F5ED09710A73}" type="datetimeFigureOut">
               <a:rPr lang="ko-KR" altLang="en-US" smtClean="0"/>
-              <a:t>2024-03-14-Thu</a:t>
+              <a:t>2024-03-25-Mon</a:t>
             </a:fld>
             <a:endParaRPr lang="ko-KR" altLang="en-US"/>
           </a:p>
@@ -677,7 +677,7 @@
           <a:p>
             <a:fld id="{640FAAA2-EE4C-49FC-AC07-F5ED09710A73}" type="datetimeFigureOut">
               <a:rPr lang="ko-KR" altLang="en-US" smtClean="0"/>
-              <a:t>2024-03-14-Thu</a:t>
+              <a:t>2024-03-25-Mon</a:t>
             </a:fld>
             <a:endParaRPr lang="ko-KR" altLang="en-US"/>
           </a:p>
@@ -875,7 +875,7 @@
           <a:p>
             <a:fld id="{640FAAA2-EE4C-49FC-AC07-F5ED09710A73}" type="datetimeFigureOut">
               <a:rPr lang="ko-KR" altLang="en-US" smtClean="0"/>
-              <a:t>2024-03-14-Thu</a:t>
+              <a:t>2024-03-25-Mon</a:t>
             </a:fld>
             <a:endParaRPr lang="ko-KR" altLang="en-US"/>
           </a:p>
@@ -1150,7 +1150,7 @@
           <a:p>
             <a:fld id="{640FAAA2-EE4C-49FC-AC07-F5ED09710A73}" type="datetimeFigureOut">
               <a:rPr lang="ko-KR" altLang="en-US" smtClean="0"/>
-              <a:t>2024-03-14-Thu</a:t>
+              <a:t>2024-03-25-Mon</a:t>
             </a:fld>
             <a:endParaRPr lang="ko-KR" altLang="en-US"/>
           </a:p>
@@ -1415,7 +1415,7 @@
           <a:p>
             <a:fld id="{640FAAA2-EE4C-49FC-AC07-F5ED09710A73}" type="datetimeFigureOut">
               <a:rPr lang="ko-KR" altLang="en-US" smtClean="0"/>
-              <a:t>2024-03-14-Thu</a:t>
+              <a:t>2024-03-25-Mon</a:t>
             </a:fld>
             <a:endParaRPr lang="ko-KR" altLang="en-US"/>
           </a:p>
@@ -1827,7 +1827,7 @@
           <a:p>
             <a:fld id="{640FAAA2-EE4C-49FC-AC07-F5ED09710A73}" type="datetimeFigureOut">
               <a:rPr lang="ko-KR" altLang="en-US" smtClean="0"/>
-              <a:t>2024-03-14-Thu</a:t>
+              <a:t>2024-03-25-Mon</a:t>
             </a:fld>
             <a:endParaRPr lang="ko-KR" altLang="en-US"/>
           </a:p>
@@ -1968,7 +1968,7 @@
           <a:p>
             <a:fld id="{640FAAA2-EE4C-49FC-AC07-F5ED09710A73}" type="datetimeFigureOut">
               <a:rPr lang="ko-KR" altLang="en-US" smtClean="0"/>
-              <a:t>2024-03-14-Thu</a:t>
+              <a:t>2024-03-25-Mon</a:t>
             </a:fld>
             <a:endParaRPr lang="ko-KR" altLang="en-US"/>
           </a:p>
@@ -2081,7 +2081,7 @@
           <a:p>
             <a:fld id="{640FAAA2-EE4C-49FC-AC07-F5ED09710A73}" type="datetimeFigureOut">
               <a:rPr lang="ko-KR" altLang="en-US" smtClean="0"/>
-              <a:t>2024-03-14-Thu</a:t>
+              <a:t>2024-03-25-Mon</a:t>
             </a:fld>
             <a:endParaRPr lang="ko-KR" altLang="en-US"/>
           </a:p>
@@ -2392,7 +2392,7 @@
           <a:p>
             <a:fld id="{640FAAA2-EE4C-49FC-AC07-F5ED09710A73}" type="datetimeFigureOut">
               <a:rPr lang="ko-KR" altLang="en-US" smtClean="0"/>
-              <a:t>2024-03-14-Thu</a:t>
+              <a:t>2024-03-25-Mon</a:t>
             </a:fld>
             <a:endParaRPr lang="ko-KR" altLang="en-US"/>
           </a:p>
@@ -2680,7 +2680,7 @@
           <a:p>
             <a:fld id="{640FAAA2-EE4C-49FC-AC07-F5ED09710A73}" type="datetimeFigureOut">
               <a:rPr lang="ko-KR" altLang="en-US" smtClean="0"/>
-              <a:t>2024-03-14-Thu</a:t>
+              <a:t>2024-03-25-Mon</a:t>
             </a:fld>
             <a:endParaRPr lang="ko-KR" altLang="en-US"/>
           </a:p>
@@ -2921,7 +2921,7 @@
           <a:p>
             <a:fld id="{640FAAA2-EE4C-49FC-AC07-F5ED09710A73}" type="datetimeFigureOut">
               <a:rPr lang="ko-KR" altLang="en-US" smtClean="0"/>
-              <a:t>2024-03-14-Thu</a:t>
+              <a:t>2024-03-25-Mon</a:t>
             </a:fld>
             <a:endParaRPr lang="ko-KR" altLang="en-US"/>
           </a:p>
@@ -4402,6 +4402,32 @@
               <a:rPr lang="ko-KR" altLang="en-US" dirty="0"/>
               <a:t> 필요하다면 친구 통해서 협업 가능</a:t>
             </a:r>
+            <a:endParaRPr lang="en-US" altLang="ko-KR" dirty="0"/>
+          </a:p>
+          <a:p>
+            <a:endParaRPr lang="en-US" altLang="ko-KR" dirty="0"/>
+          </a:p>
+          <a:p>
+            <a:endParaRPr lang="en-US" altLang="ko-KR" dirty="0"/>
+          </a:p>
+          <a:p>
+            <a:r>
+              <a:rPr lang="ko-KR" altLang="en-US" dirty="0" err="1"/>
+              <a:t>포톤넣고</a:t>
+            </a:r>
+            <a:r>
+              <a:rPr lang="ko-KR" altLang="en-US" dirty="0"/>
+              <a:t> </a:t>
+            </a:r>
+            <a:r>
+              <a:rPr lang="en-US" altLang="ko-KR" dirty="0"/>
+              <a:t>RPC</a:t>
+            </a:r>
+            <a:r>
+              <a:rPr lang="ko-KR" altLang="en-US"/>
+              <a:t>로 동기화 시키도록</a:t>
+            </a:r>
+            <a:endParaRPr lang="ko-KR" altLang="en-US" dirty="0"/>
           </a:p>
         </p:txBody>
       </p:sp>

--- a/Documents/기획서/기획서.pptx
+++ b/Documents/기획서/기획서.pptx
@@ -6,18 +6,19 @@
   </p:sldMasterIdLst>
   <p:sldIdLst>
     <p:sldId id="256" r:id="rId2"/>
-    <p:sldId id="269" r:id="rId3"/>
-    <p:sldId id="270" r:id="rId4"/>
-    <p:sldId id="267" r:id="rId5"/>
-    <p:sldId id="263" r:id="rId6"/>
-    <p:sldId id="264" r:id="rId7"/>
-    <p:sldId id="265" r:id="rId8"/>
-    <p:sldId id="266" r:id="rId9"/>
-    <p:sldId id="257" r:id="rId10"/>
-    <p:sldId id="258" r:id="rId11"/>
-    <p:sldId id="261" r:id="rId12"/>
-    <p:sldId id="262" r:id="rId13"/>
-    <p:sldId id="268" r:id="rId14"/>
+    <p:sldId id="271" r:id="rId3"/>
+    <p:sldId id="269" r:id="rId4"/>
+    <p:sldId id="270" r:id="rId5"/>
+    <p:sldId id="267" r:id="rId6"/>
+    <p:sldId id="263" r:id="rId7"/>
+    <p:sldId id="264" r:id="rId8"/>
+    <p:sldId id="265" r:id="rId9"/>
+    <p:sldId id="266" r:id="rId10"/>
+    <p:sldId id="257" r:id="rId11"/>
+    <p:sldId id="258" r:id="rId12"/>
+    <p:sldId id="261" r:id="rId13"/>
+    <p:sldId id="262" r:id="rId14"/>
+    <p:sldId id="268" r:id="rId15"/>
   </p:sldIdLst>
   <p:sldSz cx="12192000" cy="6858000"/>
   <p:notesSz cx="6858000" cy="9144000"/>
@@ -271,7 +272,7 @@
           <a:p>
             <a:fld id="{640FAAA2-EE4C-49FC-AC07-F5ED09710A73}" type="datetimeFigureOut">
               <a:rPr lang="ko-KR" altLang="en-US" smtClean="0"/>
-              <a:t>2024-03-25-Mon</a:t>
+              <a:t>2024-03-26-Tue</a:t>
             </a:fld>
             <a:endParaRPr lang="ko-KR" altLang="en-US"/>
           </a:p>
@@ -469,7 +470,7 @@
           <a:p>
             <a:fld id="{640FAAA2-EE4C-49FC-AC07-F5ED09710A73}" type="datetimeFigureOut">
               <a:rPr lang="ko-KR" altLang="en-US" smtClean="0"/>
-              <a:t>2024-03-25-Mon</a:t>
+              <a:t>2024-03-26-Tue</a:t>
             </a:fld>
             <a:endParaRPr lang="ko-KR" altLang="en-US"/>
           </a:p>
@@ -677,7 +678,7 @@
           <a:p>
             <a:fld id="{640FAAA2-EE4C-49FC-AC07-F5ED09710A73}" type="datetimeFigureOut">
               <a:rPr lang="ko-KR" altLang="en-US" smtClean="0"/>
-              <a:t>2024-03-25-Mon</a:t>
+              <a:t>2024-03-26-Tue</a:t>
             </a:fld>
             <a:endParaRPr lang="ko-KR" altLang="en-US"/>
           </a:p>
@@ -875,7 +876,7 @@
           <a:p>
             <a:fld id="{640FAAA2-EE4C-49FC-AC07-F5ED09710A73}" type="datetimeFigureOut">
               <a:rPr lang="ko-KR" altLang="en-US" smtClean="0"/>
-              <a:t>2024-03-25-Mon</a:t>
+              <a:t>2024-03-26-Tue</a:t>
             </a:fld>
             <a:endParaRPr lang="ko-KR" altLang="en-US"/>
           </a:p>
@@ -1150,7 +1151,7 @@
           <a:p>
             <a:fld id="{640FAAA2-EE4C-49FC-AC07-F5ED09710A73}" type="datetimeFigureOut">
               <a:rPr lang="ko-KR" altLang="en-US" smtClean="0"/>
-              <a:t>2024-03-25-Mon</a:t>
+              <a:t>2024-03-26-Tue</a:t>
             </a:fld>
             <a:endParaRPr lang="ko-KR" altLang="en-US"/>
           </a:p>
@@ -1415,7 +1416,7 @@
           <a:p>
             <a:fld id="{640FAAA2-EE4C-49FC-AC07-F5ED09710A73}" type="datetimeFigureOut">
               <a:rPr lang="ko-KR" altLang="en-US" smtClean="0"/>
-              <a:t>2024-03-25-Mon</a:t>
+              <a:t>2024-03-26-Tue</a:t>
             </a:fld>
             <a:endParaRPr lang="ko-KR" altLang="en-US"/>
           </a:p>
@@ -1827,7 +1828,7 @@
           <a:p>
             <a:fld id="{640FAAA2-EE4C-49FC-AC07-F5ED09710A73}" type="datetimeFigureOut">
               <a:rPr lang="ko-KR" altLang="en-US" smtClean="0"/>
-              <a:t>2024-03-25-Mon</a:t>
+              <a:t>2024-03-26-Tue</a:t>
             </a:fld>
             <a:endParaRPr lang="ko-KR" altLang="en-US"/>
           </a:p>
@@ -1968,7 +1969,7 @@
           <a:p>
             <a:fld id="{640FAAA2-EE4C-49FC-AC07-F5ED09710A73}" type="datetimeFigureOut">
               <a:rPr lang="ko-KR" altLang="en-US" smtClean="0"/>
-              <a:t>2024-03-25-Mon</a:t>
+              <a:t>2024-03-26-Tue</a:t>
             </a:fld>
             <a:endParaRPr lang="ko-KR" altLang="en-US"/>
           </a:p>
@@ -2081,7 +2082,7 @@
           <a:p>
             <a:fld id="{640FAAA2-EE4C-49FC-AC07-F5ED09710A73}" type="datetimeFigureOut">
               <a:rPr lang="ko-KR" altLang="en-US" smtClean="0"/>
-              <a:t>2024-03-25-Mon</a:t>
+              <a:t>2024-03-26-Tue</a:t>
             </a:fld>
             <a:endParaRPr lang="ko-KR" altLang="en-US"/>
           </a:p>
@@ -2392,7 +2393,7 @@
           <a:p>
             <a:fld id="{640FAAA2-EE4C-49FC-AC07-F5ED09710A73}" type="datetimeFigureOut">
               <a:rPr lang="ko-KR" altLang="en-US" smtClean="0"/>
-              <a:t>2024-03-25-Mon</a:t>
+              <a:t>2024-03-26-Tue</a:t>
             </a:fld>
             <a:endParaRPr lang="ko-KR" altLang="en-US"/>
           </a:p>
@@ -2680,7 +2681,7 @@
           <a:p>
             <a:fld id="{640FAAA2-EE4C-49FC-AC07-F5ED09710A73}" type="datetimeFigureOut">
               <a:rPr lang="ko-KR" altLang="en-US" smtClean="0"/>
-              <a:t>2024-03-25-Mon</a:t>
+              <a:t>2024-03-26-Tue</a:t>
             </a:fld>
             <a:endParaRPr lang="ko-KR" altLang="en-US"/>
           </a:p>
@@ -2921,7 +2922,7 @@
           <a:p>
             <a:fld id="{640FAAA2-EE4C-49FC-AC07-F5ED09710A73}" type="datetimeFigureOut">
               <a:rPr lang="ko-KR" altLang="en-US" smtClean="0"/>
-              <a:t>2024-03-25-Mon</a:t>
+              <a:t>2024-03-26-Tue</a:t>
             </a:fld>
             <a:endParaRPr lang="ko-KR" altLang="en-US"/>
           </a:p>
@@ -3453,7 +3454,7 @@
           <p:cNvPr id="2" name="제목 1">
             <a:extLst>
               <a:ext uri="{FF2B5EF4-FFF2-40B4-BE49-F238E27FC236}">
-                <a16:creationId xmlns:a16="http://schemas.microsoft.com/office/drawing/2014/main" id="{6A06D334-5769-B9F4-44E6-5A96E677DE0E}"/>
+                <a16:creationId xmlns:a16="http://schemas.microsoft.com/office/drawing/2014/main" id="{DEE0E929-3895-24FC-F737-3C7586117E7B}"/>
               </a:ext>
             </a:extLst>
           </p:cNvPr>
@@ -3470,88 +3471,229 @@
           <a:lstStyle/>
           <a:p>
             <a:r>
+              <a:rPr lang="ko-KR" altLang="en-US" dirty="0"/>
+              <a:t>토큰</a:t>
+            </a:r>
+          </a:p>
+        </p:txBody>
+      </p:sp>
+      <p:sp>
+        <p:nvSpPr>
+          <p:cNvPr id="3" name="내용 개체 틀 2">
+            <a:extLst>
+              <a:ext uri="{FF2B5EF4-FFF2-40B4-BE49-F238E27FC236}">
+                <a16:creationId xmlns:a16="http://schemas.microsoft.com/office/drawing/2014/main" id="{9EF8D000-B48B-842E-CF4C-FED21753D3EF}"/>
+              </a:ext>
+            </a:extLst>
+          </p:cNvPr>
+          <p:cNvSpPr>
+            <a:spLocks noGrp="1"/>
+          </p:cNvSpPr>
+          <p:nvPr>
+            <p:ph idx="1"/>
+          </p:nvPr>
+        </p:nvSpPr>
+        <p:spPr/>
+        <p:txBody>
+          <a:bodyPr>
+            <a:normAutofit lnSpcReduction="10000"/>
+          </a:bodyPr>
+          <a:lstStyle/>
+          <a:p>
+            <a:r>
+              <a:rPr lang="ko-KR" altLang="en-US" dirty="0"/>
+              <a:t>이걸 특정 키를 눌러서 계속 확인가능한지</a:t>
+            </a:r>
+            <a:endParaRPr lang="en-US" altLang="ko-KR" dirty="0"/>
+          </a:p>
+          <a:p>
+            <a:r>
+              <a:rPr lang="ko-KR" altLang="en-US" dirty="0"/>
+              <a:t>역시 꿈으로 </a:t>
+            </a:r>
+            <a:r>
               <a:rPr lang="ko-KR" altLang="en-US" dirty="0" err="1"/>
-              <a:t>필요한거</a:t>
-            </a:r>
-            <a:r>
-              <a:rPr lang="ko-KR" altLang="en-US"/>
-              <a:t> 여기 들어가서 참고하셈</a:t>
-            </a:r>
-          </a:p>
-        </p:txBody>
-      </p:sp>
-      <p:sp>
-        <p:nvSpPr>
-          <p:cNvPr id="3" name="내용 개체 틀 2">
-            <a:extLst>
-              <a:ext uri="{FF2B5EF4-FFF2-40B4-BE49-F238E27FC236}">
-                <a16:creationId xmlns:a16="http://schemas.microsoft.com/office/drawing/2014/main" id="{374BFC39-8686-5094-06E8-2441D85F6B75}"/>
-              </a:ext>
-            </a:extLst>
-          </p:cNvPr>
-          <p:cNvSpPr>
-            <a:spLocks noGrp="1"/>
-          </p:cNvSpPr>
-          <p:nvPr>
-            <p:ph idx="1"/>
-          </p:nvPr>
-        </p:nvSpPr>
-        <p:spPr/>
-        <p:txBody>
-          <a:bodyPr/>
-          <a:lstStyle/>
-          <a:p>
-            <a:r>
-              <a:rPr lang="ko-KR" altLang="en-US" dirty="0"/>
-              <a:t>드래그로 오브젝트 움직이기</a:t>
+              <a:t>이어지는게</a:t>
+            </a:r>
+            <a:r>
+              <a:rPr lang="ko-KR" altLang="en-US" dirty="0"/>
+              <a:t> 맞아</a:t>
             </a:r>
             <a:endParaRPr lang="en-US" altLang="ko-KR" dirty="0"/>
           </a:p>
           <a:p>
-            <a:r>
-              <a:rPr lang="en-US" altLang="ko-KR" dirty="0">
-                <a:hlinkClick r:id="rId2"/>
-              </a:rPr>
-              <a:t>https://bloodstrawberry.tistory.com/992?category=1024514</a:t>
-            </a:r>
             <a:endParaRPr lang="en-US" altLang="ko-KR" dirty="0"/>
           </a:p>
           <a:p>
-            <a:r>
-              <a:rPr lang="en-US" altLang="ko-KR" dirty="0"/>
-              <a:t>==</a:t>
-            </a:r>
-            <a:r>
-              <a:rPr lang="ko-KR" altLang="en-US" dirty="0"/>
-              <a:t> 근데 우리 마우스 포인터 </a:t>
+            <a:endParaRPr lang="en-US" altLang="ko-KR" dirty="0"/>
+          </a:p>
+          <a:p>
+            <a:r>
+              <a:rPr lang="ko-KR" altLang="en-US" dirty="0"/>
+              <a:t>순서를 </a:t>
+            </a:r>
+            <a:r>
+              <a:rPr lang="en-US" altLang="ko-KR" dirty="0"/>
+              <a:t>“</a:t>
+            </a:r>
+            <a:r>
+              <a:rPr lang="ko-KR" altLang="en-US" dirty="0"/>
+              <a:t>현실 </a:t>
+            </a:r>
+            <a:r>
+              <a:rPr lang="en-US" altLang="ko-KR" dirty="0"/>
+              <a:t>-&gt; </a:t>
+            </a:r>
+            <a:r>
+              <a:rPr lang="ko-KR" altLang="en-US" dirty="0"/>
+              <a:t>꿈 </a:t>
+            </a:r>
+            <a:r>
+              <a:rPr lang="en-US" altLang="ko-KR" dirty="0"/>
+              <a:t> -&gt; </a:t>
+            </a:r>
+            <a:r>
+              <a:rPr lang="ko-KR" altLang="en-US" dirty="0"/>
+              <a:t>현실</a:t>
+            </a:r>
+            <a:r>
+              <a:rPr lang="en-US" altLang="ko-KR" dirty="0"/>
+              <a:t>”</a:t>
+            </a:r>
+            <a:r>
+              <a:rPr lang="ko-KR" altLang="en-US" dirty="0"/>
+              <a:t> </a:t>
             </a:r>
             <a:r>
               <a:rPr lang="ko-KR" altLang="en-US" dirty="0" err="1"/>
-              <a:t>필요없잖아</a:t>
-            </a:r>
-            <a:r>
-              <a:rPr lang="en-US" altLang="ko-KR" dirty="0"/>
-              <a:t>..</a:t>
-            </a:r>
-          </a:p>
-          <a:p>
+              <a:t>이런식으로</a:t>
+            </a:r>
+            <a:r>
+              <a:rPr lang="ko-KR" altLang="en-US" dirty="0"/>
+              <a:t> </a:t>
+            </a:r>
+            <a:r>
+              <a:rPr lang="ko-KR" altLang="en-US" dirty="0" err="1"/>
+              <a:t>짜야할거같음</a:t>
+            </a:r>
             <a:endParaRPr lang="en-US" altLang="ko-KR" dirty="0"/>
           </a:p>
           <a:p>
             <a:r>
               <a:rPr lang="ko-KR" altLang="en-US" dirty="0"/>
-              <a:t>이미지 애니메이션으로 만드는 </a:t>
-            </a:r>
+              <a:t>현실 </a:t>
+            </a:r>
+            <a:r>
+              <a:rPr lang="en-US" altLang="ko-KR" dirty="0"/>
+              <a:t>&gt; </a:t>
+            </a:r>
+            <a:r>
+              <a:rPr lang="ko-KR" altLang="en-US" dirty="0"/>
+              <a:t>꿈 </a:t>
+            </a:r>
+            <a:r>
+              <a:rPr lang="en-US" altLang="ko-KR" dirty="0"/>
+              <a:t>: </a:t>
+            </a:r>
+            <a:r>
+              <a:rPr lang="ko-KR" altLang="en-US" dirty="0"/>
+              <a:t>안개가 나오며 손목 볼 때 아무것도 안보이면 꿈</a:t>
+            </a:r>
+            <a:r>
+              <a:rPr lang="en-US" altLang="ko-KR" dirty="0"/>
+              <a:t>?</a:t>
+            </a:r>
+          </a:p>
+          <a:p>
+            <a:pPr marL="0" indent="0">
+              <a:buNone/>
+            </a:pPr>
+            <a:r>
+              <a:rPr lang="ko-KR" altLang="en-US" dirty="0"/>
+              <a:t>특정키 누르면 손목 계속보는 방식으로 토큰을 확인하기</a:t>
+            </a:r>
+            <a:endParaRPr lang="en-US" altLang="ko-KR" dirty="0"/>
+          </a:p>
+          <a:p>
+            <a:pPr marL="0" indent="0">
+              <a:buNone/>
+            </a:pPr>
+            <a:endParaRPr lang="en-US" altLang="ko-KR" dirty="0"/>
+          </a:p>
+          <a:p>
+            <a:r>
+              <a:rPr lang="ko-KR" altLang="en-US" dirty="0"/>
+              <a:t>꿈인지 후 현실로 돌아가려면 특정 트리거를 작동 </a:t>
+            </a:r>
+            <a:r>
+              <a:rPr lang="en-US" altLang="ko-KR" dirty="0"/>
+              <a:t>[</a:t>
+            </a:r>
+            <a:r>
+              <a:rPr lang="ko-KR" altLang="en-US" dirty="0"/>
+              <a:t>아드레날린</a:t>
+            </a:r>
+            <a:r>
+              <a:rPr lang="en-US" altLang="ko-KR" dirty="0"/>
+              <a:t>]</a:t>
+            </a:r>
+          </a:p>
+        </p:txBody>
+      </p:sp>
+      <p:sp>
+        <p:nvSpPr>
+          <p:cNvPr id="5" name="TextBox 4">
+            <a:extLst>
+              <a:ext uri="{FF2B5EF4-FFF2-40B4-BE49-F238E27FC236}">
+                <a16:creationId xmlns:a16="http://schemas.microsoft.com/office/drawing/2014/main" id="{8889313F-D3C4-881D-2C37-3A6DE3E2020C}"/>
+              </a:ext>
+            </a:extLst>
+          </p:cNvPr>
+          <p:cNvSpPr txBox="1"/>
+          <p:nvPr/>
+        </p:nvSpPr>
+        <p:spPr>
+          <a:xfrm>
+            <a:off x="2160537" y="2967688"/>
+            <a:ext cx="7055825" cy="646331"/>
+          </a:xfrm>
+          <a:prstGeom prst="rect">
+            <a:avLst/>
+          </a:prstGeom>
+          <a:noFill/>
+        </p:spPr>
+        <p:txBody>
+          <a:bodyPr wrap="square">
+            <a:spAutoFit/>
+          </a:bodyPr>
+          <a:lstStyle/>
+          <a:p>
             <a:r>
               <a:rPr lang="ko-KR" altLang="en-US" dirty="0" err="1"/>
-              <a:t>바업</a:t>
+              <a:t>인셉션처럼</a:t>
+            </a:r>
+            <a:r>
+              <a:rPr lang="ko-KR" altLang="en-US" dirty="0"/>
+              <a:t> 내가 꿈인지 아닌지 손목의 반지를 통해 확인가능</a:t>
             </a:r>
             <a:endParaRPr lang="en-US" altLang="ko-KR" dirty="0"/>
           </a:p>
           <a:p>
             <a:r>
-              <a:rPr lang="en-US" altLang="ko-KR" dirty="0"/>
-              <a:t>https://boxwitch.tistory.com/16</a:t>
+              <a:rPr lang="ko-KR" altLang="en-US" dirty="0"/>
+              <a:t>다가오는 귀신에 </a:t>
+            </a:r>
+            <a:r>
+              <a:rPr lang="ko-KR" altLang="en-US" dirty="0" err="1"/>
+              <a:t>후레쉬</a:t>
+            </a:r>
+            <a:r>
+              <a:rPr lang="ko-KR" altLang="en-US" dirty="0"/>
+              <a:t> 쏘면 </a:t>
+            </a:r>
+            <a:r>
+              <a:rPr lang="ko-KR" altLang="en-US"/>
+              <a:t>멈추는거임</a:t>
             </a:r>
             <a:endParaRPr lang="ko-KR" altLang="en-US" dirty="0"/>
           </a:p>
@@ -3560,7 +3702,7 @@
     </p:spTree>
     <p:extLst>
       <p:ext uri="{BB962C8B-B14F-4D97-AF65-F5344CB8AC3E}">
-        <p14:creationId xmlns:p14="http://schemas.microsoft.com/office/powerpoint/2010/main" val="735362778"/>
+        <p14:creationId xmlns:p14="http://schemas.microsoft.com/office/powerpoint/2010/main" val="1524873660"/>
       </p:ext>
     </p:extLst>
   </p:cSld>
@@ -3592,7 +3734,7 @@
           <p:cNvPr id="2" name="제목 1">
             <a:extLst>
               <a:ext uri="{FF2B5EF4-FFF2-40B4-BE49-F238E27FC236}">
-                <a16:creationId xmlns:a16="http://schemas.microsoft.com/office/drawing/2014/main" id="{BB1659E5-D109-73F9-E1BE-A4E3930DD44E}"/>
+                <a16:creationId xmlns:a16="http://schemas.microsoft.com/office/drawing/2014/main" id="{6A06D334-5769-B9F4-44E6-5A96E677DE0E}"/>
               </a:ext>
             </a:extLst>
           </p:cNvPr>
@@ -3609,21 +3751,13 @@
           <a:lstStyle/>
           <a:p>
             <a:r>
-              <a:rPr lang="en-US" altLang="ko-KR" dirty="0"/>
-              <a:t>====</a:t>
-            </a:r>
-            <a:r>
-              <a:rPr lang="ko-KR" altLang="en-US" dirty="0"/>
-              <a:t>계획추가수정</a:t>
-            </a:r>
-            <a:r>
-              <a:rPr lang="en-US" altLang="ko-KR" dirty="0"/>
-              <a:t>====</a:t>
-            </a:r>
-            <a:br>
-              <a:rPr lang="ko-KR" altLang="en-US" dirty="0"/>
-            </a:br>
-            <a:endParaRPr lang="ko-KR" altLang="en-US" dirty="0"/>
+              <a:rPr lang="ko-KR" altLang="en-US" dirty="0" err="1"/>
+              <a:t>필요한거</a:t>
+            </a:r>
+            <a:r>
+              <a:rPr lang="ko-KR" altLang="en-US"/>
+              <a:t> 여기 들어가서 참고하셈</a:t>
+            </a:r>
           </a:p>
         </p:txBody>
       </p:sp>
@@ -3632,7 +3766,7 @@
           <p:cNvPr id="3" name="내용 개체 틀 2">
             <a:extLst>
               <a:ext uri="{FF2B5EF4-FFF2-40B4-BE49-F238E27FC236}">
-                <a16:creationId xmlns:a16="http://schemas.microsoft.com/office/drawing/2014/main" id="{52490D68-9902-A843-8682-2D057C536344}"/>
+                <a16:creationId xmlns:a16="http://schemas.microsoft.com/office/drawing/2014/main" id="{374BFC39-8686-5094-06E8-2441D85F6B75}"/>
               </a:ext>
             </a:extLst>
           </p:cNvPr>
@@ -3650,11 +3784,55 @@
           <a:p>
             <a:r>
               <a:rPr lang="ko-KR" altLang="en-US" dirty="0"/>
-              <a:t>아이디어가 떠오르면 </a:t>
+              <a:t>드래그로 오브젝트 움직이기</a:t>
+            </a:r>
+            <a:endParaRPr lang="en-US" altLang="ko-KR" dirty="0"/>
+          </a:p>
+          <a:p>
+            <a:r>
+              <a:rPr lang="en-US" altLang="ko-KR" dirty="0">
+                <a:hlinkClick r:id="rId2"/>
+              </a:rPr>
+              <a:t>https://bloodstrawberry.tistory.com/992?category=1024514</a:t>
+            </a:r>
+            <a:endParaRPr lang="en-US" altLang="ko-KR" dirty="0"/>
+          </a:p>
+          <a:p>
+            <a:r>
+              <a:rPr lang="en-US" altLang="ko-KR" dirty="0"/>
+              <a:t>==</a:t>
+            </a:r>
+            <a:r>
+              <a:rPr lang="ko-KR" altLang="en-US" dirty="0"/>
+              <a:t> 근데 우리 마우스 포인터 </a:t>
             </a:r>
             <a:r>
               <a:rPr lang="ko-KR" altLang="en-US" dirty="0" err="1"/>
-              <a:t>추가할것</a:t>
+              <a:t>필요없잖아</a:t>
+            </a:r>
+            <a:r>
+              <a:rPr lang="en-US" altLang="ko-KR" dirty="0"/>
+              <a:t>..</a:t>
+            </a:r>
+          </a:p>
+          <a:p>
+            <a:endParaRPr lang="en-US" altLang="ko-KR" dirty="0"/>
+          </a:p>
+          <a:p>
+            <a:r>
+              <a:rPr lang="ko-KR" altLang="en-US" dirty="0"/>
+              <a:t>이미지 애니메이션으로 만드는 </a:t>
+            </a:r>
+            <a:r>
+              <a:rPr lang="ko-KR" altLang="en-US" dirty="0" err="1"/>
+              <a:t>바업</a:t>
+            </a:r>
+            <a:endParaRPr lang="en-US" altLang="ko-KR" dirty="0"/>
+          </a:p>
+          <a:p>
+            <a:r>
+              <a:rPr lang="en-US" altLang="ko-KR" dirty="0"/>
+              <a:t>https://boxwitch.tistory.com/16</a:t>
             </a:r>
             <a:endParaRPr lang="ko-KR" altLang="en-US" dirty="0"/>
           </a:p>
@@ -3663,7 +3841,7 @@
     </p:spTree>
     <p:extLst>
       <p:ext uri="{BB962C8B-B14F-4D97-AF65-F5344CB8AC3E}">
-        <p14:creationId xmlns:p14="http://schemas.microsoft.com/office/powerpoint/2010/main" val="815231455"/>
+        <p14:creationId xmlns:p14="http://schemas.microsoft.com/office/powerpoint/2010/main" val="735362778"/>
       </p:ext>
     </p:extLst>
   </p:cSld>
@@ -3695,6 +3873,109 @@
           <p:cNvPr id="2" name="제목 1">
             <a:extLst>
               <a:ext uri="{FF2B5EF4-FFF2-40B4-BE49-F238E27FC236}">
+                <a16:creationId xmlns:a16="http://schemas.microsoft.com/office/drawing/2014/main" id="{BB1659E5-D109-73F9-E1BE-A4E3930DD44E}"/>
+              </a:ext>
+            </a:extLst>
+          </p:cNvPr>
+          <p:cNvSpPr>
+            <a:spLocks noGrp="1"/>
+          </p:cNvSpPr>
+          <p:nvPr>
+            <p:ph type="title"/>
+          </p:nvPr>
+        </p:nvSpPr>
+        <p:spPr/>
+        <p:txBody>
+          <a:bodyPr/>
+          <a:lstStyle/>
+          <a:p>
+            <a:r>
+              <a:rPr lang="en-US" altLang="ko-KR" dirty="0"/>
+              <a:t>====</a:t>
+            </a:r>
+            <a:r>
+              <a:rPr lang="ko-KR" altLang="en-US" dirty="0"/>
+              <a:t>계획추가수정</a:t>
+            </a:r>
+            <a:r>
+              <a:rPr lang="en-US" altLang="ko-KR" dirty="0"/>
+              <a:t>====</a:t>
+            </a:r>
+            <a:br>
+              <a:rPr lang="ko-KR" altLang="en-US" dirty="0"/>
+            </a:br>
+            <a:endParaRPr lang="ko-KR" altLang="en-US" dirty="0"/>
+          </a:p>
+        </p:txBody>
+      </p:sp>
+      <p:sp>
+        <p:nvSpPr>
+          <p:cNvPr id="3" name="내용 개체 틀 2">
+            <a:extLst>
+              <a:ext uri="{FF2B5EF4-FFF2-40B4-BE49-F238E27FC236}">
+                <a16:creationId xmlns:a16="http://schemas.microsoft.com/office/drawing/2014/main" id="{52490D68-9902-A843-8682-2D057C536344}"/>
+              </a:ext>
+            </a:extLst>
+          </p:cNvPr>
+          <p:cNvSpPr>
+            <a:spLocks noGrp="1"/>
+          </p:cNvSpPr>
+          <p:nvPr>
+            <p:ph idx="1"/>
+          </p:nvPr>
+        </p:nvSpPr>
+        <p:spPr/>
+        <p:txBody>
+          <a:bodyPr/>
+          <a:lstStyle/>
+          <a:p>
+            <a:r>
+              <a:rPr lang="ko-KR" altLang="en-US" dirty="0"/>
+              <a:t>아이디어가 떠오르면 </a:t>
+            </a:r>
+            <a:r>
+              <a:rPr lang="ko-KR" altLang="en-US" dirty="0" err="1"/>
+              <a:t>추가할것</a:t>
+            </a:r>
+            <a:endParaRPr lang="ko-KR" altLang="en-US" dirty="0"/>
+          </a:p>
+        </p:txBody>
+      </p:sp>
+    </p:spTree>
+    <p:extLst>
+      <p:ext uri="{BB962C8B-B14F-4D97-AF65-F5344CB8AC3E}">
+        <p14:creationId xmlns:p14="http://schemas.microsoft.com/office/powerpoint/2010/main" val="815231455"/>
+      </p:ext>
+    </p:extLst>
+  </p:cSld>
+  <p:clrMapOvr>
+    <a:masterClrMapping/>
+  </p:clrMapOvr>
+</p:sld>
+</file>
+
+<file path=ppt/slides/slide13.xml><?xml version="1.0" encoding="utf-8"?>
+<p:sld xmlns:a="http://schemas.openxmlformats.org/drawingml/2006/main" xmlns:r="http://schemas.openxmlformats.org/officeDocument/2006/relationships" xmlns:p="http://schemas.openxmlformats.org/presentationml/2006/main">
+  <p:cSld>
+    <p:spTree>
+      <p:nvGrpSpPr>
+        <p:cNvPr id="1" name=""/>
+        <p:cNvGrpSpPr/>
+        <p:nvPr/>
+      </p:nvGrpSpPr>
+      <p:grpSpPr>
+        <a:xfrm>
+          <a:off x="0" y="0"/>
+          <a:ext cx="0" cy="0"/>
+          <a:chOff x="0" y="0"/>
+          <a:chExt cx="0" cy="0"/>
+        </a:xfrm>
+      </p:grpSpPr>
+      <p:sp>
+        <p:nvSpPr>
+          <p:cNvPr id="2" name="제목 1">
+            <a:extLst>
+              <a:ext uri="{FF2B5EF4-FFF2-40B4-BE49-F238E27FC236}">
                 <a16:creationId xmlns:a16="http://schemas.microsoft.com/office/drawing/2014/main" id="{DE59FFBC-1687-2F60-EDF0-7E39D4237921}"/>
               </a:ext>
             </a:extLst>
@@ -3893,7 +4174,7 @@
 </p:sld>
 </file>
 
-<file path=ppt/slides/slide13.xml><?xml version="1.0" encoding="utf-8"?>
+<file path=ppt/slides/slide14.xml><?xml version="1.0" encoding="utf-8"?>
 <p:sld xmlns:a="http://schemas.openxmlformats.org/drawingml/2006/main" xmlns:r="http://schemas.openxmlformats.org/officeDocument/2006/relationships" xmlns:p="http://schemas.openxmlformats.org/presentationml/2006/main">
   <p:cSld>
     <p:spTree>
@@ -4042,7 +4323,7 @@
           <p:cNvPr id="2" name="제목 1">
             <a:extLst>
               <a:ext uri="{FF2B5EF4-FFF2-40B4-BE49-F238E27FC236}">
-                <a16:creationId xmlns:a16="http://schemas.microsoft.com/office/drawing/2014/main" id="{7849E8B7-62FB-0190-0689-D188A0DC1BF7}"/>
+                <a16:creationId xmlns:a16="http://schemas.microsoft.com/office/drawing/2014/main" id="{163EF4EB-A98E-27F7-3737-BB9FF44E69C5}"/>
               </a:ext>
             </a:extLst>
           </p:cNvPr>
@@ -4059,226 +4340,96 @@
           <a:lstStyle/>
           <a:p>
             <a:r>
+              <a:rPr lang="ko-KR" altLang="en-US" dirty="0"/>
+              <a:t>포톤 </a:t>
+            </a:r>
+            <a:r>
               <a:rPr lang="ko-KR" altLang="en-US" dirty="0" err="1"/>
-              <a:t>장비창</a:t>
+              <a:t>추가시</a:t>
+            </a:r>
+            <a:endParaRPr lang="ko-KR" altLang="en-US" dirty="0"/>
+          </a:p>
+        </p:txBody>
+      </p:sp>
+      <p:sp>
+        <p:nvSpPr>
+          <p:cNvPr id="3" name="내용 개체 틀 2">
+            <a:extLst>
+              <a:ext uri="{FF2B5EF4-FFF2-40B4-BE49-F238E27FC236}">
+                <a16:creationId xmlns:a16="http://schemas.microsoft.com/office/drawing/2014/main" id="{E49FAEC3-8D13-F24D-F261-CA32A351FA17}"/>
+              </a:ext>
+            </a:extLst>
+          </p:cNvPr>
+          <p:cNvSpPr>
+            <a:spLocks noGrp="1"/>
+          </p:cNvSpPr>
+          <p:nvPr>
+            <p:ph idx="1"/>
+          </p:nvPr>
+        </p:nvSpPr>
+        <p:spPr/>
+        <p:txBody>
+          <a:bodyPr/>
+          <a:lstStyle/>
+          <a:p>
+            <a:r>
+              <a:rPr lang="ko-KR" altLang="en-US" dirty="0" err="1"/>
+              <a:t>포톤으로</a:t>
             </a:r>
             <a:r>
               <a:rPr lang="ko-KR" altLang="en-US" dirty="0"/>
               <a:t> </a:t>
             </a:r>
             <a:r>
-              <a:rPr lang="en-US" altLang="ko-KR" dirty="0"/>
-              <a:t>&lt;&lt;</a:t>
-            </a:r>
-            <a:r>
-              <a:rPr lang="ko-KR" altLang="en-US" dirty="0"/>
-              <a:t>최대한 주말에 만들어보자</a:t>
-            </a:r>
-            <a:r>
-              <a:rPr lang="en-US" altLang="ko-KR" dirty="0"/>
-              <a:t>&gt;&gt;</a:t>
-            </a:r>
-            <a:endParaRPr lang="ko-KR" altLang="en-US" dirty="0"/>
-          </a:p>
-        </p:txBody>
-      </p:sp>
-      <p:sp>
-        <p:nvSpPr>
-          <p:cNvPr id="3" name="내용 개체 틀 2">
-            <a:extLst>
-              <a:ext uri="{FF2B5EF4-FFF2-40B4-BE49-F238E27FC236}">
-                <a16:creationId xmlns:a16="http://schemas.microsoft.com/office/drawing/2014/main" id="{4D0C32A6-55B0-BB18-7A73-B998C7831103}"/>
-              </a:ext>
-            </a:extLst>
-          </p:cNvPr>
-          <p:cNvSpPr>
-            <a:spLocks noGrp="1"/>
-          </p:cNvSpPr>
-          <p:nvPr>
-            <p:ph idx="1"/>
-          </p:nvPr>
-        </p:nvSpPr>
-        <p:spPr/>
-        <p:txBody>
-          <a:bodyPr>
-            <a:normAutofit fontScale="77500" lnSpcReduction="20000"/>
-          </a:bodyPr>
-          <a:lstStyle/>
-          <a:p>
-            <a:r>
-              <a:rPr lang="ko-KR" altLang="en-US" dirty="0"/>
-              <a:t>마우스클릭 없이 </a:t>
-            </a:r>
-            <a:r>
-              <a:rPr lang="en-US" altLang="ko-KR" dirty="0"/>
-              <a:t>E </a:t>
-            </a:r>
-            <a:r>
-              <a:rPr lang="ko-KR" altLang="en-US" dirty="0"/>
-              <a:t>누르면 장비창에 획득목록 보여줌</a:t>
+              <a:rPr lang="ko-KR" altLang="en-US" dirty="0" err="1"/>
+              <a:t>넣는거</a:t>
+            </a:r>
+            <a:r>
+              <a:rPr lang="ko-KR" altLang="en-US" dirty="0"/>
+              <a:t> 추가하면 되는데 이거 작업이 너무 많아져서</a:t>
             </a:r>
             <a:endParaRPr lang="en-US" altLang="ko-KR" dirty="0"/>
           </a:p>
           <a:p>
             <a:r>
-              <a:rPr lang="en-US" altLang="ko-KR" dirty="0"/>
-              <a:t>E</a:t>
-            </a:r>
-            <a:r>
-              <a:rPr lang="ko-KR" altLang="en-US" dirty="0"/>
-              <a:t>는 클릭 시 열리고 </a:t>
-            </a:r>
-            <a:r>
               <a:rPr lang="ko-KR" altLang="en-US" dirty="0" err="1"/>
-              <a:t>재클릭시</a:t>
-            </a:r>
-            <a:r>
-              <a:rPr lang="ko-KR" altLang="en-US" dirty="0"/>
-              <a:t> 닫히는 방식 </a:t>
-            </a:r>
-            <a:r>
-              <a:rPr lang="en-US" altLang="ko-KR" dirty="0"/>
-              <a:t>(</a:t>
+              <a:t>아이템같은거</a:t>
+            </a:r>
+            <a:r>
+              <a:rPr lang="ko-KR" altLang="en-US" dirty="0"/>
+              <a:t> </a:t>
             </a:r>
             <a:r>
               <a:rPr lang="ko-KR" altLang="en-US" dirty="0" err="1"/>
-              <a:t>게임지장</a:t>
-            </a:r>
-            <a:r>
-              <a:rPr lang="en-US" altLang="ko-KR" dirty="0"/>
-              <a:t>x)</a:t>
-            </a:r>
-          </a:p>
-          <a:p>
-            <a:endParaRPr lang="en-US" altLang="ko-KR" dirty="0"/>
-          </a:p>
-          <a:p>
-            <a:r>
-              <a:rPr lang="ko-KR" altLang="en-US" dirty="0"/>
-              <a:t>그렇다면 </a:t>
-            </a:r>
-            <a:r>
-              <a:rPr lang="en-US" altLang="ko-KR" dirty="0"/>
-              <a:t>“</a:t>
-            </a:r>
-            <a:r>
-              <a:rPr lang="ko-KR" altLang="en-US" dirty="0"/>
-              <a:t>아드레날린 주사기</a:t>
-            </a:r>
-            <a:r>
-              <a:rPr lang="en-US" altLang="ko-KR" dirty="0"/>
-              <a:t>”</a:t>
-            </a:r>
-            <a:r>
-              <a:rPr lang="ko-KR" altLang="en-US" dirty="0"/>
-              <a:t>는 어떻게 </a:t>
+              <a:t>어떤거</a:t>
+            </a:r>
+            <a:r>
+              <a:rPr lang="ko-KR" altLang="en-US" dirty="0"/>
+              <a:t> 넣을지 전부다 기획을 짜고 </a:t>
             </a:r>
             <a:r>
               <a:rPr lang="ko-KR" altLang="en-US" dirty="0" err="1"/>
-              <a:t>먹일껀지</a:t>
-            </a:r>
-            <a:r>
-              <a:rPr lang="ko-KR" altLang="en-US" dirty="0"/>
-              <a:t> 관건</a:t>
-            </a:r>
-            <a:endParaRPr lang="en-US" altLang="ko-KR" dirty="0"/>
-          </a:p>
-          <a:p>
-            <a:r>
-              <a:rPr lang="en-US" altLang="ko-KR" dirty="0"/>
-              <a:t>==E</a:t>
-            </a:r>
-            <a:r>
-              <a:rPr lang="ko-KR" altLang="en-US" dirty="0"/>
-              <a:t>누르고 </a:t>
-            </a:r>
-            <a:r>
-              <a:rPr lang="en-US" altLang="ko-KR" dirty="0"/>
-              <a:t>Space </a:t>
-            </a:r>
-            <a:r>
-              <a:rPr lang="ko-KR" altLang="en-US" dirty="0"/>
-              <a:t>누르면 주사기 동작하게</a:t>
-            </a:r>
-            <a:r>
-              <a:rPr lang="en-US" altLang="ko-KR" dirty="0"/>
-              <a:t>??</a:t>
-            </a:r>
-          </a:p>
-          <a:p>
-            <a:endParaRPr lang="en-US" altLang="ko-KR" dirty="0"/>
-          </a:p>
-          <a:p>
-            <a:r>
-              <a:rPr lang="ko-KR" altLang="en-US" dirty="0"/>
-              <a:t>장비창의 목록은 열쇠</a:t>
-            </a:r>
-            <a:r>
-              <a:rPr lang="en-US" altLang="ko-KR" dirty="0"/>
-              <a:t>, </a:t>
-            </a:r>
-            <a:r>
-              <a:rPr lang="ko-KR" altLang="en-US" dirty="0"/>
-              <a:t>주사기</a:t>
-            </a:r>
-            <a:r>
-              <a:rPr lang="en-US" altLang="ko-KR" dirty="0"/>
-              <a:t>, </a:t>
-            </a:r>
-            <a:r>
-              <a:rPr lang="ko-KR" altLang="en-US" dirty="0"/>
-              <a:t>그리고 이후 추가될 몇몇정도</a:t>
-            </a:r>
-            <a:endParaRPr lang="en-US" altLang="ko-KR" dirty="0"/>
-          </a:p>
-          <a:p>
+              <a:t>포톤을</a:t>
+            </a:r>
+            <a:r>
+              <a:rPr lang="ko-KR" altLang="en-US" dirty="0"/>
+              <a:t> </a:t>
+            </a:r>
             <a:r>
               <a:rPr lang="ko-KR" altLang="en-US" dirty="0" err="1"/>
-              <a:t>먹는건</a:t>
-            </a:r>
-            <a:r>
-              <a:rPr lang="ko-KR" altLang="en-US"/>
-              <a:t> 순서 관계없이 먹는 순서대로 중앙에서부터 좌측으로 밀려나는 느낌</a:t>
-            </a:r>
-            <a:endParaRPr lang="en-US" altLang="ko-KR" dirty="0"/>
-          </a:p>
-          <a:p>
-            <a:endParaRPr lang="en-US" altLang="ko-KR" dirty="0"/>
-          </a:p>
-          <a:p>
-            <a:r>
-              <a:rPr lang="ko-KR" altLang="en-US" dirty="0"/>
-              <a:t>모두 패시브로 사용되게 하고</a:t>
-            </a:r>
-            <a:endParaRPr lang="en-US" altLang="ko-KR" dirty="0"/>
-          </a:p>
-          <a:p>
-            <a:r>
-              <a:rPr lang="ko-KR" altLang="en-US" dirty="0"/>
-              <a:t>아이템은 캐릭터가 </a:t>
-            </a:r>
-            <a:r>
-              <a:rPr lang="en-US" altLang="ko-KR" dirty="0"/>
-              <a:t>space </a:t>
-            </a:r>
-            <a:r>
-              <a:rPr lang="ko-KR" altLang="en-US" dirty="0"/>
-              <a:t>누르면 먹고</a:t>
-            </a:r>
-            <a:endParaRPr lang="en-US" altLang="ko-KR" dirty="0"/>
-          </a:p>
-          <a:p>
-            <a:r>
-              <a:rPr lang="ko-KR" altLang="en-US" dirty="0"/>
-              <a:t>트리거 동작하는 부분에서 </a:t>
-            </a:r>
-            <a:r>
-              <a:rPr lang="en-US" altLang="ko-KR" dirty="0"/>
-              <a:t>space </a:t>
-            </a:r>
-            <a:r>
-              <a:rPr lang="ko-KR" altLang="en-US" dirty="0"/>
-              <a:t>누르면 작동하게 설정</a:t>
+              <a:t>넣는게</a:t>
+            </a:r>
+            <a:r>
+              <a:rPr lang="ko-KR" altLang="en-US" dirty="0"/>
+              <a:t> 맞음</a:t>
+            </a:r>
+            <a:r>
+              <a:rPr lang="en-US" altLang="ko-KR" dirty="0"/>
+              <a:t>…</a:t>
+            </a:r>
+            <a:r>
+              <a:rPr lang="ko-KR" altLang="en-US"/>
+              <a:t>근 일주일동안 너무 바빠서 아무것도 못했는데 슬슬 기획 다시 업데이트 시켜야됨</a:t>
             </a:r>
           </a:p>
         </p:txBody>
@@ -4286,7 +4437,7 @@
     </p:spTree>
     <p:extLst>
       <p:ext uri="{BB962C8B-B14F-4D97-AF65-F5344CB8AC3E}">
-        <p14:creationId xmlns:p14="http://schemas.microsoft.com/office/powerpoint/2010/main" val="1963623474"/>
+        <p14:creationId xmlns:p14="http://schemas.microsoft.com/office/powerpoint/2010/main" val="4161277193"/>
       </p:ext>
     </p:extLst>
   </p:cSld>
@@ -4318,7 +4469,7 @@
           <p:cNvPr id="2" name="제목 1">
             <a:extLst>
               <a:ext uri="{FF2B5EF4-FFF2-40B4-BE49-F238E27FC236}">
-                <a16:creationId xmlns:a16="http://schemas.microsoft.com/office/drawing/2014/main" id="{8D8B9B78-02F9-A4C5-7C4C-2A21212E4F02}"/>
+                <a16:creationId xmlns:a16="http://schemas.microsoft.com/office/drawing/2014/main" id="{7849E8B7-62FB-0190-0689-D188A0DC1BF7}"/>
               </a:ext>
             </a:extLst>
           </p:cNvPr>
@@ -4335,12 +4486,24 @@
           <a:lstStyle/>
           <a:p>
             <a:r>
-              <a:rPr lang="ko-KR" altLang="en-US" dirty="0"/>
-              <a:t>멀티</a:t>
-            </a:r>
-            <a:r>
-              <a:rPr lang="en-US" altLang="ko-KR" dirty="0"/>
-              <a:t>?</a:t>
+              <a:rPr lang="ko-KR" altLang="en-US" dirty="0" err="1"/>
+              <a:t>장비창</a:t>
+            </a:r>
+            <a:r>
+              <a:rPr lang="ko-KR" altLang="en-US" dirty="0"/>
+              <a:t> </a:t>
+            </a:r>
+            <a:r>
+              <a:rPr lang="en-US" altLang="ko-KR" dirty="0"/>
+              <a:t>&lt;&lt;</a:t>
+            </a:r>
+            <a:r>
+              <a:rPr lang="ko-KR" altLang="en-US" dirty="0"/>
+              <a:t>최대한 주말에 만들어보자</a:t>
+            </a:r>
+            <a:r>
+              <a:rPr lang="en-US" altLang="ko-KR" dirty="0"/>
+              <a:t>&gt;&gt;</a:t>
             </a:r>
             <a:endParaRPr lang="ko-KR" altLang="en-US" dirty="0"/>
           </a:p>
@@ -4351,7 +4514,7 @@
           <p:cNvPr id="3" name="내용 개체 틀 2">
             <a:extLst>
               <a:ext uri="{FF2B5EF4-FFF2-40B4-BE49-F238E27FC236}">
-                <a16:creationId xmlns:a16="http://schemas.microsoft.com/office/drawing/2014/main" id="{141983C5-6375-9CBB-B229-BFE648BAD5C2}"/>
+                <a16:creationId xmlns:a16="http://schemas.microsoft.com/office/drawing/2014/main" id="{4D0C32A6-55B0-BB18-7A73-B998C7831103}"/>
               </a:ext>
             </a:extLst>
           </p:cNvPr>
@@ -4364,77 +4527,193 @@
         </p:nvSpPr>
         <p:spPr/>
         <p:txBody>
-          <a:bodyPr/>
-          <a:lstStyle/>
-          <a:p>
-            <a:r>
-              <a:rPr lang="ko-KR" altLang="en-US" b="0" i="0" dirty="0">
-                <a:solidFill>
-                  <a:srgbClr val="333333"/>
-                </a:solidFill>
-                <a:effectLst/>
-                <a:latin typeface="Pretendard"/>
-              </a:rPr>
-              <a:t>일단 싱글로 만든 후 멀티 진행할지 말지 결정</a:t>
-            </a:r>
-            <a:endParaRPr lang="en-US" altLang="ko-KR" b="0" i="0" dirty="0">
-              <a:solidFill>
-                <a:srgbClr val="333333"/>
-              </a:solidFill>
-              <a:effectLst/>
-              <a:latin typeface="Pretendard"/>
-            </a:endParaRPr>
-          </a:p>
-          <a:p>
-            <a:endParaRPr lang="en-US" altLang="ko-KR" dirty="0">
-              <a:solidFill>
-                <a:srgbClr val="333333"/>
-              </a:solidFill>
-              <a:latin typeface="Pretendard"/>
-            </a:endParaRPr>
-          </a:p>
-          <a:p>
+          <a:bodyPr>
+            <a:normAutofit fontScale="77500" lnSpcReduction="20000"/>
+          </a:bodyPr>
+          <a:lstStyle/>
+          <a:p>
+            <a:r>
+              <a:rPr lang="ko-KR" altLang="en-US" dirty="0"/>
+              <a:t>마우스클릭 없이 </a:t>
+            </a:r>
+            <a:r>
+              <a:rPr lang="en-US" altLang="ko-KR" dirty="0"/>
+              <a:t>E </a:t>
+            </a:r>
+            <a:r>
+              <a:rPr lang="ko-KR" altLang="en-US" dirty="0"/>
+              <a:t>누르면 장비창에 획득목록 보여줌</a:t>
+            </a:r>
+            <a:endParaRPr lang="en-US" altLang="ko-KR" dirty="0"/>
+          </a:p>
+          <a:p>
+            <a:r>
+              <a:rPr lang="en-US" altLang="ko-KR" dirty="0"/>
+              <a:t>E</a:t>
+            </a:r>
+            <a:r>
+              <a:rPr lang="ko-KR" altLang="en-US" dirty="0"/>
+              <a:t>는 클릭 시 열리고 </a:t>
+            </a:r>
             <a:r>
               <a:rPr lang="ko-KR" altLang="en-US" dirty="0" err="1"/>
-              <a:t>백엔드가</a:t>
-            </a:r>
-            <a:r>
-              <a:rPr lang="ko-KR" altLang="en-US" dirty="0"/>
-              <a:t> 필요하다면 친구 통해서 협업 가능</a:t>
-            </a:r>
+              <a:t>재클릭시</a:t>
+            </a:r>
+            <a:r>
+              <a:rPr lang="ko-KR" altLang="en-US" dirty="0"/>
+              <a:t> 닫히는 방식 </a:t>
+            </a:r>
+            <a:r>
+              <a:rPr lang="en-US" altLang="ko-KR" dirty="0"/>
+              <a:t>(</a:t>
+            </a:r>
+            <a:r>
+              <a:rPr lang="ko-KR" altLang="en-US" dirty="0" err="1"/>
+              <a:t>게임지장</a:t>
+            </a:r>
+            <a:r>
+              <a:rPr lang="en-US" altLang="ko-KR" dirty="0"/>
+              <a:t>x)</a:t>
+            </a:r>
+          </a:p>
+          <a:p>
             <a:endParaRPr lang="en-US" altLang="ko-KR" dirty="0"/>
           </a:p>
           <a:p>
+            <a:r>
+              <a:rPr lang="ko-KR" altLang="en-US" dirty="0"/>
+              <a:t>그렇다면 </a:t>
+            </a:r>
+            <a:r>
+              <a:rPr lang="en-US" altLang="ko-KR" dirty="0"/>
+              <a:t>“</a:t>
+            </a:r>
+            <a:r>
+              <a:rPr lang="ko-KR" altLang="en-US" dirty="0"/>
+              <a:t>아드레날린 주사기</a:t>
+            </a:r>
+            <a:r>
+              <a:rPr lang="en-US" altLang="ko-KR" dirty="0"/>
+              <a:t>”</a:t>
+            </a:r>
+            <a:r>
+              <a:rPr lang="ko-KR" altLang="en-US" dirty="0"/>
+              <a:t>는 어떻게 </a:t>
+            </a:r>
+            <a:r>
+              <a:rPr lang="ko-KR" altLang="en-US" dirty="0" err="1"/>
+              <a:t>먹일껀지</a:t>
+            </a:r>
+            <a:r>
+              <a:rPr lang="ko-KR" altLang="en-US" dirty="0"/>
+              <a:t> 관건</a:t>
+            </a:r>
             <a:endParaRPr lang="en-US" altLang="ko-KR" dirty="0"/>
           </a:p>
           <a:p>
+            <a:r>
+              <a:rPr lang="en-US" altLang="ko-KR" dirty="0"/>
+              <a:t>==E</a:t>
+            </a:r>
+            <a:r>
+              <a:rPr lang="ko-KR" altLang="en-US" dirty="0"/>
+              <a:t>누르고 </a:t>
+            </a:r>
+            <a:r>
+              <a:rPr lang="en-US" altLang="ko-KR" dirty="0"/>
+              <a:t>Space </a:t>
+            </a:r>
+            <a:r>
+              <a:rPr lang="ko-KR" altLang="en-US" dirty="0"/>
+              <a:t>누르면 주사기 동작하게</a:t>
+            </a:r>
+            <a:r>
+              <a:rPr lang="en-US" altLang="ko-KR" dirty="0"/>
+              <a:t>??</a:t>
+            </a:r>
+          </a:p>
+          <a:p>
             <a:endParaRPr lang="en-US" altLang="ko-KR" dirty="0"/>
           </a:p>
           <a:p>
             <a:r>
+              <a:rPr lang="ko-KR" altLang="en-US" dirty="0"/>
+              <a:t>장비창의 목록은 열쇠</a:t>
+            </a:r>
+            <a:r>
+              <a:rPr lang="en-US" altLang="ko-KR" dirty="0"/>
+              <a:t>, </a:t>
+            </a:r>
+            <a:r>
+              <a:rPr lang="ko-KR" altLang="en-US" dirty="0"/>
+              <a:t>주사기</a:t>
+            </a:r>
+            <a:r>
+              <a:rPr lang="en-US" altLang="ko-KR" dirty="0"/>
+              <a:t>, </a:t>
+            </a:r>
+            <a:r>
+              <a:rPr lang="ko-KR" altLang="en-US" dirty="0"/>
+              <a:t>그리고 이후 추가될 몇몇정도</a:t>
+            </a:r>
+            <a:endParaRPr lang="en-US" altLang="ko-KR" dirty="0"/>
+          </a:p>
+          <a:p>
+            <a:r>
               <a:rPr lang="ko-KR" altLang="en-US" dirty="0" err="1"/>
-              <a:t>포톤넣고</a:t>
-            </a:r>
-            <a:r>
-              <a:rPr lang="ko-KR" altLang="en-US" dirty="0"/>
-              <a:t> </a:t>
-            </a:r>
-            <a:r>
-              <a:rPr lang="en-US" altLang="ko-KR" dirty="0"/>
-              <a:t>RPC</a:t>
-            </a:r>
-            <a:r>
-              <a:rPr lang="ko-KR" altLang="en-US"/>
-              <a:t>로 동기화 시키도록</a:t>
-            </a:r>
-            <a:endParaRPr lang="ko-KR" altLang="en-US" dirty="0"/>
+              <a:t>먹는건</a:t>
+            </a:r>
+            <a:r>
+              <a:rPr lang="ko-KR" altLang="en-US"/>
+              <a:t> 순서 관계없이 먹는 순서대로 중앙에서부터 좌측으로 밀려나는 느낌</a:t>
+            </a:r>
+            <a:endParaRPr lang="en-US" altLang="ko-KR" dirty="0"/>
+          </a:p>
+          <a:p>
+            <a:endParaRPr lang="en-US" altLang="ko-KR" dirty="0"/>
+          </a:p>
+          <a:p>
+            <a:r>
+              <a:rPr lang="ko-KR" altLang="en-US" dirty="0"/>
+              <a:t>모두 패시브로 사용되게 하고</a:t>
+            </a:r>
+            <a:endParaRPr lang="en-US" altLang="ko-KR" dirty="0"/>
+          </a:p>
+          <a:p>
+            <a:r>
+              <a:rPr lang="ko-KR" altLang="en-US" dirty="0"/>
+              <a:t>아이템은 캐릭터가 </a:t>
+            </a:r>
+            <a:r>
+              <a:rPr lang="en-US" altLang="ko-KR" dirty="0"/>
+              <a:t>space </a:t>
+            </a:r>
+            <a:r>
+              <a:rPr lang="ko-KR" altLang="en-US" dirty="0"/>
+              <a:t>누르면 먹고</a:t>
+            </a:r>
+            <a:endParaRPr lang="en-US" altLang="ko-KR" dirty="0"/>
+          </a:p>
+          <a:p>
+            <a:r>
+              <a:rPr lang="ko-KR" altLang="en-US" dirty="0"/>
+              <a:t>트리거 동작하는 부분에서 </a:t>
+            </a:r>
+            <a:r>
+              <a:rPr lang="en-US" altLang="ko-KR" dirty="0"/>
+              <a:t>space </a:t>
+            </a:r>
+            <a:r>
+              <a:rPr lang="ko-KR" altLang="en-US" dirty="0"/>
+              <a:t>누르면 작동하게 설정</a:t>
+            </a:r>
           </a:p>
         </p:txBody>
       </p:sp>
     </p:spTree>
     <p:extLst>
       <p:ext uri="{BB962C8B-B14F-4D97-AF65-F5344CB8AC3E}">
-        <p14:creationId xmlns:p14="http://schemas.microsoft.com/office/powerpoint/2010/main" val="2909321877"/>
+        <p14:creationId xmlns:p14="http://schemas.microsoft.com/office/powerpoint/2010/main" val="1963623474"/>
       </p:ext>
     </p:extLst>
   </p:cSld>
@@ -4466,7 +4745,7 @@
           <p:cNvPr id="2" name="제목 1">
             <a:extLst>
               <a:ext uri="{FF2B5EF4-FFF2-40B4-BE49-F238E27FC236}">
-                <a16:creationId xmlns:a16="http://schemas.microsoft.com/office/drawing/2014/main" id="{84FC38AF-C1DE-B5F4-D734-47250387866A}"/>
+                <a16:creationId xmlns:a16="http://schemas.microsoft.com/office/drawing/2014/main" id="{8D8B9B78-02F9-A4C5-7C4C-2A21212E4F02}"/>
               </a:ext>
             </a:extLst>
           </p:cNvPr>
@@ -4484,8 +4763,13 @@
           <a:p>
             <a:r>
               <a:rPr lang="ko-KR" altLang="en-US" dirty="0"/>
-              <a:t>시점</a:t>
-            </a:r>
+              <a:t>멀티</a:t>
+            </a:r>
+            <a:r>
+              <a:rPr lang="en-US" altLang="ko-KR" dirty="0"/>
+              <a:t>?</a:t>
+            </a:r>
+            <a:endParaRPr lang="ko-KR" altLang="en-US" dirty="0"/>
           </a:p>
         </p:txBody>
       </p:sp>
@@ -4494,7 +4778,7 @@
           <p:cNvPr id="3" name="내용 개체 틀 2">
             <a:extLst>
               <a:ext uri="{FF2B5EF4-FFF2-40B4-BE49-F238E27FC236}">
-                <a16:creationId xmlns:a16="http://schemas.microsoft.com/office/drawing/2014/main" id="{12E53541-EE0A-90A4-892E-A1679D195AA8}"/>
+                <a16:creationId xmlns:a16="http://schemas.microsoft.com/office/drawing/2014/main" id="{141983C5-6375-9CBB-B229-BFE648BAD5C2}"/>
               </a:ext>
             </a:extLst>
           </p:cNvPr>
@@ -4511,62 +4795,65 @@
           <a:lstStyle/>
           <a:p>
             <a:r>
-              <a:rPr lang="en-US" altLang="ko-KR" dirty="0"/>
-              <a:t>1</a:t>
-            </a:r>
-            <a:r>
-              <a:rPr lang="ko-KR" altLang="en-US" dirty="0"/>
-              <a:t>인칭</a:t>
-            </a:r>
-            <a:r>
-              <a:rPr lang="en-US" altLang="ko-KR" dirty="0"/>
-              <a:t>, </a:t>
-            </a:r>
+              <a:rPr lang="ko-KR" altLang="en-US" b="0" i="0" dirty="0">
+                <a:solidFill>
+                  <a:srgbClr val="333333"/>
+                </a:solidFill>
+                <a:effectLst/>
+                <a:latin typeface="Pretendard"/>
+              </a:rPr>
+              <a:t>일단 싱글로 만든 후 멀티 진행할지 말지 결정</a:t>
+            </a:r>
+            <a:endParaRPr lang="en-US" altLang="ko-KR" b="0" i="0" dirty="0">
+              <a:solidFill>
+                <a:srgbClr val="333333"/>
+              </a:solidFill>
+              <a:effectLst/>
+              <a:latin typeface="Pretendard"/>
+            </a:endParaRPr>
+          </a:p>
+          <a:p>
+            <a:endParaRPr lang="en-US" altLang="ko-KR" dirty="0">
+              <a:solidFill>
+                <a:srgbClr val="333333"/>
+              </a:solidFill>
+              <a:latin typeface="Pretendard"/>
+            </a:endParaRPr>
+          </a:p>
+          <a:p>
             <a:r>
               <a:rPr lang="ko-KR" altLang="en-US" dirty="0" err="1"/>
-              <a:t>휠로</a:t>
-            </a:r>
-            <a:r>
-              <a:rPr lang="ko-KR" altLang="en-US" dirty="0"/>
-              <a:t> 줌인</a:t>
-            </a:r>
-            <a:r>
-              <a:rPr lang="en-US" altLang="ko-KR" dirty="0"/>
-              <a:t>/</a:t>
-            </a:r>
-            <a:r>
-              <a:rPr lang="ko-KR" altLang="en-US" dirty="0"/>
-              <a:t>아웃 </a:t>
-            </a:r>
-            <a:r>
-              <a:rPr lang="en-US" altLang="ko-KR" dirty="0"/>
-              <a:t>ok</a:t>
-            </a:r>
-          </a:p>
-          <a:p>
-            <a:r>
-              <a:rPr lang="ko-KR" altLang="en-US" dirty="0"/>
-              <a:t>다만 캐릭터 자체는 </a:t>
-            </a:r>
+              <a:t>백엔드가</a:t>
+            </a:r>
+            <a:r>
+              <a:rPr lang="ko-KR" altLang="en-US" dirty="0"/>
+              <a:t> 필요하다면 친구 통해서 협업 가능</a:t>
+            </a:r>
+            <a:endParaRPr lang="en-US" altLang="ko-KR" dirty="0"/>
+          </a:p>
+          <a:p>
+            <a:endParaRPr lang="en-US" altLang="ko-KR" dirty="0"/>
+          </a:p>
+          <a:p>
+            <a:endParaRPr lang="en-US" altLang="ko-KR" dirty="0"/>
+          </a:p>
+          <a:p>
             <a:r>
               <a:rPr lang="ko-KR" altLang="en-US" dirty="0" err="1"/>
-              <a:t>못봄</a:t>
-            </a:r>
-            <a:r>
-              <a:rPr lang="ko-KR" altLang="en-US" dirty="0"/>
-              <a:t> 무조건 </a:t>
-            </a:r>
-            <a:r>
-              <a:rPr lang="en-US" altLang="ko-KR" dirty="0"/>
-              <a:t>1</a:t>
-            </a:r>
-            <a:r>
-              <a:rPr lang="ko-KR" altLang="en-US" dirty="0"/>
-              <a:t>인칭</a:t>
-            </a:r>
-            <a:endParaRPr lang="en-US" altLang="ko-KR" dirty="0"/>
-          </a:p>
-          <a:p>
+              <a:t>포톤넣고</a:t>
+            </a:r>
+            <a:r>
+              <a:rPr lang="ko-KR" altLang="en-US" dirty="0"/>
+              <a:t> </a:t>
+            </a:r>
+            <a:r>
+              <a:rPr lang="en-US" altLang="ko-KR" dirty="0"/>
+              <a:t>RPC</a:t>
+            </a:r>
+            <a:r>
+              <a:rPr lang="ko-KR" altLang="en-US"/>
+              <a:t>로 동기화 시키도록</a:t>
+            </a:r>
             <a:endParaRPr lang="ko-KR" altLang="en-US" dirty="0"/>
           </a:p>
         </p:txBody>
@@ -4574,7 +4861,7 @@
     </p:spTree>
     <p:extLst>
       <p:ext uri="{BB962C8B-B14F-4D97-AF65-F5344CB8AC3E}">
-        <p14:creationId xmlns:p14="http://schemas.microsoft.com/office/powerpoint/2010/main" val="3226499601"/>
+        <p14:creationId xmlns:p14="http://schemas.microsoft.com/office/powerpoint/2010/main" val="2909321877"/>
       </p:ext>
     </p:extLst>
   </p:cSld>
@@ -4606,7 +4893,7 @@
           <p:cNvPr id="2" name="제목 1">
             <a:extLst>
               <a:ext uri="{FF2B5EF4-FFF2-40B4-BE49-F238E27FC236}">
-                <a16:creationId xmlns:a16="http://schemas.microsoft.com/office/drawing/2014/main" id="{D6D66C3E-4BCE-8AEB-6B0D-881061540761}"/>
+                <a16:creationId xmlns:a16="http://schemas.microsoft.com/office/drawing/2014/main" id="{84FC38AF-C1DE-B5F4-D734-47250387866A}"/>
               </a:ext>
             </a:extLst>
           </p:cNvPr>
@@ -4623,34 +4910,9 @@
           <a:lstStyle/>
           <a:p>
             <a:r>
-              <a:rPr lang="en-US" altLang="ko-KR" dirty="0"/>
-              <a:t>1. </a:t>
-            </a:r>
-            <a:r>
-              <a:rPr lang="ko-KR" altLang="en-US" dirty="0"/>
-              <a:t>캐릭터 </a:t>
-            </a:r>
-            <a:r>
-              <a:rPr lang="en-US" altLang="ko-KR" dirty="0"/>
-              <a:t>nickname </a:t>
-            </a:r>
-            <a:r>
-              <a:rPr lang="ko-KR" altLang="en-US" dirty="0"/>
-              <a:t>설정 </a:t>
-            </a:r>
-            <a:r>
-              <a:rPr lang="en-US" altLang="ko-KR" dirty="0"/>
-              <a:t>[</a:t>
-            </a:r>
-            <a:r>
-              <a:rPr lang="ko-KR" altLang="en-US" dirty="0"/>
-              <a:t>머리위에</a:t>
-            </a:r>
-            <a:r>
-              <a:rPr lang="en-US" altLang="ko-KR" dirty="0"/>
-              <a:t>]</a:t>
-            </a:r>
-            <a:endParaRPr lang="ko-KR" altLang="en-US" dirty="0"/>
+              <a:rPr lang="ko-KR" altLang="en-US" dirty="0"/>
+              <a:t>시점</a:t>
+            </a:r>
           </a:p>
         </p:txBody>
       </p:sp>
@@ -4659,7 +4921,7 @@
           <p:cNvPr id="3" name="내용 개체 틀 2">
             <a:extLst>
               <a:ext uri="{FF2B5EF4-FFF2-40B4-BE49-F238E27FC236}">
-                <a16:creationId xmlns:a16="http://schemas.microsoft.com/office/drawing/2014/main" id="{CE3C40F1-4B2A-2918-C497-286DEDD31357}"/>
+                <a16:creationId xmlns:a16="http://schemas.microsoft.com/office/drawing/2014/main" id="{12E53541-EE0A-90A4-892E-A1679D195AA8}"/>
               </a:ext>
             </a:extLst>
           </p:cNvPr>
@@ -4676,126 +4938,62 @@
           <a:lstStyle/>
           <a:p>
             <a:r>
-              <a:rPr lang="ko-KR" altLang="en-US" dirty="0"/>
-              <a:t>캐릭터 머리 위에 이름 </a:t>
-            </a:r>
-            <a:r>
-              <a:rPr lang="en-US" altLang="ko-KR" dirty="0"/>
-              <a:t>: </a:t>
-            </a:r>
-            <a:r>
-              <a:rPr lang="ko-KR" altLang="en-US" dirty="0"/>
-              <a:t>내가 </a:t>
+              <a:rPr lang="en-US" altLang="ko-KR" dirty="0"/>
+              <a:t>1</a:t>
+            </a:r>
+            <a:r>
+              <a:rPr lang="ko-KR" altLang="en-US" dirty="0"/>
+              <a:t>인칭</a:t>
+            </a:r>
+            <a:r>
+              <a:rPr lang="en-US" altLang="ko-KR" dirty="0"/>
+              <a:t>, </a:t>
             </a:r>
             <a:r>
               <a:rPr lang="ko-KR" altLang="en-US" dirty="0" err="1"/>
-              <a:t>원하는거</a:t>
-            </a:r>
-            <a:r>
-              <a:rPr lang="ko-KR" altLang="en-US" dirty="0"/>
-              <a:t> 적을 수 잇게</a:t>
-            </a:r>
-          </a:p>
-          <a:p>
-            <a:endParaRPr lang="ko-KR" altLang="en-US" dirty="0"/>
-          </a:p>
-          <a:p>
-            <a:r>
-              <a:rPr lang="en-US" altLang="ko-KR" dirty="0"/>
-              <a:t>NPC </a:t>
-            </a:r>
-            <a:r>
-              <a:rPr lang="ko-KR" altLang="en-US" dirty="0"/>
-              <a:t>가 이제 여기 참여자들로 적으면 </a:t>
+              <a:t>휠로</a:t>
+            </a:r>
+            <a:r>
+              <a:rPr lang="ko-KR" altLang="en-US" dirty="0"/>
+              <a:t> 줌인</a:t>
+            </a:r>
+            <a:r>
+              <a:rPr lang="en-US" altLang="ko-KR" dirty="0"/>
+              <a:t>/</a:t>
+            </a:r>
+            <a:r>
+              <a:rPr lang="ko-KR" altLang="en-US" dirty="0"/>
+              <a:t>아웃 </a:t>
+            </a:r>
+            <a:r>
+              <a:rPr lang="en-US" altLang="ko-KR" dirty="0"/>
+              <a:t>ok</a:t>
+            </a:r>
+          </a:p>
+          <a:p>
+            <a:r>
+              <a:rPr lang="ko-KR" altLang="en-US" dirty="0"/>
+              <a:t>다만 캐릭터 자체는 </a:t>
             </a:r>
             <a:r>
               <a:rPr lang="ko-KR" altLang="en-US" dirty="0" err="1"/>
-              <a:t>될듯</a:t>
-            </a:r>
-            <a:r>
-              <a:rPr lang="ko-KR" altLang="en-US" dirty="0"/>
-              <a:t> </a:t>
-            </a:r>
-            <a:r>
-              <a:rPr lang="en-US" altLang="ko-KR" dirty="0"/>
-              <a:t>: </a:t>
-            </a:r>
-            <a:r>
-              <a:rPr lang="ko-KR" altLang="en-US" dirty="0"/>
-              <a:t>아라 </a:t>
-            </a:r>
-            <a:r>
-              <a:rPr lang="ko-KR" altLang="en-US" dirty="0" err="1"/>
-              <a:t>이런식으로</a:t>
-            </a:r>
-            <a:endParaRPr lang="ko-KR" altLang="en-US" dirty="0"/>
-          </a:p>
-          <a:p>
-            <a:endParaRPr lang="ko-KR" altLang="en-US" dirty="0"/>
-          </a:p>
-          <a:p>
-            <a:r>
-              <a:rPr lang="en-US" altLang="ko-KR" dirty="0"/>
-              <a:t>preload</a:t>
-            </a:r>
-            <a:r>
-              <a:rPr lang="ko-KR" altLang="en-US" dirty="0"/>
-              <a:t>에서 </a:t>
-            </a:r>
-            <a:r>
-              <a:rPr lang="en-US" altLang="ko-KR" dirty="0"/>
-              <a:t>login</a:t>
-            </a:r>
-            <a:r>
-              <a:rPr lang="ko-KR" altLang="en-US" dirty="0"/>
-              <a:t>으로 가서 룸을 잡고 </a:t>
-            </a:r>
-            <a:r>
-              <a:rPr lang="en-US" altLang="ko-KR" dirty="0" err="1"/>
-              <a:t>ingame</a:t>
-            </a:r>
-            <a:r>
-              <a:rPr lang="ko-KR" altLang="en-US" dirty="0"/>
-              <a:t>으로 들어가는 </a:t>
-            </a:r>
-            <a:r>
-              <a:rPr lang="ko-KR" altLang="en-US" dirty="0" err="1"/>
-              <a:t>구간이잖아</a:t>
-            </a:r>
-            <a:r>
-              <a:rPr lang="en-US" altLang="ko-KR" dirty="0"/>
-              <a:t>?</a:t>
-            </a:r>
-          </a:p>
-          <a:p>
-            <a:r>
-              <a:rPr lang="en-US" altLang="ko-KR" dirty="0" err="1"/>
-              <a:t>ingame</a:t>
-            </a:r>
-            <a:r>
-              <a:rPr lang="ko-KR" altLang="en-US" dirty="0"/>
-              <a:t>쪽에서 </a:t>
-            </a:r>
-            <a:r>
-              <a:rPr lang="en-US" altLang="ko-KR" dirty="0" err="1"/>
-              <a:t>gamemanager</a:t>
-            </a:r>
-            <a:r>
-              <a:rPr lang="ko-KR" altLang="en-US" dirty="0"/>
-              <a:t>을 </a:t>
-            </a:r>
-            <a:r>
-              <a:rPr lang="ko-KR" altLang="en-US" dirty="0" err="1"/>
-              <a:t>배치하는게</a:t>
-            </a:r>
-            <a:r>
-              <a:rPr lang="ko-KR" altLang="en-US" dirty="0"/>
-              <a:t> 맞다고 생각하거든</a:t>
-            </a:r>
-            <a:r>
-              <a:rPr lang="en-US" altLang="ko-KR" dirty="0"/>
-              <a:t>?</a:t>
-            </a:r>
+              <a:t>못봄</a:t>
+            </a:r>
+            <a:r>
+              <a:rPr lang="ko-KR" altLang="en-US" dirty="0"/>
+              <a:t> 무조건 </a:t>
+            </a:r>
+            <a:r>
+              <a:rPr lang="en-US" altLang="ko-KR" dirty="0"/>
+              <a:t>1</a:t>
+            </a:r>
+            <a:r>
+              <a:rPr lang="ko-KR" altLang="en-US" dirty="0"/>
+              <a:t>인칭</a:t>
+            </a:r>
+            <a:endParaRPr lang="en-US" altLang="ko-KR" dirty="0"/>
+          </a:p>
+          <a:p>
             <a:endParaRPr lang="ko-KR" altLang="en-US" dirty="0"/>
           </a:p>
         </p:txBody>
@@ -4803,7 +5001,7 @@
     </p:spTree>
     <p:extLst>
       <p:ext uri="{BB962C8B-B14F-4D97-AF65-F5344CB8AC3E}">
-        <p14:creationId xmlns:p14="http://schemas.microsoft.com/office/powerpoint/2010/main" val="1776640355"/>
+        <p14:creationId xmlns:p14="http://schemas.microsoft.com/office/powerpoint/2010/main" val="3226499601"/>
       </p:ext>
     </p:extLst>
   </p:cSld>
@@ -4835,7 +5033,7 @@
           <p:cNvPr id="2" name="제목 1">
             <a:extLst>
               <a:ext uri="{FF2B5EF4-FFF2-40B4-BE49-F238E27FC236}">
-                <a16:creationId xmlns:a16="http://schemas.microsoft.com/office/drawing/2014/main" id="{68A194FF-8D4B-4BBD-8F48-6C82014B28CA}"/>
+                <a16:creationId xmlns:a16="http://schemas.microsoft.com/office/drawing/2014/main" id="{D6D66C3E-4BCE-8AEB-6B0D-881061540761}"/>
               </a:ext>
             </a:extLst>
           </p:cNvPr>
@@ -4853,7 +5051,7 @@
           <a:p>
             <a:r>
               <a:rPr lang="en-US" altLang="ko-KR" dirty="0"/>
-              <a:t>2. </a:t>
+              <a:t>1. </a:t>
             </a:r>
             <a:r>
               <a:rPr lang="ko-KR" altLang="en-US" dirty="0"/>
@@ -4861,7 +5059,23 @@
             </a:r>
             <a:r>
               <a:rPr lang="en-US" altLang="ko-KR" dirty="0"/>
-              <a:t>HP</a:t>
+              <a:t>nickname </a:t>
+            </a:r>
+            <a:r>
+              <a:rPr lang="ko-KR" altLang="en-US" dirty="0"/>
+              <a:t>설정 </a:t>
+            </a:r>
+            <a:r>
+              <a:rPr lang="en-US" altLang="ko-KR" dirty="0"/>
+              <a:t>[</a:t>
+            </a:r>
+            <a:r>
+              <a:rPr lang="ko-KR" altLang="en-US" dirty="0"/>
+              <a:t>머리위에</a:t>
+            </a:r>
+            <a:r>
+              <a:rPr lang="en-US" altLang="ko-KR" dirty="0"/>
+              <a:t>]</a:t>
             </a:r>
             <a:endParaRPr lang="ko-KR" altLang="en-US" dirty="0"/>
           </a:p>
@@ -4872,7 +5086,7 @@
           <p:cNvPr id="3" name="내용 개체 틀 2">
             <a:extLst>
               <a:ext uri="{FF2B5EF4-FFF2-40B4-BE49-F238E27FC236}">
-                <a16:creationId xmlns:a16="http://schemas.microsoft.com/office/drawing/2014/main" id="{85296CDA-9026-4B8B-BE84-A4C28D134E4F}"/>
+                <a16:creationId xmlns:a16="http://schemas.microsoft.com/office/drawing/2014/main" id="{CE3C40F1-4B2A-2918-C497-286DEDD31357}"/>
               </a:ext>
             </a:extLst>
           </p:cNvPr>
@@ -4885,111 +5099,138 @@
         </p:nvSpPr>
         <p:spPr/>
         <p:txBody>
-          <a:bodyPr>
-            <a:normAutofit lnSpcReduction="10000"/>
-          </a:bodyPr>
-          <a:lstStyle/>
-          <a:p>
-            <a:r>
-              <a:rPr lang="en-US" altLang="ko-KR" dirty="0"/>
-              <a:t>HP </a:t>
-            </a:r>
-            <a:r>
-              <a:rPr lang="ko-KR" altLang="en-US" dirty="0"/>
-              <a:t>바를 작게 만들거나 캐릭터 상태를 알려주는 식으로 </a:t>
+          <a:bodyPr/>
+          <a:lstStyle/>
+          <a:p>
+            <a:r>
+              <a:rPr lang="ko-KR" altLang="en-US" dirty="0"/>
+              <a:t>캐릭터 머리 위에 이름 </a:t>
+            </a:r>
+            <a:r>
+              <a:rPr lang="en-US" altLang="ko-KR" dirty="0"/>
+              <a:t>: </a:t>
+            </a:r>
+            <a:r>
+              <a:rPr lang="ko-KR" altLang="en-US" dirty="0"/>
+              <a:t>내가 </a:t>
             </a:r>
             <a:r>
               <a:rPr lang="ko-KR" altLang="en-US" dirty="0" err="1"/>
-              <a:t>맵으로</a:t>
-            </a:r>
-            <a:r>
-              <a:rPr lang="ko-KR" altLang="en-US" dirty="0"/>
-              <a:t> 만들거나 하고</a:t>
-            </a:r>
-            <a:endParaRPr lang="en-US" altLang="ko-KR" dirty="0"/>
-          </a:p>
-          <a:p>
-            <a:r>
-              <a:rPr lang="ko-KR" altLang="en-US" dirty="0"/>
-              <a:t>한대 맞을 때마다 일정시간동안 희미하게 나왔다가 사라지는 피 나오는 식의 이미지를 이용해서 이미지 </a:t>
-            </a:r>
-            <a:r>
-              <a:rPr lang="en-US" altLang="ko-KR" dirty="0"/>
-              <a:t>3</a:t>
-            </a:r>
-            <a:r>
-              <a:rPr lang="ko-KR" altLang="en-US" dirty="0"/>
-              <a:t>개정도 랜덤하게</a:t>
-            </a:r>
-            <a:endParaRPr lang="en-US" altLang="ko-KR" dirty="0"/>
-          </a:p>
-          <a:p>
-            <a:endParaRPr lang="en-US" altLang="ko-KR" dirty="0"/>
-          </a:p>
-          <a:p>
-            <a:r>
-              <a:rPr lang="ko-KR" altLang="en-US" dirty="0"/>
-              <a:t>그리고 일정이상 피가 </a:t>
+              <a:t>원하는거</a:t>
+            </a:r>
+            <a:r>
+              <a:rPr lang="ko-KR" altLang="en-US" dirty="0"/>
+              <a:t> 적을 수 잇게</a:t>
+            </a:r>
+          </a:p>
+          <a:p>
+            <a:endParaRPr lang="ko-KR" altLang="en-US" dirty="0"/>
+          </a:p>
+          <a:p>
+            <a:r>
+              <a:rPr lang="en-US" altLang="ko-KR" dirty="0"/>
+              <a:t>NPC </a:t>
+            </a:r>
+            <a:r>
+              <a:rPr lang="ko-KR" altLang="en-US" dirty="0"/>
+              <a:t>가 이제 여기 참여자들로 적으면 </a:t>
             </a:r>
             <a:r>
               <a:rPr lang="ko-KR" altLang="en-US" dirty="0" err="1"/>
-              <a:t>까이면</a:t>
-            </a:r>
-            <a:r>
-              <a:rPr lang="ko-KR" altLang="en-US" dirty="0"/>
-              <a:t> 이미지가 붉어지고 일정시간동안 등장하는 피 이미지의 체류시간 늘리기</a:t>
-            </a:r>
-            <a:endParaRPr lang="en-US" altLang="ko-KR" dirty="0"/>
-          </a:p>
-          <a:p>
-            <a:endParaRPr lang="en-US" altLang="ko-KR" dirty="0"/>
-          </a:p>
-          <a:p>
-            <a:r>
-              <a:rPr lang="ko-KR" altLang="en-US" dirty="0"/>
-              <a:t>캐릭터 상태를 맵 마냥 </a:t>
+              <a:t>될듯</a:t>
+            </a:r>
+            <a:r>
+              <a:rPr lang="ko-KR" altLang="en-US" dirty="0"/>
+              <a:t> </a:t>
+            </a:r>
+            <a:r>
+              <a:rPr lang="en-US" altLang="ko-KR" dirty="0"/>
+              <a:t>: </a:t>
+            </a:r>
+            <a:r>
+              <a:rPr lang="ko-KR" altLang="en-US" dirty="0"/>
+              <a:t>아라 </a:t>
             </a:r>
             <a:r>
               <a:rPr lang="ko-KR" altLang="en-US" dirty="0" err="1"/>
-              <a:t>띄워놔야할지</a:t>
-            </a:r>
-            <a:r>
-              <a:rPr lang="ko-KR" altLang="en-US" dirty="0"/>
-              <a:t> 의문</a:t>
-            </a:r>
-            <a:endParaRPr lang="en-US" altLang="ko-KR" dirty="0"/>
-          </a:p>
-          <a:p>
-            <a:pPr marL="0" indent="0">
-              <a:buNone/>
-            </a:pPr>
-            <a:r>
-              <a:rPr lang="ko-KR" altLang="en-US" dirty="0"/>
-              <a:t>이렇게 </a:t>
+              <a:t>이런식으로</a:t>
+            </a:r>
+            <a:endParaRPr lang="ko-KR" altLang="en-US" dirty="0"/>
+          </a:p>
+          <a:p>
+            <a:endParaRPr lang="ko-KR" altLang="en-US" dirty="0"/>
+          </a:p>
+          <a:p>
+            <a:r>
+              <a:rPr lang="en-US" altLang="ko-KR" dirty="0"/>
+              <a:t>preload</a:t>
+            </a:r>
+            <a:r>
+              <a:rPr lang="ko-KR" altLang="en-US" dirty="0"/>
+              <a:t>에서 </a:t>
+            </a:r>
+            <a:r>
+              <a:rPr lang="en-US" altLang="ko-KR" dirty="0"/>
+              <a:t>login</a:t>
+            </a:r>
+            <a:r>
+              <a:rPr lang="ko-KR" altLang="en-US" dirty="0"/>
+              <a:t>으로 가서 룸을 잡고 </a:t>
+            </a:r>
+            <a:r>
+              <a:rPr lang="en-US" altLang="ko-KR" dirty="0" err="1"/>
+              <a:t>ingame</a:t>
+            </a:r>
+            <a:r>
+              <a:rPr lang="ko-KR" altLang="en-US" dirty="0"/>
+              <a:t>으로 들어가는 </a:t>
             </a:r>
             <a:r>
               <a:rPr lang="ko-KR" altLang="en-US" dirty="0" err="1"/>
-              <a:t>안할꺼면</a:t>
-            </a:r>
-            <a:r>
-              <a:rPr lang="ko-KR" altLang="en-US" dirty="0"/>
-              <a:t> </a:t>
-            </a:r>
-            <a:r>
-              <a:rPr lang="en-US" altLang="ko-KR" dirty="0"/>
-              <a:t>ESC </a:t>
-            </a:r>
-            <a:r>
-              <a:rPr lang="ko-KR" altLang="en-US" dirty="0"/>
-              <a:t>눌렀을 때 상태를 보여주는 창을 만들던가</a:t>
-            </a:r>
+              <a:t>구간이잖아</a:t>
+            </a:r>
+            <a:r>
+              <a:rPr lang="en-US" altLang="ko-KR" dirty="0"/>
+              <a:t>?</a:t>
+            </a:r>
+          </a:p>
+          <a:p>
+            <a:r>
+              <a:rPr lang="en-US" altLang="ko-KR" dirty="0" err="1"/>
+              <a:t>ingame</a:t>
+            </a:r>
+            <a:r>
+              <a:rPr lang="ko-KR" altLang="en-US" dirty="0"/>
+              <a:t>쪽에서 </a:t>
+            </a:r>
+            <a:r>
+              <a:rPr lang="en-US" altLang="ko-KR" dirty="0" err="1"/>
+              <a:t>gamemanager</a:t>
+            </a:r>
+            <a:r>
+              <a:rPr lang="ko-KR" altLang="en-US" dirty="0"/>
+              <a:t>을 </a:t>
+            </a:r>
+            <a:r>
+              <a:rPr lang="ko-KR" altLang="en-US" dirty="0" err="1"/>
+              <a:t>배치하는게</a:t>
+            </a:r>
+            <a:r>
+              <a:rPr lang="ko-KR" altLang="en-US" dirty="0"/>
+              <a:t> 맞다고 생각하거든</a:t>
+            </a:r>
+            <a:r>
+              <a:rPr lang="en-US" altLang="ko-KR" dirty="0"/>
+              <a:t>?</a:t>
+            </a:r>
+            <a:endParaRPr lang="ko-KR" altLang="en-US" dirty="0"/>
           </a:p>
         </p:txBody>
       </p:sp>
     </p:spTree>
     <p:extLst>
       <p:ext uri="{BB962C8B-B14F-4D97-AF65-F5344CB8AC3E}">
-        <p14:creationId xmlns:p14="http://schemas.microsoft.com/office/powerpoint/2010/main" val="1492213388"/>
+        <p14:creationId xmlns:p14="http://schemas.microsoft.com/office/powerpoint/2010/main" val="1776640355"/>
       </p:ext>
     </p:extLst>
   </p:cSld>
@@ -5021,7 +5262,7 @@
           <p:cNvPr id="2" name="제목 1">
             <a:extLst>
               <a:ext uri="{FF2B5EF4-FFF2-40B4-BE49-F238E27FC236}">
-                <a16:creationId xmlns:a16="http://schemas.microsoft.com/office/drawing/2014/main" id="{8B6ADD40-5111-4B0C-9F6D-DCDCF1372CEB}"/>
+                <a16:creationId xmlns:a16="http://schemas.microsoft.com/office/drawing/2014/main" id="{68A194FF-8D4B-4BBD-8F48-6C82014B28CA}"/>
               </a:ext>
             </a:extLst>
           </p:cNvPr>
@@ -5039,83 +5280,143 @@
           <a:p>
             <a:r>
               <a:rPr lang="en-US" altLang="ko-KR" dirty="0"/>
-              <a:t>3. NPC </a:t>
-            </a:r>
-            <a:r>
-              <a:rPr lang="ko-KR" altLang="en-US" dirty="0"/>
-              <a:t>및 </a:t>
+              <a:t>2. </a:t>
+            </a:r>
+            <a:r>
+              <a:rPr lang="ko-KR" altLang="en-US" dirty="0"/>
+              <a:t>캐릭터 </a:t>
+            </a:r>
+            <a:r>
+              <a:rPr lang="en-US" altLang="ko-KR" dirty="0"/>
+              <a:t>HP</a:t>
+            </a:r>
+            <a:endParaRPr lang="ko-KR" altLang="en-US" dirty="0"/>
+          </a:p>
+        </p:txBody>
+      </p:sp>
+      <p:sp>
+        <p:nvSpPr>
+          <p:cNvPr id="3" name="내용 개체 틀 2">
+            <a:extLst>
+              <a:ext uri="{FF2B5EF4-FFF2-40B4-BE49-F238E27FC236}">
+                <a16:creationId xmlns:a16="http://schemas.microsoft.com/office/drawing/2014/main" id="{85296CDA-9026-4B8B-BE84-A4C28D134E4F}"/>
+              </a:ext>
+            </a:extLst>
+          </p:cNvPr>
+          <p:cNvSpPr>
+            <a:spLocks noGrp="1"/>
+          </p:cNvSpPr>
+          <p:nvPr>
+            <p:ph idx="1"/>
+          </p:nvPr>
+        </p:nvSpPr>
+        <p:spPr/>
+        <p:txBody>
+          <a:bodyPr>
+            <a:normAutofit lnSpcReduction="10000"/>
+          </a:bodyPr>
+          <a:lstStyle/>
+          <a:p>
+            <a:r>
+              <a:rPr lang="en-US" altLang="ko-KR" dirty="0"/>
+              <a:t>HP </a:t>
+            </a:r>
+            <a:r>
+              <a:rPr lang="ko-KR" altLang="en-US" dirty="0"/>
+              <a:t>바를 작게 만들거나 캐릭터 상태를 알려주는 식으로 </a:t>
             </a:r>
             <a:r>
               <a:rPr lang="ko-KR" altLang="en-US" dirty="0" err="1"/>
-              <a:t>대화창</a:t>
-            </a:r>
-            <a:endParaRPr lang="ko-KR" altLang="en-US" dirty="0"/>
-          </a:p>
-        </p:txBody>
-      </p:sp>
-      <p:sp>
-        <p:nvSpPr>
-          <p:cNvPr id="3" name="내용 개체 틀 2">
-            <a:extLst>
-              <a:ext uri="{FF2B5EF4-FFF2-40B4-BE49-F238E27FC236}">
-                <a16:creationId xmlns:a16="http://schemas.microsoft.com/office/drawing/2014/main" id="{0615762E-91FC-4D24-9EEA-2FED28751B23}"/>
-              </a:ext>
-            </a:extLst>
-          </p:cNvPr>
-          <p:cNvSpPr>
-            <a:spLocks noGrp="1"/>
-          </p:cNvSpPr>
-          <p:nvPr>
-            <p:ph idx="1"/>
-          </p:nvPr>
-        </p:nvSpPr>
-        <p:spPr/>
-        <p:txBody>
-          <a:bodyPr/>
-          <a:lstStyle/>
-          <a:p>
-            <a:r>
-              <a:rPr lang="en-US" altLang="ko-KR" dirty="0" err="1"/>
-              <a:t>Npc</a:t>
-            </a:r>
-            <a:r>
-              <a:rPr lang="ko-KR" altLang="en-US" dirty="0"/>
-              <a:t>에 가까이 가면 문구 나오고 </a:t>
-            </a:r>
-            <a:r>
-              <a:rPr lang="en-US" altLang="ko-KR" dirty="0"/>
-              <a:t>spacebar </a:t>
-            </a:r>
-            <a:r>
-              <a:rPr lang="ko-KR" altLang="en-US" dirty="0"/>
-              <a:t>눌러서 확인가능</a:t>
+              <a:t>맵으로</a:t>
+            </a:r>
+            <a:r>
+              <a:rPr lang="ko-KR" altLang="en-US" dirty="0"/>
+              <a:t> 만들거나 하고</a:t>
             </a:r>
             <a:endParaRPr lang="en-US" altLang="ko-KR" dirty="0"/>
           </a:p>
           <a:p>
+            <a:r>
+              <a:rPr lang="ko-KR" altLang="en-US" dirty="0"/>
+              <a:t>한대 맞을 때마다 일정시간동안 희미하게 나왔다가 사라지는 피 나오는 식의 이미지를 이용해서 이미지 </a:t>
+            </a:r>
+            <a:r>
+              <a:rPr lang="en-US" altLang="ko-KR" dirty="0"/>
+              <a:t>3</a:t>
+            </a:r>
+            <a:r>
+              <a:rPr lang="ko-KR" altLang="en-US" dirty="0"/>
+              <a:t>개정도 랜덤하게</a:t>
+            </a:r>
             <a:endParaRPr lang="en-US" altLang="ko-KR" dirty="0"/>
           </a:p>
           <a:p>
-            <a:r>
-              <a:rPr lang="ko-KR" altLang="en-US" dirty="0"/>
-              <a:t>그 외 물품들 가까이 가면 문구 나오고 누르면 </a:t>
-            </a:r>
-            <a:r>
-              <a:rPr lang="en-US" altLang="ko-KR" dirty="0"/>
-              <a:t>spacebar </a:t>
+            <a:endParaRPr lang="en-US" altLang="ko-KR" dirty="0"/>
+          </a:p>
+          <a:p>
+            <a:r>
+              <a:rPr lang="ko-KR" altLang="en-US" dirty="0"/>
+              <a:t>그리고 일정이상 피가 </a:t>
             </a:r>
             <a:r>
               <a:rPr lang="ko-KR" altLang="en-US" dirty="0" err="1"/>
-              <a:t>대화창</a:t>
-            </a:r>
-            <a:endParaRPr lang="ko-KR" altLang="en-US" dirty="0"/>
+              <a:t>까이면</a:t>
+            </a:r>
+            <a:r>
+              <a:rPr lang="ko-KR" altLang="en-US" dirty="0"/>
+              <a:t> 이미지가 붉어지고 일정시간동안 등장하는 피 이미지의 체류시간 늘리기</a:t>
+            </a:r>
+            <a:endParaRPr lang="en-US" altLang="ko-KR" dirty="0"/>
+          </a:p>
+          <a:p>
+            <a:endParaRPr lang="en-US" altLang="ko-KR" dirty="0"/>
+          </a:p>
+          <a:p>
+            <a:r>
+              <a:rPr lang="ko-KR" altLang="en-US" dirty="0"/>
+              <a:t>캐릭터 상태를 맵 마냥 </a:t>
+            </a:r>
+            <a:r>
+              <a:rPr lang="ko-KR" altLang="en-US" dirty="0" err="1"/>
+              <a:t>띄워놔야할지</a:t>
+            </a:r>
+            <a:r>
+              <a:rPr lang="ko-KR" altLang="en-US" dirty="0"/>
+              <a:t> 의문</a:t>
+            </a:r>
+            <a:endParaRPr lang="en-US" altLang="ko-KR" dirty="0"/>
+          </a:p>
+          <a:p>
+            <a:pPr marL="0" indent="0">
+              <a:buNone/>
+            </a:pPr>
+            <a:r>
+              <a:rPr lang="ko-KR" altLang="en-US" dirty="0"/>
+              <a:t>이렇게 </a:t>
+            </a:r>
+            <a:r>
+              <a:rPr lang="ko-KR" altLang="en-US" dirty="0" err="1"/>
+              <a:t>안할꺼면</a:t>
+            </a:r>
+            <a:r>
+              <a:rPr lang="ko-KR" altLang="en-US" dirty="0"/>
+              <a:t> </a:t>
+            </a:r>
+            <a:r>
+              <a:rPr lang="en-US" altLang="ko-KR" dirty="0"/>
+              <a:t>ESC </a:t>
+            </a:r>
+            <a:r>
+              <a:rPr lang="ko-KR" altLang="en-US" dirty="0"/>
+              <a:t>눌렀을 때 상태를 보여주는 창을 만들던가</a:t>
+            </a:r>
           </a:p>
         </p:txBody>
       </p:sp>
     </p:spTree>
     <p:extLst>
       <p:ext uri="{BB962C8B-B14F-4D97-AF65-F5344CB8AC3E}">
-        <p14:creationId xmlns:p14="http://schemas.microsoft.com/office/powerpoint/2010/main" val="348120836"/>
+        <p14:creationId xmlns:p14="http://schemas.microsoft.com/office/powerpoint/2010/main" val="1492213388"/>
       </p:ext>
     </p:extLst>
   </p:cSld>
@@ -5147,7 +5448,7 @@
           <p:cNvPr id="2" name="제목 1">
             <a:extLst>
               <a:ext uri="{FF2B5EF4-FFF2-40B4-BE49-F238E27FC236}">
-                <a16:creationId xmlns:a16="http://schemas.microsoft.com/office/drawing/2014/main" id="{5453BCAB-5DFF-4995-B30F-8281AD6DB6BA}"/>
+                <a16:creationId xmlns:a16="http://schemas.microsoft.com/office/drawing/2014/main" id="{8B6ADD40-5111-4B0C-9F6D-DCDCF1372CEB}"/>
               </a:ext>
             </a:extLst>
           </p:cNvPr>
@@ -5164,9 +5465,18 @@
           <a:lstStyle/>
           <a:p>
             <a:r>
-              <a:rPr lang="ko-KR" altLang="en-US"/>
-              <a:t>건</a:t>
-            </a:r>
+              <a:rPr lang="en-US" altLang="ko-KR" dirty="0"/>
+              <a:t>3. NPC </a:t>
+            </a:r>
+            <a:r>
+              <a:rPr lang="ko-KR" altLang="en-US" dirty="0"/>
+              <a:t>및 </a:t>
+            </a:r>
+            <a:r>
+              <a:rPr lang="ko-KR" altLang="en-US" dirty="0" err="1"/>
+              <a:t>대화창</a:t>
+            </a:r>
+            <a:endParaRPr lang="ko-KR" altLang="en-US" dirty="0"/>
           </a:p>
         </p:txBody>
       </p:sp>
@@ -5175,7 +5485,7 @@
           <p:cNvPr id="3" name="내용 개체 틀 2">
             <a:extLst>
               <a:ext uri="{FF2B5EF4-FFF2-40B4-BE49-F238E27FC236}">
-                <a16:creationId xmlns:a16="http://schemas.microsoft.com/office/drawing/2014/main" id="{C1BFE7A1-2B9E-4F6E-BB86-085604DF03FD}"/>
+                <a16:creationId xmlns:a16="http://schemas.microsoft.com/office/drawing/2014/main" id="{0615762E-91FC-4D24-9EEA-2FED28751B23}"/>
               </a:ext>
             </a:extLst>
           </p:cNvPr>
@@ -5192,88 +5502,47 @@
           <a:lstStyle/>
           <a:p>
             <a:r>
-              <a:rPr lang="en-US" altLang="ko-KR"/>
-              <a:t>1. </a:t>
-            </a:r>
-            <a:r>
-              <a:rPr lang="ko-KR" altLang="en-US"/>
-              <a:t>총알쏘기</a:t>
-            </a:r>
-            <a:endParaRPr lang="en-US" altLang="ko-KR"/>
-          </a:p>
-          <a:p>
-            <a:r>
-              <a:rPr lang="en-US" altLang="ko-KR"/>
-              <a:t>2. </a:t>
-            </a:r>
-            <a:r>
-              <a:rPr lang="ko-KR" altLang="en-US"/>
-              <a:t>오브젝트 맞추기</a:t>
-            </a:r>
-            <a:endParaRPr lang="en-US" altLang="ko-KR"/>
-          </a:p>
-          <a:p>
-            <a:r>
-              <a:rPr lang="en-US" altLang="ko-KR"/>
-              <a:t>3. </a:t>
-            </a:r>
-            <a:r>
-              <a:rPr lang="ko-KR" altLang="en-US"/>
-              <a:t>오브젝트 사라지고 </a:t>
-            </a:r>
-            <a:r>
-              <a:rPr lang="en-US" altLang="ko-KR"/>
-              <a:t>money</a:t>
-            </a:r>
-            <a:r>
-              <a:rPr lang="ko-KR" altLang="en-US"/>
-              <a:t>오브젝트 주변으로 뿌리기</a:t>
-            </a:r>
-            <a:endParaRPr lang="en-US" altLang="ko-KR"/>
-          </a:p>
-          <a:p>
-            <a:r>
-              <a:rPr lang="en-US" altLang="ko-KR"/>
-              <a:t>4. </a:t>
-            </a:r>
-            <a:r>
-              <a:rPr lang="ko-KR" altLang="en-US"/>
-              <a:t>주변으로 뿌려진 </a:t>
-            </a:r>
-            <a:r>
-              <a:rPr lang="en-US" altLang="ko-KR"/>
-              <a:t>money, </a:t>
-            </a:r>
-            <a:r>
-              <a:rPr lang="ko-KR" altLang="en-US"/>
-              <a:t>캐릭터 일정이상 들어오면 자동으로 </a:t>
-            </a:r>
-            <a:r>
-              <a:rPr lang="en-US" altLang="ko-KR"/>
-              <a:t>get</a:t>
-            </a:r>
-          </a:p>
-          <a:p>
-            <a:r>
-              <a:rPr lang="en-US" altLang="ko-KR"/>
-              <a:t>5. </a:t>
-            </a:r>
-            <a:r>
-              <a:rPr lang="ko-KR" altLang="en-US"/>
-              <a:t>총 </a:t>
-            </a:r>
-            <a:r>
-              <a:rPr lang="en-US" altLang="ko-KR"/>
-              <a:t>reload</a:t>
-            </a:r>
-            <a:endParaRPr lang="ko-KR" altLang="en-US"/>
+              <a:rPr lang="en-US" altLang="ko-KR" dirty="0" err="1"/>
+              <a:t>Npc</a:t>
+            </a:r>
+            <a:r>
+              <a:rPr lang="ko-KR" altLang="en-US" dirty="0"/>
+              <a:t>에 가까이 가면 문구 나오고 </a:t>
+            </a:r>
+            <a:r>
+              <a:rPr lang="en-US" altLang="ko-KR" dirty="0"/>
+              <a:t>spacebar </a:t>
+            </a:r>
+            <a:r>
+              <a:rPr lang="ko-KR" altLang="en-US" dirty="0"/>
+              <a:t>눌러서 확인가능</a:t>
+            </a:r>
+            <a:endParaRPr lang="en-US" altLang="ko-KR" dirty="0"/>
+          </a:p>
+          <a:p>
+            <a:endParaRPr lang="en-US" altLang="ko-KR" dirty="0"/>
+          </a:p>
+          <a:p>
+            <a:r>
+              <a:rPr lang="ko-KR" altLang="en-US" dirty="0"/>
+              <a:t>그 외 물품들 가까이 가면 문구 나오고 누르면 </a:t>
+            </a:r>
+            <a:r>
+              <a:rPr lang="en-US" altLang="ko-KR" dirty="0"/>
+              <a:t>spacebar </a:t>
+            </a:r>
+            <a:r>
+              <a:rPr lang="ko-KR" altLang="en-US" dirty="0" err="1"/>
+              <a:t>대화창</a:t>
+            </a:r>
+            <a:endParaRPr lang="ko-KR" altLang="en-US" dirty="0"/>
           </a:p>
         </p:txBody>
       </p:sp>
     </p:spTree>
     <p:extLst>
       <p:ext uri="{BB962C8B-B14F-4D97-AF65-F5344CB8AC3E}">
-        <p14:creationId xmlns:p14="http://schemas.microsoft.com/office/powerpoint/2010/main" val="3255296743"/>
+        <p14:creationId xmlns:p14="http://schemas.microsoft.com/office/powerpoint/2010/main" val="348120836"/>
       </p:ext>
     </p:extLst>
   </p:cSld>
@@ -5305,7 +5574,7 @@
           <p:cNvPr id="2" name="제목 1">
             <a:extLst>
               <a:ext uri="{FF2B5EF4-FFF2-40B4-BE49-F238E27FC236}">
-                <a16:creationId xmlns:a16="http://schemas.microsoft.com/office/drawing/2014/main" id="{DEE0E929-3895-24FC-F737-3C7586117E7B}"/>
+                <a16:creationId xmlns:a16="http://schemas.microsoft.com/office/drawing/2014/main" id="{5453BCAB-5DFF-4995-B30F-8281AD6DB6BA}"/>
               </a:ext>
             </a:extLst>
           </p:cNvPr>
@@ -5322,8 +5591,8 @@
           <a:lstStyle/>
           <a:p>
             <a:r>
-              <a:rPr lang="ko-KR" altLang="en-US" dirty="0"/>
-              <a:t>토큰</a:t>
+              <a:rPr lang="ko-KR" altLang="en-US"/>
+              <a:t>건</a:t>
             </a:r>
           </a:p>
         </p:txBody>
@@ -5333,7 +5602,7 @@
           <p:cNvPr id="3" name="내용 개체 틀 2">
             <a:extLst>
               <a:ext uri="{FF2B5EF4-FFF2-40B4-BE49-F238E27FC236}">
-                <a16:creationId xmlns:a16="http://schemas.microsoft.com/office/drawing/2014/main" id="{9EF8D000-B48B-842E-CF4C-FED21753D3EF}"/>
+                <a16:creationId xmlns:a16="http://schemas.microsoft.com/office/drawing/2014/main" id="{C1BFE7A1-2B9E-4F6E-BB86-085604DF03FD}"/>
               </a:ext>
             </a:extLst>
           </p:cNvPr>
@@ -5346,214 +5615,92 @@
         </p:nvSpPr>
         <p:spPr/>
         <p:txBody>
-          <a:bodyPr>
-            <a:normAutofit lnSpcReduction="10000"/>
-          </a:bodyPr>
-          <a:lstStyle/>
-          <a:p>
-            <a:r>
-              <a:rPr lang="ko-KR" altLang="en-US" dirty="0"/>
-              <a:t>이걸 특정 키를 눌러서 계속 확인가능한지</a:t>
-            </a:r>
-            <a:endParaRPr lang="en-US" altLang="ko-KR" dirty="0"/>
-          </a:p>
-          <a:p>
-            <a:r>
-              <a:rPr lang="ko-KR" altLang="en-US" dirty="0"/>
-              <a:t>역시 꿈으로 </a:t>
-            </a:r>
-            <a:r>
-              <a:rPr lang="ko-KR" altLang="en-US" dirty="0" err="1"/>
-              <a:t>이어지는게</a:t>
-            </a:r>
-            <a:r>
-              <a:rPr lang="ko-KR" altLang="en-US" dirty="0"/>
-              <a:t> 맞아</a:t>
-            </a:r>
-            <a:endParaRPr lang="en-US" altLang="ko-KR" dirty="0"/>
-          </a:p>
-          <a:p>
-            <a:endParaRPr lang="en-US" altLang="ko-KR" dirty="0"/>
-          </a:p>
-          <a:p>
-            <a:endParaRPr lang="en-US" altLang="ko-KR" dirty="0"/>
-          </a:p>
-          <a:p>
-            <a:r>
-              <a:rPr lang="ko-KR" altLang="en-US" dirty="0"/>
-              <a:t>순서를 </a:t>
-            </a:r>
-            <a:r>
-              <a:rPr lang="en-US" altLang="ko-KR" dirty="0"/>
-              <a:t>“</a:t>
-            </a:r>
-            <a:r>
-              <a:rPr lang="ko-KR" altLang="en-US" dirty="0"/>
-              <a:t>현실 </a:t>
-            </a:r>
-            <a:r>
-              <a:rPr lang="en-US" altLang="ko-KR" dirty="0"/>
-              <a:t>-&gt; </a:t>
-            </a:r>
-            <a:r>
-              <a:rPr lang="ko-KR" altLang="en-US" dirty="0"/>
-              <a:t>꿈 </a:t>
-            </a:r>
-            <a:r>
-              <a:rPr lang="en-US" altLang="ko-KR" dirty="0"/>
-              <a:t> -&gt; </a:t>
-            </a:r>
-            <a:r>
-              <a:rPr lang="ko-KR" altLang="en-US" dirty="0"/>
-              <a:t>현실</a:t>
-            </a:r>
-            <a:r>
-              <a:rPr lang="en-US" altLang="ko-KR" dirty="0"/>
-              <a:t>”</a:t>
-            </a:r>
-            <a:r>
-              <a:rPr lang="ko-KR" altLang="en-US" dirty="0"/>
-              <a:t> </a:t>
-            </a:r>
-            <a:r>
-              <a:rPr lang="ko-KR" altLang="en-US" dirty="0" err="1"/>
-              <a:t>이런식으로</a:t>
-            </a:r>
-            <a:r>
-              <a:rPr lang="ko-KR" altLang="en-US" dirty="0"/>
-              <a:t> </a:t>
-            </a:r>
-            <a:r>
-              <a:rPr lang="ko-KR" altLang="en-US" dirty="0" err="1"/>
-              <a:t>짜야할거같음</a:t>
-            </a:r>
-            <a:endParaRPr lang="en-US" altLang="ko-KR" dirty="0"/>
-          </a:p>
-          <a:p>
-            <a:r>
-              <a:rPr lang="ko-KR" altLang="en-US" dirty="0"/>
-              <a:t>현실 </a:t>
-            </a:r>
-            <a:r>
-              <a:rPr lang="en-US" altLang="ko-KR" dirty="0"/>
-              <a:t>&gt; </a:t>
-            </a:r>
-            <a:r>
-              <a:rPr lang="ko-KR" altLang="en-US" dirty="0"/>
-              <a:t>꿈 </a:t>
-            </a:r>
-            <a:r>
-              <a:rPr lang="en-US" altLang="ko-KR" dirty="0"/>
-              <a:t>: </a:t>
-            </a:r>
-            <a:r>
-              <a:rPr lang="ko-KR" altLang="en-US" dirty="0"/>
-              <a:t>안개가 나오며 손목 볼 때 아무것도 안보이면 꿈</a:t>
-            </a:r>
-            <a:r>
-              <a:rPr lang="en-US" altLang="ko-KR" dirty="0"/>
-              <a:t>?</a:t>
-            </a:r>
-          </a:p>
-          <a:p>
-            <a:pPr marL="0" indent="0">
-              <a:buNone/>
-            </a:pPr>
-            <a:r>
-              <a:rPr lang="ko-KR" altLang="en-US" dirty="0"/>
-              <a:t>특정키 누르면 손목 계속보는 방식으로 토큰을 확인하기</a:t>
-            </a:r>
-            <a:endParaRPr lang="en-US" altLang="ko-KR" dirty="0"/>
-          </a:p>
-          <a:p>
-            <a:pPr marL="0" indent="0">
-              <a:buNone/>
-            </a:pPr>
-            <a:endParaRPr lang="en-US" altLang="ko-KR" dirty="0"/>
-          </a:p>
-          <a:p>
-            <a:r>
-              <a:rPr lang="ko-KR" altLang="en-US" dirty="0"/>
-              <a:t>꿈인지 후 현실로 돌아가려면 특정 트리거를 작동 </a:t>
-            </a:r>
-            <a:r>
-              <a:rPr lang="en-US" altLang="ko-KR" dirty="0"/>
-              <a:t>[</a:t>
-            </a:r>
-            <a:r>
-              <a:rPr lang="ko-KR" altLang="en-US" dirty="0"/>
-              <a:t>아드레날린</a:t>
-            </a:r>
-            <a:r>
-              <a:rPr lang="en-US" altLang="ko-KR" dirty="0"/>
-              <a:t>]</a:t>
-            </a:r>
-          </a:p>
-        </p:txBody>
-      </p:sp>
-      <p:sp>
-        <p:nvSpPr>
-          <p:cNvPr id="5" name="TextBox 4">
-            <a:extLst>
-              <a:ext uri="{FF2B5EF4-FFF2-40B4-BE49-F238E27FC236}">
-                <a16:creationId xmlns:a16="http://schemas.microsoft.com/office/drawing/2014/main" id="{8889313F-D3C4-881D-2C37-3A6DE3E2020C}"/>
-              </a:ext>
-            </a:extLst>
-          </p:cNvPr>
-          <p:cNvSpPr txBox="1"/>
-          <p:nvPr/>
-        </p:nvSpPr>
-        <p:spPr>
-          <a:xfrm>
-            <a:off x="2160537" y="2967688"/>
-            <a:ext cx="7055825" cy="646331"/>
-          </a:xfrm>
-          <a:prstGeom prst="rect">
-            <a:avLst/>
-          </a:prstGeom>
-          <a:noFill/>
-        </p:spPr>
-        <p:txBody>
-          <a:bodyPr wrap="square">
-            <a:spAutoFit/>
-          </a:bodyPr>
-          <a:lstStyle/>
-          <a:p>
-            <a:r>
-              <a:rPr lang="ko-KR" altLang="en-US" dirty="0" err="1"/>
-              <a:t>인셉션처럼</a:t>
-            </a:r>
-            <a:r>
-              <a:rPr lang="ko-KR" altLang="en-US" dirty="0"/>
-              <a:t> 내가 꿈인지 아닌지 손목의 반지를 통해 확인가능</a:t>
-            </a:r>
-            <a:endParaRPr lang="en-US" altLang="ko-KR" dirty="0"/>
-          </a:p>
-          <a:p>
-            <a:r>
-              <a:rPr lang="ko-KR" altLang="en-US" dirty="0"/>
-              <a:t>다가오는 귀신에 </a:t>
-            </a:r>
-            <a:r>
-              <a:rPr lang="ko-KR" altLang="en-US" dirty="0" err="1"/>
-              <a:t>후레쉬</a:t>
-            </a:r>
-            <a:r>
-              <a:rPr lang="ko-KR" altLang="en-US" dirty="0"/>
-              <a:t> 쏘면 </a:t>
-            </a:r>
-            <a:r>
-              <a:rPr lang="ko-KR" altLang="en-US"/>
-              <a:t>멈추는거임</a:t>
-            </a:r>
-            <a:endParaRPr lang="ko-KR" altLang="en-US" dirty="0"/>
+          <a:bodyPr/>
+          <a:lstStyle/>
+          <a:p>
+            <a:r>
+              <a:rPr lang="en-US" altLang="ko-KR"/>
+              <a:t>1. </a:t>
+            </a:r>
+            <a:r>
+              <a:rPr lang="ko-KR" altLang="en-US"/>
+              <a:t>총알쏘기</a:t>
+            </a:r>
+            <a:endParaRPr lang="en-US" altLang="ko-KR"/>
+          </a:p>
+          <a:p>
+            <a:r>
+              <a:rPr lang="en-US" altLang="ko-KR"/>
+              <a:t>2. </a:t>
+            </a:r>
+            <a:r>
+              <a:rPr lang="ko-KR" altLang="en-US"/>
+              <a:t>오브젝트 맞추기</a:t>
+            </a:r>
+            <a:endParaRPr lang="en-US" altLang="ko-KR"/>
+          </a:p>
+          <a:p>
+            <a:r>
+              <a:rPr lang="en-US" altLang="ko-KR"/>
+              <a:t>3. </a:t>
+            </a:r>
+            <a:r>
+              <a:rPr lang="ko-KR" altLang="en-US"/>
+              <a:t>오브젝트 사라지고 </a:t>
+            </a:r>
+            <a:r>
+              <a:rPr lang="en-US" altLang="ko-KR"/>
+              <a:t>money</a:t>
+            </a:r>
+            <a:r>
+              <a:rPr lang="ko-KR" altLang="en-US"/>
+              <a:t>오브젝트 주변으로 뿌리기</a:t>
+            </a:r>
+            <a:endParaRPr lang="en-US" altLang="ko-KR"/>
+          </a:p>
+          <a:p>
+            <a:r>
+              <a:rPr lang="en-US" altLang="ko-KR"/>
+              <a:t>4. </a:t>
+            </a:r>
+            <a:r>
+              <a:rPr lang="ko-KR" altLang="en-US"/>
+              <a:t>주변으로 뿌려진 </a:t>
+            </a:r>
+            <a:r>
+              <a:rPr lang="en-US" altLang="ko-KR"/>
+              <a:t>money, </a:t>
+            </a:r>
+            <a:r>
+              <a:rPr lang="ko-KR" altLang="en-US"/>
+              <a:t>캐릭터 일정이상 들어오면 자동으로 </a:t>
+            </a:r>
+            <a:r>
+              <a:rPr lang="en-US" altLang="ko-KR"/>
+              <a:t>get</a:t>
+            </a:r>
+          </a:p>
+          <a:p>
+            <a:r>
+              <a:rPr lang="en-US" altLang="ko-KR"/>
+              <a:t>5. </a:t>
+            </a:r>
+            <a:r>
+              <a:rPr lang="ko-KR" altLang="en-US"/>
+              <a:t>총 </a:t>
+            </a:r>
+            <a:r>
+              <a:rPr lang="en-US" altLang="ko-KR"/>
+              <a:t>reload</a:t>
+            </a:r>
+            <a:endParaRPr lang="ko-KR" altLang="en-US"/>
           </a:p>
         </p:txBody>
       </p:sp>
     </p:spTree>
     <p:extLst>
       <p:ext uri="{BB962C8B-B14F-4D97-AF65-F5344CB8AC3E}">
-        <p14:creationId xmlns:p14="http://schemas.microsoft.com/office/powerpoint/2010/main" val="1524873660"/>
+        <p14:creationId xmlns:p14="http://schemas.microsoft.com/office/powerpoint/2010/main" val="3255296743"/>
       </p:ext>
     </p:extLst>
   </p:cSld>

--- a/Documents/기획서/기획서.pptx
+++ b/Documents/기획서/기획서.pptx
@@ -272,7 +272,7 @@
           <a:p>
             <a:fld id="{640FAAA2-EE4C-49FC-AC07-F5ED09710A73}" type="datetimeFigureOut">
               <a:rPr lang="ko-KR" altLang="en-US" smtClean="0"/>
-              <a:t>2024-03-26-Tue</a:t>
+              <a:t>2024-03-27-Wed</a:t>
             </a:fld>
             <a:endParaRPr lang="ko-KR" altLang="en-US"/>
           </a:p>
@@ -470,7 +470,7 @@
           <a:p>
             <a:fld id="{640FAAA2-EE4C-49FC-AC07-F5ED09710A73}" type="datetimeFigureOut">
               <a:rPr lang="ko-KR" altLang="en-US" smtClean="0"/>
-              <a:t>2024-03-26-Tue</a:t>
+              <a:t>2024-03-27-Wed</a:t>
             </a:fld>
             <a:endParaRPr lang="ko-KR" altLang="en-US"/>
           </a:p>
@@ -678,7 +678,7 @@
           <a:p>
             <a:fld id="{640FAAA2-EE4C-49FC-AC07-F5ED09710A73}" type="datetimeFigureOut">
               <a:rPr lang="ko-KR" altLang="en-US" smtClean="0"/>
-              <a:t>2024-03-26-Tue</a:t>
+              <a:t>2024-03-27-Wed</a:t>
             </a:fld>
             <a:endParaRPr lang="ko-KR" altLang="en-US"/>
           </a:p>
@@ -876,7 +876,7 @@
           <a:p>
             <a:fld id="{640FAAA2-EE4C-49FC-AC07-F5ED09710A73}" type="datetimeFigureOut">
               <a:rPr lang="ko-KR" altLang="en-US" smtClean="0"/>
-              <a:t>2024-03-26-Tue</a:t>
+              <a:t>2024-03-27-Wed</a:t>
             </a:fld>
             <a:endParaRPr lang="ko-KR" altLang="en-US"/>
           </a:p>
@@ -1151,7 +1151,7 @@
           <a:p>
             <a:fld id="{640FAAA2-EE4C-49FC-AC07-F5ED09710A73}" type="datetimeFigureOut">
               <a:rPr lang="ko-KR" altLang="en-US" smtClean="0"/>
-              <a:t>2024-03-26-Tue</a:t>
+              <a:t>2024-03-27-Wed</a:t>
             </a:fld>
             <a:endParaRPr lang="ko-KR" altLang="en-US"/>
           </a:p>
@@ -1416,7 +1416,7 @@
           <a:p>
             <a:fld id="{640FAAA2-EE4C-49FC-AC07-F5ED09710A73}" type="datetimeFigureOut">
               <a:rPr lang="ko-KR" altLang="en-US" smtClean="0"/>
-              <a:t>2024-03-26-Tue</a:t>
+              <a:t>2024-03-27-Wed</a:t>
             </a:fld>
             <a:endParaRPr lang="ko-KR" altLang="en-US"/>
           </a:p>
@@ -1828,7 +1828,7 @@
           <a:p>
             <a:fld id="{640FAAA2-EE4C-49FC-AC07-F5ED09710A73}" type="datetimeFigureOut">
               <a:rPr lang="ko-KR" altLang="en-US" smtClean="0"/>
-              <a:t>2024-03-26-Tue</a:t>
+              <a:t>2024-03-27-Wed</a:t>
             </a:fld>
             <a:endParaRPr lang="ko-KR" altLang="en-US"/>
           </a:p>
@@ -1969,7 +1969,7 @@
           <a:p>
             <a:fld id="{640FAAA2-EE4C-49FC-AC07-F5ED09710A73}" type="datetimeFigureOut">
               <a:rPr lang="ko-KR" altLang="en-US" smtClean="0"/>
-              <a:t>2024-03-26-Tue</a:t>
+              <a:t>2024-03-27-Wed</a:t>
             </a:fld>
             <a:endParaRPr lang="ko-KR" altLang="en-US"/>
           </a:p>
@@ -2082,7 +2082,7 @@
           <a:p>
             <a:fld id="{640FAAA2-EE4C-49FC-AC07-F5ED09710A73}" type="datetimeFigureOut">
               <a:rPr lang="ko-KR" altLang="en-US" smtClean="0"/>
-              <a:t>2024-03-26-Tue</a:t>
+              <a:t>2024-03-27-Wed</a:t>
             </a:fld>
             <a:endParaRPr lang="ko-KR" altLang="en-US"/>
           </a:p>
@@ -2393,7 +2393,7 @@
           <a:p>
             <a:fld id="{640FAAA2-EE4C-49FC-AC07-F5ED09710A73}" type="datetimeFigureOut">
               <a:rPr lang="ko-KR" altLang="en-US" smtClean="0"/>
-              <a:t>2024-03-26-Tue</a:t>
+              <a:t>2024-03-27-Wed</a:t>
             </a:fld>
             <a:endParaRPr lang="ko-KR" altLang="en-US"/>
           </a:p>
@@ -2681,7 +2681,7 @@
           <a:p>
             <a:fld id="{640FAAA2-EE4C-49FC-AC07-F5ED09710A73}" type="datetimeFigureOut">
               <a:rPr lang="ko-KR" altLang="en-US" smtClean="0"/>
-              <a:t>2024-03-26-Tue</a:t>
+              <a:t>2024-03-27-Wed</a:t>
             </a:fld>
             <a:endParaRPr lang="ko-KR" altLang="en-US"/>
           </a:p>
@@ -2922,7 +2922,7 @@
           <a:p>
             <a:fld id="{640FAAA2-EE4C-49FC-AC07-F5ED09710A73}" type="datetimeFigureOut">
               <a:rPr lang="ko-KR" altLang="en-US" smtClean="0"/>
-              <a:t>2024-03-26-Tue</a:t>
+              <a:t>2024-03-27-Wed</a:t>
             </a:fld>
             <a:endParaRPr lang="ko-KR" altLang="en-US"/>
           </a:p>
@@ -4428,9 +4428,28 @@
               <a:t>…</a:t>
             </a:r>
             <a:r>
-              <a:rPr lang="ko-KR" altLang="en-US"/>
-              <a:t>근 일주일동안 너무 바빠서 아무것도 못했는데 슬슬 기획 다시 업데이트 시켜야됨</a:t>
-            </a:r>
+              <a:rPr lang="ko-KR" altLang="en-US" dirty="0"/>
+              <a:t>근 일주일동안 너무 바빠서 아무것도 못했는데 슬슬 기획 다시 업데이트 </a:t>
+            </a:r>
+            <a:r>
+              <a:rPr lang="ko-KR" altLang="en-US" dirty="0" err="1"/>
+              <a:t>시켜야됨</a:t>
+            </a:r>
+            <a:endParaRPr lang="en-US" altLang="ko-KR" dirty="0"/>
+          </a:p>
+          <a:p>
+            <a:endParaRPr lang="en-US" altLang="ko-KR" dirty="0"/>
+          </a:p>
+          <a:p>
+            <a:r>
+              <a:rPr lang="en-US" altLang="ko-KR" dirty="0"/>
+              <a:t>RPC</a:t>
+            </a:r>
+            <a:r>
+              <a:rPr lang="ko-KR" altLang="en-US"/>
+              <a:t> 사용하면 해결</a:t>
+            </a:r>
+            <a:endParaRPr lang="en-US" altLang="ko-KR" dirty="0"/>
           </a:p>
         </p:txBody>
       </p:sp>

--- a/Documents/기획서/기획서.pptx
+++ b/Documents/기획서/기획서.pptx
@@ -6,19 +6,21 @@
   </p:sldMasterIdLst>
   <p:sldIdLst>
     <p:sldId id="256" r:id="rId2"/>
-    <p:sldId id="271" r:id="rId3"/>
-    <p:sldId id="269" r:id="rId4"/>
-    <p:sldId id="270" r:id="rId5"/>
-    <p:sldId id="267" r:id="rId6"/>
-    <p:sldId id="263" r:id="rId7"/>
-    <p:sldId id="264" r:id="rId8"/>
-    <p:sldId id="265" r:id="rId9"/>
-    <p:sldId id="266" r:id="rId10"/>
-    <p:sldId id="257" r:id="rId11"/>
-    <p:sldId id="258" r:id="rId12"/>
-    <p:sldId id="261" r:id="rId13"/>
-    <p:sldId id="262" r:id="rId14"/>
-    <p:sldId id="268" r:id="rId15"/>
+    <p:sldId id="272" r:id="rId3"/>
+    <p:sldId id="273" r:id="rId4"/>
+    <p:sldId id="271" r:id="rId5"/>
+    <p:sldId id="269" r:id="rId6"/>
+    <p:sldId id="270" r:id="rId7"/>
+    <p:sldId id="267" r:id="rId8"/>
+    <p:sldId id="263" r:id="rId9"/>
+    <p:sldId id="264" r:id="rId10"/>
+    <p:sldId id="265" r:id="rId11"/>
+    <p:sldId id="266" r:id="rId12"/>
+    <p:sldId id="257" r:id="rId13"/>
+    <p:sldId id="258" r:id="rId14"/>
+    <p:sldId id="261" r:id="rId15"/>
+    <p:sldId id="262" r:id="rId16"/>
+    <p:sldId id="268" r:id="rId17"/>
   </p:sldIdLst>
   <p:sldSz cx="12192000" cy="6858000"/>
   <p:notesSz cx="6858000" cy="9144000"/>
@@ -272,7 +274,7 @@
           <a:p>
             <a:fld id="{640FAAA2-EE4C-49FC-AC07-F5ED09710A73}" type="datetimeFigureOut">
               <a:rPr lang="ko-KR" altLang="en-US" smtClean="0"/>
-              <a:t>2024-03-27-Wed</a:t>
+              <a:t>2024-04-08-Mon</a:t>
             </a:fld>
             <a:endParaRPr lang="ko-KR" altLang="en-US"/>
           </a:p>
@@ -470,7 +472,7 @@
           <a:p>
             <a:fld id="{640FAAA2-EE4C-49FC-AC07-F5ED09710A73}" type="datetimeFigureOut">
               <a:rPr lang="ko-KR" altLang="en-US" smtClean="0"/>
-              <a:t>2024-03-27-Wed</a:t>
+              <a:t>2024-04-08-Mon</a:t>
             </a:fld>
             <a:endParaRPr lang="ko-KR" altLang="en-US"/>
           </a:p>
@@ -678,7 +680,7 @@
           <a:p>
             <a:fld id="{640FAAA2-EE4C-49FC-AC07-F5ED09710A73}" type="datetimeFigureOut">
               <a:rPr lang="ko-KR" altLang="en-US" smtClean="0"/>
-              <a:t>2024-03-27-Wed</a:t>
+              <a:t>2024-04-08-Mon</a:t>
             </a:fld>
             <a:endParaRPr lang="ko-KR" altLang="en-US"/>
           </a:p>
@@ -876,7 +878,7 @@
           <a:p>
             <a:fld id="{640FAAA2-EE4C-49FC-AC07-F5ED09710A73}" type="datetimeFigureOut">
               <a:rPr lang="ko-KR" altLang="en-US" smtClean="0"/>
-              <a:t>2024-03-27-Wed</a:t>
+              <a:t>2024-04-08-Mon</a:t>
             </a:fld>
             <a:endParaRPr lang="ko-KR" altLang="en-US"/>
           </a:p>
@@ -1151,7 +1153,7 @@
           <a:p>
             <a:fld id="{640FAAA2-EE4C-49FC-AC07-F5ED09710A73}" type="datetimeFigureOut">
               <a:rPr lang="ko-KR" altLang="en-US" smtClean="0"/>
-              <a:t>2024-03-27-Wed</a:t>
+              <a:t>2024-04-08-Mon</a:t>
             </a:fld>
             <a:endParaRPr lang="ko-KR" altLang="en-US"/>
           </a:p>
@@ -1416,7 +1418,7 @@
           <a:p>
             <a:fld id="{640FAAA2-EE4C-49FC-AC07-F5ED09710A73}" type="datetimeFigureOut">
               <a:rPr lang="ko-KR" altLang="en-US" smtClean="0"/>
-              <a:t>2024-03-27-Wed</a:t>
+              <a:t>2024-04-08-Mon</a:t>
             </a:fld>
             <a:endParaRPr lang="ko-KR" altLang="en-US"/>
           </a:p>
@@ -1828,7 +1830,7 @@
           <a:p>
             <a:fld id="{640FAAA2-EE4C-49FC-AC07-F5ED09710A73}" type="datetimeFigureOut">
               <a:rPr lang="ko-KR" altLang="en-US" smtClean="0"/>
-              <a:t>2024-03-27-Wed</a:t>
+              <a:t>2024-04-08-Mon</a:t>
             </a:fld>
             <a:endParaRPr lang="ko-KR" altLang="en-US"/>
           </a:p>
@@ -1969,7 +1971,7 @@
           <a:p>
             <a:fld id="{640FAAA2-EE4C-49FC-AC07-F5ED09710A73}" type="datetimeFigureOut">
               <a:rPr lang="ko-KR" altLang="en-US" smtClean="0"/>
-              <a:t>2024-03-27-Wed</a:t>
+              <a:t>2024-04-08-Mon</a:t>
             </a:fld>
             <a:endParaRPr lang="ko-KR" altLang="en-US"/>
           </a:p>
@@ -2082,7 +2084,7 @@
           <a:p>
             <a:fld id="{640FAAA2-EE4C-49FC-AC07-F5ED09710A73}" type="datetimeFigureOut">
               <a:rPr lang="ko-KR" altLang="en-US" smtClean="0"/>
-              <a:t>2024-03-27-Wed</a:t>
+              <a:t>2024-04-08-Mon</a:t>
             </a:fld>
             <a:endParaRPr lang="ko-KR" altLang="en-US"/>
           </a:p>
@@ -2393,7 +2395,7 @@
           <a:p>
             <a:fld id="{640FAAA2-EE4C-49FC-AC07-F5ED09710A73}" type="datetimeFigureOut">
               <a:rPr lang="ko-KR" altLang="en-US" smtClean="0"/>
-              <a:t>2024-03-27-Wed</a:t>
+              <a:t>2024-04-08-Mon</a:t>
             </a:fld>
             <a:endParaRPr lang="ko-KR" altLang="en-US"/>
           </a:p>
@@ -2681,7 +2683,7 @@
           <a:p>
             <a:fld id="{640FAAA2-EE4C-49FC-AC07-F5ED09710A73}" type="datetimeFigureOut">
               <a:rPr lang="ko-KR" altLang="en-US" smtClean="0"/>
-              <a:t>2024-03-27-Wed</a:t>
+              <a:t>2024-04-08-Mon</a:t>
             </a:fld>
             <a:endParaRPr lang="ko-KR" altLang="en-US"/>
           </a:p>
@@ -2922,7 +2924,7 @@
           <a:p>
             <a:fld id="{640FAAA2-EE4C-49FC-AC07-F5ED09710A73}" type="datetimeFigureOut">
               <a:rPr lang="ko-KR" altLang="en-US" smtClean="0"/>
-              <a:t>2024-03-27-Wed</a:t>
+              <a:t>2024-04-08-Mon</a:t>
             </a:fld>
             <a:endParaRPr lang="ko-KR" altLang="en-US"/>
           </a:p>
@@ -3454,7 +3456,7 @@
           <p:cNvPr id="2" name="제목 1">
             <a:extLst>
               <a:ext uri="{FF2B5EF4-FFF2-40B4-BE49-F238E27FC236}">
-                <a16:creationId xmlns:a16="http://schemas.microsoft.com/office/drawing/2014/main" id="{DEE0E929-3895-24FC-F737-3C7586117E7B}"/>
+                <a16:creationId xmlns:a16="http://schemas.microsoft.com/office/drawing/2014/main" id="{8B6ADD40-5111-4B0C-9F6D-DCDCF1372CEB}"/>
               </a:ext>
             </a:extLst>
           </p:cNvPr>
@@ -3471,9 +3473,18 @@
           <a:lstStyle/>
           <a:p>
             <a:r>
-              <a:rPr lang="ko-KR" altLang="en-US" dirty="0"/>
-              <a:t>토큰</a:t>
-            </a:r>
+              <a:rPr lang="en-US" altLang="ko-KR" dirty="0"/>
+              <a:t>3. NPC </a:t>
+            </a:r>
+            <a:r>
+              <a:rPr lang="ko-KR" altLang="en-US" dirty="0"/>
+              <a:t>및 </a:t>
+            </a:r>
+            <a:r>
+              <a:rPr lang="ko-KR" altLang="en-US" dirty="0" err="1"/>
+              <a:t>대화창</a:t>
+            </a:r>
+            <a:endParaRPr lang="ko-KR" altLang="en-US" dirty="0"/>
           </a:p>
         </p:txBody>
       </p:sp>
@@ -3482,7 +3493,7 @@
           <p:cNvPr id="3" name="내용 개체 틀 2">
             <a:extLst>
               <a:ext uri="{FF2B5EF4-FFF2-40B4-BE49-F238E27FC236}">
-                <a16:creationId xmlns:a16="http://schemas.microsoft.com/office/drawing/2014/main" id="{9EF8D000-B48B-842E-CF4C-FED21753D3EF}"/>
+                <a16:creationId xmlns:a16="http://schemas.microsoft.com/office/drawing/2014/main" id="{0615762E-91FC-4D24-9EEA-2FED28751B23}"/>
               </a:ext>
             </a:extLst>
           </p:cNvPr>
@@ -3495,205 +3506,42 @@
         </p:nvSpPr>
         <p:spPr/>
         <p:txBody>
-          <a:bodyPr>
-            <a:normAutofit lnSpcReduction="10000"/>
-          </a:bodyPr>
-          <a:lstStyle/>
-          <a:p>
-            <a:r>
-              <a:rPr lang="ko-KR" altLang="en-US" dirty="0"/>
-              <a:t>이걸 특정 키를 눌러서 계속 확인가능한지</a:t>
+          <a:bodyPr/>
+          <a:lstStyle/>
+          <a:p>
+            <a:r>
+              <a:rPr lang="en-US" altLang="ko-KR" dirty="0" err="1"/>
+              <a:t>Npc</a:t>
+            </a:r>
+            <a:r>
+              <a:rPr lang="ko-KR" altLang="en-US" dirty="0"/>
+              <a:t>에 가까이 가면 문구 나오고 </a:t>
+            </a:r>
+            <a:r>
+              <a:rPr lang="en-US" altLang="ko-KR" dirty="0"/>
+              <a:t>spacebar </a:t>
+            </a:r>
+            <a:r>
+              <a:rPr lang="ko-KR" altLang="en-US" dirty="0"/>
+              <a:t>눌러서 확인가능</a:t>
             </a:r>
             <a:endParaRPr lang="en-US" altLang="ko-KR" dirty="0"/>
           </a:p>
           <a:p>
-            <a:r>
-              <a:rPr lang="ko-KR" altLang="en-US" dirty="0"/>
-              <a:t>역시 꿈으로 </a:t>
+            <a:endParaRPr lang="en-US" altLang="ko-KR" dirty="0"/>
+          </a:p>
+          <a:p>
+            <a:r>
+              <a:rPr lang="ko-KR" altLang="en-US" dirty="0"/>
+              <a:t>그 외 물품들 가까이 가면 문구 나오고 누르면 </a:t>
+            </a:r>
+            <a:r>
+              <a:rPr lang="en-US" altLang="ko-KR" dirty="0"/>
+              <a:t>spacebar </a:t>
             </a:r>
             <a:r>
               <a:rPr lang="ko-KR" altLang="en-US" dirty="0" err="1"/>
-              <a:t>이어지는게</a:t>
-            </a:r>
-            <a:r>
-              <a:rPr lang="ko-KR" altLang="en-US" dirty="0"/>
-              <a:t> 맞아</a:t>
-            </a:r>
-            <a:endParaRPr lang="en-US" altLang="ko-KR" dirty="0"/>
-          </a:p>
-          <a:p>
-            <a:endParaRPr lang="en-US" altLang="ko-KR" dirty="0"/>
-          </a:p>
-          <a:p>
-            <a:endParaRPr lang="en-US" altLang="ko-KR" dirty="0"/>
-          </a:p>
-          <a:p>
-            <a:r>
-              <a:rPr lang="ko-KR" altLang="en-US" dirty="0"/>
-              <a:t>순서를 </a:t>
-            </a:r>
-            <a:r>
-              <a:rPr lang="en-US" altLang="ko-KR" dirty="0"/>
-              <a:t>“</a:t>
-            </a:r>
-            <a:r>
-              <a:rPr lang="ko-KR" altLang="en-US" dirty="0"/>
-              <a:t>현실 </a:t>
-            </a:r>
-            <a:r>
-              <a:rPr lang="en-US" altLang="ko-KR" dirty="0"/>
-              <a:t>-&gt; </a:t>
-            </a:r>
-            <a:r>
-              <a:rPr lang="ko-KR" altLang="en-US" dirty="0"/>
-              <a:t>꿈 </a:t>
-            </a:r>
-            <a:r>
-              <a:rPr lang="en-US" altLang="ko-KR" dirty="0"/>
-              <a:t> -&gt; </a:t>
-            </a:r>
-            <a:r>
-              <a:rPr lang="ko-KR" altLang="en-US" dirty="0"/>
-              <a:t>현실</a:t>
-            </a:r>
-            <a:r>
-              <a:rPr lang="en-US" altLang="ko-KR" dirty="0"/>
-              <a:t>”</a:t>
-            </a:r>
-            <a:r>
-              <a:rPr lang="ko-KR" altLang="en-US" dirty="0"/>
-              <a:t> </a:t>
-            </a:r>
-            <a:r>
-              <a:rPr lang="ko-KR" altLang="en-US" dirty="0" err="1"/>
-              <a:t>이런식으로</a:t>
-            </a:r>
-            <a:r>
-              <a:rPr lang="ko-KR" altLang="en-US" dirty="0"/>
-              <a:t> </a:t>
-            </a:r>
-            <a:r>
-              <a:rPr lang="ko-KR" altLang="en-US" dirty="0" err="1"/>
-              <a:t>짜야할거같음</a:t>
-            </a:r>
-            <a:endParaRPr lang="en-US" altLang="ko-KR" dirty="0"/>
-          </a:p>
-          <a:p>
-            <a:r>
-              <a:rPr lang="ko-KR" altLang="en-US" dirty="0"/>
-              <a:t>현실 </a:t>
-            </a:r>
-            <a:r>
-              <a:rPr lang="en-US" altLang="ko-KR" dirty="0"/>
-              <a:t>&gt; </a:t>
-            </a:r>
-            <a:r>
-              <a:rPr lang="ko-KR" altLang="en-US" dirty="0"/>
-              <a:t>꿈 </a:t>
-            </a:r>
-            <a:r>
-              <a:rPr lang="en-US" altLang="ko-KR" dirty="0"/>
-              <a:t>: </a:t>
-            </a:r>
-            <a:r>
-              <a:rPr lang="ko-KR" altLang="en-US" dirty="0"/>
-              <a:t>안개가 나오며 손목 볼 때 아무것도 안보이면 꿈</a:t>
-            </a:r>
-            <a:r>
-              <a:rPr lang="en-US" altLang="ko-KR" dirty="0"/>
-              <a:t>?</a:t>
-            </a:r>
-          </a:p>
-          <a:p>
-            <a:pPr marL="0" indent="0">
-              <a:buNone/>
-            </a:pPr>
-            <a:r>
-              <a:rPr lang="ko-KR" altLang="en-US" dirty="0"/>
-              <a:t>특정키 누르면 손목 계속보는 방식으로 토큰을 확인하기</a:t>
-            </a:r>
-            <a:endParaRPr lang="en-US" altLang="ko-KR" dirty="0"/>
-          </a:p>
-          <a:p>
-            <a:pPr marL="0" indent="0">
-              <a:buNone/>
-            </a:pPr>
-            <a:endParaRPr lang="en-US" altLang="ko-KR" dirty="0"/>
-          </a:p>
-          <a:p>
-            <a:r>
-              <a:rPr lang="ko-KR" altLang="en-US" dirty="0"/>
-              <a:t>꿈인지 후 현실로 돌아가려면 특정 트리거를 작동 </a:t>
-            </a:r>
-            <a:r>
-              <a:rPr lang="en-US" altLang="ko-KR" dirty="0"/>
-              <a:t>[</a:t>
-            </a:r>
-            <a:r>
-              <a:rPr lang="ko-KR" altLang="en-US" dirty="0"/>
-              <a:t>아드레날린</a:t>
-            </a:r>
-            <a:r>
-              <a:rPr lang="en-US" altLang="ko-KR" dirty="0"/>
-              <a:t>]</a:t>
-            </a:r>
-          </a:p>
-        </p:txBody>
-      </p:sp>
-      <p:sp>
-        <p:nvSpPr>
-          <p:cNvPr id="5" name="TextBox 4">
-            <a:extLst>
-              <a:ext uri="{FF2B5EF4-FFF2-40B4-BE49-F238E27FC236}">
-                <a16:creationId xmlns:a16="http://schemas.microsoft.com/office/drawing/2014/main" id="{8889313F-D3C4-881D-2C37-3A6DE3E2020C}"/>
-              </a:ext>
-            </a:extLst>
-          </p:cNvPr>
-          <p:cNvSpPr txBox="1"/>
-          <p:nvPr/>
-        </p:nvSpPr>
-        <p:spPr>
-          <a:xfrm>
-            <a:off x="2160537" y="2967688"/>
-            <a:ext cx="7055825" cy="646331"/>
-          </a:xfrm>
-          <a:prstGeom prst="rect">
-            <a:avLst/>
-          </a:prstGeom>
-          <a:noFill/>
-        </p:spPr>
-        <p:txBody>
-          <a:bodyPr wrap="square">
-            <a:spAutoFit/>
-          </a:bodyPr>
-          <a:lstStyle/>
-          <a:p>
-            <a:r>
-              <a:rPr lang="ko-KR" altLang="en-US" dirty="0" err="1"/>
-              <a:t>인셉션처럼</a:t>
-            </a:r>
-            <a:r>
-              <a:rPr lang="ko-KR" altLang="en-US" dirty="0"/>
-              <a:t> 내가 꿈인지 아닌지 손목의 반지를 통해 확인가능</a:t>
-            </a:r>
-            <a:endParaRPr lang="en-US" altLang="ko-KR" dirty="0"/>
-          </a:p>
-          <a:p>
-            <a:r>
-              <a:rPr lang="ko-KR" altLang="en-US" dirty="0"/>
-              <a:t>다가오는 귀신에 </a:t>
-            </a:r>
-            <a:r>
-              <a:rPr lang="ko-KR" altLang="en-US" dirty="0" err="1"/>
-              <a:t>후레쉬</a:t>
-            </a:r>
-            <a:r>
-              <a:rPr lang="ko-KR" altLang="en-US" dirty="0"/>
-              <a:t> 쏘면 </a:t>
-            </a:r>
-            <a:r>
-              <a:rPr lang="ko-KR" altLang="en-US"/>
-              <a:t>멈추는거임</a:t>
+              <a:t>대화창</a:t>
             </a:r>
             <a:endParaRPr lang="ko-KR" altLang="en-US" dirty="0"/>
           </a:p>
@@ -3702,7 +3550,7 @@
     </p:spTree>
     <p:extLst>
       <p:ext uri="{BB962C8B-B14F-4D97-AF65-F5344CB8AC3E}">
-        <p14:creationId xmlns:p14="http://schemas.microsoft.com/office/powerpoint/2010/main" val="1524873660"/>
+        <p14:creationId xmlns:p14="http://schemas.microsoft.com/office/powerpoint/2010/main" val="348120836"/>
       </p:ext>
     </p:extLst>
   </p:cSld>
@@ -3734,7 +3582,7 @@
           <p:cNvPr id="2" name="제목 1">
             <a:extLst>
               <a:ext uri="{FF2B5EF4-FFF2-40B4-BE49-F238E27FC236}">
-                <a16:creationId xmlns:a16="http://schemas.microsoft.com/office/drawing/2014/main" id="{6A06D334-5769-B9F4-44E6-5A96E677DE0E}"/>
+                <a16:creationId xmlns:a16="http://schemas.microsoft.com/office/drawing/2014/main" id="{5453BCAB-5DFF-4995-B30F-8281AD6DB6BA}"/>
               </a:ext>
             </a:extLst>
           </p:cNvPr>
@@ -3751,12 +3599,8 @@
           <a:lstStyle/>
           <a:p>
             <a:r>
-              <a:rPr lang="ko-KR" altLang="en-US" dirty="0" err="1"/>
-              <a:t>필요한거</a:t>
-            </a:r>
-            <a:r>
-              <a:rPr lang="ko-KR" altLang="en-US"/>
-              <a:t> 여기 들어가서 참고하셈</a:t>
+              <a:rPr lang="ko-KR" altLang="en-US"/>
+              <a:t>건</a:t>
             </a:r>
           </a:p>
         </p:txBody>
@@ -3766,7 +3610,7 @@
           <p:cNvPr id="3" name="내용 개체 틀 2">
             <a:extLst>
               <a:ext uri="{FF2B5EF4-FFF2-40B4-BE49-F238E27FC236}">
-                <a16:creationId xmlns:a16="http://schemas.microsoft.com/office/drawing/2014/main" id="{374BFC39-8686-5094-06E8-2441D85F6B75}"/>
+                <a16:creationId xmlns:a16="http://schemas.microsoft.com/office/drawing/2014/main" id="{C1BFE7A1-2B9E-4F6E-BB86-085604DF03FD}"/>
               </a:ext>
             </a:extLst>
           </p:cNvPr>
@@ -3783,65 +3627,88 @@
           <a:lstStyle/>
           <a:p>
             <a:r>
-              <a:rPr lang="ko-KR" altLang="en-US" dirty="0"/>
-              <a:t>드래그로 오브젝트 움직이기</a:t>
-            </a:r>
-            <a:endParaRPr lang="en-US" altLang="ko-KR" dirty="0"/>
-          </a:p>
-          <a:p>
-            <a:r>
-              <a:rPr lang="en-US" altLang="ko-KR" dirty="0">
-                <a:hlinkClick r:id="rId2"/>
-              </a:rPr>
-              <a:t>https://bloodstrawberry.tistory.com/992?category=1024514</a:t>
-            </a:r>
-            <a:endParaRPr lang="en-US" altLang="ko-KR" dirty="0"/>
-          </a:p>
-          <a:p>
-            <a:r>
-              <a:rPr lang="en-US" altLang="ko-KR" dirty="0"/>
-              <a:t>==</a:t>
-            </a:r>
-            <a:r>
-              <a:rPr lang="ko-KR" altLang="en-US" dirty="0"/>
-              <a:t> 근데 우리 마우스 포인터 </a:t>
-            </a:r>
-            <a:r>
-              <a:rPr lang="ko-KR" altLang="en-US" dirty="0" err="1"/>
-              <a:t>필요없잖아</a:t>
-            </a:r>
-            <a:r>
-              <a:rPr lang="en-US" altLang="ko-KR" dirty="0"/>
-              <a:t>..</a:t>
-            </a:r>
-          </a:p>
-          <a:p>
-            <a:endParaRPr lang="en-US" altLang="ko-KR" dirty="0"/>
-          </a:p>
-          <a:p>
-            <a:r>
-              <a:rPr lang="ko-KR" altLang="en-US" dirty="0"/>
-              <a:t>이미지 애니메이션으로 만드는 </a:t>
-            </a:r>
-            <a:r>
-              <a:rPr lang="ko-KR" altLang="en-US" dirty="0" err="1"/>
-              <a:t>바업</a:t>
-            </a:r>
-            <a:endParaRPr lang="en-US" altLang="ko-KR" dirty="0"/>
-          </a:p>
-          <a:p>
-            <a:r>
-              <a:rPr lang="en-US" altLang="ko-KR" dirty="0"/>
-              <a:t>https://boxwitch.tistory.com/16</a:t>
-            </a:r>
-            <a:endParaRPr lang="ko-KR" altLang="en-US" dirty="0"/>
+              <a:rPr lang="en-US" altLang="ko-KR"/>
+              <a:t>1. </a:t>
+            </a:r>
+            <a:r>
+              <a:rPr lang="ko-KR" altLang="en-US"/>
+              <a:t>총알쏘기</a:t>
+            </a:r>
+            <a:endParaRPr lang="en-US" altLang="ko-KR"/>
+          </a:p>
+          <a:p>
+            <a:r>
+              <a:rPr lang="en-US" altLang="ko-KR"/>
+              <a:t>2. </a:t>
+            </a:r>
+            <a:r>
+              <a:rPr lang="ko-KR" altLang="en-US"/>
+              <a:t>오브젝트 맞추기</a:t>
+            </a:r>
+            <a:endParaRPr lang="en-US" altLang="ko-KR"/>
+          </a:p>
+          <a:p>
+            <a:r>
+              <a:rPr lang="en-US" altLang="ko-KR"/>
+              <a:t>3. </a:t>
+            </a:r>
+            <a:r>
+              <a:rPr lang="ko-KR" altLang="en-US"/>
+              <a:t>오브젝트 사라지고 </a:t>
+            </a:r>
+            <a:r>
+              <a:rPr lang="en-US" altLang="ko-KR"/>
+              <a:t>money</a:t>
+            </a:r>
+            <a:r>
+              <a:rPr lang="ko-KR" altLang="en-US"/>
+              <a:t>오브젝트 주변으로 뿌리기</a:t>
+            </a:r>
+            <a:endParaRPr lang="en-US" altLang="ko-KR"/>
+          </a:p>
+          <a:p>
+            <a:r>
+              <a:rPr lang="en-US" altLang="ko-KR"/>
+              <a:t>4. </a:t>
+            </a:r>
+            <a:r>
+              <a:rPr lang="ko-KR" altLang="en-US"/>
+              <a:t>주변으로 뿌려진 </a:t>
+            </a:r>
+            <a:r>
+              <a:rPr lang="en-US" altLang="ko-KR"/>
+              <a:t>money, </a:t>
+            </a:r>
+            <a:r>
+              <a:rPr lang="ko-KR" altLang="en-US"/>
+              <a:t>캐릭터 일정이상 들어오면 자동으로 </a:t>
+            </a:r>
+            <a:r>
+              <a:rPr lang="en-US" altLang="ko-KR"/>
+              <a:t>get</a:t>
+            </a:r>
+          </a:p>
+          <a:p>
+            <a:r>
+              <a:rPr lang="en-US" altLang="ko-KR"/>
+              <a:t>5. </a:t>
+            </a:r>
+            <a:r>
+              <a:rPr lang="ko-KR" altLang="en-US"/>
+              <a:t>총 </a:t>
+            </a:r>
+            <a:r>
+              <a:rPr lang="en-US" altLang="ko-KR"/>
+              <a:t>reload</a:t>
+            </a:r>
+            <a:endParaRPr lang="ko-KR" altLang="en-US"/>
           </a:p>
         </p:txBody>
       </p:sp>
     </p:spTree>
     <p:extLst>
       <p:ext uri="{BB962C8B-B14F-4D97-AF65-F5344CB8AC3E}">
-        <p14:creationId xmlns:p14="http://schemas.microsoft.com/office/powerpoint/2010/main" val="735362778"/>
+        <p14:creationId xmlns:p14="http://schemas.microsoft.com/office/powerpoint/2010/main" val="3255296743"/>
       </p:ext>
     </p:extLst>
   </p:cSld>
@@ -3873,7 +3740,7 @@
           <p:cNvPr id="2" name="제목 1">
             <a:extLst>
               <a:ext uri="{FF2B5EF4-FFF2-40B4-BE49-F238E27FC236}">
-                <a16:creationId xmlns:a16="http://schemas.microsoft.com/office/drawing/2014/main" id="{BB1659E5-D109-73F9-E1BE-A4E3930DD44E}"/>
+                <a16:creationId xmlns:a16="http://schemas.microsoft.com/office/drawing/2014/main" id="{DEE0E929-3895-24FC-F737-3C7586117E7B}"/>
               </a:ext>
             </a:extLst>
           </p:cNvPr>
@@ -3890,21 +3757,9 @@
           <a:lstStyle/>
           <a:p>
             <a:r>
-              <a:rPr lang="en-US" altLang="ko-KR" dirty="0"/>
-              <a:t>====</a:t>
-            </a:r>
-            <a:r>
-              <a:rPr lang="ko-KR" altLang="en-US" dirty="0"/>
-              <a:t>계획추가수정</a:t>
-            </a:r>
-            <a:r>
-              <a:rPr lang="en-US" altLang="ko-KR" dirty="0"/>
-              <a:t>====</a:t>
-            </a:r>
-            <a:br>
-              <a:rPr lang="ko-KR" altLang="en-US" dirty="0"/>
-            </a:br>
-            <a:endParaRPr lang="ko-KR" altLang="en-US" dirty="0"/>
+              <a:rPr lang="ko-KR" altLang="en-US" dirty="0"/>
+              <a:t>토큰</a:t>
+            </a:r>
           </a:p>
         </p:txBody>
       </p:sp>
@@ -3913,7 +3768,7 @@
           <p:cNvPr id="3" name="내용 개체 틀 2">
             <a:extLst>
               <a:ext uri="{FF2B5EF4-FFF2-40B4-BE49-F238E27FC236}">
-                <a16:creationId xmlns:a16="http://schemas.microsoft.com/office/drawing/2014/main" id="{52490D68-9902-A843-8682-2D057C536344}"/>
+                <a16:creationId xmlns:a16="http://schemas.microsoft.com/office/drawing/2014/main" id="{9EF8D000-B48B-842E-CF4C-FED21753D3EF}"/>
               </a:ext>
             </a:extLst>
           </p:cNvPr>
@@ -3926,16 +3781,205 @@
         </p:nvSpPr>
         <p:spPr/>
         <p:txBody>
-          <a:bodyPr/>
-          <a:lstStyle/>
-          <a:p>
-            <a:r>
-              <a:rPr lang="ko-KR" altLang="en-US" dirty="0"/>
-              <a:t>아이디어가 떠오르면 </a:t>
+          <a:bodyPr>
+            <a:normAutofit lnSpcReduction="10000"/>
+          </a:bodyPr>
+          <a:lstStyle/>
+          <a:p>
+            <a:r>
+              <a:rPr lang="ko-KR" altLang="en-US" dirty="0"/>
+              <a:t>이걸 특정 키를 눌러서 계속 확인가능한지</a:t>
+            </a:r>
+            <a:endParaRPr lang="en-US" altLang="ko-KR" dirty="0"/>
+          </a:p>
+          <a:p>
+            <a:r>
+              <a:rPr lang="ko-KR" altLang="en-US" dirty="0"/>
+              <a:t>역시 꿈으로 </a:t>
             </a:r>
             <a:r>
               <a:rPr lang="ko-KR" altLang="en-US" dirty="0" err="1"/>
-              <a:t>추가할것</a:t>
+              <a:t>이어지는게</a:t>
+            </a:r>
+            <a:r>
+              <a:rPr lang="ko-KR" altLang="en-US" dirty="0"/>
+              <a:t> 맞아</a:t>
+            </a:r>
+            <a:endParaRPr lang="en-US" altLang="ko-KR" dirty="0"/>
+          </a:p>
+          <a:p>
+            <a:endParaRPr lang="en-US" altLang="ko-KR" dirty="0"/>
+          </a:p>
+          <a:p>
+            <a:endParaRPr lang="en-US" altLang="ko-KR" dirty="0"/>
+          </a:p>
+          <a:p>
+            <a:r>
+              <a:rPr lang="ko-KR" altLang="en-US" dirty="0"/>
+              <a:t>순서를 </a:t>
+            </a:r>
+            <a:r>
+              <a:rPr lang="en-US" altLang="ko-KR" dirty="0"/>
+              <a:t>“</a:t>
+            </a:r>
+            <a:r>
+              <a:rPr lang="ko-KR" altLang="en-US" dirty="0"/>
+              <a:t>현실 </a:t>
+            </a:r>
+            <a:r>
+              <a:rPr lang="en-US" altLang="ko-KR" dirty="0"/>
+              <a:t>-&gt; </a:t>
+            </a:r>
+            <a:r>
+              <a:rPr lang="ko-KR" altLang="en-US" dirty="0"/>
+              <a:t>꿈 </a:t>
+            </a:r>
+            <a:r>
+              <a:rPr lang="en-US" altLang="ko-KR" dirty="0"/>
+              <a:t> -&gt; </a:t>
+            </a:r>
+            <a:r>
+              <a:rPr lang="ko-KR" altLang="en-US" dirty="0"/>
+              <a:t>현실</a:t>
+            </a:r>
+            <a:r>
+              <a:rPr lang="en-US" altLang="ko-KR" dirty="0"/>
+              <a:t>”</a:t>
+            </a:r>
+            <a:r>
+              <a:rPr lang="ko-KR" altLang="en-US" dirty="0"/>
+              <a:t> </a:t>
+            </a:r>
+            <a:r>
+              <a:rPr lang="ko-KR" altLang="en-US" dirty="0" err="1"/>
+              <a:t>이런식으로</a:t>
+            </a:r>
+            <a:r>
+              <a:rPr lang="ko-KR" altLang="en-US" dirty="0"/>
+              <a:t> </a:t>
+            </a:r>
+            <a:r>
+              <a:rPr lang="ko-KR" altLang="en-US" dirty="0" err="1"/>
+              <a:t>짜야할거같음</a:t>
+            </a:r>
+            <a:endParaRPr lang="en-US" altLang="ko-KR" dirty="0"/>
+          </a:p>
+          <a:p>
+            <a:r>
+              <a:rPr lang="ko-KR" altLang="en-US" dirty="0"/>
+              <a:t>현실 </a:t>
+            </a:r>
+            <a:r>
+              <a:rPr lang="en-US" altLang="ko-KR" dirty="0"/>
+              <a:t>&gt; </a:t>
+            </a:r>
+            <a:r>
+              <a:rPr lang="ko-KR" altLang="en-US" dirty="0"/>
+              <a:t>꿈 </a:t>
+            </a:r>
+            <a:r>
+              <a:rPr lang="en-US" altLang="ko-KR" dirty="0"/>
+              <a:t>: </a:t>
+            </a:r>
+            <a:r>
+              <a:rPr lang="ko-KR" altLang="en-US" dirty="0"/>
+              <a:t>안개가 나오며 손목 볼 때 아무것도 안보이면 꿈</a:t>
+            </a:r>
+            <a:r>
+              <a:rPr lang="en-US" altLang="ko-KR" dirty="0"/>
+              <a:t>?</a:t>
+            </a:r>
+          </a:p>
+          <a:p>
+            <a:pPr marL="0" indent="0">
+              <a:buNone/>
+            </a:pPr>
+            <a:r>
+              <a:rPr lang="ko-KR" altLang="en-US" dirty="0"/>
+              <a:t>특정키 누르면 손목 계속보는 방식으로 토큰을 확인하기</a:t>
+            </a:r>
+            <a:endParaRPr lang="en-US" altLang="ko-KR" dirty="0"/>
+          </a:p>
+          <a:p>
+            <a:pPr marL="0" indent="0">
+              <a:buNone/>
+            </a:pPr>
+            <a:endParaRPr lang="en-US" altLang="ko-KR" dirty="0"/>
+          </a:p>
+          <a:p>
+            <a:r>
+              <a:rPr lang="ko-KR" altLang="en-US" dirty="0"/>
+              <a:t>꿈인지 후 현실로 돌아가려면 특정 트리거를 작동 </a:t>
+            </a:r>
+            <a:r>
+              <a:rPr lang="en-US" altLang="ko-KR" dirty="0"/>
+              <a:t>[</a:t>
+            </a:r>
+            <a:r>
+              <a:rPr lang="ko-KR" altLang="en-US" dirty="0"/>
+              <a:t>아드레날린</a:t>
+            </a:r>
+            <a:r>
+              <a:rPr lang="en-US" altLang="ko-KR" dirty="0"/>
+              <a:t>]</a:t>
+            </a:r>
+          </a:p>
+        </p:txBody>
+      </p:sp>
+      <p:sp>
+        <p:nvSpPr>
+          <p:cNvPr id="5" name="TextBox 4">
+            <a:extLst>
+              <a:ext uri="{FF2B5EF4-FFF2-40B4-BE49-F238E27FC236}">
+                <a16:creationId xmlns:a16="http://schemas.microsoft.com/office/drawing/2014/main" id="{8889313F-D3C4-881D-2C37-3A6DE3E2020C}"/>
+              </a:ext>
+            </a:extLst>
+          </p:cNvPr>
+          <p:cNvSpPr txBox="1"/>
+          <p:nvPr/>
+        </p:nvSpPr>
+        <p:spPr>
+          <a:xfrm>
+            <a:off x="2160537" y="2967688"/>
+            <a:ext cx="7055825" cy="646331"/>
+          </a:xfrm>
+          <a:prstGeom prst="rect">
+            <a:avLst/>
+          </a:prstGeom>
+          <a:noFill/>
+        </p:spPr>
+        <p:txBody>
+          <a:bodyPr wrap="square">
+            <a:spAutoFit/>
+          </a:bodyPr>
+          <a:lstStyle/>
+          <a:p>
+            <a:r>
+              <a:rPr lang="ko-KR" altLang="en-US" dirty="0" err="1"/>
+              <a:t>인셉션처럼</a:t>
+            </a:r>
+            <a:r>
+              <a:rPr lang="ko-KR" altLang="en-US" dirty="0"/>
+              <a:t> 내가 꿈인지 아닌지 손목의 반지를 통해 확인가능</a:t>
+            </a:r>
+            <a:endParaRPr lang="en-US" altLang="ko-KR" dirty="0"/>
+          </a:p>
+          <a:p>
+            <a:r>
+              <a:rPr lang="ko-KR" altLang="en-US" dirty="0"/>
+              <a:t>다가오는 귀신에 </a:t>
+            </a:r>
+            <a:r>
+              <a:rPr lang="ko-KR" altLang="en-US" dirty="0" err="1"/>
+              <a:t>후레쉬</a:t>
+            </a:r>
+            <a:r>
+              <a:rPr lang="ko-KR" altLang="en-US" dirty="0"/>
+              <a:t> 쏘면 </a:t>
+            </a:r>
+            <a:r>
+              <a:rPr lang="ko-KR" altLang="en-US"/>
+              <a:t>멈추는거임</a:t>
             </a:r>
             <a:endParaRPr lang="ko-KR" altLang="en-US" dirty="0"/>
           </a:p>
@@ -3944,7 +3988,7 @@
     </p:spTree>
     <p:extLst>
       <p:ext uri="{BB962C8B-B14F-4D97-AF65-F5344CB8AC3E}">
-        <p14:creationId xmlns:p14="http://schemas.microsoft.com/office/powerpoint/2010/main" val="815231455"/>
+        <p14:creationId xmlns:p14="http://schemas.microsoft.com/office/powerpoint/2010/main" val="1524873660"/>
       </p:ext>
     </p:extLst>
   </p:cSld>
@@ -3976,7 +4020,7 @@
           <p:cNvPr id="2" name="제목 1">
             <a:extLst>
               <a:ext uri="{FF2B5EF4-FFF2-40B4-BE49-F238E27FC236}">
-                <a16:creationId xmlns:a16="http://schemas.microsoft.com/office/drawing/2014/main" id="{DE59FFBC-1687-2F60-EDF0-7E39D4237921}"/>
+                <a16:creationId xmlns:a16="http://schemas.microsoft.com/office/drawing/2014/main" id="{6A06D334-5769-B9F4-44E6-5A96E677DE0E}"/>
               </a:ext>
             </a:extLst>
           </p:cNvPr>
@@ -3993,178 +4037,97 @@
           <a:lstStyle/>
           <a:p>
             <a:r>
-              <a:rPr lang="en-US" altLang="ko-KR" dirty="0"/>
-              <a:t>1</a:t>
-            </a:r>
-            <a:r>
-              <a:rPr lang="ko-KR" altLang="en-US" dirty="0"/>
-              <a:t>인칭 </a:t>
-            </a:r>
-            <a:r>
               <a:rPr lang="ko-KR" altLang="en-US" dirty="0" err="1"/>
-              <a:t>호러서바이벌</a:t>
+              <a:t>필요한거</a:t>
+            </a:r>
+            <a:r>
+              <a:rPr lang="ko-KR" altLang="en-US"/>
+              <a:t> 여기 들어가서 참고하셈</a:t>
+            </a:r>
+          </a:p>
+        </p:txBody>
+      </p:sp>
+      <p:sp>
+        <p:nvSpPr>
+          <p:cNvPr id="3" name="내용 개체 틀 2">
+            <a:extLst>
+              <a:ext uri="{FF2B5EF4-FFF2-40B4-BE49-F238E27FC236}">
+                <a16:creationId xmlns:a16="http://schemas.microsoft.com/office/drawing/2014/main" id="{374BFC39-8686-5094-06E8-2441D85F6B75}"/>
+              </a:ext>
+            </a:extLst>
+          </p:cNvPr>
+          <p:cNvSpPr>
+            <a:spLocks noGrp="1"/>
+          </p:cNvSpPr>
+          <p:nvPr>
+            <p:ph idx="1"/>
+          </p:nvPr>
+        </p:nvSpPr>
+        <p:spPr/>
+        <p:txBody>
+          <a:bodyPr/>
+          <a:lstStyle/>
+          <a:p>
+            <a:r>
+              <a:rPr lang="ko-KR" altLang="en-US" dirty="0"/>
+              <a:t>드래그로 오브젝트 움직이기</a:t>
+            </a:r>
+            <a:endParaRPr lang="en-US" altLang="ko-KR" dirty="0"/>
+          </a:p>
+          <a:p>
+            <a:r>
+              <a:rPr lang="en-US" altLang="ko-KR" dirty="0">
+                <a:hlinkClick r:id="rId2"/>
+              </a:rPr>
+              <a:t>https://bloodstrawberry.tistory.com/992?category=1024514</a:t>
+            </a:r>
+            <a:endParaRPr lang="en-US" altLang="ko-KR" dirty="0"/>
+          </a:p>
+          <a:p>
+            <a:r>
+              <a:rPr lang="en-US" altLang="ko-KR" dirty="0"/>
+              <a:t>==</a:t>
+            </a:r>
+            <a:r>
+              <a:rPr lang="ko-KR" altLang="en-US" dirty="0"/>
+              <a:t> 근데 우리 마우스 포인터 </a:t>
+            </a:r>
+            <a:r>
+              <a:rPr lang="ko-KR" altLang="en-US" dirty="0" err="1"/>
+              <a:t>필요없잖아</a:t>
+            </a:r>
+            <a:r>
+              <a:rPr lang="en-US" altLang="ko-KR" dirty="0"/>
+              <a:t>..</a:t>
+            </a:r>
+          </a:p>
+          <a:p>
+            <a:endParaRPr lang="en-US" altLang="ko-KR" dirty="0"/>
+          </a:p>
+          <a:p>
+            <a:r>
+              <a:rPr lang="ko-KR" altLang="en-US" dirty="0"/>
+              <a:t>이미지 애니메이션으로 만드는 </a:t>
+            </a:r>
+            <a:r>
+              <a:rPr lang="ko-KR" altLang="en-US" dirty="0" err="1"/>
+              <a:t>바업</a:t>
+            </a:r>
+            <a:endParaRPr lang="en-US" altLang="ko-KR" dirty="0"/>
+          </a:p>
+          <a:p>
+            <a:r>
+              <a:rPr lang="en-US" altLang="ko-KR" dirty="0"/>
+              <a:t>https://boxwitch.tistory.com/16</a:t>
             </a:r>
             <a:endParaRPr lang="ko-KR" altLang="en-US" dirty="0"/>
-          </a:p>
-        </p:txBody>
-      </p:sp>
-      <p:sp>
-        <p:nvSpPr>
-          <p:cNvPr id="3" name="내용 개체 틀 2">
-            <a:extLst>
-              <a:ext uri="{FF2B5EF4-FFF2-40B4-BE49-F238E27FC236}">
-                <a16:creationId xmlns:a16="http://schemas.microsoft.com/office/drawing/2014/main" id="{E41ABB1B-FA3D-DC02-C632-78E251B32D1F}"/>
-              </a:ext>
-            </a:extLst>
-          </p:cNvPr>
-          <p:cNvSpPr>
-            <a:spLocks noGrp="1"/>
-          </p:cNvSpPr>
-          <p:nvPr>
-            <p:ph idx="1"/>
-          </p:nvPr>
-        </p:nvSpPr>
-        <p:spPr/>
-        <p:txBody>
-          <a:bodyPr/>
-          <a:lstStyle/>
-          <a:p>
-            <a:r>
-              <a:rPr lang="ko-KR" altLang="en-US" dirty="0" err="1"/>
-              <a:t>포톤을</a:t>
-            </a:r>
-            <a:r>
-              <a:rPr lang="ko-KR" altLang="en-US" dirty="0"/>
-              <a:t> </a:t>
-            </a:r>
-            <a:r>
-              <a:rPr lang="ko-KR" altLang="en-US" dirty="0" err="1"/>
-              <a:t>설치해야할까</a:t>
-            </a:r>
-            <a:r>
-              <a:rPr lang="en-US" altLang="ko-KR" dirty="0"/>
-              <a:t>? </a:t>
-            </a:r>
-            <a:r>
-              <a:rPr lang="ko-KR" altLang="en-US" dirty="0"/>
-              <a:t>멀티를 </a:t>
-            </a:r>
-            <a:r>
-              <a:rPr lang="ko-KR" altLang="en-US" dirty="0" err="1"/>
-              <a:t>할껀가</a:t>
-            </a:r>
-            <a:r>
-              <a:rPr lang="ko-KR" altLang="en-US" dirty="0"/>
-              <a:t> </a:t>
-            </a:r>
-            <a:r>
-              <a:rPr lang="ko-KR" altLang="en-US" dirty="0" err="1"/>
-              <a:t>말껀가</a:t>
-            </a:r>
-            <a:endParaRPr lang="en-US" altLang="ko-KR" dirty="0"/>
-          </a:p>
-          <a:p>
-            <a:r>
-              <a:rPr lang="en-US" altLang="ko-KR" dirty="0"/>
-              <a:t>= </a:t>
-            </a:r>
-            <a:r>
-              <a:rPr lang="ko-KR" altLang="en-US" dirty="0"/>
-              <a:t>캐릭터가 필요함</a:t>
-            </a:r>
-            <a:r>
-              <a:rPr lang="en-US" altLang="ko-KR" dirty="0"/>
-              <a:t>..</a:t>
-            </a:r>
-            <a:r>
-              <a:rPr lang="ko-KR" altLang="en-US" dirty="0"/>
-              <a:t>서로가 서로를 볼 수 </a:t>
-            </a:r>
-            <a:r>
-              <a:rPr lang="ko-KR" altLang="en-US" dirty="0" err="1"/>
-              <a:t>있는거</a:t>
-            </a:r>
-            <a:endParaRPr lang="en-US" altLang="ko-KR" dirty="0"/>
-          </a:p>
-          <a:p>
-            <a:pPr marL="0" indent="0">
-              <a:buNone/>
-            </a:pPr>
-            <a:endParaRPr lang="en-US" altLang="ko-KR" dirty="0"/>
-          </a:p>
-          <a:p>
-            <a:pPr marL="0" indent="0">
-              <a:buNone/>
-            </a:pPr>
-            <a:r>
-              <a:rPr lang="ko-KR" altLang="en-US" dirty="0"/>
-              <a:t>근데 일단 이건 </a:t>
-            </a:r>
-            <a:r>
-              <a:rPr lang="ko-KR" altLang="en-US" dirty="0" err="1"/>
-              <a:t>둘째치고</a:t>
-            </a:r>
-            <a:r>
-              <a:rPr lang="ko-KR" altLang="en-US" dirty="0"/>
-              <a:t> 캐릭터 없이 일단 만들고 생각</a:t>
-            </a:r>
-            <a:endParaRPr lang="en-US" altLang="ko-KR" dirty="0"/>
-          </a:p>
-          <a:p>
-            <a:pPr marL="0" indent="0">
-              <a:buNone/>
-            </a:pPr>
-            <a:endParaRPr lang="en-US" altLang="ko-KR" dirty="0"/>
-          </a:p>
-          <a:p>
-            <a:pPr marL="0" indent="0">
-              <a:buNone/>
-            </a:pPr>
-            <a:r>
-              <a:rPr lang="ko-KR" altLang="en-US" dirty="0"/>
-              <a:t>먼저 </a:t>
-            </a:r>
-            <a:r>
-              <a:rPr lang="ko-KR" altLang="en-US" dirty="0" err="1"/>
-              <a:t>로그인창쪽에</a:t>
-            </a:r>
-            <a:r>
-              <a:rPr lang="ko-KR" altLang="en-US" dirty="0"/>
-              <a:t> </a:t>
-            </a:r>
-            <a:r>
-              <a:rPr lang="ko-KR" altLang="en-US" dirty="0" err="1"/>
-              <a:t>들어가는거</a:t>
-            </a:r>
-            <a:r>
-              <a:rPr lang="ko-KR" altLang="en-US" dirty="0"/>
-              <a:t> 옵션 및 플레이 저장 </a:t>
-            </a:r>
-            <a:r>
-              <a:rPr lang="ko-KR" altLang="en-US" dirty="0" err="1"/>
-              <a:t>이어서하기</a:t>
-            </a:r>
-            <a:endParaRPr lang="en-US" altLang="ko-KR" dirty="0"/>
-          </a:p>
-          <a:p>
-            <a:pPr marL="0" indent="0">
-              <a:buNone/>
-            </a:pPr>
-            <a:r>
-              <a:rPr lang="ko-KR" altLang="en-US" dirty="0" err="1"/>
-              <a:t>이런거</a:t>
-            </a:r>
-            <a:r>
-              <a:rPr lang="ko-KR" altLang="en-US" dirty="0"/>
-              <a:t> 만들어두자</a:t>
-            </a:r>
           </a:p>
         </p:txBody>
       </p:sp>
     </p:spTree>
     <p:extLst>
       <p:ext uri="{BB962C8B-B14F-4D97-AF65-F5344CB8AC3E}">
-        <p14:creationId xmlns:p14="http://schemas.microsoft.com/office/powerpoint/2010/main" val="1545070564"/>
+        <p14:creationId xmlns:p14="http://schemas.microsoft.com/office/powerpoint/2010/main" val="735362778"/>
       </p:ext>
     </p:extLst>
   </p:cSld>
@@ -4196,6 +4159,329 @@
           <p:cNvPr id="2" name="제목 1">
             <a:extLst>
               <a:ext uri="{FF2B5EF4-FFF2-40B4-BE49-F238E27FC236}">
+                <a16:creationId xmlns:a16="http://schemas.microsoft.com/office/drawing/2014/main" id="{BB1659E5-D109-73F9-E1BE-A4E3930DD44E}"/>
+              </a:ext>
+            </a:extLst>
+          </p:cNvPr>
+          <p:cNvSpPr>
+            <a:spLocks noGrp="1"/>
+          </p:cNvSpPr>
+          <p:nvPr>
+            <p:ph type="title"/>
+          </p:nvPr>
+        </p:nvSpPr>
+        <p:spPr/>
+        <p:txBody>
+          <a:bodyPr/>
+          <a:lstStyle/>
+          <a:p>
+            <a:r>
+              <a:rPr lang="en-US" altLang="ko-KR" dirty="0"/>
+              <a:t>====</a:t>
+            </a:r>
+            <a:r>
+              <a:rPr lang="ko-KR" altLang="en-US" dirty="0"/>
+              <a:t>계획추가수정</a:t>
+            </a:r>
+            <a:r>
+              <a:rPr lang="en-US" altLang="ko-KR" dirty="0"/>
+              <a:t>====</a:t>
+            </a:r>
+            <a:br>
+              <a:rPr lang="ko-KR" altLang="en-US" dirty="0"/>
+            </a:br>
+            <a:endParaRPr lang="ko-KR" altLang="en-US" dirty="0"/>
+          </a:p>
+        </p:txBody>
+      </p:sp>
+      <p:sp>
+        <p:nvSpPr>
+          <p:cNvPr id="3" name="내용 개체 틀 2">
+            <a:extLst>
+              <a:ext uri="{FF2B5EF4-FFF2-40B4-BE49-F238E27FC236}">
+                <a16:creationId xmlns:a16="http://schemas.microsoft.com/office/drawing/2014/main" id="{52490D68-9902-A843-8682-2D057C536344}"/>
+              </a:ext>
+            </a:extLst>
+          </p:cNvPr>
+          <p:cNvSpPr>
+            <a:spLocks noGrp="1"/>
+          </p:cNvSpPr>
+          <p:nvPr>
+            <p:ph idx="1"/>
+          </p:nvPr>
+        </p:nvSpPr>
+        <p:spPr/>
+        <p:txBody>
+          <a:bodyPr/>
+          <a:lstStyle/>
+          <a:p>
+            <a:r>
+              <a:rPr lang="ko-KR" altLang="en-US" dirty="0"/>
+              <a:t>아이디어가 떠오르면 </a:t>
+            </a:r>
+            <a:r>
+              <a:rPr lang="ko-KR" altLang="en-US" dirty="0" err="1"/>
+              <a:t>추가할것</a:t>
+            </a:r>
+            <a:endParaRPr lang="ko-KR" altLang="en-US" dirty="0"/>
+          </a:p>
+        </p:txBody>
+      </p:sp>
+    </p:spTree>
+    <p:extLst>
+      <p:ext uri="{BB962C8B-B14F-4D97-AF65-F5344CB8AC3E}">
+        <p14:creationId xmlns:p14="http://schemas.microsoft.com/office/powerpoint/2010/main" val="815231455"/>
+      </p:ext>
+    </p:extLst>
+  </p:cSld>
+  <p:clrMapOvr>
+    <a:masterClrMapping/>
+  </p:clrMapOvr>
+</p:sld>
+</file>
+
+<file path=ppt/slides/slide15.xml><?xml version="1.0" encoding="utf-8"?>
+<p:sld xmlns:a="http://schemas.openxmlformats.org/drawingml/2006/main" xmlns:r="http://schemas.openxmlformats.org/officeDocument/2006/relationships" xmlns:p="http://schemas.openxmlformats.org/presentationml/2006/main">
+  <p:cSld>
+    <p:spTree>
+      <p:nvGrpSpPr>
+        <p:cNvPr id="1" name=""/>
+        <p:cNvGrpSpPr/>
+        <p:nvPr/>
+      </p:nvGrpSpPr>
+      <p:grpSpPr>
+        <a:xfrm>
+          <a:off x="0" y="0"/>
+          <a:ext cx="0" cy="0"/>
+          <a:chOff x="0" y="0"/>
+          <a:chExt cx="0" cy="0"/>
+        </a:xfrm>
+      </p:grpSpPr>
+      <p:sp>
+        <p:nvSpPr>
+          <p:cNvPr id="2" name="제목 1">
+            <a:extLst>
+              <a:ext uri="{FF2B5EF4-FFF2-40B4-BE49-F238E27FC236}">
+                <a16:creationId xmlns:a16="http://schemas.microsoft.com/office/drawing/2014/main" id="{DE59FFBC-1687-2F60-EDF0-7E39D4237921}"/>
+              </a:ext>
+            </a:extLst>
+          </p:cNvPr>
+          <p:cNvSpPr>
+            <a:spLocks noGrp="1"/>
+          </p:cNvSpPr>
+          <p:nvPr>
+            <p:ph type="title"/>
+          </p:nvPr>
+        </p:nvSpPr>
+        <p:spPr/>
+        <p:txBody>
+          <a:bodyPr/>
+          <a:lstStyle/>
+          <a:p>
+            <a:r>
+              <a:rPr lang="en-US" altLang="ko-KR" dirty="0"/>
+              <a:t>1</a:t>
+            </a:r>
+            <a:r>
+              <a:rPr lang="ko-KR" altLang="en-US" dirty="0"/>
+              <a:t>인칭 </a:t>
+            </a:r>
+            <a:r>
+              <a:rPr lang="ko-KR" altLang="en-US" dirty="0" err="1"/>
+              <a:t>호러서바이벌</a:t>
+            </a:r>
+            <a:endParaRPr lang="ko-KR" altLang="en-US" dirty="0"/>
+          </a:p>
+        </p:txBody>
+      </p:sp>
+      <p:sp>
+        <p:nvSpPr>
+          <p:cNvPr id="3" name="내용 개체 틀 2">
+            <a:extLst>
+              <a:ext uri="{FF2B5EF4-FFF2-40B4-BE49-F238E27FC236}">
+                <a16:creationId xmlns:a16="http://schemas.microsoft.com/office/drawing/2014/main" id="{E41ABB1B-FA3D-DC02-C632-78E251B32D1F}"/>
+              </a:ext>
+            </a:extLst>
+          </p:cNvPr>
+          <p:cNvSpPr>
+            <a:spLocks noGrp="1"/>
+          </p:cNvSpPr>
+          <p:nvPr>
+            <p:ph idx="1"/>
+          </p:nvPr>
+        </p:nvSpPr>
+        <p:spPr/>
+        <p:txBody>
+          <a:bodyPr/>
+          <a:lstStyle/>
+          <a:p>
+            <a:r>
+              <a:rPr lang="ko-KR" altLang="en-US" dirty="0" err="1"/>
+              <a:t>포톤을</a:t>
+            </a:r>
+            <a:r>
+              <a:rPr lang="ko-KR" altLang="en-US" dirty="0"/>
+              <a:t> </a:t>
+            </a:r>
+            <a:r>
+              <a:rPr lang="ko-KR" altLang="en-US" dirty="0" err="1"/>
+              <a:t>설치해야할까</a:t>
+            </a:r>
+            <a:r>
+              <a:rPr lang="en-US" altLang="ko-KR" dirty="0"/>
+              <a:t>? </a:t>
+            </a:r>
+            <a:r>
+              <a:rPr lang="ko-KR" altLang="en-US" dirty="0"/>
+              <a:t>멀티를 </a:t>
+            </a:r>
+            <a:r>
+              <a:rPr lang="ko-KR" altLang="en-US" dirty="0" err="1"/>
+              <a:t>할껀가</a:t>
+            </a:r>
+            <a:r>
+              <a:rPr lang="ko-KR" altLang="en-US" dirty="0"/>
+              <a:t> </a:t>
+            </a:r>
+            <a:r>
+              <a:rPr lang="ko-KR" altLang="en-US" dirty="0" err="1"/>
+              <a:t>말껀가</a:t>
+            </a:r>
+            <a:endParaRPr lang="en-US" altLang="ko-KR" dirty="0"/>
+          </a:p>
+          <a:p>
+            <a:r>
+              <a:rPr lang="en-US" altLang="ko-KR" dirty="0"/>
+              <a:t>= </a:t>
+            </a:r>
+            <a:r>
+              <a:rPr lang="ko-KR" altLang="en-US" dirty="0"/>
+              <a:t>캐릭터가 필요함</a:t>
+            </a:r>
+            <a:r>
+              <a:rPr lang="en-US" altLang="ko-KR" dirty="0"/>
+              <a:t>..</a:t>
+            </a:r>
+            <a:r>
+              <a:rPr lang="ko-KR" altLang="en-US" dirty="0"/>
+              <a:t>서로가 서로를 볼 수 </a:t>
+            </a:r>
+            <a:r>
+              <a:rPr lang="ko-KR" altLang="en-US" dirty="0" err="1"/>
+              <a:t>있는거</a:t>
+            </a:r>
+            <a:endParaRPr lang="en-US" altLang="ko-KR" dirty="0"/>
+          </a:p>
+          <a:p>
+            <a:pPr marL="0" indent="0">
+              <a:buNone/>
+            </a:pPr>
+            <a:endParaRPr lang="en-US" altLang="ko-KR" dirty="0"/>
+          </a:p>
+          <a:p>
+            <a:pPr marL="0" indent="0">
+              <a:buNone/>
+            </a:pPr>
+            <a:r>
+              <a:rPr lang="ko-KR" altLang="en-US" dirty="0"/>
+              <a:t>근데 일단 이건 </a:t>
+            </a:r>
+            <a:r>
+              <a:rPr lang="ko-KR" altLang="en-US" dirty="0" err="1"/>
+              <a:t>둘째치고</a:t>
+            </a:r>
+            <a:r>
+              <a:rPr lang="ko-KR" altLang="en-US" dirty="0"/>
+              <a:t> 캐릭터 없이 일단 만들고 생각</a:t>
+            </a:r>
+            <a:endParaRPr lang="en-US" altLang="ko-KR" dirty="0"/>
+          </a:p>
+          <a:p>
+            <a:pPr marL="0" indent="0">
+              <a:buNone/>
+            </a:pPr>
+            <a:endParaRPr lang="en-US" altLang="ko-KR" dirty="0"/>
+          </a:p>
+          <a:p>
+            <a:pPr marL="0" indent="0">
+              <a:buNone/>
+            </a:pPr>
+            <a:r>
+              <a:rPr lang="ko-KR" altLang="en-US" dirty="0"/>
+              <a:t>먼저 </a:t>
+            </a:r>
+            <a:r>
+              <a:rPr lang="ko-KR" altLang="en-US" dirty="0" err="1"/>
+              <a:t>로그인창쪽에</a:t>
+            </a:r>
+            <a:r>
+              <a:rPr lang="ko-KR" altLang="en-US" dirty="0"/>
+              <a:t> </a:t>
+            </a:r>
+            <a:r>
+              <a:rPr lang="ko-KR" altLang="en-US" dirty="0" err="1"/>
+              <a:t>들어가는거</a:t>
+            </a:r>
+            <a:r>
+              <a:rPr lang="ko-KR" altLang="en-US" dirty="0"/>
+              <a:t> 옵션 및 플레이 저장 </a:t>
+            </a:r>
+            <a:r>
+              <a:rPr lang="ko-KR" altLang="en-US" dirty="0" err="1"/>
+              <a:t>이어서하기</a:t>
+            </a:r>
+            <a:endParaRPr lang="en-US" altLang="ko-KR" dirty="0"/>
+          </a:p>
+          <a:p>
+            <a:pPr marL="0" indent="0">
+              <a:buNone/>
+            </a:pPr>
+            <a:r>
+              <a:rPr lang="ko-KR" altLang="en-US" dirty="0" err="1"/>
+              <a:t>이런거</a:t>
+            </a:r>
+            <a:r>
+              <a:rPr lang="ko-KR" altLang="en-US" dirty="0"/>
+              <a:t> 만들어두자</a:t>
+            </a:r>
+          </a:p>
+        </p:txBody>
+      </p:sp>
+    </p:spTree>
+    <p:extLst>
+      <p:ext uri="{BB962C8B-B14F-4D97-AF65-F5344CB8AC3E}">
+        <p14:creationId xmlns:p14="http://schemas.microsoft.com/office/powerpoint/2010/main" val="1545070564"/>
+      </p:ext>
+    </p:extLst>
+  </p:cSld>
+  <p:clrMapOvr>
+    <a:masterClrMapping/>
+  </p:clrMapOvr>
+</p:sld>
+</file>
+
+<file path=ppt/slides/slide16.xml><?xml version="1.0" encoding="utf-8"?>
+<p:sld xmlns:a="http://schemas.openxmlformats.org/drawingml/2006/main" xmlns:r="http://schemas.openxmlformats.org/officeDocument/2006/relationships" xmlns:p="http://schemas.openxmlformats.org/presentationml/2006/main">
+  <p:cSld>
+    <p:spTree>
+      <p:nvGrpSpPr>
+        <p:cNvPr id="1" name=""/>
+        <p:cNvGrpSpPr/>
+        <p:nvPr/>
+      </p:nvGrpSpPr>
+      <p:grpSpPr>
+        <a:xfrm>
+          <a:off x="0" y="0"/>
+          <a:ext cx="0" cy="0"/>
+          <a:chOff x="0" y="0"/>
+          <a:chExt cx="0" cy="0"/>
+        </a:xfrm>
+      </p:grpSpPr>
+      <p:sp>
+        <p:nvSpPr>
+          <p:cNvPr id="2" name="제목 1">
+            <a:extLst>
+              <a:ext uri="{FF2B5EF4-FFF2-40B4-BE49-F238E27FC236}">
                 <a16:creationId xmlns:a16="http://schemas.microsoft.com/office/drawing/2014/main" id="{D65BE590-3F6C-2FBB-CE4E-425860F8D581}"/>
               </a:ext>
             </a:extLst>
@@ -4214,8 +4500,21 @@
           <a:p>
             <a:r>
               <a:rPr lang="ko-KR" altLang="en-US" dirty="0"/>
-              <a:t>물</a:t>
-            </a:r>
+              <a:t>물 </a:t>
+            </a:r>
+            <a:r>
+              <a:rPr lang="en-US" altLang="ko-KR" dirty="0"/>
+              <a:t>[</a:t>
+            </a:r>
+            <a:r>
+              <a:rPr lang="ko-KR" altLang="en-US" dirty="0"/>
+              <a:t>핏물</a:t>
+            </a:r>
+            <a:r>
+              <a:rPr lang="en-US" altLang="ko-KR" dirty="0"/>
+              <a:t>?]</a:t>
+            </a:r>
+            <a:endParaRPr lang="ko-KR" altLang="en-US" dirty="0"/>
           </a:p>
         </p:txBody>
       </p:sp>
@@ -4281,10 +4580,10 @@
               <a:t> 어떻게</a:t>
             </a:r>
             <a:r>
-              <a:rPr lang="en-US" altLang="ko-KR"/>
+              <a:rPr lang="en-US" altLang="ko-KR" dirty="0"/>
               <a:t>..??</a:t>
             </a:r>
-            <a:endParaRPr lang="ko-KR" altLang="en-US"/>
+            <a:endParaRPr lang="ko-KR" altLang="en-US" dirty="0"/>
           </a:p>
         </p:txBody>
       </p:sp>
@@ -4323,7 +4622,7 @@
           <p:cNvPr id="2" name="제목 1">
             <a:extLst>
               <a:ext uri="{FF2B5EF4-FFF2-40B4-BE49-F238E27FC236}">
-                <a16:creationId xmlns:a16="http://schemas.microsoft.com/office/drawing/2014/main" id="{163EF4EB-A98E-27F7-3737-BB9FF44E69C5}"/>
+                <a16:creationId xmlns:a16="http://schemas.microsoft.com/office/drawing/2014/main" id="{D6CD891F-89BB-D759-A979-F50102AB11F5}"/>
               </a:ext>
             </a:extLst>
           </p:cNvPr>
@@ -4339,124 +4638,91 @@
           <a:bodyPr/>
           <a:lstStyle/>
           <a:p>
-            <a:r>
-              <a:rPr lang="ko-KR" altLang="en-US" dirty="0"/>
-              <a:t>포톤 </a:t>
+            <a:endParaRPr lang="ko-KR" altLang="en-US" dirty="0"/>
+          </a:p>
+        </p:txBody>
+      </p:sp>
+      <p:sp>
+        <p:nvSpPr>
+          <p:cNvPr id="3" name="내용 개체 틀 2">
+            <a:extLst>
+              <a:ext uri="{FF2B5EF4-FFF2-40B4-BE49-F238E27FC236}">
+                <a16:creationId xmlns:a16="http://schemas.microsoft.com/office/drawing/2014/main" id="{66E4D78F-F96B-68C9-58EF-186B9266D549}"/>
+              </a:ext>
+            </a:extLst>
+          </p:cNvPr>
+          <p:cNvSpPr>
+            <a:spLocks noGrp="1"/>
+          </p:cNvSpPr>
+          <p:nvPr>
+            <p:ph idx="1"/>
+          </p:nvPr>
+        </p:nvSpPr>
+        <p:spPr/>
+        <p:txBody>
+          <a:bodyPr/>
+          <a:lstStyle/>
+          <a:p>
+            <a:r>
+              <a:rPr lang="ko-KR" altLang="en-US" dirty="0"/>
+              <a:t>폰트 </a:t>
+            </a:r>
+            <a:r>
+              <a:rPr lang="en-US" altLang="ko-KR" dirty="0"/>
+              <a:t>[</a:t>
+            </a:r>
+            <a:r>
+              <a:rPr lang="ko-KR" altLang="en-US" dirty="0"/>
+              <a:t>던파</a:t>
+            </a:r>
+            <a:r>
+              <a:rPr lang="en-US" altLang="ko-KR" dirty="0"/>
+              <a:t>, </a:t>
             </a:r>
             <a:r>
               <a:rPr lang="ko-KR" altLang="en-US" dirty="0" err="1"/>
-              <a:t>추가시</a:t>
-            </a:r>
-            <a:endParaRPr lang="ko-KR" altLang="en-US" dirty="0"/>
-          </a:p>
-        </p:txBody>
-      </p:sp>
-      <p:sp>
-        <p:nvSpPr>
-          <p:cNvPr id="3" name="내용 개체 틀 2">
-            <a:extLst>
-              <a:ext uri="{FF2B5EF4-FFF2-40B4-BE49-F238E27FC236}">
-                <a16:creationId xmlns:a16="http://schemas.microsoft.com/office/drawing/2014/main" id="{E49FAEC3-8D13-F24D-F261-CA32A351FA17}"/>
-              </a:ext>
-            </a:extLst>
-          </p:cNvPr>
-          <p:cNvSpPr>
-            <a:spLocks noGrp="1"/>
-          </p:cNvSpPr>
-          <p:nvPr>
-            <p:ph idx="1"/>
-          </p:nvPr>
-        </p:nvSpPr>
-        <p:spPr/>
-        <p:txBody>
-          <a:bodyPr/>
-          <a:lstStyle/>
+              <a:t>넥슨워헤이븐체</a:t>
+            </a:r>
+            <a:r>
+              <a:rPr lang="en-US" altLang="ko-KR" dirty="0"/>
+              <a:t>]</a:t>
+            </a:r>
+          </a:p>
+          <a:p>
+            <a:endParaRPr lang="en-US" altLang="ko-KR" dirty="0"/>
+          </a:p>
           <a:p>
             <a:r>
               <a:rPr lang="ko-KR" altLang="en-US" dirty="0" err="1"/>
-              <a:t>포톤으로</a:t>
-            </a:r>
-            <a:r>
-              <a:rPr lang="ko-KR" altLang="en-US" dirty="0"/>
-              <a:t> </a:t>
-            </a:r>
-            <a:r>
-              <a:rPr lang="ko-KR" altLang="en-US" dirty="0" err="1"/>
-              <a:t>넣는거</a:t>
-            </a:r>
-            <a:r>
-              <a:rPr lang="ko-KR" altLang="en-US" dirty="0"/>
-              <a:t> 추가하면 되는데 이거 작업이 너무 많아져서</a:t>
-            </a:r>
-            <a:endParaRPr lang="en-US" altLang="ko-KR" dirty="0"/>
-          </a:p>
-          <a:p>
-            <a:r>
-              <a:rPr lang="ko-KR" altLang="en-US" dirty="0" err="1"/>
-              <a:t>아이템같은거</a:t>
-            </a:r>
-            <a:r>
-              <a:rPr lang="ko-KR" altLang="en-US" dirty="0"/>
-              <a:t> </a:t>
-            </a:r>
-            <a:r>
-              <a:rPr lang="ko-KR" altLang="en-US" dirty="0" err="1"/>
-              <a:t>어떤거</a:t>
-            </a:r>
-            <a:r>
-              <a:rPr lang="ko-KR" altLang="en-US" dirty="0"/>
-              <a:t> 넣을지 전부다 기획을 짜고 </a:t>
-            </a:r>
-            <a:r>
-              <a:rPr lang="ko-KR" altLang="en-US" dirty="0" err="1"/>
-              <a:t>포톤을</a:t>
-            </a:r>
-            <a:r>
-              <a:rPr lang="ko-KR" altLang="en-US" dirty="0"/>
-              <a:t> </a:t>
-            </a:r>
-            <a:r>
-              <a:rPr lang="ko-KR" altLang="en-US" dirty="0" err="1"/>
-              <a:t>넣는게</a:t>
-            </a:r>
-            <a:r>
-              <a:rPr lang="ko-KR" altLang="en-US" dirty="0"/>
-              <a:t> 맞음</a:t>
-            </a:r>
-            <a:r>
-              <a:rPr lang="en-US" altLang="ko-KR" dirty="0"/>
-              <a:t>…</a:t>
-            </a:r>
-            <a:r>
-              <a:rPr lang="ko-KR" altLang="en-US" dirty="0"/>
-              <a:t>근 일주일동안 너무 바빠서 아무것도 못했는데 슬슬 기획 다시 업데이트 </a:t>
-            </a:r>
-            <a:r>
-              <a:rPr lang="ko-KR" altLang="en-US" dirty="0" err="1"/>
-              <a:t>시켜야됨</a:t>
-            </a:r>
-            <a:endParaRPr lang="en-US" altLang="ko-KR" dirty="0"/>
-          </a:p>
-          <a:p>
-            <a:endParaRPr lang="en-US" altLang="ko-KR" dirty="0"/>
-          </a:p>
-          <a:p>
-            <a:r>
-              <a:rPr lang="en-US" altLang="ko-KR" dirty="0"/>
-              <a:t>RPC</a:t>
-            </a:r>
-            <a:r>
-              <a:rPr lang="ko-KR" altLang="en-US"/>
-              <a:t> 사용하면 해결</a:t>
-            </a:r>
-            <a:endParaRPr lang="en-US" altLang="ko-KR" dirty="0"/>
+              <a:t>로비창</a:t>
+            </a:r>
+            <a:r>
+              <a:rPr lang="ko-KR" altLang="en-US" dirty="0"/>
+              <a:t> 전 </a:t>
+            </a:r>
+            <a:r>
+              <a:rPr lang="en-US" altLang="ko-KR" dirty="0"/>
+              <a:t>-</a:t>
+            </a:r>
+            <a:r>
+              <a:rPr lang="en-US" altLang="ko-KR" dirty="0" err="1"/>
+              <a:t>StartGame</a:t>
+            </a:r>
+            <a:r>
+              <a:rPr lang="en-US" altLang="ko-KR" dirty="0"/>
+              <a:t>- </a:t>
+            </a:r>
+            <a:r>
+              <a:rPr lang="ko-KR" altLang="en-US" dirty="0"/>
+              <a:t>문구 나오는 창에 검은색 안개 주변에 끼게</a:t>
+            </a:r>
           </a:p>
         </p:txBody>
       </p:sp>
     </p:spTree>
     <p:extLst>
       <p:ext uri="{BB962C8B-B14F-4D97-AF65-F5344CB8AC3E}">
-        <p14:creationId xmlns:p14="http://schemas.microsoft.com/office/powerpoint/2010/main" val="4161277193"/>
+        <p14:creationId xmlns:p14="http://schemas.microsoft.com/office/powerpoint/2010/main" val="3970965335"/>
       </p:ext>
     </p:extLst>
   </p:cSld>
@@ -4488,7 +4754,7 @@
           <p:cNvPr id="2" name="제목 1">
             <a:extLst>
               <a:ext uri="{FF2B5EF4-FFF2-40B4-BE49-F238E27FC236}">
-                <a16:creationId xmlns:a16="http://schemas.microsoft.com/office/drawing/2014/main" id="{7849E8B7-62FB-0190-0689-D188A0DC1BF7}"/>
+                <a16:creationId xmlns:a16="http://schemas.microsoft.com/office/drawing/2014/main" id="{480D09B0-3BEA-FACD-D38F-847C57A93CFA}"/>
               </a:ext>
             </a:extLst>
           </p:cNvPr>
@@ -4506,233 +4772,94 @@
           <a:p>
             <a:r>
               <a:rPr lang="ko-KR" altLang="en-US" dirty="0" err="1"/>
-              <a:t>장비창</a:t>
-            </a:r>
-            <a:r>
-              <a:rPr lang="ko-KR" altLang="en-US" dirty="0"/>
-              <a:t> </a:t>
-            </a:r>
-            <a:r>
-              <a:rPr lang="en-US" altLang="ko-KR" dirty="0"/>
-              <a:t>&lt;&lt;</a:t>
-            </a:r>
-            <a:r>
-              <a:rPr lang="ko-KR" altLang="en-US" dirty="0"/>
-              <a:t>최대한 주말에 만들어보자</a:t>
-            </a:r>
-            <a:r>
-              <a:rPr lang="en-US" altLang="ko-KR" dirty="0"/>
-              <a:t>&gt;&gt;</a:t>
-            </a:r>
-            <a:endParaRPr lang="ko-KR" altLang="en-US" dirty="0"/>
-          </a:p>
-        </p:txBody>
-      </p:sp>
-      <p:sp>
-        <p:nvSpPr>
-          <p:cNvPr id="3" name="내용 개체 틀 2">
-            <a:extLst>
-              <a:ext uri="{FF2B5EF4-FFF2-40B4-BE49-F238E27FC236}">
-                <a16:creationId xmlns:a16="http://schemas.microsoft.com/office/drawing/2014/main" id="{4D0C32A6-55B0-BB18-7A73-B998C7831103}"/>
-              </a:ext>
-            </a:extLst>
-          </p:cNvPr>
-          <p:cNvSpPr>
-            <a:spLocks noGrp="1"/>
-          </p:cNvSpPr>
+              <a:t>로비창</a:t>
+            </a:r>
+            <a:r>
+              <a:rPr lang="ko-KR" altLang="en-US" dirty="0"/>
+              <a:t> 전 </a:t>
+            </a:r>
+            <a:r>
+              <a:rPr lang="en-US" altLang="ko-KR" dirty="0"/>
+              <a:t>-</a:t>
+            </a:r>
+            <a:r>
+              <a:rPr lang="en-US" altLang="ko-KR" dirty="0" err="1"/>
+              <a:t>StartGame</a:t>
+            </a:r>
+            <a:r>
+              <a:rPr lang="en-US" altLang="ko-KR" dirty="0"/>
+              <a:t>- </a:t>
+            </a:r>
+            <a:r>
+              <a:rPr lang="ko-KR" altLang="en-US" dirty="0"/>
+              <a:t>문구</a:t>
+            </a:r>
+          </a:p>
+        </p:txBody>
+      </p:sp>
+      <p:pic>
+        <p:nvPicPr>
+          <p:cNvPr id="5" name="내용 개체 틀 4">
+            <a:extLst>
+              <a:ext uri="{FF2B5EF4-FFF2-40B4-BE49-F238E27FC236}">
+                <a16:creationId xmlns:a16="http://schemas.microsoft.com/office/drawing/2014/main" id="{218E28D9-BA4B-8374-C620-D51BA2ED16CF}"/>
+              </a:ext>
+            </a:extLst>
+          </p:cNvPr>
+          <p:cNvPicPr>
+            <a:picLocks noGrp="1" noChangeAspect="1"/>
+          </p:cNvPicPr>
           <p:nvPr>
             <p:ph idx="1"/>
           </p:nvPr>
-        </p:nvSpPr>
-        <p:spPr/>
-        <p:txBody>
-          <a:bodyPr>
-            <a:normAutofit fontScale="77500" lnSpcReduction="20000"/>
-          </a:bodyPr>
-          <a:lstStyle/>
-          <a:p>
-            <a:r>
-              <a:rPr lang="ko-KR" altLang="en-US" dirty="0"/>
-              <a:t>마우스클릭 없이 </a:t>
-            </a:r>
-            <a:r>
-              <a:rPr lang="en-US" altLang="ko-KR" dirty="0"/>
-              <a:t>E </a:t>
-            </a:r>
-            <a:r>
-              <a:rPr lang="ko-KR" altLang="en-US" dirty="0"/>
-              <a:t>누르면 장비창에 획득목록 보여줌</a:t>
-            </a:r>
-            <a:endParaRPr lang="en-US" altLang="ko-KR" dirty="0"/>
-          </a:p>
-          <a:p>
-            <a:r>
-              <a:rPr lang="en-US" altLang="ko-KR" dirty="0"/>
-              <a:t>E</a:t>
-            </a:r>
-            <a:r>
-              <a:rPr lang="ko-KR" altLang="en-US" dirty="0"/>
-              <a:t>는 클릭 시 열리고 </a:t>
-            </a:r>
-            <a:r>
-              <a:rPr lang="ko-KR" altLang="en-US" dirty="0" err="1"/>
-              <a:t>재클릭시</a:t>
-            </a:r>
-            <a:r>
-              <a:rPr lang="ko-KR" altLang="en-US" dirty="0"/>
-              <a:t> 닫히는 방식 </a:t>
-            </a:r>
-            <a:r>
-              <a:rPr lang="en-US" altLang="ko-KR" dirty="0"/>
-              <a:t>(</a:t>
-            </a:r>
-            <a:r>
-              <a:rPr lang="ko-KR" altLang="en-US" dirty="0" err="1"/>
-              <a:t>게임지장</a:t>
-            </a:r>
-            <a:r>
-              <a:rPr lang="en-US" altLang="ko-KR" dirty="0"/>
-              <a:t>x)</a:t>
-            </a:r>
-          </a:p>
-          <a:p>
-            <a:endParaRPr lang="en-US" altLang="ko-KR" dirty="0"/>
-          </a:p>
-          <a:p>
-            <a:r>
-              <a:rPr lang="ko-KR" altLang="en-US" dirty="0"/>
-              <a:t>그렇다면 </a:t>
-            </a:r>
-            <a:r>
-              <a:rPr lang="en-US" altLang="ko-KR" dirty="0"/>
-              <a:t>“</a:t>
-            </a:r>
-            <a:r>
-              <a:rPr lang="ko-KR" altLang="en-US" dirty="0"/>
-              <a:t>아드레날린 주사기</a:t>
-            </a:r>
-            <a:r>
-              <a:rPr lang="en-US" altLang="ko-KR" dirty="0"/>
-              <a:t>”</a:t>
-            </a:r>
-            <a:r>
-              <a:rPr lang="ko-KR" altLang="en-US" dirty="0"/>
-              <a:t>는 어떻게 </a:t>
-            </a:r>
-            <a:r>
-              <a:rPr lang="ko-KR" altLang="en-US" dirty="0" err="1"/>
-              <a:t>먹일껀지</a:t>
-            </a:r>
-            <a:r>
-              <a:rPr lang="ko-KR" altLang="en-US" dirty="0"/>
-              <a:t> 관건</a:t>
-            </a:r>
-            <a:endParaRPr lang="en-US" altLang="ko-KR" dirty="0"/>
-          </a:p>
-          <a:p>
-            <a:r>
-              <a:rPr lang="en-US" altLang="ko-KR" dirty="0"/>
-              <a:t>==E</a:t>
-            </a:r>
-            <a:r>
-              <a:rPr lang="ko-KR" altLang="en-US" dirty="0"/>
-              <a:t>누르고 </a:t>
-            </a:r>
-            <a:r>
-              <a:rPr lang="en-US" altLang="ko-KR" dirty="0"/>
-              <a:t>Space </a:t>
-            </a:r>
-            <a:r>
-              <a:rPr lang="ko-KR" altLang="en-US" dirty="0"/>
-              <a:t>누르면 주사기 동작하게</a:t>
-            </a:r>
-            <a:r>
-              <a:rPr lang="en-US" altLang="ko-KR" dirty="0"/>
-              <a:t>??</a:t>
-            </a:r>
-          </a:p>
-          <a:p>
-            <a:endParaRPr lang="en-US" altLang="ko-KR" dirty="0"/>
-          </a:p>
-          <a:p>
-            <a:r>
-              <a:rPr lang="ko-KR" altLang="en-US" dirty="0"/>
-              <a:t>장비창의 목록은 열쇠</a:t>
-            </a:r>
-            <a:r>
-              <a:rPr lang="en-US" altLang="ko-KR" dirty="0"/>
-              <a:t>, </a:t>
-            </a:r>
-            <a:r>
-              <a:rPr lang="ko-KR" altLang="en-US" dirty="0"/>
-              <a:t>주사기</a:t>
-            </a:r>
-            <a:r>
-              <a:rPr lang="en-US" altLang="ko-KR" dirty="0"/>
-              <a:t>, </a:t>
-            </a:r>
-            <a:r>
-              <a:rPr lang="ko-KR" altLang="en-US" dirty="0"/>
-              <a:t>그리고 이후 추가될 몇몇정도</a:t>
-            </a:r>
-            <a:endParaRPr lang="en-US" altLang="ko-KR" dirty="0"/>
-          </a:p>
-          <a:p>
-            <a:r>
-              <a:rPr lang="ko-KR" altLang="en-US" dirty="0" err="1"/>
-              <a:t>먹는건</a:t>
-            </a:r>
-            <a:r>
-              <a:rPr lang="ko-KR" altLang="en-US"/>
-              <a:t> 순서 관계없이 먹는 순서대로 중앙에서부터 좌측으로 밀려나는 느낌</a:t>
-            </a:r>
-            <a:endParaRPr lang="en-US" altLang="ko-KR" dirty="0"/>
-          </a:p>
-          <a:p>
-            <a:endParaRPr lang="en-US" altLang="ko-KR" dirty="0"/>
-          </a:p>
-          <a:p>
-            <a:r>
-              <a:rPr lang="ko-KR" altLang="en-US" dirty="0"/>
-              <a:t>모두 패시브로 사용되게 하고</a:t>
-            </a:r>
-            <a:endParaRPr lang="en-US" altLang="ko-KR" dirty="0"/>
-          </a:p>
-          <a:p>
-            <a:r>
-              <a:rPr lang="ko-KR" altLang="en-US" dirty="0"/>
-              <a:t>아이템은 캐릭터가 </a:t>
-            </a:r>
-            <a:r>
-              <a:rPr lang="en-US" altLang="ko-KR" dirty="0"/>
-              <a:t>space </a:t>
-            </a:r>
-            <a:r>
-              <a:rPr lang="ko-KR" altLang="en-US" dirty="0"/>
-              <a:t>누르면 먹고</a:t>
-            </a:r>
-            <a:endParaRPr lang="en-US" altLang="ko-KR" dirty="0"/>
-          </a:p>
-          <a:p>
-            <a:r>
-              <a:rPr lang="ko-KR" altLang="en-US" dirty="0"/>
-              <a:t>트리거 동작하는 부분에서 </a:t>
-            </a:r>
-            <a:r>
-              <a:rPr lang="en-US" altLang="ko-KR" dirty="0"/>
-              <a:t>space </a:t>
-            </a:r>
-            <a:r>
-              <a:rPr lang="ko-KR" altLang="en-US" dirty="0"/>
-              <a:t>누르면 작동하게 설정</a:t>
-            </a:r>
-          </a:p>
-        </p:txBody>
-      </p:sp>
+        </p:nvPicPr>
+        <p:blipFill>
+          <a:blip r:embed="rId2"/>
+          <a:stretch>
+            <a:fillRect/>
+          </a:stretch>
+        </p:blipFill>
+        <p:spPr>
+          <a:xfrm>
+            <a:off x="367777" y="1952508"/>
+            <a:ext cx="5029902" cy="2772162"/>
+          </a:xfrm>
+        </p:spPr>
+      </p:pic>
+      <p:pic>
+        <p:nvPicPr>
+          <p:cNvPr id="6" name="그림 5">
+            <a:extLst>
+              <a:ext uri="{FF2B5EF4-FFF2-40B4-BE49-F238E27FC236}">
+                <a16:creationId xmlns:a16="http://schemas.microsoft.com/office/drawing/2014/main" id="{259921A8-9CD5-D7D8-8E1E-91A8F02CC1B5}"/>
+              </a:ext>
+            </a:extLst>
+          </p:cNvPr>
+          <p:cNvPicPr>
+            <a:picLocks noChangeAspect="1"/>
+          </p:cNvPicPr>
+          <p:nvPr/>
+        </p:nvPicPr>
+        <p:blipFill>
+          <a:blip r:embed="rId3"/>
+          <a:stretch>
+            <a:fillRect/>
+          </a:stretch>
+        </p:blipFill>
+        <p:spPr>
+          <a:xfrm>
+            <a:off x="5902616" y="1952508"/>
+            <a:ext cx="4601932" cy="3033982"/>
+          </a:xfrm>
+          <a:prstGeom prst="rect">
+            <a:avLst/>
+          </a:prstGeom>
+        </p:spPr>
+      </p:pic>
     </p:spTree>
     <p:extLst>
       <p:ext uri="{BB962C8B-B14F-4D97-AF65-F5344CB8AC3E}">
-        <p14:creationId xmlns:p14="http://schemas.microsoft.com/office/powerpoint/2010/main" val="1963623474"/>
+        <p14:creationId xmlns:p14="http://schemas.microsoft.com/office/powerpoint/2010/main" val="3482031896"/>
       </p:ext>
     </p:extLst>
   </p:cSld>
@@ -4764,7 +4891,7 @@
           <p:cNvPr id="2" name="제목 1">
             <a:extLst>
               <a:ext uri="{FF2B5EF4-FFF2-40B4-BE49-F238E27FC236}">
-                <a16:creationId xmlns:a16="http://schemas.microsoft.com/office/drawing/2014/main" id="{8D8B9B78-02F9-A4C5-7C4C-2A21212E4F02}"/>
+                <a16:creationId xmlns:a16="http://schemas.microsoft.com/office/drawing/2014/main" id="{163EF4EB-A98E-27F7-3737-BB9FF44E69C5}"/>
               </a:ext>
             </a:extLst>
           </p:cNvPr>
@@ -4782,11 +4909,11 @@
           <a:p>
             <a:r>
               <a:rPr lang="ko-KR" altLang="en-US" dirty="0"/>
-              <a:t>멀티</a:t>
-            </a:r>
-            <a:r>
-              <a:rPr lang="en-US" altLang="ko-KR" dirty="0"/>
-              <a:t>?</a:t>
+              <a:t>포톤 </a:t>
+            </a:r>
+            <a:r>
+              <a:rPr lang="ko-KR" altLang="en-US" dirty="0" err="1"/>
+              <a:t>추가시</a:t>
             </a:r>
             <a:endParaRPr lang="ko-KR" altLang="en-US" dirty="0"/>
           </a:p>
@@ -4797,7 +4924,7 @@
           <p:cNvPr id="3" name="내용 개체 틀 2">
             <a:extLst>
               <a:ext uri="{FF2B5EF4-FFF2-40B4-BE49-F238E27FC236}">
-                <a16:creationId xmlns:a16="http://schemas.microsoft.com/office/drawing/2014/main" id="{141983C5-6375-9CBB-B229-BFE648BAD5C2}"/>
+                <a16:creationId xmlns:a16="http://schemas.microsoft.com/office/drawing/2014/main" id="{E49FAEC3-8D13-F24D-F261-CA32A351FA17}"/>
               </a:ext>
             </a:extLst>
           </p:cNvPr>
@@ -4814,43 +4941,68 @@
           <a:lstStyle/>
           <a:p>
             <a:r>
-              <a:rPr lang="ko-KR" altLang="en-US" b="0" i="0" dirty="0">
-                <a:solidFill>
-                  <a:srgbClr val="333333"/>
-                </a:solidFill>
-                <a:effectLst/>
-                <a:latin typeface="Pretendard"/>
-              </a:rPr>
-              <a:t>일단 싱글로 만든 후 멀티 진행할지 말지 결정</a:t>
-            </a:r>
-            <a:endParaRPr lang="en-US" altLang="ko-KR" b="0" i="0" dirty="0">
-              <a:solidFill>
-                <a:srgbClr val="333333"/>
-              </a:solidFill>
-              <a:effectLst/>
-              <a:latin typeface="Pretendard"/>
-            </a:endParaRPr>
-          </a:p>
-          <a:p>
-            <a:endParaRPr lang="en-US" altLang="ko-KR" dirty="0">
-              <a:solidFill>
-                <a:srgbClr val="333333"/>
-              </a:solidFill>
-              <a:latin typeface="Pretendard"/>
-            </a:endParaRPr>
-          </a:p>
-          <a:p>
-            <a:r>
               <a:rPr lang="ko-KR" altLang="en-US" dirty="0" err="1"/>
-              <a:t>백엔드가</a:t>
-            </a:r>
-            <a:r>
-              <a:rPr lang="ko-KR" altLang="en-US" dirty="0"/>
-              <a:t> 필요하다면 친구 통해서 협업 가능</a:t>
+              <a:t>포톤으로</a:t>
+            </a:r>
+            <a:r>
+              <a:rPr lang="ko-KR" altLang="en-US" dirty="0"/>
+              <a:t> </a:t>
+            </a:r>
+            <a:r>
+              <a:rPr lang="ko-KR" altLang="en-US" dirty="0" err="1"/>
+              <a:t>넣는거</a:t>
+            </a:r>
+            <a:r>
+              <a:rPr lang="ko-KR" altLang="en-US" dirty="0"/>
+              <a:t> 추가하면 되는데 이거 작업이 너무 많아져서</a:t>
             </a:r>
             <a:endParaRPr lang="en-US" altLang="ko-KR" dirty="0"/>
           </a:p>
           <a:p>
+            <a:r>
+              <a:rPr lang="ko-KR" altLang="en-US" dirty="0" err="1"/>
+              <a:t>아이템같은거</a:t>
+            </a:r>
+            <a:r>
+              <a:rPr lang="ko-KR" altLang="en-US" dirty="0"/>
+              <a:t> </a:t>
+            </a:r>
+            <a:r>
+              <a:rPr lang="ko-KR" altLang="en-US" dirty="0" err="1"/>
+              <a:t>어떤거</a:t>
+            </a:r>
+            <a:r>
+              <a:rPr lang="ko-KR" altLang="en-US" dirty="0"/>
+              <a:t> 넣을지 전부다 기획을 짜고 </a:t>
+            </a:r>
+            <a:r>
+              <a:rPr lang="ko-KR" altLang="en-US" dirty="0" err="1"/>
+              <a:t>포톤을</a:t>
+            </a:r>
+            <a:r>
+              <a:rPr lang="ko-KR" altLang="en-US" dirty="0"/>
+              <a:t> </a:t>
+            </a:r>
+            <a:r>
+              <a:rPr lang="ko-KR" altLang="en-US" dirty="0" err="1"/>
+              <a:t>넣는게</a:t>
+            </a:r>
+            <a:r>
+              <a:rPr lang="ko-KR" altLang="en-US" dirty="0"/>
+              <a:t> 맞음</a:t>
+            </a:r>
+            <a:r>
+              <a:rPr lang="en-US" altLang="ko-KR" dirty="0"/>
+              <a:t>…</a:t>
+            </a:r>
+            <a:r>
+              <a:rPr lang="ko-KR" altLang="en-US" dirty="0"/>
+              <a:t>근 일주일동안 너무 바빠서 아무것도 못했는데 슬슬 기획 다시 업데이트 </a:t>
+            </a:r>
+            <a:r>
+              <a:rPr lang="ko-KR" altLang="en-US" dirty="0" err="1"/>
+              <a:t>시켜야됨</a:t>
+            </a:r>
             <a:endParaRPr lang="en-US" altLang="ko-KR" dirty="0"/>
           </a:p>
           <a:p>
@@ -4858,29 +5010,21 @@
           </a:p>
           <a:p>
             <a:r>
-              <a:rPr lang="ko-KR" altLang="en-US" dirty="0" err="1"/>
-              <a:t>포톤넣고</a:t>
-            </a:r>
-            <a:r>
-              <a:rPr lang="ko-KR" altLang="en-US" dirty="0"/>
-              <a:t> </a:t>
-            </a:r>
-            <a:r>
               <a:rPr lang="en-US" altLang="ko-KR" dirty="0"/>
               <a:t>RPC</a:t>
             </a:r>
             <a:r>
               <a:rPr lang="ko-KR" altLang="en-US"/>
-              <a:t>로 동기화 시키도록</a:t>
-            </a:r>
-            <a:endParaRPr lang="ko-KR" altLang="en-US" dirty="0"/>
+              <a:t> 사용하면 해결</a:t>
+            </a:r>
+            <a:endParaRPr lang="en-US" altLang="ko-KR" dirty="0"/>
           </a:p>
         </p:txBody>
       </p:sp>
     </p:spTree>
     <p:extLst>
       <p:ext uri="{BB962C8B-B14F-4D97-AF65-F5344CB8AC3E}">
-        <p14:creationId xmlns:p14="http://schemas.microsoft.com/office/powerpoint/2010/main" val="2909321877"/>
+        <p14:creationId xmlns:p14="http://schemas.microsoft.com/office/powerpoint/2010/main" val="4161277193"/>
       </p:ext>
     </p:extLst>
   </p:cSld>
@@ -4912,7 +5056,7 @@
           <p:cNvPr id="2" name="제목 1">
             <a:extLst>
               <a:ext uri="{FF2B5EF4-FFF2-40B4-BE49-F238E27FC236}">
-                <a16:creationId xmlns:a16="http://schemas.microsoft.com/office/drawing/2014/main" id="{84FC38AF-C1DE-B5F4-D734-47250387866A}"/>
+                <a16:creationId xmlns:a16="http://schemas.microsoft.com/office/drawing/2014/main" id="{7849E8B7-62FB-0190-0689-D188A0DC1BF7}"/>
               </a:ext>
             </a:extLst>
           </p:cNvPr>
@@ -4929,9 +5073,26 @@
           <a:lstStyle/>
           <a:p>
             <a:r>
-              <a:rPr lang="ko-KR" altLang="en-US" dirty="0"/>
-              <a:t>시점</a:t>
-            </a:r>
+              <a:rPr lang="ko-KR" altLang="en-US" dirty="0" err="1"/>
+              <a:t>장비창</a:t>
+            </a:r>
+            <a:r>
+              <a:rPr lang="ko-KR" altLang="en-US" dirty="0"/>
+              <a:t> </a:t>
+            </a:r>
+            <a:r>
+              <a:rPr lang="en-US" altLang="ko-KR" dirty="0"/>
+              <a:t>&lt;&lt;</a:t>
+            </a:r>
+            <a:r>
+              <a:rPr lang="ko-KR" altLang="en-US" dirty="0"/>
+              <a:t>최대한 주말에 만들어보자</a:t>
+            </a:r>
+            <a:r>
+              <a:rPr lang="en-US" altLang="ko-KR" dirty="0"/>
+              <a:t>&gt;&gt;</a:t>
+            </a:r>
+            <a:endParaRPr lang="ko-KR" altLang="en-US" dirty="0"/>
           </a:p>
         </p:txBody>
       </p:sp>
@@ -4940,7 +5101,7 @@
           <p:cNvPr id="3" name="내용 개체 틀 2">
             <a:extLst>
               <a:ext uri="{FF2B5EF4-FFF2-40B4-BE49-F238E27FC236}">
-                <a16:creationId xmlns:a16="http://schemas.microsoft.com/office/drawing/2014/main" id="{12E53541-EE0A-90A4-892E-A1679D195AA8}"/>
+                <a16:creationId xmlns:a16="http://schemas.microsoft.com/office/drawing/2014/main" id="{4D0C32A6-55B0-BB18-7A73-B998C7831103}"/>
               </a:ext>
             </a:extLst>
           </p:cNvPr>
@@ -4953,74 +5114,193 @@
         </p:nvSpPr>
         <p:spPr/>
         <p:txBody>
-          <a:bodyPr/>
-          <a:lstStyle/>
-          <a:p>
-            <a:r>
-              <a:rPr lang="en-US" altLang="ko-KR" dirty="0"/>
-              <a:t>1</a:t>
-            </a:r>
-            <a:r>
-              <a:rPr lang="ko-KR" altLang="en-US" dirty="0"/>
-              <a:t>인칭</a:t>
+          <a:bodyPr>
+            <a:normAutofit fontScale="77500" lnSpcReduction="20000"/>
+          </a:bodyPr>
+          <a:lstStyle/>
+          <a:p>
+            <a:r>
+              <a:rPr lang="ko-KR" altLang="en-US" dirty="0"/>
+              <a:t>마우스클릭 없이 </a:t>
+            </a:r>
+            <a:r>
+              <a:rPr lang="en-US" altLang="ko-KR" dirty="0"/>
+              <a:t>E </a:t>
+            </a:r>
+            <a:r>
+              <a:rPr lang="ko-KR" altLang="en-US" dirty="0"/>
+              <a:t>누르면 장비창에 획득목록 보여줌</a:t>
+            </a:r>
+            <a:endParaRPr lang="en-US" altLang="ko-KR" dirty="0"/>
+          </a:p>
+          <a:p>
+            <a:r>
+              <a:rPr lang="en-US" altLang="ko-KR" dirty="0"/>
+              <a:t>E</a:t>
+            </a:r>
+            <a:r>
+              <a:rPr lang="ko-KR" altLang="en-US" dirty="0"/>
+              <a:t>는 클릭 시 열리고 </a:t>
+            </a:r>
+            <a:r>
+              <a:rPr lang="ko-KR" altLang="en-US" dirty="0" err="1"/>
+              <a:t>재클릭시</a:t>
+            </a:r>
+            <a:r>
+              <a:rPr lang="ko-KR" altLang="en-US" dirty="0"/>
+              <a:t> 닫히는 방식 </a:t>
+            </a:r>
+            <a:r>
+              <a:rPr lang="en-US" altLang="ko-KR" dirty="0"/>
+              <a:t>(</a:t>
+            </a:r>
+            <a:r>
+              <a:rPr lang="ko-KR" altLang="en-US" dirty="0" err="1"/>
+              <a:t>게임지장</a:t>
+            </a:r>
+            <a:r>
+              <a:rPr lang="en-US" altLang="ko-KR" dirty="0"/>
+              <a:t>x)</a:t>
+            </a:r>
+          </a:p>
+          <a:p>
+            <a:endParaRPr lang="en-US" altLang="ko-KR" dirty="0"/>
+          </a:p>
+          <a:p>
+            <a:r>
+              <a:rPr lang="ko-KR" altLang="en-US" dirty="0"/>
+              <a:t>그렇다면 </a:t>
+            </a:r>
+            <a:r>
+              <a:rPr lang="en-US" altLang="ko-KR" dirty="0"/>
+              <a:t>“</a:t>
+            </a:r>
+            <a:r>
+              <a:rPr lang="ko-KR" altLang="en-US" dirty="0"/>
+              <a:t>아드레날린 주사기</a:t>
+            </a:r>
+            <a:r>
+              <a:rPr lang="en-US" altLang="ko-KR" dirty="0"/>
+              <a:t>”</a:t>
+            </a:r>
+            <a:r>
+              <a:rPr lang="ko-KR" altLang="en-US" dirty="0"/>
+              <a:t>는 어떻게 </a:t>
+            </a:r>
+            <a:r>
+              <a:rPr lang="ko-KR" altLang="en-US" dirty="0" err="1"/>
+              <a:t>먹일껀지</a:t>
+            </a:r>
+            <a:r>
+              <a:rPr lang="ko-KR" altLang="en-US" dirty="0"/>
+              <a:t> 관건</a:t>
+            </a:r>
+            <a:endParaRPr lang="en-US" altLang="ko-KR" dirty="0"/>
+          </a:p>
+          <a:p>
+            <a:r>
+              <a:rPr lang="en-US" altLang="ko-KR" dirty="0"/>
+              <a:t>==E</a:t>
+            </a:r>
+            <a:r>
+              <a:rPr lang="ko-KR" altLang="en-US" dirty="0"/>
+              <a:t>누르고 </a:t>
+            </a:r>
+            <a:r>
+              <a:rPr lang="en-US" altLang="ko-KR" dirty="0"/>
+              <a:t>Space </a:t>
+            </a:r>
+            <a:r>
+              <a:rPr lang="ko-KR" altLang="en-US" dirty="0"/>
+              <a:t>누르면 주사기 동작하게</a:t>
+            </a:r>
+            <a:r>
+              <a:rPr lang="en-US" altLang="ko-KR" dirty="0"/>
+              <a:t>??</a:t>
+            </a:r>
+          </a:p>
+          <a:p>
+            <a:endParaRPr lang="en-US" altLang="ko-KR" dirty="0"/>
+          </a:p>
+          <a:p>
+            <a:r>
+              <a:rPr lang="ko-KR" altLang="en-US" dirty="0"/>
+              <a:t>장비창의 목록은 열쇠</a:t>
             </a:r>
             <a:r>
               <a:rPr lang="en-US" altLang="ko-KR" dirty="0"/>
               <a:t>, </a:t>
             </a:r>
             <a:r>
+              <a:rPr lang="ko-KR" altLang="en-US" dirty="0"/>
+              <a:t>주사기</a:t>
+            </a:r>
+            <a:r>
+              <a:rPr lang="en-US" altLang="ko-KR" dirty="0"/>
+              <a:t>, </a:t>
+            </a:r>
+            <a:r>
+              <a:rPr lang="ko-KR" altLang="en-US" dirty="0"/>
+              <a:t>그리고 이후 추가될 몇몇정도</a:t>
+            </a:r>
+            <a:endParaRPr lang="en-US" altLang="ko-KR" dirty="0"/>
+          </a:p>
+          <a:p>
+            <a:r>
               <a:rPr lang="ko-KR" altLang="en-US" dirty="0" err="1"/>
-              <a:t>휠로</a:t>
-            </a:r>
-            <a:r>
-              <a:rPr lang="ko-KR" altLang="en-US" dirty="0"/>
-              <a:t> 줌인</a:t>
-            </a:r>
-            <a:r>
-              <a:rPr lang="en-US" altLang="ko-KR" dirty="0"/>
-              <a:t>/</a:t>
-            </a:r>
-            <a:r>
-              <a:rPr lang="ko-KR" altLang="en-US" dirty="0"/>
-              <a:t>아웃 </a:t>
-            </a:r>
-            <a:r>
-              <a:rPr lang="en-US" altLang="ko-KR" dirty="0"/>
-              <a:t>ok</a:t>
-            </a:r>
-          </a:p>
-          <a:p>
-            <a:r>
-              <a:rPr lang="ko-KR" altLang="en-US" dirty="0"/>
-              <a:t>다만 캐릭터 자체는 </a:t>
-            </a:r>
-            <a:r>
-              <a:rPr lang="ko-KR" altLang="en-US" dirty="0" err="1"/>
-              <a:t>못봄</a:t>
-            </a:r>
-            <a:r>
-              <a:rPr lang="ko-KR" altLang="en-US" dirty="0"/>
-              <a:t> 무조건 </a:t>
-            </a:r>
-            <a:r>
-              <a:rPr lang="en-US" altLang="ko-KR" dirty="0"/>
-              <a:t>1</a:t>
-            </a:r>
-            <a:r>
-              <a:rPr lang="ko-KR" altLang="en-US" dirty="0"/>
-              <a:t>인칭</a:t>
+              <a:t>먹는건</a:t>
+            </a:r>
+            <a:r>
+              <a:rPr lang="ko-KR" altLang="en-US"/>
+              <a:t> 순서 관계없이 먹는 순서대로 중앙에서부터 좌측으로 밀려나는 느낌</a:t>
             </a:r>
             <a:endParaRPr lang="en-US" altLang="ko-KR" dirty="0"/>
           </a:p>
           <a:p>
-            <a:endParaRPr lang="ko-KR" altLang="en-US" dirty="0"/>
+            <a:endParaRPr lang="en-US" altLang="ko-KR" dirty="0"/>
+          </a:p>
+          <a:p>
+            <a:r>
+              <a:rPr lang="ko-KR" altLang="en-US" dirty="0"/>
+              <a:t>모두 패시브로 사용되게 하고</a:t>
+            </a:r>
+            <a:endParaRPr lang="en-US" altLang="ko-KR" dirty="0"/>
+          </a:p>
+          <a:p>
+            <a:r>
+              <a:rPr lang="ko-KR" altLang="en-US" dirty="0"/>
+              <a:t>아이템은 캐릭터가 </a:t>
+            </a:r>
+            <a:r>
+              <a:rPr lang="en-US" altLang="ko-KR" dirty="0"/>
+              <a:t>space </a:t>
+            </a:r>
+            <a:r>
+              <a:rPr lang="ko-KR" altLang="en-US" dirty="0"/>
+              <a:t>누르면 먹고</a:t>
+            </a:r>
+            <a:endParaRPr lang="en-US" altLang="ko-KR" dirty="0"/>
+          </a:p>
+          <a:p>
+            <a:r>
+              <a:rPr lang="ko-KR" altLang="en-US" dirty="0"/>
+              <a:t>트리거 동작하는 부분에서 </a:t>
+            </a:r>
+            <a:r>
+              <a:rPr lang="en-US" altLang="ko-KR" dirty="0"/>
+              <a:t>space </a:t>
+            </a:r>
+            <a:r>
+              <a:rPr lang="ko-KR" altLang="en-US" dirty="0"/>
+              <a:t>누르면 작동하게 설정</a:t>
+            </a:r>
           </a:p>
         </p:txBody>
       </p:sp>
     </p:spTree>
     <p:extLst>
       <p:ext uri="{BB962C8B-B14F-4D97-AF65-F5344CB8AC3E}">
-        <p14:creationId xmlns:p14="http://schemas.microsoft.com/office/powerpoint/2010/main" val="3226499601"/>
+        <p14:creationId xmlns:p14="http://schemas.microsoft.com/office/powerpoint/2010/main" val="1963623474"/>
       </p:ext>
     </p:extLst>
   </p:cSld>
@@ -5052,7 +5332,7 @@
           <p:cNvPr id="2" name="제목 1">
             <a:extLst>
               <a:ext uri="{FF2B5EF4-FFF2-40B4-BE49-F238E27FC236}">
-                <a16:creationId xmlns:a16="http://schemas.microsoft.com/office/drawing/2014/main" id="{D6D66C3E-4BCE-8AEB-6B0D-881061540761}"/>
+                <a16:creationId xmlns:a16="http://schemas.microsoft.com/office/drawing/2014/main" id="{8D8B9B78-02F9-A4C5-7C4C-2A21212E4F02}"/>
               </a:ext>
             </a:extLst>
           </p:cNvPr>
@@ -5069,32 +5349,12 @@
           <a:lstStyle/>
           <a:p>
             <a:r>
-              <a:rPr lang="en-US" altLang="ko-KR" dirty="0"/>
-              <a:t>1. </a:t>
-            </a:r>
-            <a:r>
-              <a:rPr lang="ko-KR" altLang="en-US" dirty="0"/>
-              <a:t>캐릭터 </a:t>
-            </a:r>
-            <a:r>
-              <a:rPr lang="en-US" altLang="ko-KR" dirty="0"/>
-              <a:t>nickname </a:t>
-            </a:r>
-            <a:r>
-              <a:rPr lang="ko-KR" altLang="en-US" dirty="0"/>
-              <a:t>설정 </a:t>
-            </a:r>
-            <a:r>
-              <a:rPr lang="en-US" altLang="ko-KR" dirty="0"/>
-              <a:t>[</a:t>
-            </a:r>
-            <a:r>
-              <a:rPr lang="ko-KR" altLang="en-US" dirty="0"/>
-              <a:t>머리위에</a:t>
-            </a:r>
-            <a:r>
-              <a:rPr lang="en-US" altLang="ko-KR" dirty="0"/>
-              <a:t>]</a:t>
+              <a:rPr lang="ko-KR" altLang="en-US" dirty="0"/>
+              <a:t>멀티</a:t>
+            </a:r>
+            <a:r>
+              <a:rPr lang="en-US" altLang="ko-KR" dirty="0"/>
+              <a:t>?</a:t>
             </a:r>
             <a:endParaRPr lang="ko-KR" altLang="en-US" dirty="0"/>
           </a:p>
@@ -5105,7 +5365,7 @@
           <p:cNvPr id="3" name="내용 개체 틀 2">
             <a:extLst>
               <a:ext uri="{FF2B5EF4-FFF2-40B4-BE49-F238E27FC236}">
-                <a16:creationId xmlns:a16="http://schemas.microsoft.com/office/drawing/2014/main" id="{CE3C40F1-4B2A-2918-C497-286DEDD31357}"/>
+                <a16:creationId xmlns:a16="http://schemas.microsoft.com/office/drawing/2014/main" id="{141983C5-6375-9CBB-B229-BFE648BAD5C2}"/>
               </a:ext>
             </a:extLst>
           </p:cNvPr>
@@ -5122,41 +5382,52 @@
           <a:lstStyle/>
           <a:p>
             <a:r>
-              <a:rPr lang="ko-KR" altLang="en-US" dirty="0"/>
-              <a:t>캐릭터 머리 위에 이름 </a:t>
-            </a:r>
-            <a:r>
-              <a:rPr lang="en-US" altLang="ko-KR" dirty="0"/>
-              <a:t>: </a:t>
-            </a:r>
-            <a:r>
-              <a:rPr lang="ko-KR" altLang="en-US" dirty="0"/>
-              <a:t>내가 </a:t>
-            </a:r>
+              <a:rPr lang="ko-KR" altLang="en-US" b="0" i="0" dirty="0">
+                <a:solidFill>
+                  <a:srgbClr val="333333"/>
+                </a:solidFill>
+                <a:effectLst/>
+                <a:latin typeface="Pretendard"/>
+              </a:rPr>
+              <a:t>일단 싱글로 만든 후 멀티 진행할지 말지 결정</a:t>
+            </a:r>
+            <a:endParaRPr lang="en-US" altLang="ko-KR" b="0" i="0" dirty="0">
+              <a:solidFill>
+                <a:srgbClr val="333333"/>
+              </a:solidFill>
+              <a:effectLst/>
+              <a:latin typeface="Pretendard"/>
+            </a:endParaRPr>
+          </a:p>
+          <a:p>
+            <a:endParaRPr lang="en-US" altLang="ko-KR" dirty="0">
+              <a:solidFill>
+                <a:srgbClr val="333333"/>
+              </a:solidFill>
+              <a:latin typeface="Pretendard"/>
+            </a:endParaRPr>
+          </a:p>
+          <a:p>
             <a:r>
               <a:rPr lang="ko-KR" altLang="en-US" dirty="0" err="1"/>
-              <a:t>원하는거</a:t>
-            </a:r>
-            <a:r>
-              <a:rPr lang="ko-KR" altLang="en-US" dirty="0"/>
-              <a:t> 적을 수 잇게</a:t>
-            </a:r>
-          </a:p>
-          <a:p>
-            <a:endParaRPr lang="ko-KR" altLang="en-US" dirty="0"/>
-          </a:p>
-          <a:p>
-            <a:r>
-              <a:rPr lang="en-US" altLang="ko-KR" dirty="0"/>
-              <a:t>NPC </a:t>
-            </a:r>
-            <a:r>
-              <a:rPr lang="ko-KR" altLang="en-US" dirty="0"/>
-              <a:t>가 이제 여기 참여자들로 적으면 </a:t>
-            </a:r>
+              <a:t>백엔드가</a:t>
+            </a:r>
+            <a:r>
+              <a:rPr lang="ko-KR" altLang="en-US" dirty="0"/>
+              <a:t> 필요하다면 친구 통해서 협업 가능</a:t>
+            </a:r>
+            <a:endParaRPr lang="en-US" altLang="ko-KR" dirty="0"/>
+          </a:p>
+          <a:p>
+            <a:endParaRPr lang="en-US" altLang="ko-KR" dirty="0"/>
+          </a:p>
+          <a:p>
+            <a:endParaRPr lang="en-US" altLang="ko-KR" dirty="0"/>
+          </a:p>
+          <a:p>
             <a:r>
               <a:rPr lang="ko-KR" altLang="en-US" dirty="0" err="1"/>
-              <a:t>될듯</a:t>
+              <a:t>포톤넣고</a:t>
             </a:r>
             <a:r>
               <a:rPr lang="ko-KR" altLang="en-US" dirty="0"/>
@@ -5164,83 +5435,11 @@
             </a:r>
             <a:r>
               <a:rPr lang="en-US" altLang="ko-KR" dirty="0"/>
-              <a:t>: </a:t>
-            </a:r>
-            <a:r>
-              <a:rPr lang="ko-KR" altLang="en-US" dirty="0"/>
-              <a:t>아라 </a:t>
-            </a:r>
-            <a:r>
-              <a:rPr lang="ko-KR" altLang="en-US" dirty="0" err="1"/>
-              <a:t>이런식으로</a:t>
-            </a:r>
-            <a:endParaRPr lang="ko-KR" altLang="en-US" dirty="0"/>
-          </a:p>
-          <a:p>
-            <a:endParaRPr lang="ko-KR" altLang="en-US" dirty="0"/>
-          </a:p>
-          <a:p>
-            <a:r>
-              <a:rPr lang="en-US" altLang="ko-KR" dirty="0"/>
-              <a:t>preload</a:t>
-            </a:r>
-            <a:r>
-              <a:rPr lang="ko-KR" altLang="en-US" dirty="0"/>
-              <a:t>에서 </a:t>
-            </a:r>
-            <a:r>
-              <a:rPr lang="en-US" altLang="ko-KR" dirty="0"/>
-              <a:t>login</a:t>
-            </a:r>
-            <a:r>
-              <a:rPr lang="ko-KR" altLang="en-US" dirty="0"/>
-              <a:t>으로 가서 룸을 잡고 </a:t>
-            </a:r>
-            <a:r>
-              <a:rPr lang="en-US" altLang="ko-KR" dirty="0" err="1"/>
-              <a:t>ingame</a:t>
-            </a:r>
-            <a:r>
-              <a:rPr lang="ko-KR" altLang="en-US" dirty="0"/>
-              <a:t>으로 들어가는 </a:t>
-            </a:r>
-            <a:r>
-              <a:rPr lang="ko-KR" altLang="en-US" dirty="0" err="1"/>
-              <a:t>구간이잖아</a:t>
-            </a:r>
-            <a:r>
-              <a:rPr lang="en-US" altLang="ko-KR" dirty="0"/>
-              <a:t>?</a:t>
-            </a:r>
-          </a:p>
-          <a:p>
-            <a:r>
-              <a:rPr lang="en-US" altLang="ko-KR" dirty="0" err="1"/>
-              <a:t>ingame</a:t>
-            </a:r>
-            <a:r>
-              <a:rPr lang="ko-KR" altLang="en-US" dirty="0"/>
-              <a:t>쪽에서 </a:t>
-            </a:r>
-            <a:r>
-              <a:rPr lang="en-US" altLang="ko-KR" dirty="0" err="1"/>
-              <a:t>gamemanager</a:t>
-            </a:r>
-            <a:r>
-              <a:rPr lang="ko-KR" altLang="en-US" dirty="0"/>
-              <a:t>을 </a:t>
-            </a:r>
-            <a:r>
-              <a:rPr lang="ko-KR" altLang="en-US" dirty="0" err="1"/>
-              <a:t>배치하는게</a:t>
-            </a:r>
-            <a:r>
-              <a:rPr lang="ko-KR" altLang="en-US" dirty="0"/>
-              <a:t> 맞다고 생각하거든</a:t>
-            </a:r>
-            <a:r>
-              <a:rPr lang="en-US" altLang="ko-KR" dirty="0"/>
-              <a:t>?</a:t>
+              <a:t>RPC</a:t>
+            </a:r>
+            <a:r>
+              <a:rPr lang="ko-KR" altLang="en-US"/>
+              <a:t>로 동기화 시키도록</a:t>
             </a:r>
             <a:endParaRPr lang="ko-KR" altLang="en-US" dirty="0"/>
           </a:p>
@@ -5249,7 +5448,7 @@
     </p:spTree>
     <p:extLst>
       <p:ext uri="{BB962C8B-B14F-4D97-AF65-F5344CB8AC3E}">
-        <p14:creationId xmlns:p14="http://schemas.microsoft.com/office/powerpoint/2010/main" val="1776640355"/>
+        <p14:creationId xmlns:p14="http://schemas.microsoft.com/office/powerpoint/2010/main" val="2909321877"/>
       </p:ext>
     </p:extLst>
   </p:cSld>
@@ -5281,7 +5480,7 @@
           <p:cNvPr id="2" name="제목 1">
             <a:extLst>
               <a:ext uri="{FF2B5EF4-FFF2-40B4-BE49-F238E27FC236}">
-                <a16:creationId xmlns:a16="http://schemas.microsoft.com/office/drawing/2014/main" id="{68A194FF-8D4B-4BBD-8F48-6C82014B28CA}"/>
+                <a16:creationId xmlns:a16="http://schemas.microsoft.com/office/drawing/2014/main" id="{84FC38AF-C1DE-B5F4-D734-47250387866A}"/>
               </a:ext>
             </a:extLst>
           </p:cNvPr>
@@ -5298,144 +5497,98 @@
           <a:lstStyle/>
           <a:p>
             <a:r>
-              <a:rPr lang="en-US" altLang="ko-KR" dirty="0"/>
-              <a:t>2. </a:t>
-            </a:r>
-            <a:r>
-              <a:rPr lang="ko-KR" altLang="en-US" dirty="0"/>
-              <a:t>캐릭터 </a:t>
-            </a:r>
-            <a:r>
-              <a:rPr lang="en-US" altLang="ko-KR" dirty="0"/>
-              <a:t>HP</a:t>
-            </a:r>
+              <a:rPr lang="ko-KR" altLang="en-US" dirty="0"/>
+              <a:t>시점</a:t>
+            </a:r>
+          </a:p>
+        </p:txBody>
+      </p:sp>
+      <p:sp>
+        <p:nvSpPr>
+          <p:cNvPr id="3" name="내용 개체 틀 2">
+            <a:extLst>
+              <a:ext uri="{FF2B5EF4-FFF2-40B4-BE49-F238E27FC236}">
+                <a16:creationId xmlns:a16="http://schemas.microsoft.com/office/drawing/2014/main" id="{12E53541-EE0A-90A4-892E-A1679D195AA8}"/>
+              </a:ext>
+            </a:extLst>
+          </p:cNvPr>
+          <p:cNvSpPr>
+            <a:spLocks noGrp="1"/>
+          </p:cNvSpPr>
+          <p:nvPr>
+            <p:ph idx="1"/>
+          </p:nvPr>
+        </p:nvSpPr>
+        <p:spPr/>
+        <p:txBody>
+          <a:bodyPr/>
+          <a:lstStyle/>
+          <a:p>
+            <a:r>
+              <a:rPr lang="en-US" altLang="ko-KR" dirty="0"/>
+              <a:t>1</a:t>
+            </a:r>
+            <a:r>
+              <a:rPr lang="ko-KR" altLang="en-US" dirty="0"/>
+              <a:t>인칭</a:t>
+            </a:r>
+            <a:r>
+              <a:rPr lang="en-US" altLang="ko-KR" dirty="0"/>
+              <a:t>, </a:t>
+            </a:r>
+            <a:r>
+              <a:rPr lang="ko-KR" altLang="en-US" dirty="0" err="1"/>
+              <a:t>휠로</a:t>
+            </a:r>
+            <a:r>
+              <a:rPr lang="ko-KR" altLang="en-US" dirty="0"/>
+              <a:t> 줌인</a:t>
+            </a:r>
+            <a:r>
+              <a:rPr lang="en-US" altLang="ko-KR" dirty="0"/>
+              <a:t>/</a:t>
+            </a:r>
+            <a:r>
+              <a:rPr lang="ko-KR" altLang="en-US" dirty="0"/>
+              <a:t>아웃 </a:t>
+            </a:r>
+            <a:r>
+              <a:rPr lang="en-US" altLang="ko-KR" dirty="0"/>
+              <a:t>ok</a:t>
+            </a:r>
+          </a:p>
+          <a:p>
+            <a:r>
+              <a:rPr lang="ko-KR" altLang="en-US" dirty="0"/>
+              <a:t>다만 캐릭터 자체는 </a:t>
+            </a:r>
+            <a:r>
+              <a:rPr lang="ko-KR" altLang="en-US" dirty="0" err="1"/>
+              <a:t>못봄</a:t>
+            </a:r>
+            <a:r>
+              <a:rPr lang="ko-KR" altLang="en-US" dirty="0"/>
+              <a:t> 무조건 </a:t>
+            </a:r>
+            <a:r>
+              <a:rPr lang="en-US" altLang="ko-KR" dirty="0"/>
+              <a:t>1</a:t>
+            </a:r>
+            <a:r>
+              <a:rPr lang="ko-KR" altLang="en-US" dirty="0"/>
+              <a:t>인칭</a:t>
+            </a:r>
+            <a:endParaRPr lang="en-US" altLang="ko-KR" dirty="0"/>
+          </a:p>
+          <a:p>
             <a:endParaRPr lang="ko-KR" altLang="en-US" dirty="0"/>
-          </a:p>
-        </p:txBody>
-      </p:sp>
-      <p:sp>
-        <p:nvSpPr>
-          <p:cNvPr id="3" name="내용 개체 틀 2">
-            <a:extLst>
-              <a:ext uri="{FF2B5EF4-FFF2-40B4-BE49-F238E27FC236}">
-                <a16:creationId xmlns:a16="http://schemas.microsoft.com/office/drawing/2014/main" id="{85296CDA-9026-4B8B-BE84-A4C28D134E4F}"/>
-              </a:ext>
-            </a:extLst>
-          </p:cNvPr>
-          <p:cNvSpPr>
-            <a:spLocks noGrp="1"/>
-          </p:cNvSpPr>
-          <p:nvPr>
-            <p:ph idx="1"/>
-          </p:nvPr>
-        </p:nvSpPr>
-        <p:spPr/>
-        <p:txBody>
-          <a:bodyPr>
-            <a:normAutofit lnSpcReduction="10000"/>
-          </a:bodyPr>
-          <a:lstStyle/>
-          <a:p>
-            <a:r>
-              <a:rPr lang="en-US" altLang="ko-KR" dirty="0"/>
-              <a:t>HP </a:t>
-            </a:r>
-            <a:r>
-              <a:rPr lang="ko-KR" altLang="en-US" dirty="0"/>
-              <a:t>바를 작게 만들거나 캐릭터 상태를 알려주는 식으로 </a:t>
-            </a:r>
-            <a:r>
-              <a:rPr lang="ko-KR" altLang="en-US" dirty="0" err="1"/>
-              <a:t>맵으로</a:t>
-            </a:r>
-            <a:r>
-              <a:rPr lang="ko-KR" altLang="en-US" dirty="0"/>
-              <a:t> 만들거나 하고</a:t>
-            </a:r>
-            <a:endParaRPr lang="en-US" altLang="ko-KR" dirty="0"/>
-          </a:p>
-          <a:p>
-            <a:r>
-              <a:rPr lang="ko-KR" altLang="en-US" dirty="0"/>
-              <a:t>한대 맞을 때마다 일정시간동안 희미하게 나왔다가 사라지는 피 나오는 식의 이미지를 이용해서 이미지 </a:t>
-            </a:r>
-            <a:r>
-              <a:rPr lang="en-US" altLang="ko-KR" dirty="0"/>
-              <a:t>3</a:t>
-            </a:r>
-            <a:r>
-              <a:rPr lang="ko-KR" altLang="en-US" dirty="0"/>
-              <a:t>개정도 랜덤하게</a:t>
-            </a:r>
-            <a:endParaRPr lang="en-US" altLang="ko-KR" dirty="0"/>
-          </a:p>
-          <a:p>
-            <a:endParaRPr lang="en-US" altLang="ko-KR" dirty="0"/>
-          </a:p>
-          <a:p>
-            <a:r>
-              <a:rPr lang="ko-KR" altLang="en-US" dirty="0"/>
-              <a:t>그리고 일정이상 피가 </a:t>
-            </a:r>
-            <a:r>
-              <a:rPr lang="ko-KR" altLang="en-US" dirty="0" err="1"/>
-              <a:t>까이면</a:t>
-            </a:r>
-            <a:r>
-              <a:rPr lang="ko-KR" altLang="en-US" dirty="0"/>
-              <a:t> 이미지가 붉어지고 일정시간동안 등장하는 피 이미지의 체류시간 늘리기</a:t>
-            </a:r>
-            <a:endParaRPr lang="en-US" altLang="ko-KR" dirty="0"/>
-          </a:p>
-          <a:p>
-            <a:endParaRPr lang="en-US" altLang="ko-KR" dirty="0"/>
-          </a:p>
-          <a:p>
-            <a:r>
-              <a:rPr lang="ko-KR" altLang="en-US" dirty="0"/>
-              <a:t>캐릭터 상태를 맵 마냥 </a:t>
-            </a:r>
-            <a:r>
-              <a:rPr lang="ko-KR" altLang="en-US" dirty="0" err="1"/>
-              <a:t>띄워놔야할지</a:t>
-            </a:r>
-            <a:r>
-              <a:rPr lang="ko-KR" altLang="en-US" dirty="0"/>
-              <a:t> 의문</a:t>
-            </a:r>
-            <a:endParaRPr lang="en-US" altLang="ko-KR" dirty="0"/>
-          </a:p>
-          <a:p>
-            <a:pPr marL="0" indent="0">
-              <a:buNone/>
-            </a:pPr>
-            <a:r>
-              <a:rPr lang="ko-KR" altLang="en-US" dirty="0"/>
-              <a:t>이렇게 </a:t>
-            </a:r>
-            <a:r>
-              <a:rPr lang="ko-KR" altLang="en-US" dirty="0" err="1"/>
-              <a:t>안할꺼면</a:t>
-            </a:r>
-            <a:r>
-              <a:rPr lang="ko-KR" altLang="en-US" dirty="0"/>
-              <a:t> </a:t>
-            </a:r>
-            <a:r>
-              <a:rPr lang="en-US" altLang="ko-KR" dirty="0"/>
-              <a:t>ESC </a:t>
-            </a:r>
-            <a:r>
-              <a:rPr lang="ko-KR" altLang="en-US" dirty="0"/>
-              <a:t>눌렀을 때 상태를 보여주는 창을 만들던가</a:t>
-            </a:r>
           </a:p>
         </p:txBody>
       </p:sp>
     </p:spTree>
     <p:extLst>
       <p:ext uri="{BB962C8B-B14F-4D97-AF65-F5344CB8AC3E}">
-        <p14:creationId xmlns:p14="http://schemas.microsoft.com/office/powerpoint/2010/main" val="1492213388"/>
+        <p14:creationId xmlns:p14="http://schemas.microsoft.com/office/powerpoint/2010/main" val="3226499601"/>
       </p:ext>
     </p:extLst>
   </p:cSld>
@@ -5467,7 +5620,7 @@
           <p:cNvPr id="2" name="제목 1">
             <a:extLst>
               <a:ext uri="{FF2B5EF4-FFF2-40B4-BE49-F238E27FC236}">
-                <a16:creationId xmlns:a16="http://schemas.microsoft.com/office/drawing/2014/main" id="{8B6ADD40-5111-4B0C-9F6D-DCDCF1372CEB}"/>
+                <a16:creationId xmlns:a16="http://schemas.microsoft.com/office/drawing/2014/main" id="{D6D66C3E-4BCE-8AEB-6B0D-881061540761}"/>
               </a:ext>
             </a:extLst>
           </p:cNvPr>
@@ -5485,74 +5638,177 @@
           <a:p>
             <a:r>
               <a:rPr lang="en-US" altLang="ko-KR" dirty="0"/>
-              <a:t>3. NPC </a:t>
-            </a:r>
-            <a:r>
-              <a:rPr lang="ko-KR" altLang="en-US" dirty="0"/>
-              <a:t>및 </a:t>
+              <a:t>1. </a:t>
+            </a:r>
+            <a:r>
+              <a:rPr lang="ko-KR" altLang="en-US" dirty="0"/>
+              <a:t>캐릭터 </a:t>
+            </a:r>
+            <a:r>
+              <a:rPr lang="en-US" altLang="ko-KR" dirty="0"/>
+              <a:t>nickname </a:t>
+            </a:r>
+            <a:r>
+              <a:rPr lang="ko-KR" altLang="en-US" dirty="0"/>
+              <a:t>설정 </a:t>
+            </a:r>
+            <a:r>
+              <a:rPr lang="en-US" altLang="ko-KR" dirty="0"/>
+              <a:t>[</a:t>
+            </a:r>
+            <a:r>
+              <a:rPr lang="ko-KR" altLang="en-US" dirty="0"/>
+              <a:t>머리위에</a:t>
+            </a:r>
+            <a:r>
+              <a:rPr lang="en-US" altLang="ko-KR" dirty="0"/>
+              <a:t>]</a:t>
+            </a:r>
+            <a:endParaRPr lang="ko-KR" altLang="en-US" dirty="0"/>
+          </a:p>
+        </p:txBody>
+      </p:sp>
+      <p:sp>
+        <p:nvSpPr>
+          <p:cNvPr id="3" name="내용 개체 틀 2">
+            <a:extLst>
+              <a:ext uri="{FF2B5EF4-FFF2-40B4-BE49-F238E27FC236}">
+                <a16:creationId xmlns:a16="http://schemas.microsoft.com/office/drawing/2014/main" id="{CE3C40F1-4B2A-2918-C497-286DEDD31357}"/>
+              </a:ext>
+            </a:extLst>
+          </p:cNvPr>
+          <p:cNvSpPr>
+            <a:spLocks noGrp="1"/>
+          </p:cNvSpPr>
+          <p:nvPr>
+            <p:ph idx="1"/>
+          </p:nvPr>
+        </p:nvSpPr>
+        <p:spPr/>
+        <p:txBody>
+          <a:bodyPr/>
+          <a:lstStyle/>
+          <a:p>
+            <a:r>
+              <a:rPr lang="ko-KR" altLang="en-US" dirty="0"/>
+              <a:t>캐릭터 머리 위에 이름 </a:t>
+            </a:r>
+            <a:r>
+              <a:rPr lang="en-US" altLang="ko-KR" dirty="0"/>
+              <a:t>: </a:t>
+            </a:r>
+            <a:r>
+              <a:rPr lang="ko-KR" altLang="en-US" dirty="0"/>
+              <a:t>내가 </a:t>
             </a:r>
             <a:r>
               <a:rPr lang="ko-KR" altLang="en-US" dirty="0" err="1"/>
-              <a:t>대화창</a:t>
-            </a:r>
+              <a:t>원하는거</a:t>
+            </a:r>
+            <a:r>
+              <a:rPr lang="ko-KR" altLang="en-US" dirty="0"/>
+              <a:t> 적을 수 잇게</a:t>
+            </a:r>
+          </a:p>
+          <a:p>
             <a:endParaRPr lang="ko-KR" altLang="en-US" dirty="0"/>
           </a:p>
-        </p:txBody>
-      </p:sp>
-      <p:sp>
-        <p:nvSpPr>
-          <p:cNvPr id="3" name="내용 개체 틀 2">
-            <a:extLst>
-              <a:ext uri="{FF2B5EF4-FFF2-40B4-BE49-F238E27FC236}">
-                <a16:creationId xmlns:a16="http://schemas.microsoft.com/office/drawing/2014/main" id="{0615762E-91FC-4D24-9EEA-2FED28751B23}"/>
-              </a:ext>
-            </a:extLst>
-          </p:cNvPr>
-          <p:cNvSpPr>
-            <a:spLocks noGrp="1"/>
-          </p:cNvSpPr>
-          <p:nvPr>
-            <p:ph idx="1"/>
-          </p:nvPr>
-        </p:nvSpPr>
-        <p:spPr/>
-        <p:txBody>
-          <a:bodyPr/>
-          <a:lstStyle/>
-          <a:p>
+          <a:p>
+            <a:r>
+              <a:rPr lang="en-US" altLang="ko-KR" dirty="0"/>
+              <a:t>NPC </a:t>
+            </a:r>
+            <a:r>
+              <a:rPr lang="ko-KR" altLang="en-US" dirty="0"/>
+              <a:t>가 이제 여기 참여자들로 적으면 </a:t>
+            </a:r>
+            <a:r>
+              <a:rPr lang="ko-KR" altLang="en-US" dirty="0" err="1"/>
+              <a:t>될듯</a:t>
+            </a:r>
+            <a:r>
+              <a:rPr lang="ko-KR" altLang="en-US" dirty="0"/>
+              <a:t> </a:t>
+            </a:r>
+            <a:r>
+              <a:rPr lang="en-US" altLang="ko-KR" dirty="0"/>
+              <a:t>: </a:t>
+            </a:r>
+            <a:r>
+              <a:rPr lang="ko-KR" altLang="en-US" dirty="0"/>
+              <a:t>아라 </a:t>
+            </a:r>
+            <a:r>
+              <a:rPr lang="ko-KR" altLang="en-US" dirty="0" err="1"/>
+              <a:t>이런식으로</a:t>
+            </a:r>
+            <a:endParaRPr lang="ko-KR" altLang="en-US" dirty="0"/>
+          </a:p>
+          <a:p>
+            <a:endParaRPr lang="ko-KR" altLang="en-US" dirty="0"/>
+          </a:p>
+          <a:p>
+            <a:r>
+              <a:rPr lang="en-US" altLang="ko-KR" dirty="0"/>
+              <a:t>preload</a:t>
+            </a:r>
+            <a:r>
+              <a:rPr lang="ko-KR" altLang="en-US" dirty="0"/>
+              <a:t>에서 </a:t>
+            </a:r>
+            <a:r>
+              <a:rPr lang="en-US" altLang="ko-KR" dirty="0"/>
+              <a:t>login</a:t>
+            </a:r>
+            <a:r>
+              <a:rPr lang="ko-KR" altLang="en-US" dirty="0"/>
+              <a:t>으로 가서 룸을 잡고 </a:t>
+            </a:r>
             <a:r>
               <a:rPr lang="en-US" altLang="ko-KR" dirty="0" err="1"/>
-              <a:t>Npc</a:t>
-            </a:r>
-            <a:r>
-              <a:rPr lang="ko-KR" altLang="en-US" dirty="0"/>
-              <a:t>에 가까이 가면 문구 나오고 </a:t>
-            </a:r>
-            <a:r>
-              <a:rPr lang="en-US" altLang="ko-KR" dirty="0"/>
-              <a:t>spacebar </a:t>
-            </a:r>
-            <a:r>
-              <a:rPr lang="ko-KR" altLang="en-US" dirty="0"/>
-              <a:t>눌러서 확인가능</a:t>
-            </a:r>
-            <a:endParaRPr lang="en-US" altLang="ko-KR" dirty="0"/>
-          </a:p>
-          <a:p>
-            <a:endParaRPr lang="en-US" altLang="ko-KR" dirty="0"/>
-          </a:p>
-          <a:p>
-            <a:r>
-              <a:rPr lang="ko-KR" altLang="en-US" dirty="0"/>
-              <a:t>그 외 물품들 가까이 가면 문구 나오고 누르면 </a:t>
-            </a:r>
-            <a:r>
-              <a:rPr lang="en-US" altLang="ko-KR" dirty="0"/>
-              <a:t>spacebar </a:t>
+              <a:t>ingame</a:t>
+            </a:r>
+            <a:r>
+              <a:rPr lang="ko-KR" altLang="en-US" dirty="0"/>
+              <a:t>으로 들어가는 </a:t>
             </a:r>
             <a:r>
               <a:rPr lang="ko-KR" altLang="en-US" dirty="0" err="1"/>
-              <a:t>대화창</a:t>
+              <a:t>구간이잖아</a:t>
+            </a:r>
+            <a:r>
+              <a:rPr lang="en-US" altLang="ko-KR" dirty="0"/>
+              <a:t>?</a:t>
+            </a:r>
+          </a:p>
+          <a:p>
+            <a:r>
+              <a:rPr lang="en-US" altLang="ko-KR" dirty="0" err="1"/>
+              <a:t>ingame</a:t>
+            </a:r>
+            <a:r>
+              <a:rPr lang="ko-KR" altLang="en-US" dirty="0"/>
+              <a:t>쪽에서 </a:t>
+            </a:r>
+            <a:r>
+              <a:rPr lang="en-US" altLang="ko-KR" dirty="0" err="1"/>
+              <a:t>gamemanager</a:t>
+            </a:r>
+            <a:r>
+              <a:rPr lang="ko-KR" altLang="en-US" dirty="0"/>
+              <a:t>을 </a:t>
+            </a:r>
+            <a:r>
+              <a:rPr lang="ko-KR" altLang="en-US" dirty="0" err="1"/>
+              <a:t>배치하는게</a:t>
+            </a:r>
+            <a:r>
+              <a:rPr lang="ko-KR" altLang="en-US" dirty="0"/>
+              <a:t> 맞다고 생각하거든</a:t>
+            </a:r>
+            <a:r>
+              <a:rPr lang="en-US" altLang="ko-KR" dirty="0"/>
+              <a:t>?</a:t>
             </a:r>
             <a:endParaRPr lang="ko-KR" altLang="en-US" dirty="0"/>
           </a:p>
@@ -5561,7 +5817,7 @@
     </p:spTree>
     <p:extLst>
       <p:ext uri="{BB962C8B-B14F-4D97-AF65-F5344CB8AC3E}">
-        <p14:creationId xmlns:p14="http://schemas.microsoft.com/office/powerpoint/2010/main" val="348120836"/>
+        <p14:creationId xmlns:p14="http://schemas.microsoft.com/office/powerpoint/2010/main" val="1776640355"/>
       </p:ext>
     </p:extLst>
   </p:cSld>
@@ -5593,7 +5849,7 @@
           <p:cNvPr id="2" name="제목 1">
             <a:extLst>
               <a:ext uri="{FF2B5EF4-FFF2-40B4-BE49-F238E27FC236}">
-                <a16:creationId xmlns:a16="http://schemas.microsoft.com/office/drawing/2014/main" id="{5453BCAB-5DFF-4995-B30F-8281AD6DB6BA}"/>
+                <a16:creationId xmlns:a16="http://schemas.microsoft.com/office/drawing/2014/main" id="{68A194FF-8D4B-4BBD-8F48-6C82014B28CA}"/>
               </a:ext>
             </a:extLst>
           </p:cNvPr>
@@ -5610,9 +5866,18 @@
           <a:lstStyle/>
           <a:p>
             <a:r>
-              <a:rPr lang="ko-KR" altLang="en-US"/>
-              <a:t>건</a:t>
-            </a:r>
+              <a:rPr lang="en-US" altLang="ko-KR" dirty="0"/>
+              <a:t>2. </a:t>
+            </a:r>
+            <a:r>
+              <a:rPr lang="ko-KR" altLang="en-US" dirty="0"/>
+              <a:t>캐릭터 </a:t>
+            </a:r>
+            <a:r>
+              <a:rPr lang="en-US" altLang="ko-KR" dirty="0"/>
+              <a:t>HP</a:t>
+            </a:r>
+            <a:endParaRPr lang="ko-KR" altLang="en-US" dirty="0"/>
           </a:p>
         </p:txBody>
       </p:sp>
@@ -5621,7 +5886,7 @@
           <p:cNvPr id="3" name="내용 개체 틀 2">
             <a:extLst>
               <a:ext uri="{FF2B5EF4-FFF2-40B4-BE49-F238E27FC236}">
-                <a16:creationId xmlns:a16="http://schemas.microsoft.com/office/drawing/2014/main" id="{C1BFE7A1-2B9E-4F6E-BB86-085604DF03FD}"/>
+                <a16:creationId xmlns:a16="http://schemas.microsoft.com/office/drawing/2014/main" id="{85296CDA-9026-4B8B-BE84-A4C28D134E4F}"/>
               </a:ext>
             </a:extLst>
           </p:cNvPr>
@@ -5634,92 +5899,111 @@
         </p:nvSpPr>
         <p:spPr/>
         <p:txBody>
-          <a:bodyPr/>
-          <a:lstStyle/>
-          <a:p>
-            <a:r>
-              <a:rPr lang="en-US" altLang="ko-KR"/>
-              <a:t>1. </a:t>
-            </a:r>
-            <a:r>
-              <a:rPr lang="ko-KR" altLang="en-US"/>
-              <a:t>총알쏘기</a:t>
-            </a:r>
-            <a:endParaRPr lang="en-US" altLang="ko-KR"/>
-          </a:p>
-          <a:p>
-            <a:r>
-              <a:rPr lang="en-US" altLang="ko-KR"/>
-              <a:t>2. </a:t>
-            </a:r>
-            <a:r>
-              <a:rPr lang="ko-KR" altLang="en-US"/>
-              <a:t>오브젝트 맞추기</a:t>
-            </a:r>
-            <a:endParaRPr lang="en-US" altLang="ko-KR"/>
-          </a:p>
-          <a:p>
-            <a:r>
-              <a:rPr lang="en-US" altLang="ko-KR"/>
-              <a:t>3. </a:t>
-            </a:r>
-            <a:r>
-              <a:rPr lang="ko-KR" altLang="en-US"/>
-              <a:t>오브젝트 사라지고 </a:t>
-            </a:r>
-            <a:r>
-              <a:rPr lang="en-US" altLang="ko-KR"/>
-              <a:t>money</a:t>
-            </a:r>
-            <a:r>
-              <a:rPr lang="ko-KR" altLang="en-US"/>
-              <a:t>오브젝트 주변으로 뿌리기</a:t>
-            </a:r>
-            <a:endParaRPr lang="en-US" altLang="ko-KR"/>
-          </a:p>
-          <a:p>
-            <a:r>
-              <a:rPr lang="en-US" altLang="ko-KR"/>
-              <a:t>4. </a:t>
-            </a:r>
-            <a:r>
-              <a:rPr lang="ko-KR" altLang="en-US"/>
-              <a:t>주변으로 뿌려진 </a:t>
-            </a:r>
-            <a:r>
-              <a:rPr lang="en-US" altLang="ko-KR"/>
-              <a:t>money, </a:t>
-            </a:r>
-            <a:r>
-              <a:rPr lang="ko-KR" altLang="en-US"/>
-              <a:t>캐릭터 일정이상 들어오면 자동으로 </a:t>
-            </a:r>
-            <a:r>
-              <a:rPr lang="en-US" altLang="ko-KR"/>
-              <a:t>get</a:t>
-            </a:r>
-          </a:p>
-          <a:p>
-            <a:r>
-              <a:rPr lang="en-US" altLang="ko-KR"/>
-              <a:t>5. </a:t>
-            </a:r>
-            <a:r>
-              <a:rPr lang="ko-KR" altLang="en-US"/>
-              <a:t>총 </a:t>
-            </a:r>
-            <a:r>
-              <a:rPr lang="en-US" altLang="ko-KR"/>
-              <a:t>reload</a:t>
-            </a:r>
-            <a:endParaRPr lang="ko-KR" altLang="en-US"/>
+          <a:bodyPr>
+            <a:normAutofit lnSpcReduction="10000"/>
+          </a:bodyPr>
+          <a:lstStyle/>
+          <a:p>
+            <a:r>
+              <a:rPr lang="en-US" altLang="ko-KR" dirty="0"/>
+              <a:t>HP </a:t>
+            </a:r>
+            <a:r>
+              <a:rPr lang="ko-KR" altLang="en-US" dirty="0"/>
+              <a:t>바를 작게 만들거나 캐릭터 상태를 알려주는 식으로 </a:t>
+            </a:r>
+            <a:r>
+              <a:rPr lang="ko-KR" altLang="en-US" dirty="0" err="1"/>
+              <a:t>맵으로</a:t>
+            </a:r>
+            <a:r>
+              <a:rPr lang="ko-KR" altLang="en-US" dirty="0"/>
+              <a:t> 만들거나 하고</a:t>
+            </a:r>
+            <a:endParaRPr lang="en-US" altLang="ko-KR" dirty="0"/>
+          </a:p>
+          <a:p>
+            <a:r>
+              <a:rPr lang="ko-KR" altLang="en-US" dirty="0"/>
+              <a:t>한대 맞을 때마다 일정시간동안 희미하게 나왔다가 사라지는 피 나오는 식의 이미지를 이용해서 이미지 </a:t>
+            </a:r>
+            <a:r>
+              <a:rPr lang="en-US" altLang="ko-KR" dirty="0"/>
+              <a:t>3</a:t>
+            </a:r>
+            <a:r>
+              <a:rPr lang="ko-KR" altLang="en-US" dirty="0"/>
+              <a:t>개정도 랜덤하게</a:t>
+            </a:r>
+            <a:endParaRPr lang="en-US" altLang="ko-KR" dirty="0"/>
+          </a:p>
+          <a:p>
+            <a:endParaRPr lang="en-US" altLang="ko-KR" dirty="0"/>
+          </a:p>
+          <a:p>
+            <a:r>
+              <a:rPr lang="ko-KR" altLang="en-US" dirty="0"/>
+              <a:t>그리고 일정이상 피가 </a:t>
+            </a:r>
+            <a:r>
+              <a:rPr lang="ko-KR" altLang="en-US" dirty="0" err="1"/>
+              <a:t>까이면</a:t>
+            </a:r>
+            <a:r>
+              <a:rPr lang="ko-KR" altLang="en-US" dirty="0"/>
+              <a:t> 이미지가 붉어지고 일정시간동안 등장하는 피 이미지의 체류시간 늘리기</a:t>
+            </a:r>
+            <a:endParaRPr lang="en-US" altLang="ko-KR" dirty="0"/>
+          </a:p>
+          <a:p>
+            <a:endParaRPr lang="en-US" altLang="ko-KR" dirty="0"/>
+          </a:p>
+          <a:p>
+            <a:r>
+              <a:rPr lang="ko-KR" altLang="en-US" dirty="0"/>
+              <a:t>캐릭터 상태를 맵 마냥 </a:t>
+            </a:r>
+            <a:r>
+              <a:rPr lang="ko-KR" altLang="en-US" dirty="0" err="1"/>
+              <a:t>띄워놔야할지</a:t>
+            </a:r>
+            <a:r>
+              <a:rPr lang="ko-KR" altLang="en-US" dirty="0"/>
+              <a:t> 의문</a:t>
+            </a:r>
+            <a:endParaRPr lang="en-US" altLang="ko-KR" dirty="0"/>
+          </a:p>
+          <a:p>
+            <a:pPr marL="0" indent="0">
+              <a:buNone/>
+            </a:pPr>
+            <a:r>
+              <a:rPr lang="ko-KR" altLang="en-US" dirty="0"/>
+              <a:t>이렇게 </a:t>
+            </a:r>
+            <a:r>
+              <a:rPr lang="ko-KR" altLang="en-US" dirty="0" err="1"/>
+              <a:t>안할꺼면</a:t>
+            </a:r>
+            <a:r>
+              <a:rPr lang="ko-KR" altLang="en-US" dirty="0"/>
+              <a:t> </a:t>
+            </a:r>
+            <a:r>
+              <a:rPr lang="en-US" altLang="ko-KR" dirty="0"/>
+              <a:t>ESC </a:t>
+            </a:r>
+            <a:r>
+              <a:rPr lang="ko-KR" altLang="en-US" dirty="0"/>
+              <a:t>눌렀을 때 상태를 보여주는 창을 만들던가</a:t>
+            </a:r>
           </a:p>
         </p:txBody>
       </p:sp>
     </p:spTree>
     <p:extLst>
       <p:ext uri="{BB962C8B-B14F-4D97-AF65-F5344CB8AC3E}">
-        <p14:creationId xmlns:p14="http://schemas.microsoft.com/office/powerpoint/2010/main" val="3255296743"/>
+        <p14:creationId xmlns:p14="http://schemas.microsoft.com/office/powerpoint/2010/main" val="1492213388"/>
       </p:ext>
     </p:extLst>
   </p:cSld>
